--- a/Track - Machine Learning/Cluster-Analysis-In-R/Cluster Analysis in R.pptx
+++ b/Track - Machine Learning/Cluster-Analysis-In-R/Cluster Analysis in R.pptx
@@ -2,20 +2,25 @@
 <file path=ppt/presentation.xml><?xml version="1.0" encoding="utf-8"?>
 <p:presentation xmlns:a="http://schemas.openxmlformats.org/drawingml/2006/main" xmlns:r="http://schemas.openxmlformats.org/officeDocument/2006/relationships" xmlns:p="http://schemas.openxmlformats.org/presentationml/2006/main" autoCompressPictures="0">
   <p:sldMasterIdLst>
-    <p:sldMasterId id="2147483717" r:id="rId1"/>
+    <p:sldMasterId id="2147483729" r:id="rId1"/>
   </p:sldMasterIdLst>
   <p:sldIdLst>
     <p:sldId id="256" r:id="rId2"/>
     <p:sldId id="257" r:id="rId3"/>
-    <p:sldId id="258" r:id="rId4"/>
+    <p:sldId id="261" r:id="rId4"/>
+    <p:sldId id="258" r:id="rId5"/>
+    <p:sldId id="259" r:id="rId6"/>
+    <p:sldId id="260" r:id="rId7"/>
+    <p:sldId id="262" r:id="rId8"/>
+    <p:sldId id="263" r:id="rId9"/>
   </p:sldIdLst>
-  <p:sldSz cx="12192000" cy="6858000"/>
-  <p:notesSz cx="6858000" cy="9144000"/>
+  <p:sldSz cx="9144000" cy="6858000" type="screen4x3"/>
+  <p:notesSz cx="7010400" cy="9296400"/>
   <p:defaultTextStyle>
     <a:defPPr>
       <a:defRPr lang="en-US"/>
     </a:defPPr>
-    <a:lvl1pPr marL="0" algn="l" defTabSz="914400" rtl="0" eaLnBrk="1" latinLnBrk="0" hangingPunct="1">
+    <a:lvl1pPr marL="0" algn="l" defTabSz="457200" rtl="0" eaLnBrk="1" latinLnBrk="0" hangingPunct="1">
       <a:defRPr sz="1800" kern="1200">
         <a:solidFill>
           <a:schemeClr val="tx1"/>
@@ -25,7 +30,7 @@
         <a:cs typeface="+mn-cs"/>
       </a:defRPr>
     </a:lvl1pPr>
-    <a:lvl2pPr marL="457200" algn="l" defTabSz="914400" rtl="0" eaLnBrk="1" latinLnBrk="0" hangingPunct="1">
+    <a:lvl2pPr marL="457200" algn="l" defTabSz="457200" rtl="0" eaLnBrk="1" latinLnBrk="0" hangingPunct="1">
       <a:defRPr sz="1800" kern="1200">
         <a:solidFill>
           <a:schemeClr val="tx1"/>
@@ -35,7 +40,7 @@
         <a:cs typeface="+mn-cs"/>
       </a:defRPr>
     </a:lvl2pPr>
-    <a:lvl3pPr marL="914400" algn="l" defTabSz="914400" rtl="0" eaLnBrk="1" latinLnBrk="0" hangingPunct="1">
+    <a:lvl3pPr marL="914400" algn="l" defTabSz="457200" rtl="0" eaLnBrk="1" latinLnBrk="0" hangingPunct="1">
       <a:defRPr sz="1800" kern="1200">
         <a:solidFill>
           <a:schemeClr val="tx1"/>
@@ -45,7 +50,7 @@
         <a:cs typeface="+mn-cs"/>
       </a:defRPr>
     </a:lvl3pPr>
-    <a:lvl4pPr marL="1371600" algn="l" defTabSz="914400" rtl="0" eaLnBrk="1" latinLnBrk="0" hangingPunct="1">
+    <a:lvl4pPr marL="1371600" algn="l" defTabSz="457200" rtl="0" eaLnBrk="1" latinLnBrk="0" hangingPunct="1">
       <a:defRPr sz="1800" kern="1200">
         <a:solidFill>
           <a:schemeClr val="tx1"/>
@@ -55,7 +60,7 @@
         <a:cs typeface="+mn-cs"/>
       </a:defRPr>
     </a:lvl4pPr>
-    <a:lvl5pPr marL="1828800" algn="l" defTabSz="914400" rtl="0" eaLnBrk="1" latinLnBrk="0" hangingPunct="1">
+    <a:lvl5pPr marL="1828800" algn="l" defTabSz="457200" rtl="0" eaLnBrk="1" latinLnBrk="0" hangingPunct="1">
       <a:defRPr sz="1800" kern="1200">
         <a:solidFill>
           <a:schemeClr val="tx1"/>
@@ -65,7 +70,7 @@
         <a:cs typeface="+mn-cs"/>
       </a:defRPr>
     </a:lvl5pPr>
-    <a:lvl6pPr marL="2286000" algn="l" defTabSz="914400" rtl="0" eaLnBrk="1" latinLnBrk="0" hangingPunct="1">
+    <a:lvl6pPr marL="2286000" algn="l" defTabSz="457200" rtl="0" eaLnBrk="1" latinLnBrk="0" hangingPunct="1">
       <a:defRPr sz="1800" kern="1200">
         <a:solidFill>
           <a:schemeClr val="tx1"/>
@@ -75,7 +80,7 @@
         <a:cs typeface="+mn-cs"/>
       </a:defRPr>
     </a:lvl6pPr>
-    <a:lvl7pPr marL="2743200" algn="l" defTabSz="914400" rtl="0" eaLnBrk="1" latinLnBrk="0" hangingPunct="1">
+    <a:lvl7pPr marL="2743200" algn="l" defTabSz="457200" rtl="0" eaLnBrk="1" latinLnBrk="0" hangingPunct="1">
       <a:defRPr sz="1800" kern="1200">
         <a:solidFill>
           <a:schemeClr val="tx1"/>
@@ -85,7 +90,7 @@
         <a:cs typeface="+mn-cs"/>
       </a:defRPr>
     </a:lvl7pPr>
-    <a:lvl8pPr marL="3200400" algn="l" defTabSz="914400" rtl="0" eaLnBrk="1" latinLnBrk="0" hangingPunct="1">
+    <a:lvl8pPr marL="3200400" algn="l" defTabSz="457200" rtl="0" eaLnBrk="1" latinLnBrk="0" hangingPunct="1">
       <a:defRPr sz="1800" kern="1200">
         <a:solidFill>
           <a:schemeClr val="tx1"/>
@@ -95,7 +100,7 @@
         <a:cs typeface="+mn-cs"/>
       </a:defRPr>
     </a:lvl8pPr>
-    <a:lvl9pPr marL="3657600" algn="l" defTabSz="914400" rtl="0" eaLnBrk="1" latinLnBrk="0" hangingPunct="1">
+    <a:lvl9pPr marL="3657600" algn="l" defTabSz="457200" rtl="0" eaLnBrk="1" latinLnBrk="0" hangingPunct="1">
       <a:defRPr sz="1800" kern="1200">
         <a:solidFill>
           <a:schemeClr val="tx1"/>
@@ -114,7 +119,7 @@
             <a:srgbClr val="A4A3A4"/>
           </p15:clr>
         </p15:guide>
-        <p15:guide id="2" pos="3864" userDrawn="1">
+        <p15:guide id="2" pos="2898" userDrawn="1">
           <p15:clr>
             <a:srgbClr val="A4A3A4"/>
           </p15:clr>
@@ -1042,6 +1047,13 @@
         </dgm:presLayoutVars>
       </dgm:prSet>
       <dgm:spPr/>
+      <dgm:t>
+        <a:bodyPr/>
+        <a:lstStyle/>
+        <a:p>
+          <a:endParaRPr lang="en-US"/>
+        </a:p>
+      </dgm:t>
     </dgm:pt>
     <dgm:pt modelId="{F709DB4C-4926-4E59-80DF-1068583026EE}" type="pres">
       <dgm:prSet presAssocID="{F025FAA8-A49E-431C-9287-48075BE4BB9F}" presName="parTxOnlySpace" presStyleCnt="0"/>
@@ -1056,6 +1068,13 @@
         </dgm:presLayoutVars>
       </dgm:prSet>
       <dgm:spPr/>
+      <dgm:t>
+        <a:bodyPr/>
+        <a:lstStyle/>
+        <a:p>
+          <a:endParaRPr lang="en-US"/>
+        </a:p>
+      </dgm:t>
     </dgm:pt>
     <dgm:pt modelId="{06F9C3E1-CAD3-4AE4-BE77-E758113F3690}" type="pres">
       <dgm:prSet presAssocID="{192869E4-33D6-4AFD-B306-E6E3A79F2987}" presName="parTxOnlySpace" presStyleCnt="0"/>
@@ -1070,6 +1089,13 @@
         </dgm:presLayoutVars>
       </dgm:prSet>
       <dgm:spPr/>
+      <dgm:t>
+        <a:bodyPr/>
+        <a:lstStyle/>
+        <a:p>
+          <a:endParaRPr lang="en-US"/>
+        </a:p>
+      </dgm:t>
     </dgm:pt>
     <dgm:pt modelId="{7252E518-27D9-4CA0-9C3B-9E0897C503DB}" type="pres">
       <dgm:prSet presAssocID="{01C00FF1-B908-4DEC-B1AF-EA39A92B8E4C}" presName="parTxOnlySpace" presStyleCnt="0"/>
@@ -1084,18 +1110,25 @@
         </dgm:presLayoutVars>
       </dgm:prSet>
       <dgm:spPr/>
+      <dgm:t>
+        <a:bodyPr/>
+        <a:lstStyle/>
+        <a:p>
+          <a:endParaRPr lang="en-US"/>
+        </a:p>
+      </dgm:t>
     </dgm:pt>
   </dgm:ptLst>
   <dgm:cxnLst>
-    <dgm:cxn modelId="{6AECF40E-5785-453B-86A4-B14DB9928F4A}" srcId="{BAC9EB2A-9CFD-41A5-9DAF-524B44E80436}" destId="{AE536757-2C3D-4967-BD33-206E595A2E68}" srcOrd="1" destOrd="0" parTransId="{431D87F6-77E9-4489-B51E-B44FFA02284B}" sibTransId="{192869E4-33D6-4AFD-B306-E6E3A79F2987}"/>
     <dgm:cxn modelId="{61DA802B-0861-4A0F-971F-D22EE58D7A07}" type="presOf" srcId="{5E5AB7FE-2548-4EEF-B3EA-3D256CD50D16}" destId="{FC72D65A-81D5-4A6C-81AC-77E3659CCA6E}" srcOrd="0" destOrd="0" presId="urn:microsoft.com/office/officeart/2005/8/layout/chevron1"/>
     <dgm:cxn modelId="{E7802E2D-6499-4A36-8ED2-A14E8F1547B1}" srcId="{BAC9EB2A-9CFD-41A5-9DAF-524B44E80436}" destId="{DFC28BEC-56AF-4598-9EF6-99D142DAB189}" srcOrd="0" destOrd="0" parTransId="{B0B2F544-457B-439C-A690-5E281EB91046}" sibTransId="{F025FAA8-A49E-431C-9287-48075BE4BB9F}"/>
+    <dgm:cxn modelId="{B5FBA7C7-3AA1-42B7-B87C-F7450B126AF4}" srcId="{BAC9EB2A-9CFD-41A5-9DAF-524B44E80436}" destId="{CE32BDC5-8E22-4423-9E41-73E50B6BA8EA}" srcOrd="3" destOrd="0" parTransId="{7EAE575C-2E9B-477D-A01D-E1DC7A3FF0A3}" sibTransId="{97D7C953-45C1-444E-8136-727DFB383E53}"/>
+    <dgm:cxn modelId="{43BA9442-310C-4F13-A637-6921412B6F84}" srcId="{BAC9EB2A-9CFD-41A5-9DAF-524B44E80436}" destId="{5E5AB7FE-2548-4EEF-B3EA-3D256CD50D16}" srcOrd="2" destOrd="0" parTransId="{49568E4C-D5A7-45BD-967D-A0E167FFE80F}" sibTransId="{01C00FF1-B908-4DEC-B1AF-EA39A92B8E4C}"/>
     <dgm:cxn modelId="{613D0E62-6AE7-43D8-B9AB-8AA7D4E07CC8}" type="presOf" srcId="{AE536757-2C3D-4967-BD33-206E595A2E68}" destId="{C55128A5-DA94-4B56-8E74-61B895E69433}" srcOrd="0" destOrd="0" presId="urn:microsoft.com/office/officeart/2005/8/layout/chevron1"/>
-    <dgm:cxn modelId="{43BA9442-310C-4F13-A637-6921412B6F84}" srcId="{BAC9EB2A-9CFD-41A5-9DAF-524B44E80436}" destId="{5E5AB7FE-2548-4EEF-B3EA-3D256CD50D16}" srcOrd="2" destOrd="0" parTransId="{49568E4C-D5A7-45BD-967D-A0E167FFE80F}" sibTransId="{01C00FF1-B908-4DEC-B1AF-EA39A92B8E4C}"/>
     <dgm:cxn modelId="{91EDC886-4EE2-48C7-BCBF-2CC53EB7F0E7}" type="presOf" srcId="{DFC28BEC-56AF-4598-9EF6-99D142DAB189}" destId="{9A1CA8BB-80DA-42A7-918C-0BCC29197429}" srcOrd="0" destOrd="0" presId="urn:microsoft.com/office/officeart/2005/8/layout/chevron1"/>
+    <dgm:cxn modelId="{F97FDBEC-536A-44B8-90AE-DB9BA602FE2A}" type="presOf" srcId="{CE32BDC5-8E22-4423-9E41-73E50B6BA8EA}" destId="{326E133B-EA0A-4C00-B4AF-BA4B29FF8447}" srcOrd="0" destOrd="0" presId="urn:microsoft.com/office/officeart/2005/8/layout/chevron1"/>
     <dgm:cxn modelId="{F18A72B8-FCFC-44C8-B34B-7BEC1DE1C19D}" type="presOf" srcId="{BAC9EB2A-9CFD-41A5-9DAF-524B44E80436}" destId="{2861A9E9-FAA2-4121-9760-400E7D53BD38}" srcOrd="0" destOrd="0" presId="urn:microsoft.com/office/officeart/2005/8/layout/chevron1"/>
-    <dgm:cxn modelId="{B5FBA7C7-3AA1-42B7-B87C-F7450B126AF4}" srcId="{BAC9EB2A-9CFD-41A5-9DAF-524B44E80436}" destId="{CE32BDC5-8E22-4423-9E41-73E50B6BA8EA}" srcOrd="3" destOrd="0" parTransId="{7EAE575C-2E9B-477D-A01D-E1DC7A3FF0A3}" sibTransId="{97D7C953-45C1-444E-8136-727DFB383E53}"/>
-    <dgm:cxn modelId="{F97FDBEC-536A-44B8-90AE-DB9BA602FE2A}" type="presOf" srcId="{CE32BDC5-8E22-4423-9E41-73E50B6BA8EA}" destId="{326E133B-EA0A-4C00-B4AF-BA4B29FF8447}" srcOrd="0" destOrd="0" presId="urn:microsoft.com/office/officeart/2005/8/layout/chevron1"/>
+    <dgm:cxn modelId="{6AECF40E-5785-453B-86A4-B14DB9928F4A}" srcId="{BAC9EB2A-9CFD-41A5-9DAF-524B44E80436}" destId="{AE536757-2C3D-4967-BD33-206E595A2E68}" srcOrd="1" destOrd="0" parTransId="{431D87F6-77E9-4489-B51E-B44FFA02284B}" sibTransId="{192869E4-33D6-4AFD-B306-E6E3A79F2987}"/>
     <dgm:cxn modelId="{326C59E2-628C-4BFB-9B4E-72AF05BEB369}" type="presParOf" srcId="{2861A9E9-FAA2-4121-9760-400E7D53BD38}" destId="{9A1CA8BB-80DA-42A7-918C-0BCC29197429}" srcOrd="0" destOrd="0" presId="urn:microsoft.com/office/officeart/2005/8/layout/chevron1"/>
     <dgm:cxn modelId="{77D05D5B-9548-4D44-93CD-6EACD0E39634}" type="presParOf" srcId="{2861A9E9-FAA2-4121-9760-400E7D53BD38}" destId="{F709DB4C-4926-4E59-80DF-1068583026EE}" srcOrd="1" destOrd="0" presId="urn:microsoft.com/office/officeart/2005/8/layout/chevron1"/>
     <dgm:cxn modelId="{79E3C0A6-D24A-4FC2-BC76-D5636B8C80ED}" type="presParOf" srcId="{2861A9E9-FAA2-4121-9760-400E7D53BD38}" destId="{C55128A5-DA94-4B56-8E74-61B895E69433}" srcOrd="2" destOrd="0" presId="urn:microsoft.com/office/officeart/2005/8/layout/chevron1"/>
@@ -1129,8 +1162,8 @@
       </dsp:nvSpPr>
       <dsp:spPr>
         <a:xfrm>
-          <a:off x="3770" y="144380"/>
-          <a:ext cx="2194718" cy="877887"/>
+          <a:off x="3093" y="0"/>
+          <a:ext cx="1800960" cy="567896"/>
         </a:xfrm>
         <a:prstGeom prst="chevron">
           <a:avLst/>
@@ -1172,12 +1205,12 @@
         </a:fontRef>
       </dsp:style>
       <dsp:txBody>
-        <a:bodyPr spcFirstLastPara="0" vert="horz" wrap="square" lIns="60008" tIns="20003" rIns="20003" bIns="20003" numCol="1" spcCol="1270" anchor="ctr" anchorCtr="0">
+        <a:bodyPr spcFirstLastPara="0" vert="horz" wrap="square" lIns="48006" tIns="16002" rIns="16002" bIns="16002" numCol="1" spcCol="1270" anchor="ctr" anchorCtr="0">
           <a:noAutofit/>
         </a:bodyPr>
         <a:lstStyle/>
         <a:p>
-          <a:pPr marL="0" lvl="0" indent="0" algn="ctr" defTabSz="666750">
+          <a:pPr lvl="0" algn="ctr" defTabSz="533400">
             <a:lnSpc>
               <a:spcPct val="90000"/>
             </a:lnSpc>
@@ -1187,17 +1220,16 @@
             <a:spcAft>
               <a:spcPct val="35000"/>
             </a:spcAft>
-            <a:buNone/>
           </a:pPr>
           <a:r>
-            <a:rPr lang="en-US" sz="1500" b="1" kern="1200" dirty="0"/>
+            <a:rPr lang="en-US" sz="1200" b="1" kern="1200" dirty="0"/>
             <a:t>Pre-process data</a:t>
           </a:r>
         </a:p>
       </dsp:txBody>
       <dsp:txXfrm>
-        <a:off x="442714" y="144380"/>
-        <a:ext cx="1316831" cy="877887"/>
+        <a:off x="287041" y="0"/>
+        <a:ext cx="1233064" cy="567896"/>
       </dsp:txXfrm>
     </dsp:sp>
     <dsp:sp modelId="{C55128A5-DA94-4B56-8E74-61B895E69433}">
@@ -1207,8 +1239,8 @@
       </dsp:nvSpPr>
       <dsp:spPr>
         <a:xfrm>
-          <a:off x="1979017" y="144380"/>
-          <a:ext cx="2194718" cy="877887"/>
+          <a:off x="1623958" y="0"/>
+          <a:ext cx="1800960" cy="567896"/>
         </a:xfrm>
         <a:prstGeom prst="chevron">
           <a:avLst/>
@@ -1250,12 +1282,12 @@
         </a:fontRef>
       </dsp:style>
       <dsp:txBody>
-        <a:bodyPr spcFirstLastPara="0" vert="horz" wrap="square" lIns="60008" tIns="20003" rIns="20003" bIns="20003" numCol="1" spcCol="1270" anchor="ctr" anchorCtr="0">
+        <a:bodyPr spcFirstLastPara="0" vert="horz" wrap="square" lIns="48006" tIns="16002" rIns="16002" bIns="16002" numCol="1" spcCol="1270" anchor="ctr" anchorCtr="0">
           <a:noAutofit/>
         </a:bodyPr>
         <a:lstStyle/>
         <a:p>
-          <a:pPr marL="0" lvl="0" indent="0" algn="ctr" defTabSz="666750">
+          <a:pPr lvl="0" algn="ctr" defTabSz="533400">
             <a:lnSpc>
               <a:spcPct val="90000"/>
             </a:lnSpc>
@@ -1265,17 +1297,16 @@
             <a:spcAft>
               <a:spcPct val="35000"/>
             </a:spcAft>
-            <a:buNone/>
           </a:pPr>
           <a:r>
-            <a:rPr lang="en-US" sz="1500" b="1" kern="1200" dirty="0"/>
+            <a:rPr lang="en-US" sz="1200" b="1" kern="1200" dirty="0"/>
             <a:t>Select similarity measures</a:t>
           </a:r>
         </a:p>
       </dsp:txBody>
       <dsp:txXfrm>
-        <a:off x="2417961" y="144380"/>
-        <a:ext cx="1316831" cy="877887"/>
+        <a:off x="1907906" y="0"/>
+        <a:ext cx="1233064" cy="567896"/>
       </dsp:txXfrm>
     </dsp:sp>
     <dsp:sp modelId="{FC72D65A-81D5-4A6C-81AC-77E3659CCA6E}">
@@ -1285,8 +1316,8 @@
       </dsp:nvSpPr>
       <dsp:spPr>
         <a:xfrm>
-          <a:off x="3954264" y="144380"/>
-          <a:ext cx="2194718" cy="877887"/>
+          <a:off x="3244822" y="0"/>
+          <a:ext cx="1800960" cy="567896"/>
         </a:xfrm>
         <a:prstGeom prst="chevron">
           <a:avLst/>
@@ -1328,12 +1359,12 @@
         </a:fontRef>
       </dsp:style>
       <dsp:txBody>
-        <a:bodyPr spcFirstLastPara="0" vert="horz" wrap="square" lIns="60008" tIns="20003" rIns="20003" bIns="20003" numCol="1" spcCol="1270" anchor="ctr" anchorCtr="0">
+        <a:bodyPr spcFirstLastPara="0" vert="horz" wrap="square" lIns="48006" tIns="16002" rIns="16002" bIns="16002" numCol="1" spcCol="1270" anchor="ctr" anchorCtr="0">
           <a:noAutofit/>
         </a:bodyPr>
         <a:lstStyle/>
         <a:p>
-          <a:pPr marL="0" lvl="0" indent="0" algn="ctr" defTabSz="666750">
+          <a:pPr lvl="0" algn="ctr" defTabSz="533400">
             <a:lnSpc>
               <a:spcPct val="90000"/>
             </a:lnSpc>
@@ -1343,17 +1374,16 @@
             <a:spcAft>
               <a:spcPct val="35000"/>
             </a:spcAft>
-            <a:buNone/>
           </a:pPr>
           <a:r>
-            <a:rPr lang="en-US" sz="1500" b="1" kern="1200" dirty="0"/>
+            <a:rPr lang="en-US" sz="1200" b="1" kern="1200" dirty="0"/>
             <a:t>Apply clustering method</a:t>
           </a:r>
         </a:p>
       </dsp:txBody>
       <dsp:txXfrm>
-        <a:off x="4393208" y="144380"/>
-        <a:ext cx="1316831" cy="877887"/>
+        <a:off x="3528770" y="0"/>
+        <a:ext cx="1233064" cy="567896"/>
       </dsp:txXfrm>
     </dsp:sp>
     <dsp:sp modelId="{326E133B-EA0A-4C00-B4AF-BA4B29FF8447}">
@@ -1363,8 +1393,8 @@
       </dsp:nvSpPr>
       <dsp:spPr>
         <a:xfrm>
-          <a:off x="5929510" y="144380"/>
-          <a:ext cx="2194718" cy="877887"/>
+          <a:off x="4865687" y="0"/>
+          <a:ext cx="1800960" cy="567896"/>
         </a:xfrm>
         <a:prstGeom prst="chevron">
           <a:avLst/>
@@ -1406,12 +1436,12 @@
         </a:fontRef>
       </dsp:style>
       <dsp:txBody>
-        <a:bodyPr spcFirstLastPara="0" vert="horz" wrap="square" lIns="60008" tIns="20003" rIns="20003" bIns="20003" numCol="1" spcCol="1270" anchor="ctr" anchorCtr="0">
+        <a:bodyPr spcFirstLastPara="0" vert="horz" wrap="square" lIns="48006" tIns="16002" rIns="16002" bIns="16002" numCol="1" spcCol="1270" anchor="ctr" anchorCtr="0">
           <a:noAutofit/>
         </a:bodyPr>
         <a:lstStyle/>
         <a:p>
-          <a:pPr marL="0" lvl="0" indent="0" algn="ctr" defTabSz="666750">
+          <a:pPr lvl="0" algn="ctr" defTabSz="533400">
             <a:lnSpc>
               <a:spcPct val="90000"/>
             </a:lnSpc>
@@ -1421,17 +1451,16 @@
             <a:spcAft>
               <a:spcPct val="35000"/>
             </a:spcAft>
-            <a:buNone/>
           </a:pPr>
           <a:r>
-            <a:rPr lang="en-US" sz="1500" b="1" kern="1200" dirty="0"/>
+            <a:rPr lang="en-US" sz="1200" b="1" kern="1200" dirty="0"/>
             <a:t>Analyze output of clustering method</a:t>
           </a:r>
         </a:p>
       </dsp:txBody>
       <dsp:txXfrm>
-        <a:off x="6368454" y="144380"/>
-        <a:ext cx="1316831" cy="877887"/>
+        <a:off x="5149635" y="0"/>
+        <a:ext cx="1233064" cy="567896"/>
       </dsp:txXfrm>
     </dsp:sp>
   </dsp:spTree>
@@ -2784,8 +2813,8 @@
         </p:nvSpPr>
         <p:spPr>
           <a:xfrm>
-            <a:off x="1524000" y="1122363"/>
-            <a:ext cx="9144000" cy="2387600"/>
+            <a:off x="685800" y="1122363"/>
+            <a:ext cx="7772400" cy="2387600"/>
           </a:xfrm>
         </p:spPr>
         <p:txBody>
@@ -2797,9 +2826,10 @@
           </a:lstStyle>
           <a:p>
             <a:r>
-              <a:rPr lang="en-US"/>
+              <a:rPr lang="en-US" smtClean="0"/>
               <a:t>Click to edit Master title style</a:t>
             </a:r>
+            <a:endParaRPr lang="en-US" dirty="0"/>
           </a:p>
         </p:txBody>
       </p:sp>
@@ -2815,8 +2845,8 @@
         </p:nvSpPr>
         <p:spPr>
           <a:xfrm>
-            <a:off x="1524000" y="3602038"/>
-            <a:ext cx="9144000" cy="1655762"/>
+            <a:off x="1143000" y="3602038"/>
+            <a:ext cx="6858000" cy="1655762"/>
           </a:xfrm>
         </p:spPr>
         <p:txBody>
@@ -2861,9 +2891,10 @@
           </a:lstStyle>
           <a:p>
             <a:r>
-              <a:rPr lang="en-US"/>
+              <a:rPr lang="en-US" smtClean="0"/>
               <a:t>Click to edit Master subtitle style</a:t>
             </a:r>
+            <a:endParaRPr lang="en-US" dirty="0"/>
           </a:p>
         </p:txBody>
       </p:sp>
@@ -2885,7 +2916,7 @@
             <a:fld id="{B61BEF0D-F0BB-DE4B-95CE-6DB70DBA9567}" type="datetimeFigureOut">
               <a:rPr lang="en-US" smtClean="0"/>
               <a:pPr/>
-              <a:t>5/29/2019</a:t>
+              <a:t>5/31/2019</a:t>
             </a:fld>
             <a:endParaRPr lang="en-US" dirty="0"/>
           </a:p>
@@ -2937,7 +2968,7 @@
     </p:spTree>
     <p:extLst>
       <p:ext uri="{BB962C8B-B14F-4D97-AF65-F5344CB8AC3E}">
-        <p14:creationId xmlns:p14="http://schemas.microsoft.com/office/powerpoint/2010/main" val="2126731587"/>
+        <p14:creationId xmlns:p14="http://schemas.microsoft.com/office/powerpoint/2010/main" val="2252245707"/>
       </p:ext>
     </p:extLst>
   </p:cSld>
@@ -2980,9 +3011,10 @@
           <a:lstStyle/>
           <a:p>
             <a:r>
-              <a:rPr lang="en-US"/>
+              <a:rPr lang="en-US" smtClean="0"/>
               <a:t>Click to edit Master title style</a:t>
             </a:r>
+            <a:endParaRPr lang="en-US" dirty="0"/>
           </a:p>
         </p:txBody>
       </p:sp>
@@ -3003,37 +3035,38 @@
           <a:p>
             <a:pPr lvl="0"/>
             <a:r>
-              <a:rPr lang="en-US"/>
+              <a:rPr lang="en-US" smtClean="0"/>
               <a:t>Edit Master text styles</a:t>
             </a:r>
           </a:p>
           <a:p>
             <a:pPr lvl="1"/>
             <a:r>
-              <a:rPr lang="en-US"/>
+              <a:rPr lang="en-US" smtClean="0"/>
               <a:t>Second level</a:t>
             </a:r>
           </a:p>
           <a:p>
             <a:pPr lvl="2"/>
             <a:r>
-              <a:rPr lang="en-US"/>
+              <a:rPr lang="en-US" smtClean="0"/>
               <a:t>Third level</a:t>
             </a:r>
           </a:p>
           <a:p>
             <a:pPr lvl="3"/>
             <a:r>
-              <a:rPr lang="en-US"/>
+              <a:rPr lang="en-US" smtClean="0"/>
               <a:t>Fourth level</a:t>
             </a:r>
           </a:p>
           <a:p>
             <a:pPr lvl="4"/>
             <a:r>
-              <a:rPr lang="en-US"/>
+              <a:rPr lang="en-US" smtClean="0"/>
               <a:t>Fifth level</a:t>
             </a:r>
+            <a:endParaRPr lang="en-US" dirty="0"/>
           </a:p>
         </p:txBody>
       </p:sp>
@@ -3055,7 +3088,7 @@
             <a:fld id="{B61BEF0D-F0BB-DE4B-95CE-6DB70DBA9567}" type="datetimeFigureOut">
               <a:rPr lang="en-US" smtClean="0"/>
               <a:pPr/>
-              <a:t>5/29/2019</a:t>
+              <a:t>5/31/2019</a:t>
             </a:fld>
             <a:endParaRPr lang="en-US" dirty="0"/>
           </a:p>
@@ -3107,7 +3140,7 @@
     </p:spTree>
     <p:extLst>
       <p:ext uri="{BB962C8B-B14F-4D97-AF65-F5344CB8AC3E}">
-        <p14:creationId xmlns:p14="http://schemas.microsoft.com/office/powerpoint/2010/main" val="3642680571"/>
+        <p14:creationId xmlns:p14="http://schemas.microsoft.com/office/powerpoint/2010/main" val="3119798018"/>
       </p:ext>
     </p:extLst>
   </p:cSld>
@@ -3146,8 +3179,8 @@
         </p:nvSpPr>
         <p:spPr>
           <a:xfrm>
-            <a:off x="8724900" y="365125"/>
-            <a:ext cx="2628900" cy="5811838"/>
+            <a:off x="6543675" y="365125"/>
+            <a:ext cx="1971675" cy="5811838"/>
           </a:xfrm>
         </p:spPr>
         <p:txBody>
@@ -3155,9 +3188,10 @@
           <a:lstStyle/>
           <a:p>
             <a:r>
-              <a:rPr lang="en-US"/>
+              <a:rPr lang="en-US" smtClean="0"/>
               <a:t>Click to edit Master title style</a:t>
             </a:r>
+            <a:endParaRPr lang="en-US" dirty="0"/>
           </a:p>
         </p:txBody>
       </p:sp>
@@ -3173,8 +3207,8 @@
         </p:nvSpPr>
         <p:spPr>
           <a:xfrm>
-            <a:off x="838200" y="365125"/>
-            <a:ext cx="7734300" cy="5811838"/>
+            <a:off x="628650" y="365125"/>
+            <a:ext cx="5800725" cy="5811838"/>
           </a:xfrm>
         </p:spPr>
         <p:txBody>
@@ -3183,37 +3217,38 @@
           <a:p>
             <a:pPr lvl="0"/>
             <a:r>
-              <a:rPr lang="en-US"/>
+              <a:rPr lang="en-US" smtClean="0"/>
               <a:t>Edit Master text styles</a:t>
             </a:r>
           </a:p>
           <a:p>
             <a:pPr lvl="1"/>
             <a:r>
-              <a:rPr lang="en-US"/>
+              <a:rPr lang="en-US" smtClean="0"/>
               <a:t>Second level</a:t>
             </a:r>
           </a:p>
           <a:p>
             <a:pPr lvl="2"/>
             <a:r>
-              <a:rPr lang="en-US"/>
+              <a:rPr lang="en-US" smtClean="0"/>
               <a:t>Third level</a:t>
             </a:r>
           </a:p>
           <a:p>
             <a:pPr lvl="3"/>
             <a:r>
-              <a:rPr lang="en-US"/>
+              <a:rPr lang="en-US" smtClean="0"/>
               <a:t>Fourth level</a:t>
             </a:r>
           </a:p>
           <a:p>
             <a:pPr lvl="4"/>
             <a:r>
-              <a:rPr lang="en-US"/>
+              <a:rPr lang="en-US" smtClean="0"/>
               <a:t>Fifth level</a:t>
             </a:r>
+            <a:endParaRPr lang="en-US" dirty="0"/>
           </a:p>
         </p:txBody>
       </p:sp>
@@ -3235,7 +3270,7 @@
             <a:fld id="{B61BEF0D-F0BB-DE4B-95CE-6DB70DBA9567}" type="datetimeFigureOut">
               <a:rPr lang="en-US" smtClean="0"/>
               <a:pPr/>
-              <a:t>5/29/2019</a:t>
+              <a:t>5/31/2019</a:t>
             </a:fld>
             <a:endParaRPr lang="en-US" dirty="0"/>
           </a:p>
@@ -3287,7 +3322,7 @@
     </p:spTree>
     <p:extLst>
       <p:ext uri="{BB962C8B-B14F-4D97-AF65-F5344CB8AC3E}">
-        <p14:creationId xmlns:p14="http://schemas.microsoft.com/office/powerpoint/2010/main" val="2056273857"/>
+        <p14:creationId xmlns:p14="http://schemas.microsoft.com/office/powerpoint/2010/main" val="2440155142"/>
       </p:ext>
     </p:extLst>
   </p:cSld>
@@ -3330,9 +3365,10 @@
           <a:lstStyle/>
           <a:p>
             <a:r>
-              <a:rPr lang="en-US"/>
+              <a:rPr lang="en-US" smtClean="0"/>
               <a:t>Click to edit Master title style</a:t>
             </a:r>
+            <a:endParaRPr lang="en-US" dirty="0"/>
           </a:p>
         </p:txBody>
       </p:sp>
@@ -3353,37 +3389,38 @@
           <a:p>
             <a:pPr lvl="0"/>
             <a:r>
-              <a:rPr lang="en-US"/>
+              <a:rPr lang="en-US" smtClean="0"/>
               <a:t>Edit Master text styles</a:t>
             </a:r>
           </a:p>
           <a:p>
             <a:pPr lvl="1"/>
             <a:r>
-              <a:rPr lang="en-US"/>
+              <a:rPr lang="en-US" smtClean="0"/>
               <a:t>Second level</a:t>
             </a:r>
           </a:p>
           <a:p>
             <a:pPr lvl="2"/>
             <a:r>
-              <a:rPr lang="en-US"/>
+              <a:rPr lang="en-US" smtClean="0"/>
               <a:t>Third level</a:t>
             </a:r>
           </a:p>
           <a:p>
             <a:pPr lvl="3"/>
             <a:r>
-              <a:rPr lang="en-US"/>
+              <a:rPr lang="en-US" smtClean="0"/>
               <a:t>Fourth level</a:t>
             </a:r>
           </a:p>
           <a:p>
             <a:pPr lvl="4"/>
             <a:r>
-              <a:rPr lang="en-US"/>
+              <a:rPr lang="en-US" smtClean="0"/>
               <a:t>Fifth level</a:t>
             </a:r>
+            <a:endParaRPr lang="en-US" dirty="0"/>
           </a:p>
         </p:txBody>
       </p:sp>
@@ -3405,7 +3442,7 @@
             <a:fld id="{B61BEF0D-F0BB-DE4B-95CE-6DB70DBA9567}" type="datetimeFigureOut">
               <a:rPr lang="en-US" smtClean="0"/>
               <a:pPr/>
-              <a:t>5/29/2019</a:t>
+              <a:t>5/31/2019</a:t>
             </a:fld>
             <a:endParaRPr lang="en-US" dirty="0"/>
           </a:p>
@@ -3457,7 +3494,7 @@
     </p:spTree>
     <p:extLst>
       <p:ext uri="{BB962C8B-B14F-4D97-AF65-F5344CB8AC3E}">
-        <p14:creationId xmlns:p14="http://schemas.microsoft.com/office/powerpoint/2010/main" val="2728751845"/>
+        <p14:creationId xmlns:p14="http://schemas.microsoft.com/office/powerpoint/2010/main" val="1786748240"/>
       </p:ext>
     </p:extLst>
   </p:cSld>
@@ -3496,8 +3533,8 @@
         </p:nvSpPr>
         <p:spPr>
           <a:xfrm>
-            <a:off x="831850" y="1709738"/>
-            <a:ext cx="10515600" cy="2852737"/>
+            <a:off x="623888" y="1709739"/>
+            <a:ext cx="7886700" cy="2852737"/>
           </a:xfrm>
         </p:spPr>
         <p:txBody>
@@ -3509,9 +3546,10 @@
           </a:lstStyle>
           <a:p>
             <a:r>
-              <a:rPr lang="en-US"/>
+              <a:rPr lang="en-US" smtClean="0"/>
               <a:t>Click to edit Master title style</a:t>
             </a:r>
+            <a:endParaRPr lang="en-US" dirty="0"/>
           </a:p>
         </p:txBody>
       </p:sp>
@@ -3527,8 +3565,8 @@
         </p:nvSpPr>
         <p:spPr>
           <a:xfrm>
-            <a:off x="831850" y="4589463"/>
-            <a:ext cx="10515600" cy="1500187"/>
+            <a:off x="623888" y="4589464"/>
+            <a:ext cx="7886700" cy="1500187"/>
           </a:xfrm>
         </p:spPr>
         <p:txBody>
@@ -3538,9 +3576,7 @@
               <a:buNone/>
               <a:defRPr sz="2400">
                 <a:solidFill>
-                  <a:schemeClr val="tx1">
-                    <a:tint val="75000"/>
-                  </a:schemeClr>
+                  <a:schemeClr val="tx1"/>
                 </a:solidFill>
               </a:defRPr>
             </a:lvl1pPr>
@@ -3628,7 +3664,7 @@
           <a:p>
             <a:pPr lvl="0"/>
             <a:r>
-              <a:rPr lang="en-US"/>
+              <a:rPr lang="en-US" smtClean="0"/>
               <a:t>Edit Master text styles</a:t>
             </a:r>
           </a:p>
@@ -3652,7 +3688,7 @@
             <a:fld id="{B61BEF0D-F0BB-DE4B-95CE-6DB70DBA9567}" type="datetimeFigureOut">
               <a:rPr lang="en-US" smtClean="0"/>
               <a:pPr/>
-              <a:t>5/29/2019</a:t>
+              <a:t>5/31/2019</a:t>
             </a:fld>
             <a:endParaRPr lang="en-US" dirty="0"/>
           </a:p>
@@ -3704,7 +3740,7 @@
     </p:spTree>
     <p:extLst>
       <p:ext uri="{BB962C8B-B14F-4D97-AF65-F5344CB8AC3E}">
-        <p14:creationId xmlns:p14="http://schemas.microsoft.com/office/powerpoint/2010/main" val="620507022"/>
+        <p14:creationId xmlns:p14="http://schemas.microsoft.com/office/powerpoint/2010/main" val="1623413349"/>
       </p:ext>
     </p:extLst>
   </p:cSld>
@@ -3747,9 +3783,10 @@
           <a:lstStyle/>
           <a:p>
             <a:r>
-              <a:rPr lang="en-US"/>
+              <a:rPr lang="en-US" smtClean="0"/>
               <a:t>Click to edit Master title style</a:t>
             </a:r>
+            <a:endParaRPr lang="en-US" dirty="0"/>
           </a:p>
         </p:txBody>
       </p:sp>
@@ -3765,8 +3802,8 @@
         </p:nvSpPr>
         <p:spPr>
           <a:xfrm>
-            <a:off x="838200" y="1825625"/>
-            <a:ext cx="5181600" cy="4351338"/>
+            <a:off x="628650" y="1825625"/>
+            <a:ext cx="3886200" cy="4351338"/>
           </a:xfrm>
         </p:spPr>
         <p:txBody>
@@ -3775,37 +3812,38 @@
           <a:p>
             <a:pPr lvl="0"/>
             <a:r>
-              <a:rPr lang="en-US"/>
+              <a:rPr lang="en-US" smtClean="0"/>
               <a:t>Edit Master text styles</a:t>
             </a:r>
           </a:p>
           <a:p>
             <a:pPr lvl="1"/>
             <a:r>
-              <a:rPr lang="en-US"/>
+              <a:rPr lang="en-US" smtClean="0"/>
               <a:t>Second level</a:t>
             </a:r>
           </a:p>
           <a:p>
             <a:pPr lvl="2"/>
             <a:r>
-              <a:rPr lang="en-US"/>
+              <a:rPr lang="en-US" smtClean="0"/>
               <a:t>Third level</a:t>
             </a:r>
           </a:p>
           <a:p>
             <a:pPr lvl="3"/>
             <a:r>
-              <a:rPr lang="en-US"/>
+              <a:rPr lang="en-US" smtClean="0"/>
               <a:t>Fourth level</a:t>
             </a:r>
           </a:p>
           <a:p>
             <a:pPr lvl="4"/>
             <a:r>
-              <a:rPr lang="en-US"/>
+              <a:rPr lang="en-US" smtClean="0"/>
               <a:t>Fifth level</a:t>
             </a:r>
+            <a:endParaRPr lang="en-US" dirty="0"/>
           </a:p>
         </p:txBody>
       </p:sp>
@@ -3821,8 +3859,8 @@
         </p:nvSpPr>
         <p:spPr>
           <a:xfrm>
-            <a:off x="6172200" y="1825625"/>
-            <a:ext cx="5181600" cy="4351338"/>
+            <a:off x="4629150" y="1825625"/>
+            <a:ext cx="3886200" cy="4351338"/>
           </a:xfrm>
         </p:spPr>
         <p:txBody>
@@ -3831,37 +3869,38 @@
           <a:p>
             <a:pPr lvl="0"/>
             <a:r>
-              <a:rPr lang="en-US"/>
+              <a:rPr lang="en-US" smtClean="0"/>
               <a:t>Edit Master text styles</a:t>
             </a:r>
           </a:p>
           <a:p>
             <a:pPr lvl="1"/>
             <a:r>
-              <a:rPr lang="en-US"/>
+              <a:rPr lang="en-US" smtClean="0"/>
               <a:t>Second level</a:t>
             </a:r>
           </a:p>
           <a:p>
             <a:pPr lvl="2"/>
             <a:r>
-              <a:rPr lang="en-US"/>
+              <a:rPr lang="en-US" smtClean="0"/>
               <a:t>Third level</a:t>
             </a:r>
           </a:p>
           <a:p>
             <a:pPr lvl="3"/>
             <a:r>
-              <a:rPr lang="en-US"/>
+              <a:rPr lang="en-US" smtClean="0"/>
               <a:t>Fourth level</a:t>
             </a:r>
           </a:p>
           <a:p>
             <a:pPr lvl="4"/>
             <a:r>
-              <a:rPr lang="en-US"/>
+              <a:rPr lang="en-US" smtClean="0"/>
               <a:t>Fifth level</a:t>
             </a:r>
+            <a:endParaRPr lang="en-US" dirty="0"/>
           </a:p>
         </p:txBody>
       </p:sp>
@@ -3883,7 +3922,7 @@
             <a:fld id="{B61BEF0D-F0BB-DE4B-95CE-6DB70DBA9567}" type="datetimeFigureOut">
               <a:rPr lang="en-US" smtClean="0"/>
               <a:pPr/>
-              <a:t>5/29/2019</a:t>
+              <a:t>5/31/2019</a:t>
             </a:fld>
             <a:endParaRPr lang="en-US" dirty="0"/>
           </a:p>
@@ -3935,7 +3974,7 @@
     </p:spTree>
     <p:extLst>
       <p:ext uri="{BB962C8B-B14F-4D97-AF65-F5344CB8AC3E}">
-        <p14:creationId xmlns:p14="http://schemas.microsoft.com/office/powerpoint/2010/main" val="2461624765"/>
+        <p14:creationId xmlns:p14="http://schemas.microsoft.com/office/powerpoint/2010/main" val="40372463"/>
       </p:ext>
     </p:extLst>
   </p:cSld>
@@ -3974,8 +4013,8 @@
         </p:nvSpPr>
         <p:spPr>
           <a:xfrm>
-            <a:off x="839788" y="365125"/>
-            <a:ext cx="10515600" cy="1325563"/>
+            <a:off x="629841" y="365126"/>
+            <a:ext cx="7886700" cy="1325563"/>
           </a:xfrm>
         </p:spPr>
         <p:txBody>
@@ -3983,9 +4022,10 @@
           <a:lstStyle/>
           <a:p>
             <a:r>
-              <a:rPr lang="en-US"/>
+              <a:rPr lang="en-US" smtClean="0"/>
               <a:t>Click to edit Master title style</a:t>
             </a:r>
+            <a:endParaRPr lang="en-US" dirty="0"/>
           </a:p>
         </p:txBody>
       </p:sp>
@@ -4001,8 +4041,8 @@
         </p:nvSpPr>
         <p:spPr>
           <a:xfrm>
-            <a:off x="839788" y="1681163"/>
-            <a:ext cx="5157787" cy="823912"/>
+            <a:off x="629842" y="1681163"/>
+            <a:ext cx="3868340" cy="823912"/>
           </a:xfrm>
         </p:spPr>
         <p:txBody>
@@ -4048,7 +4088,7 @@
           <a:p>
             <a:pPr lvl="0"/>
             <a:r>
-              <a:rPr lang="en-US"/>
+              <a:rPr lang="en-US" smtClean="0"/>
               <a:t>Edit Master text styles</a:t>
             </a:r>
           </a:p>
@@ -4066,8 +4106,8 @@
         </p:nvSpPr>
         <p:spPr>
           <a:xfrm>
-            <a:off x="839788" y="2505075"/>
-            <a:ext cx="5157787" cy="3684588"/>
+            <a:off x="629842" y="2505075"/>
+            <a:ext cx="3868340" cy="3684588"/>
           </a:xfrm>
         </p:spPr>
         <p:txBody>
@@ -4076,37 +4116,38 @@
           <a:p>
             <a:pPr lvl="0"/>
             <a:r>
-              <a:rPr lang="en-US"/>
+              <a:rPr lang="en-US" smtClean="0"/>
               <a:t>Edit Master text styles</a:t>
             </a:r>
           </a:p>
           <a:p>
             <a:pPr lvl="1"/>
             <a:r>
-              <a:rPr lang="en-US"/>
+              <a:rPr lang="en-US" smtClean="0"/>
               <a:t>Second level</a:t>
             </a:r>
           </a:p>
           <a:p>
             <a:pPr lvl="2"/>
             <a:r>
-              <a:rPr lang="en-US"/>
+              <a:rPr lang="en-US" smtClean="0"/>
               <a:t>Third level</a:t>
             </a:r>
           </a:p>
           <a:p>
             <a:pPr lvl="3"/>
             <a:r>
-              <a:rPr lang="en-US"/>
+              <a:rPr lang="en-US" smtClean="0"/>
               <a:t>Fourth level</a:t>
             </a:r>
           </a:p>
           <a:p>
             <a:pPr lvl="4"/>
             <a:r>
-              <a:rPr lang="en-US"/>
+              <a:rPr lang="en-US" smtClean="0"/>
               <a:t>Fifth level</a:t>
             </a:r>
+            <a:endParaRPr lang="en-US" dirty="0"/>
           </a:p>
         </p:txBody>
       </p:sp>
@@ -4122,8 +4163,8 @@
         </p:nvSpPr>
         <p:spPr>
           <a:xfrm>
-            <a:off x="6172200" y="1681163"/>
-            <a:ext cx="5183188" cy="823912"/>
+            <a:off x="4629150" y="1681163"/>
+            <a:ext cx="3887391" cy="823912"/>
           </a:xfrm>
         </p:spPr>
         <p:txBody>
@@ -4169,7 +4210,7 @@
           <a:p>
             <a:pPr lvl="0"/>
             <a:r>
-              <a:rPr lang="en-US"/>
+              <a:rPr lang="en-US" smtClean="0"/>
               <a:t>Edit Master text styles</a:t>
             </a:r>
           </a:p>
@@ -4187,8 +4228,8 @@
         </p:nvSpPr>
         <p:spPr>
           <a:xfrm>
-            <a:off x="6172200" y="2505075"/>
-            <a:ext cx="5183188" cy="3684588"/>
+            <a:off x="4629150" y="2505075"/>
+            <a:ext cx="3887391" cy="3684588"/>
           </a:xfrm>
         </p:spPr>
         <p:txBody>
@@ -4197,37 +4238,38 @@
           <a:p>
             <a:pPr lvl="0"/>
             <a:r>
-              <a:rPr lang="en-US"/>
+              <a:rPr lang="en-US" smtClean="0"/>
               <a:t>Edit Master text styles</a:t>
             </a:r>
           </a:p>
           <a:p>
             <a:pPr lvl="1"/>
             <a:r>
-              <a:rPr lang="en-US"/>
+              <a:rPr lang="en-US" smtClean="0"/>
               <a:t>Second level</a:t>
             </a:r>
           </a:p>
           <a:p>
             <a:pPr lvl="2"/>
             <a:r>
-              <a:rPr lang="en-US"/>
+              <a:rPr lang="en-US" smtClean="0"/>
               <a:t>Third level</a:t>
             </a:r>
           </a:p>
           <a:p>
             <a:pPr lvl="3"/>
             <a:r>
-              <a:rPr lang="en-US"/>
+              <a:rPr lang="en-US" smtClean="0"/>
               <a:t>Fourth level</a:t>
             </a:r>
           </a:p>
           <a:p>
             <a:pPr lvl="4"/>
             <a:r>
-              <a:rPr lang="en-US"/>
+              <a:rPr lang="en-US" smtClean="0"/>
               <a:t>Fifth level</a:t>
             </a:r>
+            <a:endParaRPr lang="en-US" dirty="0"/>
           </a:p>
         </p:txBody>
       </p:sp>
@@ -4249,7 +4291,7 @@
             <a:fld id="{B61BEF0D-F0BB-DE4B-95CE-6DB70DBA9567}" type="datetimeFigureOut">
               <a:rPr lang="en-US" smtClean="0"/>
               <a:pPr/>
-              <a:t>5/29/2019</a:t>
+              <a:t>5/31/2019</a:t>
             </a:fld>
             <a:endParaRPr lang="en-US" dirty="0"/>
           </a:p>
@@ -4301,7 +4343,7 @@
     </p:spTree>
     <p:extLst>
       <p:ext uri="{BB962C8B-B14F-4D97-AF65-F5344CB8AC3E}">
-        <p14:creationId xmlns:p14="http://schemas.microsoft.com/office/powerpoint/2010/main" val="808619574"/>
+        <p14:creationId xmlns:p14="http://schemas.microsoft.com/office/powerpoint/2010/main" val="1751127036"/>
       </p:ext>
     </p:extLst>
   </p:cSld>
@@ -4344,9 +4386,10 @@
           <a:lstStyle/>
           <a:p>
             <a:r>
-              <a:rPr lang="en-US"/>
+              <a:rPr lang="en-US" smtClean="0"/>
               <a:t>Click to edit Master title style</a:t>
             </a:r>
+            <a:endParaRPr lang="en-US" dirty="0"/>
           </a:p>
         </p:txBody>
       </p:sp>
@@ -4368,7 +4411,7 @@
             <a:fld id="{B61BEF0D-F0BB-DE4B-95CE-6DB70DBA9567}" type="datetimeFigureOut">
               <a:rPr lang="en-US" smtClean="0"/>
               <a:pPr/>
-              <a:t>5/29/2019</a:t>
+              <a:t>5/31/2019</a:t>
             </a:fld>
             <a:endParaRPr lang="en-US" dirty="0"/>
           </a:p>
@@ -4420,7 +4463,7 @@
     </p:spTree>
     <p:extLst>
       <p:ext uri="{BB962C8B-B14F-4D97-AF65-F5344CB8AC3E}">
-        <p14:creationId xmlns:p14="http://schemas.microsoft.com/office/powerpoint/2010/main" val="2830575202"/>
+        <p14:creationId xmlns:p14="http://schemas.microsoft.com/office/powerpoint/2010/main" val="3890198317"/>
       </p:ext>
     </p:extLst>
   </p:cSld>
@@ -4465,7 +4508,7 @@
             <a:fld id="{B61BEF0D-F0BB-DE4B-95CE-6DB70DBA9567}" type="datetimeFigureOut">
               <a:rPr lang="en-US" smtClean="0"/>
               <a:pPr/>
-              <a:t>5/29/2019</a:t>
+              <a:t>5/31/2019</a:t>
             </a:fld>
             <a:endParaRPr lang="en-US" dirty="0"/>
           </a:p>
@@ -4517,7 +4560,7 @@
     </p:spTree>
     <p:extLst>
       <p:ext uri="{BB962C8B-B14F-4D97-AF65-F5344CB8AC3E}">
-        <p14:creationId xmlns:p14="http://schemas.microsoft.com/office/powerpoint/2010/main" val="1242910380"/>
+        <p14:creationId xmlns:p14="http://schemas.microsoft.com/office/powerpoint/2010/main" val="980791537"/>
       </p:ext>
     </p:extLst>
   </p:cSld>
@@ -4556,8 +4599,8 @@
         </p:nvSpPr>
         <p:spPr>
           <a:xfrm>
-            <a:off x="839788" y="457200"/>
-            <a:ext cx="3932237" cy="1600200"/>
+            <a:off x="629841" y="457200"/>
+            <a:ext cx="2949178" cy="1600200"/>
           </a:xfrm>
         </p:spPr>
         <p:txBody>
@@ -4569,9 +4612,10 @@
           </a:lstStyle>
           <a:p>
             <a:r>
-              <a:rPr lang="en-US"/>
+              <a:rPr lang="en-US" smtClean="0"/>
               <a:t>Click to edit Master title style</a:t>
             </a:r>
+            <a:endParaRPr lang="en-US" dirty="0"/>
           </a:p>
         </p:txBody>
       </p:sp>
@@ -4587,8 +4631,8 @@
         </p:nvSpPr>
         <p:spPr>
           <a:xfrm>
-            <a:off x="5183188" y="987425"/>
-            <a:ext cx="6172200" cy="4873625"/>
+            <a:off x="3887391" y="987426"/>
+            <a:ext cx="4629150" cy="4873625"/>
           </a:xfrm>
         </p:spPr>
         <p:txBody>
@@ -4625,37 +4669,38 @@
           <a:p>
             <a:pPr lvl="0"/>
             <a:r>
-              <a:rPr lang="en-US"/>
+              <a:rPr lang="en-US" smtClean="0"/>
               <a:t>Edit Master text styles</a:t>
             </a:r>
           </a:p>
           <a:p>
             <a:pPr lvl="1"/>
             <a:r>
-              <a:rPr lang="en-US"/>
+              <a:rPr lang="en-US" smtClean="0"/>
               <a:t>Second level</a:t>
             </a:r>
           </a:p>
           <a:p>
             <a:pPr lvl="2"/>
             <a:r>
-              <a:rPr lang="en-US"/>
+              <a:rPr lang="en-US" smtClean="0"/>
               <a:t>Third level</a:t>
             </a:r>
           </a:p>
           <a:p>
             <a:pPr lvl="3"/>
             <a:r>
-              <a:rPr lang="en-US"/>
+              <a:rPr lang="en-US" smtClean="0"/>
               <a:t>Fourth level</a:t>
             </a:r>
           </a:p>
           <a:p>
             <a:pPr lvl="4"/>
             <a:r>
-              <a:rPr lang="en-US"/>
+              <a:rPr lang="en-US" smtClean="0"/>
               <a:t>Fifth level</a:t>
             </a:r>
+            <a:endParaRPr lang="en-US" dirty="0"/>
           </a:p>
         </p:txBody>
       </p:sp>
@@ -4671,8 +4716,8 @@
         </p:nvSpPr>
         <p:spPr>
           <a:xfrm>
-            <a:off x="839788" y="2057400"/>
-            <a:ext cx="3932237" cy="3811588"/>
+            <a:off x="629841" y="2057400"/>
+            <a:ext cx="2949178" cy="3811588"/>
           </a:xfrm>
         </p:spPr>
         <p:txBody>
@@ -4718,7 +4763,7 @@
           <a:p>
             <a:pPr lvl="0"/>
             <a:r>
-              <a:rPr lang="en-US"/>
+              <a:rPr lang="en-US" smtClean="0"/>
               <a:t>Edit Master text styles</a:t>
             </a:r>
           </a:p>
@@ -4742,7 +4787,7 @@
             <a:fld id="{B61BEF0D-F0BB-DE4B-95CE-6DB70DBA9567}" type="datetimeFigureOut">
               <a:rPr lang="en-US" smtClean="0"/>
               <a:pPr/>
-              <a:t>5/29/2019</a:t>
+              <a:t>5/31/2019</a:t>
             </a:fld>
             <a:endParaRPr lang="en-US" dirty="0"/>
           </a:p>
@@ -4794,7 +4839,7 @@
     </p:spTree>
     <p:extLst>
       <p:ext uri="{BB962C8B-B14F-4D97-AF65-F5344CB8AC3E}">
-        <p14:creationId xmlns:p14="http://schemas.microsoft.com/office/powerpoint/2010/main" val="1599023817"/>
+        <p14:creationId xmlns:p14="http://schemas.microsoft.com/office/powerpoint/2010/main" val="1629952828"/>
       </p:ext>
     </p:extLst>
   </p:cSld>
@@ -4833,8 +4878,8 @@
         </p:nvSpPr>
         <p:spPr>
           <a:xfrm>
-            <a:off x="839788" y="457200"/>
-            <a:ext cx="3932237" cy="1600200"/>
+            <a:off x="629841" y="457200"/>
+            <a:ext cx="2949178" cy="1600200"/>
           </a:xfrm>
         </p:spPr>
         <p:txBody>
@@ -4846,9 +4891,10 @@
           </a:lstStyle>
           <a:p>
             <a:r>
-              <a:rPr lang="en-US"/>
+              <a:rPr lang="en-US" smtClean="0"/>
               <a:t>Click to edit Master title style</a:t>
             </a:r>
+            <a:endParaRPr lang="en-US" dirty="0"/>
           </a:p>
         </p:txBody>
       </p:sp>
@@ -4856,7 +4902,7 @@
         <p:nvSpPr>
           <p:cNvPr id="3" name="Picture Placeholder 2"/>
           <p:cNvSpPr>
-            <a:spLocks noGrp="1"/>
+            <a:spLocks noGrp="1" noChangeAspect="1"/>
           </p:cNvSpPr>
           <p:nvPr>
             <p:ph type="pic" idx="1"/>
@@ -4864,12 +4910,12 @@
         </p:nvSpPr>
         <p:spPr>
           <a:xfrm>
-            <a:off x="5183188" y="987425"/>
-            <a:ext cx="6172200" cy="4873625"/>
+            <a:off x="3887391" y="987426"/>
+            <a:ext cx="4629150" cy="4873625"/>
           </a:xfrm>
         </p:spPr>
         <p:txBody>
-          <a:bodyPr/>
+          <a:bodyPr anchor="t"/>
           <a:lstStyle>
             <a:lvl1pPr marL="0" indent="0">
               <a:buNone/>
@@ -4909,7 +4955,11 @@
             </a:lvl9pPr>
           </a:lstStyle>
           <a:p>
-            <a:endParaRPr lang="en-US"/>
+            <a:r>
+              <a:rPr lang="en-US" smtClean="0"/>
+              <a:t>Click icon to add picture</a:t>
+            </a:r>
+            <a:endParaRPr lang="en-US" dirty="0"/>
           </a:p>
         </p:txBody>
       </p:sp>
@@ -4925,8 +4975,8 @@
         </p:nvSpPr>
         <p:spPr>
           <a:xfrm>
-            <a:off x="839788" y="2057400"/>
-            <a:ext cx="3932237" cy="3811588"/>
+            <a:off x="629841" y="2057400"/>
+            <a:ext cx="2949178" cy="3811588"/>
           </a:xfrm>
         </p:spPr>
         <p:txBody>
@@ -4972,7 +5022,7 @@
           <a:p>
             <a:pPr lvl="0"/>
             <a:r>
-              <a:rPr lang="en-US"/>
+              <a:rPr lang="en-US" smtClean="0"/>
               <a:t>Edit Master text styles</a:t>
             </a:r>
           </a:p>
@@ -4996,7 +5046,7 @@
             <a:fld id="{B61BEF0D-F0BB-DE4B-95CE-6DB70DBA9567}" type="datetimeFigureOut">
               <a:rPr lang="en-US" smtClean="0"/>
               <a:pPr/>
-              <a:t>5/29/2019</a:t>
+              <a:t>5/31/2019</a:t>
             </a:fld>
             <a:endParaRPr lang="en-US" dirty="0"/>
           </a:p>
@@ -5048,7 +5098,7 @@
     </p:spTree>
     <p:extLst>
       <p:ext uri="{BB962C8B-B14F-4D97-AF65-F5344CB8AC3E}">
-        <p14:creationId xmlns:p14="http://schemas.microsoft.com/office/powerpoint/2010/main" val="84994402"/>
+        <p14:creationId xmlns:p14="http://schemas.microsoft.com/office/powerpoint/2010/main" val="321263614"/>
       </p:ext>
     </p:extLst>
   </p:cSld>
@@ -5092,8 +5142,8 @@
         </p:nvSpPr>
         <p:spPr>
           <a:xfrm>
-            <a:off x="838200" y="365125"/>
-            <a:ext cx="10515600" cy="1325563"/>
+            <a:off x="628650" y="365126"/>
+            <a:ext cx="7886700" cy="1325563"/>
           </a:xfrm>
           <a:prstGeom prst="rect">
             <a:avLst/>
@@ -5106,9 +5156,10 @@
           <a:lstStyle/>
           <a:p>
             <a:r>
-              <a:rPr lang="en-US"/>
+              <a:rPr lang="en-US" smtClean="0"/>
               <a:t>Click to edit Master title style</a:t>
             </a:r>
+            <a:endParaRPr lang="en-US" dirty="0"/>
           </a:p>
         </p:txBody>
       </p:sp>
@@ -5124,8 +5175,8 @@
         </p:nvSpPr>
         <p:spPr>
           <a:xfrm>
-            <a:off x="838200" y="1825625"/>
-            <a:ext cx="10515600" cy="4351338"/>
+            <a:off x="628650" y="1825625"/>
+            <a:ext cx="7886700" cy="4351338"/>
           </a:xfrm>
           <a:prstGeom prst="rect">
             <a:avLst/>
@@ -5139,37 +5190,38 @@
           <a:p>
             <a:pPr lvl="0"/>
             <a:r>
-              <a:rPr lang="en-US"/>
+              <a:rPr lang="en-US" smtClean="0"/>
               <a:t>Edit Master text styles</a:t>
             </a:r>
           </a:p>
           <a:p>
             <a:pPr lvl="1"/>
             <a:r>
-              <a:rPr lang="en-US"/>
+              <a:rPr lang="en-US" smtClean="0"/>
               <a:t>Second level</a:t>
             </a:r>
           </a:p>
           <a:p>
             <a:pPr lvl="2"/>
             <a:r>
-              <a:rPr lang="en-US"/>
+              <a:rPr lang="en-US" smtClean="0"/>
               <a:t>Third level</a:t>
             </a:r>
           </a:p>
           <a:p>
             <a:pPr lvl="3"/>
             <a:r>
-              <a:rPr lang="en-US"/>
+              <a:rPr lang="en-US" smtClean="0"/>
               <a:t>Fourth level</a:t>
             </a:r>
           </a:p>
           <a:p>
             <a:pPr lvl="4"/>
             <a:r>
-              <a:rPr lang="en-US"/>
+              <a:rPr lang="en-US" smtClean="0"/>
               <a:t>Fifth level</a:t>
             </a:r>
+            <a:endParaRPr lang="en-US" dirty="0"/>
           </a:p>
         </p:txBody>
       </p:sp>
@@ -5185,8 +5237,8 @@
         </p:nvSpPr>
         <p:spPr>
           <a:xfrm>
-            <a:off x="838200" y="6356350"/>
-            <a:ext cx="2743200" cy="365125"/>
+            <a:off x="628650" y="6356351"/>
+            <a:ext cx="2057400" cy="365125"/>
           </a:xfrm>
           <a:prstGeom prst="rect">
             <a:avLst/>
@@ -5209,7 +5261,7 @@
             <a:fld id="{B61BEF0D-F0BB-DE4B-95CE-6DB70DBA9567}" type="datetimeFigureOut">
               <a:rPr lang="en-US" smtClean="0"/>
               <a:pPr/>
-              <a:t>5/29/2019</a:t>
+              <a:t>5/31/2019</a:t>
             </a:fld>
             <a:endParaRPr lang="en-US" dirty="0"/>
           </a:p>
@@ -5227,8 +5279,8 @@
         </p:nvSpPr>
         <p:spPr>
           <a:xfrm>
-            <a:off x="4038600" y="6356350"/>
-            <a:ext cx="4114800" cy="365125"/>
+            <a:off x="3028950" y="6356351"/>
+            <a:ext cx="3086100" cy="365125"/>
           </a:xfrm>
           <a:prstGeom prst="rect">
             <a:avLst/>
@@ -5264,8 +5316,8 @@
         </p:nvSpPr>
         <p:spPr>
           <a:xfrm>
-            <a:off x="8610600" y="6356350"/>
-            <a:ext cx="2743200" cy="365125"/>
+            <a:off x="6457950" y="6356351"/>
+            <a:ext cx="2057400" cy="365125"/>
           </a:xfrm>
           <a:prstGeom prst="rect">
             <a:avLst/>
@@ -5297,23 +5349,23 @@
     </p:spTree>
     <p:extLst>
       <p:ext uri="{BB962C8B-B14F-4D97-AF65-F5344CB8AC3E}">
-        <p14:creationId xmlns:p14="http://schemas.microsoft.com/office/powerpoint/2010/main" val="2371612620"/>
+        <p14:creationId xmlns:p14="http://schemas.microsoft.com/office/powerpoint/2010/main" val="773766437"/>
       </p:ext>
     </p:extLst>
   </p:cSld>
   <p:clrMap bg1="lt1" tx1="dk1" bg2="lt2" tx2="dk2" accent1="accent1" accent2="accent2" accent3="accent3" accent4="accent4" accent5="accent5" accent6="accent6" hlink="hlink" folHlink="folHlink"/>
   <p:sldLayoutIdLst>
-    <p:sldLayoutId id="2147483718" r:id="rId1"/>
-    <p:sldLayoutId id="2147483719" r:id="rId2"/>
-    <p:sldLayoutId id="2147483720" r:id="rId3"/>
-    <p:sldLayoutId id="2147483721" r:id="rId4"/>
-    <p:sldLayoutId id="2147483722" r:id="rId5"/>
-    <p:sldLayoutId id="2147483723" r:id="rId6"/>
-    <p:sldLayoutId id="2147483724" r:id="rId7"/>
-    <p:sldLayoutId id="2147483725" r:id="rId8"/>
-    <p:sldLayoutId id="2147483726" r:id="rId9"/>
-    <p:sldLayoutId id="2147483727" r:id="rId10"/>
-    <p:sldLayoutId id="2147483728" r:id="rId11"/>
+    <p:sldLayoutId id="2147483730" r:id="rId1"/>
+    <p:sldLayoutId id="2147483731" r:id="rId2"/>
+    <p:sldLayoutId id="2147483732" r:id="rId3"/>
+    <p:sldLayoutId id="2147483733" r:id="rId4"/>
+    <p:sldLayoutId id="2147483734" r:id="rId5"/>
+    <p:sldLayoutId id="2147483735" r:id="rId6"/>
+    <p:sldLayoutId id="2147483736" r:id="rId7"/>
+    <p:sldLayoutId id="2147483737" r:id="rId8"/>
+    <p:sldLayoutId id="2147483738" r:id="rId9"/>
+    <p:sldLayoutId id="2147483739" r:id="rId10"/>
+    <p:sldLayoutId id="2147483740" r:id="rId11"/>
   </p:sldLayoutIdLst>
   <p:txStyles>
     <p:titleStyle>
@@ -5638,7 +5690,7 @@
           <a:lstStyle/>
           <a:p>
             <a:r>
-              <a:rPr lang="en-US" sz="6600">
+              <a:rPr lang="en-US" sz="4950">
                 <a:latin typeface="+mn-lt"/>
               </a:rPr>
               <a:t>Machine Learning</a:t>
@@ -5658,12 +5710,14 @@
         </p:nvSpPr>
         <p:spPr>
           <a:xfrm>
-            <a:off x="1524000" y="3944471"/>
-            <a:ext cx="9144000" cy="1033930"/>
+            <a:off x="1143000" y="3815603"/>
+            <a:ext cx="6858000" cy="775448"/>
           </a:xfrm>
         </p:spPr>
         <p:txBody>
-          <a:bodyPr/>
+          <a:bodyPr>
+            <a:normAutofit fontScale="92500" lnSpcReduction="10000"/>
+          </a:bodyPr>
           <a:lstStyle/>
           <a:p>
             <a:r>
@@ -5721,8 +5775,8 @@
         </p:nvSpPr>
         <p:spPr>
           <a:xfrm>
-            <a:off x="685800" y="457200"/>
-            <a:ext cx="10515600" cy="531346"/>
+            <a:off x="514350" y="435162"/>
+            <a:ext cx="7886700" cy="398510"/>
           </a:xfrm>
         </p:spPr>
         <p:txBody>
@@ -5752,8 +5806,8 @@
         </p:nvSpPr>
         <p:spPr>
           <a:xfrm>
-            <a:off x="685800" y="1251883"/>
-            <a:ext cx="7061548" cy="5148917"/>
+            <a:off x="514350" y="1073010"/>
+            <a:ext cx="3757999" cy="3861688"/>
           </a:xfrm>
         </p:spPr>
         <p:txBody>
@@ -5762,12 +5816,12 @@
           </a:bodyPr>
           <a:lstStyle/>
           <a:p>
-            <a:pPr marL="514350" indent="-514350">
+            <a:pPr marL="385763" indent="-385763">
               <a:buFont typeface="+mj-lt"/>
               <a:buAutoNum type="arabicPeriod"/>
             </a:pPr>
             <a:r>
-              <a:rPr lang="en-US" sz="1800" dirty="0"/>
+              <a:rPr lang="en-US" sz="1350" dirty="0"/>
               <a:t>Calculating Distance Between Observations</a:t>
             </a:r>
           </a:p>
@@ -5777,7 +5831,7 @@
               <a:buChar char="Ø"/>
             </a:pPr>
             <a:r>
-              <a:rPr lang="en-US" sz="1400" dirty="0"/>
+              <a:rPr lang="en-US" sz="1050" dirty="0"/>
               <a:t>What is cluster analysis?</a:t>
             </a:r>
           </a:p>
@@ -5787,7 +5841,7 @@
               <a:buChar char="Ø"/>
             </a:pPr>
             <a:r>
-              <a:rPr lang="en-US" sz="1400" dirty="0"/>
+              <a:rPr lang="en-US" sz="1050" dirty="0"/>
               <a:t>When to cluster?</a:t>
             </a:r>
           </a:p>
@@ -5797,7 +5851,7 @@
               <a:buChar char="Ø"/>
             </a:pPr>
             <a:r>
-              <a:rPr lang="en-US" sz="1400" dirty="0"/>
+              <a:rPr lang="en-US" sz="1050" dirty="0"/>
               <a:t>Distance between two observations</a:t>
             </a:r>
           </a:p>
@@ -5807,7 +5861,7 @@
               <a:buChar char="Ø"/>
             </a:pPr>
             <a:r>
-              <a:rPr lang="en-US" sz="1400" dirty="0"/>
+              <a:rPr lang="en-US" sz="1050" dirty="0"/>
               <a:t>Calculate and plot the distance between two players</a:t>
             </a:r>
           </a:p>
@@ -5817,15 +5871,15 @@
               <a:buChar char="Ø"/>
             </a:pPr>
             <a:r>
-              <a:rPr lang="en-US" sz="1400" dirty="0"/>
+              <a:rPr lang="en-US" sz="1050" dirty="0"/>
               <a:t>Using the </a:t>
             </a:r>
             <a:r>
-              <a:rPr lang="en-US" sz="1400" dirty="0" err="1"/>
+              <a:rPr lang="en-US" sz="1050" dirty="0" err="1"/>
               <a:t>dist</a:t>
             </a:r>
             <a:r>
-              <a:rPr lang="en-US" sz="1400" dirty="0"/>
+              <a:rPr lang="en-US" sz="1050" dirty="0"/>
               <a:t>() function</a:t>
             </a:r>
           </a:p>
@@ -5835,7 +5889,7 @@
               <a:buChar char="Ø"/>
             </a:pPr>
             <a:r>
-              <a:rPr lang="en-US" sz="1400" dirty="0"/>
+              <a:rPr lang="en-US" sz="1050" dirty="0"/>
               <a:t>Who are the closest players?</a:t>
             </a:r>
           </a:p>
@@ -5845,7 +5899,7 @@
               <a:buChar char="Ø"/>
             </a:pPr>
             <a:r>
-              <a:rPr lang="en-US" sz="1400" dirty="0"/>
+              <a:rPr lang="en-US" sz="1050" dirty="0"/>
               <a:t>The importance of scale</a:t>
             </a:r>
           </a:p>
@@ -5855,7 +5909,7 @@
               <a:buChar char="Ø"/>
             </a:pPr>
             <a:r>
-              <a:rPr lang="en-US" sz="1400" dirty="0"/>
+              <a:rPr lang="en-US" sz="1050" dirty="0"/>
               <a:t>Effects of scale</a:t>
             </a:r>
           </a:p>
@@ -5865,7 +5919,7 @@
               <a:buChar char="Ø"/>
             </a:pPr>
             <a:r>
-              <a:rPr lang="en-US" sz="1400" dirty="0"/>
+              <a:rPr lang="en-US" sz="1050" dirty="0"/>
               <a:t>When to scale data?</a:t>
             </a:r>
           </a:p>
@@ -5875,7 +5929,7 @@
               <a:buChar char="Ø"/>
             </a:pPr>
             <a:r>
-              <a:rPr lang="en-US" sz="1400" dirty="0"/>
+              <a:rPr lang="en-US" sz="1050" dirty="0"/>
               <a:t>Measuring distance for categorical data</a:t>
             </a:r>
           </a:p>
@@ -5885,7 +5939,7 @@
               <a:buChar char="Ø"/>
             </a:pPr>
             <a:r>
-              <a:rPr lang="en-US" sz="1400" dirty="0"/>
+              <a:rPr lang="en-US" sz="1050" dirty="0"/>
               <a:t>Calculating distance between categorical variables</a:t>
             </a:r>
           </a:p>
@@ -5895,39 +5949,250 @@
               <a:buChar char="Ø"/>
             </a:pPr>
             <a:r>
-              <a:rPr lang="en-US" sz="1400" dirty="0"/>
-              <a:t>The closest observation to a pair</a:t>
-            </a:r>
-          </a:p>
-          <a:p>
-            <a:pPr marL="514350" indent="-514350">
+              <a:rPr lang="en-US" sz="1050" dirty="0"/>
+              <a:t>The closest observation to </a:t>
+            </a:r>
+            <a:r>
+              <a:rPr lang="en-US" sz="1050"/>
+              <a:t>a pair</a:t>
+            </a:r>
+            <a:endParaRPr lang="en-US" sz="1050" dirty="0"/>
+          </a:p>
+        </p:txBody>
+      </p:sp>
+      <p:sp>
+        <p:nvSpPr>
+          <p:cNvPr id="5" name="Content Placeholder 3"/>
+          <p:cNvSpPr>
+            <a:spLocks noGrp="1"/>
+          </p:cNvSpPr>
+          <p:nvPr>
+            <p:ph sz="half" idx="4294967295"/>
+          </p:nvPr>
+        </p:nvSpPr>
+        <p:spPr>
+          <a:xfrm>
+            <a:off x="4926199" y="1073010"/>
+            <a:ext cx="3757612" cy="4017962"/>
+          </a:xfrm>
+        </p:spPr>
+        <p:txBody>
+          <a:bodyPr>
+            <a:normAutofit lnSpcReduction="10000"/>
+          </a:bodyPr>
+          <a:lstStyle/>
+          <a:p>
+            <a:pPr marL="385763" indent="-385763">
               <a:buFont typeface="+mj-lt"/>
-              <a:buAutoNum type="arabicPeriod"/>
+              <a:buAutoNum type="arabicPeriod" startAt="2"/>
             </a:pPr>
             <a:r>
-              <a:rPr lang="en-US" sz="1800" dirty="0"/>
+              <a:rPr lang="en-US" sz="1350"/>
               <a:t>Hierarchical Clustering</a:t>
             </a:r>
-          </a:p>
-          <a:p>
-            <a:pPr marL="514350" indent="-514350">
-              <a:buFont typeface="+mj-lt"/>
-              <a:buAutoNum type="arabicPeriod"/>
+            <a:endParaRPr lang="en-US" sz="1350" dirty="0"/>
+          </a:p>
+          <a:p>
+            <a:pPr lvl="1">
+              <a:buFont typeface="Wingdings" panose="05000000000000000000" pitchFamily="2" charset="2"/>
+              <a:buChar char="Ø"/>
             </a:pPr>
             <a:r>
-              <a:rPr lang="en-US" sz="1800" dirty="0"/>
-              <a:t>K-Means Clustering</a:t>
-            </a:r>
-          </a:p>
-          <a:p>
-            <a:pPr marL="514350" indent="-514350">
-              <a:buFont typeface="+mj-lt"/>
-              <a:buAutoNum type="arabicPeriod"/>
+              <a:rPr lang="en-US" sz="1050"/>
+              <a:t>Comparing more than two observations</a:t>
+            </a:r>
+            <a:endParaRPr lang="en-US" sz="1050" dirty="0"/>
+          </a:p>
+          <a:p>
+            <a:pPr lvl="1">
+              <a:buFont typeface="Wingdings" panose="05000000000000000000" pitchFamily="2" charset="2"/>
+              <a:buChar char="Ø"/>
             </a:pPr>
             <a:r>
-              <a:rPr lang="en-US" sz="1800" dirty="0"/>
-              <a:t>Case Study: National Occupational Mean Wage</a:t>
-            </a:r>
+              <a:rPr lang="en-US" sz="1050"/>
+              <a:t>Calculating linkage</a:t>
+            </a:r>
+            <a:endParaRPr lang="en-US" sz="1050" dirty="0"/>
+          </a:p>
+          <a:p>
+            <a:pPr lvl="1">
+              <a:buFont typeface="Wingdings" panose="05000000000000000000" pitchFamily="2" charset="2"/>
+              <a:buChar char="Ø"/>
+            </a:pPr>
+            <a:r>
+              <a:rPr lang="en-US" sz="1050"/>
+              <a:t>Revisited: The closest observation to a pair</a:t>
+            </a:r>
+            <a:endParaRPr lang="en-US" sz="1050" dirty="0"/>
+          </a:p>
+          <a:p>
+            <a:pPr lvl="1">
+              <a:buFont typeface="Wingdings" panose="05000000000000000000" pitchFamily="2" charset="2"/>
+              <a:buChar char="Ø"/>
+            </a:pPr>
+            <a:r>
+              <a:rPr lang="en-US" sz="1050"/>
+              <a:t>Capturing K clusters</a:t>
+            </a:r>
+            <a:endParaRPr lang="en-US" sz="1050" dirty="0"/>
+          </a:p>
+          <a:p>
+            <a:pPr lvl="1">
+              <a:buFont typeface="Wingdings" panose="05000000000000000000" pitchFamily="2" charset="2"/>
+              <a:buChar char="Ø"/>
+            </a:pPr>
+            <a:r>
+              <a:rPr lang="en-US" sz="1050"/>
+              <a:t>Assign cluster membership</a:t>
+            </a:r>
+            <a:endParaRPr lang="en-US" sz="1050" dirty="0"/>
+          </a:p>
+          <a:p>
+            <a:pPr lvl="1">
+              <a:buFont typeface="Wingdings" panose="05000000000000000000" pitchFamily="2" charset="2"/>
+              <a:buChar char="Ø"/>
+            </a:pPr>
+            <a:r>
+              <a:rPr lang="en-US" sz="1050"/>
+              <a:t>Exploring the clusters</a:t>
+            </a:r>
+            <a:endParaRPr lang="en-US" sz="1050" dirty="0"/>
+          </a:p>
+          <a:p>
+            <a:pPr lvl="1">
+              <a:buFont typeface="Wingdings" panose="05000000000000000000" pitchFamily="2" charset="2"/>
+              <a:buChar char="Ø"/>
+            </a:pPr>
+            <a:r>
+              <a:rPr lang="en-US" sz="1050"/>
+              <a:t>Validating the clusters</a:t>
+            </a:r>
+            <a:endParaRPr lang="en-US" sz="1050" dirty="0"/>
+          </a:p>
+          <a:p>
+            <a:pPr lvl="1">
+              <a:buFont typeface="Wingdings" panose="05000000000000000000" pitchFamily="2" charset="2"/>
+              <a:buChar char="Ø"/>
+            </a:pPr>
+            <a:r>
+              <a:rPr lang="en-US" sz="1050"/>
+              <a:t>Visualizing the clusters</a:t>
+            </a:r>
+            <a:endParaRPr lang="en-US" sz="1050" dirty="0"/>
+          </a:p>
+          <a:p>
+            <a:pPr lvl="1">
+              <a:buFont typeface="Wingdings" panose="05000000000000000000" pitchFamily="2" charset="2"/>
+              <a:buChar char="Ø"/>
+            </a:pPr>
+            <a:r>
+              <a:rPr lang="en-US" sz="1050"/>
+              <a:t>Visualizing the dendrograms</a:t>
+            </a:r>
+            <a:endParaRPr lang="en-US" sz="1050" dirty="0"/>
+          </a:p>
+          <a:p>
+            <a:pPr lvl="1">
+              <a:buFont typeface="Wingdings" panose="05000000000000000000" pitchFamily="2" charset="2"/>
+              <a:buChar char="Ø"/>
+            </a:pPr>
+            <a:r>
+              <a:rPr lang="en-US" sz="1050"/>
+              <a:t>Comparing average, single, and complete linkage</a:t>
+            </a:r>
+            <a:endParaRPr lang="en-US" sz="1050" dirty="0"/>
+          </a:p>
+          <a:p>
+            <a:pPr lvl="1">
+              <a:buFont typeface="Wingdings" panose="05000000000000000000" pitchFamily="2" charset="2"/>
+              <a:buChar char="Ø"/>
+            </a:pPr>
+            <a:r>
+              <a:rPr lang="en-US" sz="1050"/>
+              <a:t>Height of the tree</a:t>
+            </a:r>
+            <a:endParaRPr lang="en-US" sz="1050" dirty="0"/>
+          </a:p>
+          <a:p>
+            <a:pPr lvl="1">
+              <a:buFont typeface="Wingdings" panose="05000000000000000000" pitchFamily="2" charset="2"/>
+              <a:buChar char="Ø"/>
+            </a:pPr>
+            <a:r>
+              <a:rPr lang="en-US" sz="1050"/>
+              <a:t>Cutting the tree</a:t>
+            </a:r>
+          </a:p>
+          <a:p>
+            <a:pPr lvl="1">
+              <a:buFont typeface="Wingdings" panose="05000000000000000000" pitchFamily="2" charset="2"/>
+              <a:buChar char="Ø"/>
+            </a:pPr>
+            <a:r>
+              <a:rPr lang="en-US" sz="1050"/>
+              <a:t>Clusters based on height</a:t>
+            </a:r>
+          </a:p>
+          <a:p>
+            <a:pPr lvl="1">
+              <a:buFont typeface="Wingdings" panose="05000000000000000000" pitchFamily="2" charset="2"/>
+              <a:buChar char="Ø"/>
+            </a:pPr>
+            <a:r>
+              <a:rPr lang="en-US" sz="1050"/>
+              <a:t>Exploring the branches cut from the tree</a:t>
+            </a:r>
+          </a:p>
+          <a:p>
+            <a:pPr lvl="1">
+              <a:buFont typeface="Wingdings" panose="05000000000000000000" pitchFamily="2" charset="2"/>
+              <a:buChar char="Ø"/>
+            </a:pPr>
+            <a:r>
+              <a:rPr lang="en-US" sz="1050"/>
+              <a:t>What do we know about our clusters?</a:t>
+            </a:r>
+          </a:p>
+          <a:p>
+            <a:pPr lvl="1">
+              <a:buFont typeface="Wingdings" panose="05000000000000000000" pitchFamily="2" charset="2"/>
+              <a:buChar char="Ø"/>
+            </a:pPr>
+            <a:r>
+              <a:rPr lang="en-US" sz="1050"/>
+              <a:t>Making sense of the clusters</a:t>
+            </a:r>
+          </a:p>
+          <a:p>
+            <a:pPr lvl="1">
+              <a:buFont typeface="Wingdings" panose="05000000000000000000" pitchFamily="2" charset="2"/>
+              <a:buChar char="Ø"/>
+            </a:pPr>
+            <a:r>
+              <a:rPr lang="en-US" sz="1050"/>
+              <a:t>Segment wholesale clusters</a:t>
+            </a:r>
+          </a:p>
+          <a:p>
+            <a:pPr lvl="1">
+              <a:buFont typeface="Wingdings" panose="05000000000000000000" pitchFamily="2" charset="2"/>
+              <a:buChar char="Ø"/>
+            </a:pPr>
+            <a:r>
+              <a:rPr lang="en-US" sz="1050"/>
+              <a:t>Explore wholesale customer clusters</a:t>
+            </a:r>
+          </a:p>
+          <a:p>
+            <a:pPr lvl="1">
+              <a:buFont typeface="Wingdings" panose="05000000000000000000" pitchFamily="2" charset="2"/>
+              <a:buChar char="Ø"/>
+            </a:pPr>
+            <a:r>
+              <a:rPr lang="en-US" sz="1050"/>
+              <a:t>Interpreting the wholesale customer clusters</a:t>
+            </a:r>
+            <a:endParaRPr lang="en-US" sz="1050" dirty="0"/>
           </a:p>
         </p:txBody>
       </p:sp>
@@ -5963,6 +6228,37 @@
       </p:grpSpPr>
       <p:sp>
         <p:nvSpPr>
+          <p:cNvPr id="2" name="Title 1"/>
+          <p:cNvSpPr>
+            <a:spLocks noGrp="1"/>
+          </p:cNvSpPr>
+          <p:nvPr>
+            <p:ph type="title"/>
+          </p:nvPr>
+        </p:nvSpPr>
+        <p:spPr>
+          <a:xfrm>
+            <a:off x="514350" y="435162"/>
+            <a:ext cx="7886700" cy="398510"/>
+          </a:xfrm>
+        </p:spPr>
+        <p:txBody>
+          <a:bodyPr>
+            <a:normAutofit fontScale="90000"/>
+          </a:bodyPr>
+          <a:lstStyle/>
+          <a:p>
+            <a:r>
+              <a:rPr lang="en-US" dirty="0">
+                <a:latin typeface="+mn-lt"/>
+              </a:rPr>
+              <a:t>Content</a:t>
+            </a:r>
+          </a:p>
+        </p:txBody>
+      </p:sp>
+      <p:sp>
+        <p:nvSpPr>
           <p:cNvPr id="4" name="Content Placeholder 3"/>
           <p:cNvSpPr>
             <a:spLocks noGrp="1"/>
@@ -5973,8 +6269,8 @@
         </p:nvSpPr>
         <p:spPr>
           <a:xfrm>
-            <a:off x="549165" y="463608"/>
-            <a:ext cx="10928132" cy="881716"/>
+            <a:off x="514350" y="1073010"/>
+            <a:ext cx="3757999" cy="3861688"/>
           </a:xfrm>
         </p:spPr>
         <p:txBody>
@@ -5983,11 +6279,341 @@
           </a:bodyPr>
           <a:lstStyle/>
           <a:p>
+            <a:pPr marL="385763" indent="-385763">
+              <a:buFont typeface="+mj-lt"/>
+              <a:buAutoNum type="arabicPeriod" startAt="3"/>
+            </a:pPr>
+            <a:r>
+              <a:rPr lang="en-US" sz="1350" smtClean="0"/>
+              <a:t>K-Means Clustering</a:t>
+            </a:r>
+            <a:endParaRPr lang="en-US" sz="1350" dirty="0"/>
+          </a:p>
+          <a:p>
+            <a:pPr lvl="1">
+              <a:buFont typeface="Wingdings" panose="05000000000000000000" pitchFamily="2" charset="2"/>
+              <a:buChar char="Ø"/>
+            </a:pPr>
+            <a:r>
+              <a:rPr lang="en-US" sz="1050" smtClean="0"/>
+              <a:t>Introduction to K-means</a:t>
+            </a:r>
+            <a:endParaRPr lang="en-US" sz="1050" dirty="0"/>
+          </a:p>
+          <a:p>
+            <a:pPr lvl="1">
+              <a:buFont typeface="Wingdings" panose="05000000000000000000" pitchFamily="2" charset="2"/>
+              <a:buChar char="Ø"/>
+            </a:pPr>
+            <a:r>
+              <a:rPr lang="en-US" sz="1050" smtClean="0"/>
+              <a:t>K-means on a soccer field</a:t>
+            </a:r>
+            <a:endParaRPr lang="en-US" sz="1050" dirty="0"/>
+          </a:p>
+          <a:p>
+            <a:pPr lvl="1">
+              <a:buFont typeface="Wingdings" panose="05000000000000000000" pitchFamily="2" charset="2"/>
+              <a:buChar char="Ø"/>
+            </a:pPr>
+            <a:r>
+              <a:rPr lang="en-US" sz="1050" smtClean="0"/>
+              <a:t>K-means on a soccer field (part 2)</a:t>
+            </a:r>
+            <a:endParaRPr lang="en-US" sz="1050" dirty="0"/>
+          </a:p>
+          <a:p>
+            <a:pPr lvl="1">
+              <a:buFont typeface="Wingdings" panose="05000000000000000000" pitchFamily="2" charset="2"/>
+              <a:buChar char="Ø"/>
+            </a:pPr>
+            <a:r>
+              <a:rPr lang="en-US" sz="1050" smtClean="0"/>
+              <a:t>Evaluating different values of K by eye</a:t>
+            </a:r>
+            <a:endParaRPr lang="en-US" sz="1050" dirty="0"/>
+          </a:p>
+          <a:p>
+            <a:pPr lvl="1">
+              <a:buFont typeface="Wingdings" panose="05000000000000000000" pitchFamily="2" charset="2"/>
+              <a:buChar char="Ø"/>
+            </a:pPr>
+            <a:r>
+              <a:rPr lang="en-US" sz="1050" smtClean="0"/>
+              <a:t>Many K’s many models</a:t>
+            </a:r>
+            <a:endParaRPr lang="en-US" sz="1050" dirty="0"/>
+          </a:p>
+          <a:p>
+            <a:pPr lvl="1">
+              <a:buFont typeface="Wingdings" panose="05000000000000000000" pitchFamily="2" charset="2"/>
+              <a:buChar char="Ø"/>
+            </a:pPr>
+            <a:r>
+              <a:rPr lang="en-US" sz="1050" smtClean="0"/>
+              <a:t>Elbow (Scree) plot</a:t>
+            </a:r>
+            <a:endParaRPr lang="en-US" sz="1050" dirty="0"/>
+          </a:p>
+          <a:p>
+            <a:pPr lvl="1">
+              <a:buFont typeface="Wingdings" panose="05000000000000000000" pitchFamily="2" charset="2"/>
+              <a:buChar char="Ø"/>
+            </a:pPr>
+            <a:r>
+              <a:rPr lang="en-US" sz="1050" smtClean="0"/>
+              <a:t>Interpreting the elbow plot</a:t>
+            </a:r>
+            <a:endParaRPr lang="en-US" sz="1050" dirty="0"/>
+          </a:p>
+          <a:p>
+            <a:pPr lvl="1">
+              <a:buFont typeface="Wingdings" panose="05000000000000000000" pitchFamily="2" charset="2"/>
+              <a:buChar char="Ø"/>
+            </a:pPr>
+            <a:r>
+              <a:rPr lang="en-US" sz="1050" smtClean="0"/>
+              <a:t>Silhouette analysis: Observation level performance</a:t>
+            </a:r>
+            <a:endParaRPr lang="en-US" sz="1050" dirty="0"/>
+          </a:p>
+          <a:p>
+            <a:pPr lvl="1">
+              <a:buFont typeface="Wingdings" panose="05000000000000000000" pitchFamily="2" charset="2"/>
+              <a:buChar char="Ø"/>
+            </a:pPr>
+            <a:r>
+              <a:rPr lang="en-US" sz="1050" smtClean="0"/>
+              <a:t>Silhouette analysis</a:t>
+            </a:r>
+            <a:endParaRPr lang="en-US" sz="1050" dirty="0"/>
+          </a:p>
+          <a:p>
+            <a:pPr lvl="1">
+              <a:buFont typeface="Wingdings" panose="05000000000000000000" pitchFamily="2" charset="2"/>
+              <a:buChar char="Ø"/>
+            </a:pPr>
+            <a:r>
+              <a:rPr lang="en-US" sz="1050" smtClean="0"/>
+              <a:t>Making sense of the K-means custers</a:t>
+            </a:r>
+            <a:endParaRPr lang="en-US" sz="1050" dirty="0"/>
+          </a:p>
+          <a:p>
+            <a:pPr lvl="1">
+              <a:buFont typeface="Wingdings" panose="05000000000000000000" pitchFamily="2" charset="2"/>
+              <a:buChar char="Ø"/>
+            </a:pPr>
+            <a:r>
+              <a:rPr lang="en-US" sz="1050" smtClean="0"/>
+              <a:t>Revisiting wholesale data: “Best” k</a:t>
+            </a:r>
+            <a:endParaRPr lang="en-US" sz="1050" dirty="0"/>
+          </a:p>
+          <a:p>
+            <a:pPr lvl="1">
+              <a:buFont typeface="Wingdings" panose="05000000000000000000" pitchFamily="2" charset="2"/>
+              <a:buChar char="Ø"/>
+            </a:pPr>
+            <a:r>
+              <a:rPr lang="en-US" sz="1050" smtClean="0"/>
+              <a:t>Revisiting wholesale data: Exploration</a:t>
+            </a:r>
+            <a:endParaRPr lang="en-US" sz="1050" dirty="0"/>
+          </a:p>
+        </p:txBody>
+      </p:sp>
+      <p:sp>
+        <p:nvSpPr>
+          <p:cNvPr id="5" name="Content Placeholder 3"/>
+          <p:cNvSpPr>
+            <a:spLocks noGrp="1"/>
+          </p:cNvSpPr>
+          <p:nvPr>
+            <p:ph sz="half" idx="4294967295"/>
+          </p:nvPr>
+        </p:nvSpPr>
+        <p:spPr>
+          <a:xfrm>
+            <a:off x="4926198" y="1073010"/>
+            <a:ext cx="3990696" cy="4017962"/>
+          </a:xfrm>
+        </p:spPr>
+        <p:txBody>
+          <a:bodyPr>
+            <a:normAutofit/>
+          </a:bodyPr>
+          <a:lstStyle/>
+          <a:p>
+            <a:pPr marL="385763" indent="-385763">
+              <a:buFont typeface="+mj-lt"/>
+              <a:buAutoNum type="arabicPeriod" startAt="4"/>
+            </a:pPr>
+            <a:r>
+              <a:rPr lang="en-US" sz="1350" smtClean="0"/>
+              <a:t>Case Study: National Occupational Mean Wage</a:t>
+            </a:r>
+          </a:p>
+          <a:p>
+            <a:pPr lvl="1">
+              <a:buFont typeface="Wingdings" panose="05000000000000000000" pitchFamily="2" charset="2"/>
+              <a:buChar char="Ø"/>
+            </a:pPr>
+            <a:r>
+              <a:rPr lang="en-US" sz="1050" smtClean="0"/>
+              <a:t>Occupational wage data</a:t>
+            </a:r>
+          </a:p>
+          <a:p>
+            <a:pPr lvl="1">
+              <a:buFont typeface="Wingdings" panose="05000000000000000000" pitchFamily="2" charset="2"/>
+              <a:buChar char="Ø"/>
+            </a:pPr>
+            <a:r>
+              <a:rPr lang="en-US" sz="1050" smtClean="0"/>
+              <a:t>Initial exploration of the data</a:t>
+            </a:r>
+          </a:p>
+          <a:p>
+            <a:pPr lvl="1">
+              <a:buFont typeface="Wingdings" panose="05000000000000000000" pitchFamily="2" charset="2"/>
+              <a:buChar char="Ø"/>
+            </a:pPr>
+            <a:r>
+              <a:rPr lang="en-US" sz="1050" smtClean="0"/>
+              <a:t>Hierarchical clustering: Occupational trees</a:t>
+            </a:r>
+          </a:p>
+          <a:p>
+            <a:pPr lvl="1">
+              <a:buFont typeface="Wingdings" panose="05000000000000000000" pitchFamily="2" charset="2"/>
+              <a:buChar char="Ø"/>
+            </a:pPr>
+            <a:r>
+              <a:rPr lang="en-US" sz="1050" smtClean="0"/>
+              <a:t>Hierarchical clustering: Preparing for exploration</a:t>
+            </a:r>
+          </a:p>
+          <a:p>
+            <a:pPr lvl="1">
+              <a:buFont typeface="Wingdings" panose="05000000000000000000" pitchFamily="2" charset="2"/>
+              <a:buChar char="Ø"/>
+            </a:pPr>
+            <a:r>
+              <a:rPr lang="en-US" sz="1050" smtClean="0"/>
+              <a:t>Hierarchical clustering: Plotting occupational clusters</a:t>
+            </a:r>
+          </a:p>
+          <a:p>
+            <a:pPr lvl="1">
+              <a:buFont typeface="Wingdings" panose="05000000000000000000" pitchFamily="2" charset="2"/>
+              <a:buChar char="Ø"/>
+            </a:pPr>
+            <a:r>
+              <a:rPr lang="en-US" sz="1050" smtClean="0"/>
+              <a:t>Revieing the HC results</a:t>
+            </a:r>
+          </a:p>
+          <a:p>
+            <a:pPr lvl="1">
+              <a:buFont typeface="Wingdings" panose="05000000000000000000" pitchFamily="2" charset="2"/>
+              <a:buChar char="Ø"/>
+            </a:pPr>
+            <a:r>
+              <a:rPr lang="en-US" sz="1050" smtClean="0"/>
+              <a:t>K-means: Elbow analysis</a:t>
+            </a:r>
+          </a:p>
+          <a:p>
+            <a:pPr lvl="1">
+              <a:buFont typeface="Wingdings" panose="05000000000000000000" pitchFamily="2" charset="2"/>
+              <a:buChar char="Ø"/>
+            </a:pPr>
+            <a:r>
+              <a:rPr lang="en-US" sz="1050" smtClean="0"/>
+              <a:t>K-means: Average silhouette widths</a:t>
+            </a:r>
+          </a:p>
+          <a:p>
+            <a:pPr lvl="1">
+              <a:buFont typeface="Wingdings" panose="05000000000000000000" pitchFamily="2" charset="2"/>
+              <a:buChar char="Ø"/>
+            </a:pPr>
+            <a:r>
+              <a:rPr lang="en-US" sz="1050" smtClean="0"/>
+              <a:t>The “best” number of clusters</a:t>
+            </a:r>
+          </a:p>
+          <a:p>
+            <a:pPr lvl="1">
+              <a:buFont typeface="Wingdings" panose="05000000000000000000" pitchFamily="2" charset="2"/>
+              <a:buChar char="Ø"/>
+            </a:pPr>
+            <a:r>
+              <a:rPr lang="en-US" sz="1050" smtClean="0"/>
+              <a:t>Review K-means results</a:t>
+            </a:r>
+            <a:endParaRPr lang="en-US" sz="1050" dirty="0"/>
+          </a:p>
+        </p:txBody>
+      </p:sp>
+    </p:spTree>
+    <p:extLst>
+      <p:ext uri="{BB962C8B-B14F-4D97-AF65-F5344CB8AC3E}">
+        <p14:creationId xmlns:p14="http://schemas.microsoft.com/office/powerpoint/2010/main" val="2205258786"/>
+      </p:ext>
+    </p:extLst>
+  </p:cSld>
+  <p:clrMapOvr>
+    <a:masterClrMapping/>
+  </p:clrMapOvr>
+</p:sld>
+</file>
+
+<file path=ppt/slides/slide4.xml><?xml version="1.0" encoding="utf-8"?>
+<p:sld xmlns:a="http://schemas.openxmlformats.org/drawingml/2006/main" xmlns:r="http://schemas.openxmlformats.org/officeDocument/2006/relationships" xmlns:p="http://schemas.openxmlformats.org/presentationml/2006/main">
+  <p:cSld>
+    <p:spTree>
+      <p:nvGrpSpPr>
+        <p:cNvPr id="1" name=""/>
+        <p:cNvGrpSpPr/>
+        <p:nvPr/>
+      </p:nvGrpSpPr>
+      <p:grpSpPr>
+        <a:xfrm>
+          <a:off x="0" y="0"/>
+          <a:ext cx="0" cy="0"/>
+          <a:chOff x="0" y="0"/>
+          <a:chExt cx="0" cy="0"/>
+        </a:xfrm>
+      </p:grpSpPr>
+      <p:sp>
+        <p:nvSpPr>
+          <p:cNvPr id="4" name="Content Placeholder 3"/>
+          <p:cNvSpPr>
+            <a:spLocks noGrp="1"/>
+          </p:cNvSpPr>
+          <p:nvPr>
+            <p:ph sz="half" idx="1"/>
+          </p:nvPr>
+        </p:nvSpPr>
+        <p:spPr>
+          <a:xfrm>
+            <a:off x="411874" y="510466"/>
+            <a:ext cx="8196099" cy="661287"/>
+          </a:xfrm>
+        </p:spPr>
+        <p:txBody>
+          <a:bodyPr>
+            <a:normAutofit/>
+          </a:bodyPr>
+          <a:lstStyle/>
+          <a:p>
             <a:pPr marL="0" indent="0">
               <a:buNone/>
             </a:pPr>
             <a:r>
-              <a:rPr lang="en-US" sz="1800" dirty="0"/>
+              <a:rPr lang="en-US" sz="1350" dirty="0"/>
               <a:t>Cluster Analysis is used to find disparate groups of observations (clusters) that share similar characteristics. The similarity / disparity between groups is captured by distance – a metric that can be calculated for both continuous and categorical features. The scale of features is an important consideration in calculating distance.</a:t>
             </a:r>
           </a:p>
@@ -6009,16 +6635,16 @@
         </p:nvSpPr>
         <p:spPr>
           <a:xfrm>
-            <a:off x="8236259" y="6326654"/>
-            <a:ext cx="3955741" cy="531346"/>
+            <a:off x="6130620" y="6677409"/>
+            <a:ext cx="2966806" cy="145676"/>
           </a:xfrm>
           <a:prstGeom prst="rect">
             <a:avLst/>
           </a:prstGeom>
         </p:spPr>
         <p:txBody>
-          <a:bodyPr vert="horz" lIns="91440" tIns="45720" rIns="91440" bIns="45720" rtlCol="0" anchor="ctr">
-            <a:normAutofit fontScale="97500"/>
+          <a:bodyPr vert="horz" lIns="68580" tIns="34290" rIns="68580" bIns="34290" rtlCol="0" anchor="ctr">
+            <a:normAutofit fontScale="82500" lnSpcReduction="20000"/>
           </a:bodyPr>
           <a:lstStyle>
             <a:lvl1pPr algn="l" defTabSz="914400" rtl="0" eaLnBrk="1" latinLnBrk="0" hangingPunct="1">
@@ -6042,7 +6668,7 @@
           <a:p>
             <a:pPr algn="r"/>
             <a:r>
-              <a:rPr lang="en-US" sz="1200" dirty="0">
+              <a:rPr lang="en-US" sz="900" dirty="0">
                 <a:solidFill>
                   <a:schemeClr val="bg1">
                     <a:lumMod val="65000"/>
@@ -6071,15 +6697,15 @@
         </p:nvSpPr>
         <p:spPr>
           <a:xfrm>
-            <a:off x="549165" y="1345323"/>
-            <a:ext cx="10928132" cy="693684"/>
+            <a:off x="411873" y="1394852"/>
+            <a:ext cx="8196099" cy="520263"/>
           </a:xfrm>
           <a:prstGeom prst="rect">
             <a:avLst/>
           </a:prstGeom>
         </p:spPr>
         <p:txBody>
-          <a:bodyPr vert="horz" lIns="91440" tIns="45720" rIns="91440" bIns="45720" rtlCol="0">
+          <a:bodyPr vert="horz" lIns="68580" tIns="34290" rIns="68580" bIns="34290" rtlCol="0">
             <a:normAutofit/>
           </a:bodyPr>
           <a:lstStyle>
@@ -6248,96 +6874,110 @@
           </a:lstStyle>
           <a:p>
             <a:pPr marL="0" indent="0">
-              <a:buFont typeface="Arial" panose="020B0604020202020204" pitchFamily="34" charset="0"/>
               <a:buNone/>
             </a:pPr>
             <a:r>
-              <a:rPr lang="en-US" sz="1800" dirty="0"/>
+              <a:rPr lang="en-US" sz="1350" dirty="0"/>
               <a:t>Cluster Analysis is a form of exploratory data analysis where observations are divided into meaningful groups that share common characteristics (features).</a:t>
             </a:r>
           </a:p>
         </p:txBody>
       </p:sp>
-      <p:graphicFrame>
-        <p:nvGraphicFramePr>
-          <p:cNvPr id="8" name="Diagram 7">
-            <a:extLst>
-              <a:ext uri="{FF2B5EF4-FFF2-40B4-BE49-F238E27FC236}">
-                <a16:creationId xmlns:a16="http://schemas.microsoft.com/office/drawing/2014/main" id="{8C70570D-A9E3-46B7-95DE-1121D935EC86}"/>
-              </a:ext>
-            </a:extLst>
-          </p:cNvPr>
-          <p:cNvGraphicFramePr/>
-          <p:nvPr>
-            <p:extLst>
-              <p:ext uri="{D42A27DB-BD31-4B8C-83A1-F6EECF244321}">
-                <p14:modId xmlns:p14="http://schemas.microsoft.com/office/powerpoint/2010/main" val="405221241"/>
-              </p:ext>
-            </p:extLst>
-          </p:nvPr>
-        </p:nvGraphicFramePr>
-        <p:xfrm>
-          <a:off x="2032000" y="2039007"/>
-          <a:ext cx="8128000" cy="1166649"/>
-        </p:xfrm>
-        <a:graphic>
-          <a:graphicData uri="http://schemas.openxmlformats.org/drawingml/2006/diagram">
-            <dgm:relIds xmlns:dgm="http://schemas.openxmlformats.org/drawingml/2006/diagram" xmlns:r="http://schemas.openxmlformats.org/officeDocument/2006/relationships" r:dm="rId2" r:lo="rId3" r:qs="rId4" r:cs="rId5"/>
-          </a:graphicData>
-        </a:graphic>
-      </p:graphicFrame>
-      <p:sp>
-        <p:nvSpPr>
-          <p:cNvPr id="9" name="Arrow: Curved Up 8">
-            <a:extLst>
-              <a:ext uri="{FF2B5EF4-FFF2-40B4-BE49-F238E27FC236}">
-                <a16:creationId xmlns:a16="http://schemas.microsoft.com/office/drawing/2014/main" id="{7915AED7-36DA-4157-B604-52C006FC4DC4}"/>
-              </a:ext>
-            </a:extLst>
-          </p:cNvPr>
-          <p:cNvSpPr/>
+      <p:grpSp>
+        <p:nvGrpSpPr>
+          <p:cNvPr id="2" name="Group 1"/>
+          <p:cNvGrpSpPr/>
           <p:nvPr/>
-        </p:nvSpPr>
-        <p:spPr>
-          <a:xfrm flipH="1">
-            <a:off x="5093663" y="3090043"/>
-            <a:ext cx="3955742" cy="809296"/>
+        </p:nvGrpSpPr>
+        <p:grpSpPr>
+          <a:xfrm>
+            <a:off x="1187394" y="1991135"/>
+            <a:ext cx="6669742" cy="1043615"/>
+            <a:chOff x="1524000" y="2386506"/>
+            <a:chExt cx="6669742" cy="1043615"/>
           </a:xfrm>
-          <a:prstGeom prst="curvedUpArrow">
-            <a:avLst/>
-          </a:prstGeom>
-        </p:spPr>
-        <p:style>
-          <a:lnRef idx="2">
-            <a:schemeClr val="accent1">
-              <a:shade val="50000"/>
-            </a:schemeClr>
-          </a:lnRef>
-          <a:fillRef idx="1">
-            <a:schemeClr val="accent1"/>
-          </a:fillRef>
-          <a:effectRef idx="0">
-            <a:schemeClr val="accent1"/>
-          </a:effectRef>
-          <a:fontRef idx="minor">
-            <a:schemeClr val="lt1"/>
-          </a:fontRef>
-        </p:style>
-        <p:txBody>
-          <a:bodyPr rtlCol="0" anchor="ctr"/>
-          <a:lstStyle/>
-          <a:p>
-            <a:pPr algn="ctr"/>
-            <a:endParaRPr lang="en-US">
-              <a:solidFill>
-                <a:schemeClr val="tx1"/>
-              </a:solidFill>
-            </a:endParaRPr>
-          </a:p>
-        </p:txBody>
-      </p:sp>
-      <mc:AlternateContent xmlns:mc="http://schemas.openxmlformats.org/markup-compatibility/2006">
-        <mc:Choice xmlns:a14="http://schemas.microsoft.com/office/drawing/2010/main" Requires="a14">
+        </p:grpSpPr>
+        <p:graphicFrame>
+          <p:nvGraphicFramePr>
+            <p:cNvPr id="8" name="Diagram 7">
+              <a:extLst>
+                <a:ext uri="{FF2B5EF4-FFF2-40B4-BE49-F238E27FC236}">
+                  <a16:creationId xmlns:a16="http://schemas.microsoft.com/office/drawing/2014/main" id="{8C70570D-A9E3-46B7-95DE-1121D935EC86}"/>
+                </a:ext>
+              </a:extLst>
+            </p:cNvPr>
+            <p:cNvGraphicFramePr/>
+            <p:nvPr>
+              <p:extLst>
+                <p:ext uri="{D42A27DB-BD31-4B8C-83A1-F6EECF244321}">
+                  <p14:modId xmlns:p14="http://schemas.microsoft.com/office/powerpoint/2010/main" val="459949848"/>
+                </p:ext>
+              </p:extLst>
+            </p:nvPr>
+          </p:nvGraphicFramePr>
+          <p:xfrm>
+            <a:off x="1524000" y="2386506"/>
+            <a:ext cx="6669742" cy="567896"/>
+          </p:xfrm>
+          <a:graphic>
+            <a:graphicData uri="http://schemas.openxmlformats.org/drawingml/2006/diagram">
+              <dgm:relIds xmlns:dgm="http://schemas.openxmlformats.org/drawingml/2006/diagram" xmlns:r="http://schemas.openxmlformats.org/officeDocument/2006/relationships" r:dm="rId2" r:lo="rId3" r:qs="rId4" r:cs="rId5"/>
+            </a:graphicData>
+          </a:graphic>
+        </p:graphicFrame>
+        <p:sp>
+          <p:nvSpPr>
+            <p:cNvPr id="9" name="Arrow: Curved Up 8">
+              <a:extLst>
+                <a:ext uri="{FF2B5EF4-FFF2-40B4-BE49-F238E27FC236}">
+                  <a16:creationId xmlns:a16="http://schemas.microsoft.com/office/drawing/2014/main" id="{7915AED7-36DA-4157-B604-52C006FC4DC4}"/>
+                </a:ext>
+              </a:extLst>
+            </p:cNvPr>
+            <p:cNvSpPr/>
+            <p:nvPr/>
+          </p:nvSpPr>
+          <p:spPr>
+            <a:xfrm flipH="1">
+              <a:off x="3895164" y="2992662"/>
+              <a:ext cx="3429772" cy="437459"/>
+            </a:xfrm>
+            <a:prstGeom prst="curvedUpArrow">
+              <a:avLst/>
+            </a:prstGeom>
+          </p:spPr>
+          <p:style>
+            <a:lnRef idx="2">
+              <a:schemeClr val="accent1">
+                <a:shade val="50000"/>
+              </a:schemeClr>
+            </a:lnRef>
+            <a:fillRef idx="1">
+              <a:schemeClr val="accent1"/>
+            </a:fillRef>
+            <a:effectRef idx="0">
+              <a:schemeClr val="accent1"/>
+            </a:effectRef>
+            <a:fontRef idx="minor">
+              <a:schemeClr val="lt1"/>
+            </a:fontRef>
+          </p:style>
+          <p:txBody>
+            <a:bodyPr rtlCol="0" anchor="ctr"/>
+            <a:lstStyle/>
+            <a:p>
+              <a:pPr algn="ctr"/>
+              <a:endParaRPr lang="en-US" sz="1350">
+                <a:solidFill>
+                  <a:schemeClr val="tx1"/>
+                </a:solidFill>
+              </a:endParaRPr>
+            </a:p>
+          </p:txBody>
+        </p:sp>
+      </p:grpSp>
+      <mc:AlternateContent xmlns:mc="http://schemas.openxmlformats.org/markup-compatibility/2006" xmlns:a14="http://schemas.microsoft.com/office/drawing/2010/main">
+        <mc:Choice Requires="a14">
           <p:sp>
             <p:nvSpPr>
               <p:cNvPr id="10" name="TextBox 9">
@@ -6352,8 +6992,8 @@
             </p:nvSpPr>
             <p:spPr>
               <a:xfrm>
-                <a:off x="603688" y="3358586"/>
-                <a:ext cx="2959143" cy="276999"/>
+                <a:off x="488626" y="3118823"/>
+                <a:ext cx="1724831" cy="161583"/>
               </a:xfrm>
               <a:prstGeom prst="rect">
                 <a:avLst/>
@@ -6371,6 +7011,7 @@
               </a:bodyPr>
               <a:lstStyle/>
               <a:p>
+                <a:pPr/>
                 <a14:m>
                   <m:oMathPara xmlns:m="http://schemas.openxmlformats.org/officeDocument/2006/math">
                     <m:oMathParaPr>
@@ -6378,7 +7019,7 @@
                     </m:oMathParaPr>
                     <m:oMath xmlns:m="http://schemas.openxmlformats.org/officeDocument/2006/math">
                       <m:r>
-                        <a:rPr lang="en-US" b="1" i="1" smtClean="0">
+                        <a:rPr lang="en-US" sz="1050" b="1" i="1">
                           <a:solidFill>
                             <a:schemeClr val="bg1"/>
                           </a:solidFill>
@@ -6387,7 +7028,7 @@
                         <m:t>𝑫𝒊𝒔𝒕𝒂𝒏𝒄𝒆</m:t>
                       </m:r>
                       <m:r>
-                        <a:rPr lang="en-US" b="1" i="1" smtClean="0">
+                        <a:rPr lang="en-US" sz="1050" b="1" i="1">
                           <a:solidFill>
                             <a:schemeClr val="bg1"/>
                           </a:solidFill>
@@ -6396,7 +7037,7 @@
                         <m:t>=</m:t>
                       </m:r>
                       <m:r>
-                        <a:rPr lang="en-US" b="1" i="1" smtClean="0">
+                        <a:rPr lang="en-US" sz="1050" b="1" i="1">
                           <a:solidFill>
                             <a:schemeClr val="bg1"/>
                           </a:solidFill>
@@ -6405,7 +7046,7 @@
                         <m:t>𝟏</m:t>
                       </m:r>
                       <m:r>
-                        <a:rPr lang="en-US" b="1" i="1" smtClean="0">
+                        <a:rPr lang="en-US" sz="1050" b="1" i="1">
                           <a:solidFill>
                             <a:schemeClr val="bg1"/>
                           </a:solidFill>
@@ -6414,7 +7055,7 @@
                         <m:t>−</m:t>
                       </m:r>
                       <m:r>
-                        <a:rPr lang="en-US" b="1" i="1" smtClean="0">
+                        <a:rPr lang="en-US" sz="1050" b="1" i="1">
                           <a:solidFill>
                             <a:schemeClr val="bg1"/>
                           </a:solidFill>
@@ -6425,7 +7066,7 @@
                     </m:oMath>
                   </m:oMathPara>
                 </a14:m>
-                <a:endParaRPr lang="en-US" b="1" dirty="0">
+                <a:endParaRPr lang="en-US" sz="1050" b="1" dirty="0">
                   <a:solidFill>
                     <a:schemeClr val="bg1"/>
                   </a:solidFill>
@@ -6434,7 +7075,7 @@
             </p:txBody>
           </p:sp>
         </mc:Choice>
-        <mc:Fallback>
+        <mc:Fallback xmlns="">
           <p:sp>
             <p:nvSpPr>
               <p:cNvPr id="10" name="TextBox 9">
@@ -6451,8 +7092,8 @@
             </p:nvSpPr>
             <p:spPr>
               <a:xfrm>
-                <a:off x="603688" y="3358586"/>
-                <a:ext cx="2959143" cy="276999"/>
+                <a:off x="488626" y="3118823"/>
+                <a:ext cx="1724831" cy="161583"/>
               </a:xfrm>
               <a:prstGeom prst="rect">
                 <a:avLst/>
@@ -6460,7 +7101,7 @@
               <a:blipFill>
                 <a:blip r:embed="rId7"/>
                 <a:stretch>
-                  <a:fillRect l="-1237" t="-6667" r="-2887" b="-35556"/>
+                  <a:fillRect l="-1413" t="-3846" r="-2473" b="-42308"/>
                 </a:stretch>
               </a:blipFill>
             </p:spPr>
@@ -6493,8 +7134,8 @@
         </p:nvSpPr>
         <p:spPr>
           <a:xfrm>
-            <a:off x="549165" y="3915203"/>
-            <a:ext cx="3961341" cy="307777"/>
+            <a:off x="411875" y="3430121"/>
+            <a:ext cx="3060453" cy="253916"/>
           </a:xfrm>
           <a:prstGeom prst="rect">
             <a:avLst/>
@@ -6508,41 +7149,44 @@
           <a:lstStyle/>
           <a:p>
             <a:r>
-              <a:rPr lang="en-US" sz="1400" dirty="0" err="1">
+              <a:rPr lang="en-US" sz="1050" dirty="0" err="1">
                 <a:latin typeface="Consolas" panose="020B0609020204030204" pitchFamily="49" charset="0"/>
               </a:rPr>
               <a:t>dist</a:t>
             </a:r>
             <a:r>
-              <a:rPr lang="en-US" sz="1400" dirty="0">
+              <a:rPr lang="en-US" sz="1050" dirty="0">
                 <a:latin typeface="Consolas" panose="020B0609020204030204" pitchFamily="49" charset="0"/>
               </a:rPr>
               <a:t>(</a:t>
             </a:r>
             <a:r>
-              <a:rPr lang="en-US" sz="1400" dirty="0" err="1">
+              <a:rPr lang="en-US" sz="1050" dirty="0" err="1">
                 <a:latin typeface="Consolas" panose="020B0609020204030204" pitchFamily="49" charset="0"/>
               </a:rPr>
               <a:t>data_frame</a:t>
             </a:r>
             <a:r>
-              <a:rPr lang="en-US" sz="1400" dirty="0">
+              <a:rPr lang="en-US" sz="1050" dirty="0">
                 <a:latin typeface="Consolas" panose="020B0609020204030204" pitchFamily="49" charset="0"/>
               </a:rPr>
-              <a:t>, method = “</a:t>
-            </a:r>
-            <a:r>
-              <a:rPr lang="en-US" sz="1400" dirty="0" err="1">
+              <a:t>, method = </a:t>
+            </a:r>
+            <a:r>
+              <a:rPr lang="en-US" sz="1050">
                 <a:latin typeface="Consolas" panose="020B0609020204030204" pitchFamily="49" charset="0"/>
               </a:rPr>
-              <a:t>euclidean</a:t>
-            </a:r>
-            <a:r>
-              <a:rPr lang="en-US" sz="1400" dirty="0">
+              <a:t>“</a:t>
+            </a:r>
+            <a:r>
+              <a:rPr lang="en-US" sz="1050" smtClean="0">
                 <a:latin typeface="Consolas" panose="020B0609020204030204" pitchFamily="49" charset="0"/>
               </a:rPr>
-              <a:t>“)</a:t>
-            </a:r>
+              <a:t>euclidean”)</a:t>
+            </a:r>
+            <a:endParaRPr lang="en-US" sz="1050" dirty="0">
+              <a:latin typeface="Consolas" panose="020B0609020204030204" pitchFamily="49" charset="0"/>
+            </a:endParaRPr>
           </a:p>
         </p:txBody>
       </p:sp>
@@ -6562,15 +7206,15 @@
         </p:nvSpPr>
         <p:spPr>
           <a:xfrm>
-            <a:off x="549165" y="4516822"/>
-            <a:ext cx="10928132" cy="421516"/>
+            <a:off x="411875" y="3881335"/>
+            <a:ext cx="8196099" cy="316137"/>
           </a:xfrm>
           <a:prstGeom prst="rect">
             <a:avLst/>
           </a:prstGeom>
         </p:spPr>
         <p:txBody>
-          <a:bodyPr vert="horz" lIns="91440" tIns="45720" rIns="91440" bIns="45720" rtlCol="0">
+          <a:bodyPr vert="horz" lIns="68580" tIns="34290" rIns="68580" bIns="34290" rtlCol="0">
             <a:normAutofit/>
           </a:bodyPr>
           <a:lstStyle>
@@ -6739,11 +7383,10 @@
           </a:lstStyle>
           <a:p>
             <a:pPr marL="0" indent="0">
-              <a:buFont typeface="Arial" panose="020B0604020202020204" pitchFamily="34" charset="0"/>
               <a:buNone/>
             </a:pPr>
             <a:r>
-              <a:rPr lang="en-US" sz="1800" dirty="0"/>
+              <a:rPr lang="en-US" sz="1350" dirty="0"/>
               <a:t>When variables are on different scales, distance is disproportionately influenced by the differing scales.</a:t>
             </a:r>
           </a:p>
@@ -6763,8 +7406,8 @@
         </p:nvSpPr>
         <p:spPr>
           <a:xfrm>
-            <a:off x="549164" y="5067751"/>
-            <a:ext cx="3961341" cy="307777"/>
+            <a:off x="411874" y="4294532"/>
+            <a:ext cx="2986715" cy="253916"/>
           </a:xfrm>
           <a:prstGeom prst="rect">
             <a:avLst/>
@@ -6778,25 +7421,25 @@
           <a:lstStyle/>
           <a:p>
             <a:r>
-              <a:rPr lang="en-US" sz="1400" dirty="0" err="1">
+              <a:rPr lang="en-US" sz="1050" dirty="0" err="1">
                 <a:latin typeface="Consolas" panose="020B0609020204030204" pitchFamily="49" charset="0"/>
               </a:rPr>
               <a:t>scaled_data_frame</a:t>
             </a:r>
             <a:r>
-              <a:rPr lang="en-US" sz="1400" dirty="0">
+              <a:rPr lang="en-US" sz="1050" dirty="0">
                 <a:latin typeface="Consolas" panose="020B0609020204030204" pitchFamily="49" charset="0"/>
               </a:rPr>
               <a:t> &lt;- scale(</a:t>
             </a:r>
             <a:r>
-              <a:rPr lang="en-US" sz="1400" dirty="0" err="1">
+              <a:rPr lang="en-US" sz="1050" dirty="0" err="1">
                 <a:latin typeface="Consolas" panose="020B0609020204030204" pitchFamily="49" charset="0"/>
               </a:rPr>
               <a:t>data_frame</a:t>
             </a:r>
             <a:r>
-              <a:rPr lang="en-US" sz="1400" dirty="0">
+              <a:rPr lang="en-US" sz="1050" dirty="0">
                 <a:latin typeface="Consolas" panose="020B0609020204030204" pitchFamily="49" charset="0"/>
               </a:rPr>
               <a:t>)</a:t>
@@ -6818,8 +7461,8 @@
         </p:nvSpPr>
         <p:spPr>
           <a:xfrm>
-            <a:off x="5625660" y="5067751"/>
-            <a:ext cx="4657044" cy="307777"/>
+            <a:off x="4219246" y="4294532"/>
+            <a:ext cx="3502882" cy="253916"/>
           </a:xfrm>
           <a:prstGeom prst="rect">
             <a:avLst/>
@@ -6833,37 +7476,37 @@
           <a:lstStyle/>
           <a:p>
             <a:r>
-              <a:rPr lang="en-US" sz="1400" dirty="0" err="1">
+              <a:rPr lang="en-US" sz="1050" dirty="0" err="1">
                 <a:latin typeface="Consolas" panose="020B0609020204030204" pitchFamily="49" charset="0"/>
               </a:rPr>
               <a:t>dist</a:t>
             </a:r>
             <a:r>
-              <a:rPr lang="en-US" sz="1400" dirty="0">
+              <a:rPr lang="en-US" sz="1050" dirty="0">
                 <a:latin typeface="Consolas" panose="020B0609020204030204" pitchFamily="49" charset="0"/>
               </a:rPr>
               <a:t>(</a:t>
             </a:r>
             <a:r>
-              <a:rPr lang="en-US" sz="1400" dirty="0" err="1">
+              <a:rPr lang="en-US" sz="1050" dirty="0" err="1">
                 <a:latin typeface="Consolas" panose="020B0609020204030204" pitchFamily="49" charset="0"/>
               </a:rPr>
               <a:t>scaled_data_frame</a:t>
             </a:r>
             <a:r>
-              <a:rPr lang="en-US" sz="1400" dirty="0">
+              <a:rPr lang="en-US" sz="1050" dirty="0">
                 <a:latin typeface="Consolas" panose="020B0609020204030204" pitchFamily="49" charset="0"/>
               </a:rPr>
               <a:t>, method = “</a:t>
             </a:r>
             <a:r>
-              <a:rPr lang="en-US" sz="1400" dirty="0" err="1">
+              <a:rPr lang="en-US" sz="1050" dirty="0" err="1">
                 <a:latin typeface="Consolas" panose="020B0609020204030204" pitchFamily="49" charset="0"/>
               </a:rPr>
               <a:t>euclidean</a:t>
             </a:r>
             <a:r>
-              <a:rPr lang="en-US" sz="1400" dirty="0">
+              <a:rPr lang="en-US" sz="1050" dirty="0">
                 <a:latin typeface="Consolas" panose="020B0609020204030204" pitchFamily="49" charset="0"/>
               </a:rPr>
               <a:t>”)</a:t>
@@ -6885,8 +7528,8 @@
         </p:nvSpPr>
         <p:spPr>
           <a:xfrm>
-            <a:off x="4763283" y="5070850"/>
-            <a:ext cx="609600" cy="301579"/>
+            <a:off x="3572463" y="4296856"/>
+            <a:ext cx="457200" cy="226184"/>
           </a:xfrm>
           <a:prstGeom prst="rightArrow">
             <a:avLst/>
@@ -6913,7 +7556,388 @@
           <a:lstStyle/>
           <a:p>
             <a:pPr algn="ctr"/>
-            <a:endParaRPr lang="en-US"/>
+            <a:endParaRPr lang="en-US" sz="1350"/>
+          </a:p>
+        </p:txBody>
+      </p:sp>
+      <p:sp>
+        <p:nvSpPr>
+          <p:cNvPr id="16" name="Content Placeholder 3">
+            <a:extLst>
+              <a:ext uri="{FF2B5EF4-FFF2-40B4-BE49-F238E27FC236}">
+                <a16:creationId xmlns:a16="http://schemas.microsoft.com/office/drawing/2014/main" id="{DB0C88B7-B19B-4319-A2E7-2A1063C9FE72}"/>
+              </a:ext>
+            </a:extLst>
+          </p:cNvPr>
+          <p:cNvSpPr txBox="1">
+            <a:spLocks/>
+          </p:cNvSpPr>
+          <p:nvPr/>
+        </p:nvSpPr>
+        <p:spPr>
+          <a:xfrm>
+            <a:off x="411874" y="4692206"/>
+            <a:ext cx="8196099" cy="316137"/>
+          </a:xfrm>
+          <a:prstGeom prst="rect">
+            <a:avLst/>
+          </a:prstGeom>
+        </p:spPr>
+        <p:txBody>
+          <a:bodyPr vert="horz" lIns="68580" tIns="34290" rIns="68580" bIns="34290" rtlCol="0">
+            <a:normAutofit/>
+          </a:bodyPr>
+          <a:lstStyle>
+            <a:lvl1pPr marL="228600" indent="-228600" algn="l" defTabSz="914400" rtl="0" eaLnBrk="1" latinLnBrk="0" hangingPunct="1">
+              <a:lnSpc>
+                <a:spcPct val="90000"/>
+              </a:lnSpc>
+              <a:spcBef>
+                <a:spcPts val="1000"/>
+              </a:spcBef>
+              <a:buFont typeface="Arial" panose="020B0604020202020204" pitchFamily="34" charset="0"/>
+              <a:buChar char="•"/>
+              <a:defRPr sz="2800" kern="1200">
+                <a:solidFill>
+                  <a:schemeClr val="tx1"/>
+                </a:solidFill>
+                <a:latin typeface="+mn-lt"/>
+                <a:ea typeface="+mn-ea"/>
+                <a:cs typeface="+mn-cs"/>
+              </a:defRPr>
+            </a:lvl1pPr>
+            <a:lvl2pPr marL="685800" indent="-228600" algn="l" defTabSz="914400" rtl="0" eaLnBrk="1" latinLnBrk="0" hangingPunct="1">
+              <a:lnSpc>
+                <a:spcPct val="90000"/>
+              </a:lnSpc>
+              <a:spcBef>
+                <a:spcPts val="500"/>
+              </a:spcBef>
+              <a:buFont typeface="Arial" panose="020B0604020202020204" pitchFamily="34" charset="0"/>
+              <a:buChar char="•"/>
+              <a:defRPr sz="2400" kern="1200">
+                <a:solidFill>
+                  <a:schemeClr val="tx1"/>
+                </a:solidFill>
+                <a:latin typeface="+mn-lt"/>
+                <a:ea typeface="+mn-ea"/>
+                <a:cs typeface="+mn-cs"/>
+              </a:defRPr>
+            </a:lvl2pPr>
+            <a:lvl3pPr marL="1143000" indent="-228600" algn="l" defTabSz="914400" rtl="0" eaLnBrk="1" latinLnBrk="0" hangingPunct="1">
+              <a:lnSpc>
+                <a:spcPct val="90000"/>
+              </a:lnSpc>
+              <a:spcBef>
+                <a:spcPts val="500"/>
+              </a:spcBef>
+              <a:buFont typeface="Arial" panose="020B0604020202020204" pitchFamily="34" charset="0"/>
+              <a:buChar char="•"/>
+              <a:defRPr sz="2000" kern="1200">
+                <a:solidFill>
+                  <a:schemeClr val="tx1"/>
+                </a:solidFill>
+                <a:latin typeface="+mn-lt"/>
+                <a:ea typeface="+mn-ea"/>
+                <a:cs typeface="+mn-cs"/>
+              </a:defRPr>
+            </a:lvl3pPr>
+            <a:lvl4pPr marL="1600200" indent="-228600" algn="l" defTabSz="914400" rtl="0" eaLnBrk="1" latinLnBrk="0" hangingPunct="1">
+              <a:lnSpc>
+                <a:spcPct val="90000"/>
+              </a:lnSpc>
+              <a:spcBef>
+                <a:spcPts val="500"/>
+              </a:spcBef>
+              <a:buFont typeface="Arial" panose="020B0604020202020204" pitchFamily="34" charset="0"/>
+              <a:buChar char="•"/>
+              <a:defRPr sz="1800" kern="1200">
+                <a:solidFill>
+                  <a:schemeClr val="tx1"/>
+                </a:solidFill>
+                <a:latin typeface="+mn-lt"/>
+                <a:ea typeface="+mn-ea"/>
+                <a:cs typeface="+mn-cs"/>
+              </a:defRPr>
+            </a:lvl4pPr>
+            <a:lvl5pPr marL="2057400" indent="-228600" algn="l" defTabSz="914400" rtl="0" eaLnBrk="1" latinLnBrk="0" hangingPunct="1">
+              <a:lnSpc>
+                <a:spcPct val="90000"/>
+              </a:lnSpc>
+              <a:spcBef>
+                <a:spcPts val="500"/>
+              </a:spcBef>
+              <a:buFont typeface="Arial" panose="020B0604020202020204" pitchFamily="34" charset="0"/>
+              <a:buChar char="•"/>
+              <a:defRPr sz="1800" kern="1200">
+                <a:solidFill>
+                  <a:schemeClr val="tx1"/>
+                </a:solidFill>
+                <a:latin typeface="+mn-lt"/>
+                <a:ea typeface="+mn-ea"/>
+                <a:cs typeface="+mn-cs"/>
+              </a:defRPr>
+            </a:lvl5pPr>
+            <a:lvl6pPr marL="2514600" indent="-228600" algn="l" defTabSz="914400" rtl="0" eaLnBrk="1" latinLnBrk="0" hangingPunct="1">
+              <a:lnSpc>
+                <a:spcPct val="90000"/>
+              </a:lnSpc>
+              <a:spcBef>
+                <a:spcPts val="500"/>
+              </a:spcBef>
+              <a:buFont typeface="Arial" panose="020B0604020202020204" pitchFamily="34" charset="0"/>
+              <a:buChar char="•"/>
+              <a:defRPr sz="1800" kern="1200">
+                <a:solidFill>
+                  <a:schemeClr val="tx1"/>
+                </a:solidFill>
+                <a:latin typeface="+mn-lt"/>
+                <a:ea typeface="+mn-ea"/>
+                <a:cs typeface="+mn-cs"/>
+              </a:defRPr>
+            </a:lvl6pPr>
+            <a:lvl7pPr marL="2971800" indent="-228600" algn="l" defTabSz="914400" rtl="0" eaLnBrk="1" latinLnBrk="0" hangingPunct="1">
+              <a:lnSpc>
+                <a:spcPct val="90000"/>
+              </a:lnSpc>
+              <a:spcBef>
+                <a:spcPts val="500"/>
+              </a:spcBef>
+              <a:buFont typeface="Arial" panose="020B0604020202020204" pitchFamily="34" charset="0"/>
+              <a:buChar char="•"/>
+              <a:defRPr sz="1800" kern="1200">
+                <a:solidFill>
+                  <a:schemeClr val="tx1"/>
+                </a:solidFill>
+                <a:latin typeface="+mn-lt"/>
+                <a:ea typeface="+mn-ea"/>
+                <a:cs typeface="+mn-cs"/>
+              </a:defRPr>
+            </a:lvl7pPr>
+            <a:lvl8pPr marL="3429000" indent="-228600" algn="l" defTabSz="914400" rtl="0" eaLnBrk="1" latinLnBrk="0" hangingPunct="1">
+              <a:lnSpc>
+                <a:spcPct val="90000"/>
+              </a:lnSpc>
+              <a:spcBef>
+                <a:spcPts val="500"/>
+              </a:spcBef>
+              <a:buFont typeface="Arial" panose="020B0604020202020204" pitchFamily="34" charset="0"/>
+              <a:buChar char="•"/>
+              <a:defRPr sz="1800" kern="1200">
+                <a:solidFill>
+                  <a:schemeClr val="tx1"/>
+                </a:solidFill>
+                <a:latin typeface="+mn-lt"/>
+                <a:ea typeface="+mn-ea"/>
+                <a:cs typeface="+mn-cs"/>
+              </a:defRPr>
+            </a:lvl8pPr>
+            <a:lvl9pPr marL="3886200" indent="-228600" algn="l" defTabSz="914400" rtl="0" eaLnBrk="1" latinLnBrk="0" hangingPunct="1">
+              <a:lnSpc>
+                <a:spcPct val="90000"/>
+              </a:lnSpc>
+              <a:spcBef>
+                <a:spcPts val="500"/>
+              </a:spcBef>
+              <a:buFont typeface="Arial" panose="020B0604020202020204" pitchFamily="34" charset="0"/>
+              <a:buChar char="•"/>
+              <a:defRPr sz="1800" kern="1200">
+                <a:solidFill>
+                  <a:schemeClr val="tx1"/>
+                </a:solidFill>
+                <a:latin typeface="+mn-lt"/>
+                <a:ea typeface="+mn-ea"/>
+                <a:cs typeface="+mn-cs"/>
+              </a:defRPr>
+            </a:lvl9pPr>
+          </a:lstStyle>
+          <a:p>
+            <a:pPr marL="0" indent="0">
+              <a:buNone/>
+            </a:pPr>
+            <a:r>
+              <a:rPr lang="en-US" sz="1350"/>
+              <a:t>For categorical features, distance is calculated using the Jaccard index.</a:t>
+            </a:r>
+            <a:endParaRPr lang="en-US" sz="1350" dirty="0"/>
+          </a:p>
+        </p:txBody>
+      </p:sp>
+      <p:sp>
+        <p:nvSpPr>
+          <p:cNvPr id="17" name="TextBox 16">
+            <a:extLst>
+              <a:ext uri="{FF2B5EF4-FFF2-40B4-BE49-F238E27FC236}">
+                <a16:creationId xmlns:a16="http://schemas.microsoft.com/office/drawing/2014/main" id="{E1EF29F5-8781-4EC7-B9CE-F320F1E3CD6C}"/>
+              </a:ext>
+            </a:extLst>
+          </p:cNvPr>
+          <p:cNvSpPr txBox="1"/>
+          <p:nvPr/>
+        </p:nvSpPr>
+        <p:spPr>
+          <a:xfrm>
+            <a:off x="411873" y="5073015"/>
+            <a:ext cx="1364476" cy="253916"/>
+          </a:xfrm>
+          <a:prstGeom prst="rect">
+            <a:avLst/>
+          </a:prstGeom>
+          <a:noFill/>
+        </p:spPr>
+        <p:txBody>
+          <a:bodyPr wrap="none" rtlCol="0">
+            <a:spAutoFit/>
+          </a:bodyPr>
+          <a:lstStyle/>
+          <a:p>
+            <a:r>
+              <a:rPr lang="en-US" sz="1050">
+                <a:latin typeface="Consolas" panose="020B0609020204030204" pitchFamily="49" charset="0"/>
+              </a:rPr>
+              <a:t>library(dummies)</a:t>
+            </a:r>
+            <a:endParaRPr lang="en-US" sz="1050" dirty="0">
+              <a:latin typeface="Consolas" panose="020B0609020204030204" pitchFamily="49" charset="0"/>
+            </a:endParaRPr>
+          </a:p>
+        </p:txBody>
+      </p:sp>
+      <p:sp>
+        <p:nvSpPr>
+          <p:cNvPr id="18" name="TextBox 17">
+            <a:extLst>
+              <a:ext uri="{FF2B5EF4-FFF2-40B4-BE49-F238E27FC236}">
+                <a16:creationId xmlns:a16="http://schemas.microsoft.com/office/drawing/2014/main" id="{E1EF29F5-8781-4EC7-B9CE-F320F1E3CD6C}"/>
+              </a:ext>
+            </a:extLst>
+          </p:cNvPr>
+          <p:cNvSpPr txBox="1"/>
+          <p:nvPr/>
+        </p:nvSpPr>
+        <p:spPr>
+          <a:xfrm>
+            <a:off x="411874" y="5402951"/>
+            <a:ext cx="3724096" cy="253916"/>
+          </a:xfrm>
+          <a:prstGeom prst="rect">
+            <a:avLst/>
+          </a:prstGeom>
+          <a:noFill/>
+        </p:spPr>
+        <p:txBody>
+          <a:bodyPr wrap="none" rtlCol="0">
+            <a:spAutoFit/>
+          </a:bodyPr>
+          <a:lstStyle/>
+          <a:p>
+            <a:r>
+              <a:rPr lang="en-US" sz="1050">
+                <a:latin typeface="Consolas" panose="020B0609020204030204" pitchFamily="49" charset="0"/>
+              </a:rPr>
+              <a:t>dummy_data_frame &lt;- dummy.data.frame(data_frame)</a:t>
+            </a:r>
+            <a:endParaRPr lang="en-US" sz="1050" dirty="0">
+              <a:latin typeface="Consolas" panose="020B0609020204030204" pitchFamily="49" charset="0"/>
+            </a:endParaRPr>
+          </a:p>
+        </p:txBody>
+      </p:sp>
+      <p:sp>
+        <p:nvSpPr>
+          <p:cNvPr id="19" name="TextBox 18">
+            <a:extLst>
+              <a:ext uri="{FF2B5EF4-FFF2-40B4-BE49-F238E27FC236}">
+                <a16:creationId xmlns:a16="http://schemas.microsoft.com/office/drawing/2014/main" id="{3109408D-7449-45F9-9BA9-B702343FE9C2}"/>
+              </a:ext>
+            </a:extLst>
+          </p:cNvPr>
+          <p:cNvSpPr txBox="1"/>
+          <p:nvPr/>
+        </p:nvSpPr>
+        <p:spPr>
+          <a:xfrm>
+            <a:off x="4916253" y="5402951"/>
+            <a:ext cx="3207929" cy="253916"/>
+          </a:xfrm>
+          <a:prstGeom prst="rect">
+            <a:avLst/>
+          </a:prstGeom>
+          <a:noFill/>
+        </p:spPr>
+        <p:txBody>
+          <a:bodyPr wrap="none" rtlCol="0">
+            <a:spAutoFit/>
+          </a:bodyPr>
+          <a:lstStyle/>
+          <a:p>
+            <a:r>
+              <a:rPr lang="en-US" sz="1050">
+                <a:latin typeface="Consolas" panose="020B0609020204030204" pitchFamily="49" charset="0"/>
+              </a:rPr>
+              <a:t>dist(dummy_data_frame</a:t>
+            </a:r>
+            <a:r>
+              <a:rPr lang="en-US" sz="1050" dirty="0">
+                <a:latin typeface="Consolas" panose="020B0609020204030204" pitchFamily="49" charset="0"/>
+              </a:rPr>
+              <a:t>, method </a:t>
+            </a:r>
+            <a:r>
+              <a:rPr lang="en-US" sz="1050">
+                <a:latin typeface="Consolas" panose="020B0609020204030204" pitchFamily="49" charset="0"/>
+              </a:rPr>
+              <a:t>= “binary”)</a:t>
+            </a:r>
+            <a:endParaRPr lang="en-US" sz="1050" dirty="0">
+              <a:latin typeface="Consolas" panose="020B0609020204030204" pitchFamily="49" charset="0"/>
+            </a:endParaRPr>
+          </a:p>
+        </p:txBody>
+      </p:sp>
+      <p:sp>
+        <p:nvSpPr>
+          <p:cNvPr id="20" name="Arrow: Right 14">
+            <a:extLst>
+              <a:ext uri="{FF2B5EF4-FFF2-40B4-BE49-F238E27FC236}">
+                <a16:creationId xmlns:a16="http://schemas.microsoft.com/office/drawing/2014/main" id="{C0A28B34-C7A4-4DFC-8CC1-6D32ABEAF1B5}"/>
+              </a:ext>
+            </a:extLst>
+          </p:cNvPr>
+          <p:cNvSpPr/>
+          <p:nvPr/>
+        </p:nvSpPr>
+        <p:spPr>
+          <a:xfrm>
+            <a:off x="4293665" y="5405276"/>
+            <a:ext cx="457200" cy="226184"/>
+          </a:xfrm>
+          <a:prstGeom prst="rightArrow">
+            <a:avLst/>
+          </a:prstGeom>
+        </p:spPr>
+        <p:style>
+          <a:lnRef idx="2">
+            <a:schemeClr val="accent1">
+              <a:shade val="50000"/>
+            </a:schemeClr>
+          </a:lnRef>
+          <a:fillRef idx="1">
+            <a:schemeClr val="accent1"/>
+          </a:fillRef>
+          <a:effectRef idx="0">
+            <a:schemeClr val="accent1"/>
+          </a:effectRef>
+          <a:fontRef idx="minor">
+            <a:schemeClr val="lt1"/>
+          </a:fontRef>
+        </p:style>
+        <p:txBody>
+          <a:bodyPr rtlCol="0" anchor="ctr"/>
+          <a:lstStyle/>
+          <a:p>
+            <a:pPr algn="ctr"/>
+            <a:endParaRPr lang="en-US" sz="1350"/>
           </a:p>
         </p:txBody>
       </p:sp>
@@ -6930,10 +7954,3343 @@
 </p:sld>
 </file>
 
+<file path=ppt/slides/slide5.xml><?xml version="1.0" encoding="utf-8"?>
+<p:sld xmlns:a="http://schemas.openxmlformats.org/drawingml/2006/main" xmlns:r="http://schemas.openxmlformats.org/officeDocument/2006/relationships" xmlns:p="http://schemas.openxmlformats.org/presentationml/2006/main">
+  <p:cSld>
+    <p:spTree>
+      <p:nvGrpSpPr>
+        <p:cNvPr id="1" name=""/>
+        <p:cNvGrpSpPr/>
+        <p:nvPr/>
+      </p:nvGrpSpPr>
+      <p:grpSpPr>
+        <a:xfrm>
+          <a:off x="0" y="0"/>
+          <a:ext cx="0" cy="0"/>
+          <a:chOff x="0" y="0"/>
+          <a:chExt cx="0" cy="0"/>
+        </a:xfrm>
+      </p:grpSpPr>
+      <p:sp>
+        <p:nvSpPr>
+          <p:cNvPr id="4" name="Content Placeholder 3"/>
+          <p:cNvSpPr>
+            <a:spLocks noGrp="1"/>
+          </p:cNvSpPr>
+          <p:nvPr>
+            <p:ph sz="half" idx="1"/>
+          </p:nvPr>
+        </p:nvSpPr>
+        <p:spPr>
+          <a:xfrm>
+            <a:off x="411874" y="510466"/>
+            <a:ext cx="8196099" cy="661287"/>
+          </a:xfrm>
+        </p:spPr>
+        <p:txBody>
+          <a:bodyPr>
+            <a:normAutofit/>
+          </a:bodyPr>
+          <a:lstStyle/>
+          <a:p>
+            <a:pPr marL="0" indent="0">
+              <a:buNone/>
+            </a:pPr>
+            <a:r>
+              <a:rPr lang="en-US" sz="1350" smtClean="0"/>
+              <a:t>Hierarchical Clustering uses linkage as a means for developing clusters...</a:t>
+            </a:r>
+            <a:endParaRPr lang="en-US" sz="1350" dirty="0"/>
+          </a:p>
+        </p:txBody>
+      </p:sp>
+      <p:sp>
+        <p:nvSpPr>
+          <p:cNvPr id="5" name="Title 1">
+            <a:extLst>
+              <a:ext uri="{FF2B5EF4-FFF2-40B4-BE49-F238E27FC236}">
+                <a16:creationId xmlns:a16="http://schemas.microsoft.com/office/drawing/2014/main" id="{7930AA84-178B-4321-8849-123A7F350396}"/>
+              </a:ext>
+            </a:extLst>
+          </p:cNvPr>
+          <p:cNvSpPr txBox="1">
+            <a:spLocks/>
+          </p:cNvSpPr>
+          <p:nvPr/>
+        </p:nvSpPr>
+        <p:spPr>
+          <a:xfrm>
+            <a:off x="6130620" y="6677409"/>
+            <a:ext cx="2966806" cy="145676"/>
+          </a:xfrm>
+          <a:prstGeom prst="rect">
+            <a:avLst/>
+          </a:prstGeom>
+        </p:spPr>
+        <p:txBody>
+          <a:bodyPr vert="horz" lIns="68580" tIns="34290" rIns="68580" bIns="34290" rtlCol="0" anchor="ctr">
+            <a:normAutofit fontScale="82500" lnSpcReduction="20000"/>
+          </a:bodyPr>
+          <a:lstStyle>
+            <a:lvl1pPr algn="l" defTabSz="914400" rtl="0" eaLnBrk="1" latinLnBrk="0" hangingPunct="1">
+              <a:lnSpc>
+                <a:spcPct val="90000"/>
+              </a:lnSpc>
+              <a:spcBef>
+                <a:spcPct val="0"/>
+              </a:spcBef>
+              <a:buNone/>
+              <a:defRPr sz="4400" kern="1200">
+                <a:solidFill>
+                  <a:schemeClr val="tx1"/>
+                </a:solidFill>
+                <a:latin typeface="+mj-lt"/>
+                <a:ea typeface="+mj-ea"/>
+                <a:cs typeface="+mj-cs"/>
+              </a:defRPr>
+            </a:lvl1pPr>
+          </a:lstStyle>
+          <a:p>
+            <a:pPr algn="r"/>
+            <a:r>
+              <a:rPr lang="en-US" sz="900" smtClean="0">
+                <a:solidFill>
+                  <a:schemeClr val="bg1">
+                    <a:lumMod val="65000"/>
+                  </a:schemeClr>
+                </a:solidFill>
+                <a:latin typeface="+mn-lt"/>
+              </a:rPr>
+              <a:t>Hierarchical Clustering</a:t>
+            </a:r>
+            <a:endParaRPr lang="en-US" sz="900" dirty="0">
+              <a:solidFill>
+                <a:schemeClr val="bg1">
+                  <a:lumMod val="65000"/>
+                </a:schemeClr>
+              </a:solidFill>
+              <a:latin typeface="+mn-lt"/>
+            </a:endParaRPr>
+          </a:p>
+        </p:txBody>
+      </p:sp>
+      <p:sp>
+        <p:nvSpPr>
+          <p:cNvPr id="11" name="TextBox 10">
+            <a:extLst>
+              <a:ext uri="{FF2B5EF4-FFF2-40B4-BE49-F238E27FC236}">
+                <a16:creationId xmlns:a16="http://schemas.microsoft.com/office/drawing/2014/main" id="{8FA4E600-36BF-419F-B739-8B99F6702248}"/>
+              </a:ext>
+            </a:extLst>
+          </p:cNvPr>
+          <p:cNvSpPr txBox="1"/>
+          <p:nvPr/>
+        </p:nvSpPr>
+        <p:spPr>
+          <a:xfrm>
+            <a:off x="411873" y="966367"/>
+            <a:ext cx="4461478" cy="253916"/>
+          </a:xfrm>
+          <a:prstGeom prst="rect">
+            <a:avLst/>
+          </a:prstGeom>
+          <a:noFill/>
+        </p:spPr>
+        <p:txBody>
+          <a:bodyPr wrap="none" rtlCol="0">
+            <a:spAutoFit/>
+          </a:bodyPr>
+          <a:lstStyle/>
+          <a:p>
+            <a:r>
+              <a:rPr lang="en-US" sz="1050" smtClean="0">
+                <a:latin typeface="Consolas" panose="020B0609020204030204" pitchFamily="49" charset="0"/>
+              </a:rPr>
+              <a:t>dist_data_frame &lt;- dist(data_frame</a:t>
+            </a:r>
+            <a:r>
+              <a:rPr lang="en-US" sz="1050" dirty="0">
+                <a:latin typeface="Consolas" panose="020B0609020204030204" pitchFamily="49" charset="0"/>
+              </a:rPr>
+              <a:t>, method = </a:t>
+            </a:r>
+            <a:r>
+              <a:rPr lang="en-US" sz="1050">
+                <a:latin typeface="Consolas" panose="020B0609020204030204" pitchFamily="49" charset="0"/>
+              </a:rPr>
+              <a:t>“</a:t>
+            </a:r>
+            <a:r>
+              <a:rPr lang="en-US" sz="1050" smtClean="0">
+                <a:latin typeface="Consolas" panose="020B0609020204030204" pitchFamily="49" charset="0"/>
+              </a:rPr>
+              <a:t>euclidean”)</a:t>
+            </a:r>
+            <a:endParaRPr lang="en-US" sz="1050" dirty="0">
+              <a:latin typeface="Consolas" panose="020B0609020204030204" pitchFamily="49" charset="0"/>
+            </a:endParaRPr>
+          </a:p>
+        </p:txBody>
+      </p:sp>
+      <p:sp>
+        <p:nvSpPr>
+          <p:cNvPr id="21" name="TextBox 20">
+            <a:extLst>
+              <a:ext uri="{FF2B5EF4-FFF2-40B4-BE49-F238E27FC236}">
+                <a16:creationId xmlns:a16="http://schemas.microsoft.com/office/drawing/2014/main" id="{8FA4E600-36BF-419F-B739-8B99F6702248}"/>
+              </a:ext>
+            </a:extLst>
+          </p:cNvPr>
+          <p:cNvSpPr txBox="1"/>
+          <p:nvPr/>
+        </p:nvSpPr>
+        <p:spPr>
+          <a:xfrm>
+            <a:off x="411873" y="1345323"/>
+            <a:ext cx="3871573" cy="253916"/>
+          </a:xfrm>
+          <a:prstGeom prst="rect">
+            <a:avLst/>
+          </a:prstGeom>
+          <a:noFill/>
+        </p:spPr>
+        <p:txBody>
+          <a:bodyPr wrap="none" rtlCol="0">
+            <a:spAutoFit/>
+          </a:bodyPr>
+          <a:lstStyle/>
+          <a:p>
+            <a:r>
+              <a:rPr lang="en-US" sz="1050" smtClean="0">
+                <a:latin typeface="Consolas" panose="020B0609020204030204" pitchFamily="49" charset="0"/>
+              </a:rPr>
+              <a:t>hc &lt;- hclust(dist_data_frame</a:t>
+            </a:r>
+            <a:r>
+              <a:rPr lang="en-US" sz="1050" dirty="0">
+                <a:latin typeface="Consolas" panose="020B0609020204030204" pitchFamily="49" charset="0"/>
+              </a:rPr>
+              <a:t>, method </a:t>
+            </a:r>
+            <a:r>
+              <a:rPr lang="en-US" sz="1050">
+                <a:latin typeface="Consolas" panose="020B0609020204030204" pitchFamily="49" charset="0"/>
+              </a:rPr>
+              <a:t>= </a:t>
+            </a:r>
+            <a:r>
+              <a:rPr lang="en-US" sz="1050" smtClean="0">
+                <a:latin typeface="Consolas" panose="020B0609020204030204" pitchFamily="49" charset="0"/>
+              </a:rPr>
+              <a:t>“complete”)</a:t>
+            </a:r>
+            <a:endParaRPr lang="en-US" sz="1050" dirty="0">
+              <a:latin typeface="Consolas" panose="020B0609020204030204" pitchFamily="49" charset="0"/>
+            </a:endParaRPr>
+          </a:p>
+        </p:txBody>
+      </p:sp>
+      <p:sp>
+        <p:nvSpPr>
+          <p:cNvPr id="22" name="TextBox 21">
+            <a:extLst>
+              <a:ext uri="{FF2B5EF4-FFF2-40B4-BE49-F238E27FC236}">
+                <a16:creationId xmlns:a16="http://schemas.microsoft.com/office/drawing/2014/main" id="{8FA4E600-36BF-419F-B739-8B99F6702248}"/>
+              </a:ext>
+            </a:extLst>
+          </p:cNvPr>
+          <p:cNvSpPr txBox="1"/>
+          <p:nvPr/>
+        </p:nvSpPr>
+        <p:spPr>
+          <a:xfrm>
+            <a:off x="411873" y="1724278"/>
+            <a:ext cx="2101857" cy="253916"/>
+          </a:xfrm>
+          <a:prstGeom prst="rect">
+            <a:avLst/>
+          </a:prstGeom>
+          <a:noFill/>
+        </p:spPr>
+        <p:txBody>
+          <a:bodyPr wrap="none" rtlCol="0">
+            <a:spAutoFit/>
+          </a:bodyPr>
+          <a:lstStyle/>
+          <a:p>
+            <a:r>
+              <a:rPr lang="en-US" sz="1050" smtClean="0">
+                <a:latin typeface="Consolas" panose="020B0609020204030204" pitchFamily="49" charset="0"/>
+              </a:rPr>
+              <a:t>clst &lt;- cutree(hc, k = 2)</a:t>
+            </a:r>
+            <a:endParaRPr lang="en-US" sz="1050" dirty="0">
+              <a:latin typeface="Consolas" panose="020B0609020204030204" pitchFamily="49" charset="0"/>
+            </a:endParaRPr>
+          </a:p>
+        </p:txBody>
+      </p:sp>
+      <p:sp>
+        <p:nvSpPr>
+          <p:cNvPr id="23" name="TextBox 22">
+            <a:extLst>
+              <a:ext uri="{FF2B5EF4-FFF2-40B4-BE49-F238E27FC236}">
+                <a16:creationId xmlns:a16="http://schemas.microsoft.com/office/drawing/2014/main" id="{8FA4E600-36BF-419F-B739-8B99F6702248}"/>
+              </a:ext>
+            </a:extLst>
+          </p:cNvPr>
+          <p:cNvSpPr txBox="1"/>
+          <p:nvPr/>
+        </p:nvSpPr>
+        <p:spPr>
+          <a:xfrm>
+            <a:off x="411873" y="2107415"/>
+            <a:ext cx="5125121" cy="253916"/>
+          </a:xfrm>
+          <a:prstGeom prst="rect">
+            <a:avLst/>
+          </a:prstGeom>
+          <a:noFill/>
+        </p:spPr>
+        <p:txBody>
+          <a:bodyPr wrap="none" rtlCol="0">
+            <a:spAutoFit/>
+          </a:bodyPr>
+          <a:lstStyle/>
+          <a:p>
+            <a:r>
+              <a:rPr lang="en-US" sz="1050" smtClean="0">
+                <a:latin typeface="Consolas" panose="020B0609020204030204" pitchFamily="49" charset="0"/>
+              </a:rPr>
+              <a:t>data_frame_with_clusters &lt;- data_frame %&gt;% mutate(cluster = clst)</a:t>
+            </a:r>
+            <a:endParaRPr lang="en-US" sz="1050" dirty="0">
+              <a:latin typeface="Consolas" panose="020B0609020204030204" pitchFamily="49" charset="0"/>
+            </a:endParaRPr>
+          </a:p>
+        </p:txBody>
+      </p:sp>
+      <p:sp>
+        <p:nvSpPr>
+          <p:cNvPr id="24" name="TextBox 23">
+            <a:extLst>
+              <a:ext uri="{FF2B5EF4-FFF2-40B4-BE49-F238E27FC236}">
+                <a16:creationId xmlns:a16="http://schemas.microsoft.com/office/drawing/2014/main" id="{8FA4E600-36BF-419F-B739-8B99F6702248}"/>
+              </a:ext>
+            </a:extLst>
+          </p:cNvPr>
+          <p:cNvSpPr txBox="1"/>
+          <p:nvPr/>
+        </p:nvSpPr>
+        <p:spPr>
+          <a:xfrm>
+            <a:off x="411872" y="2484280"/>
+            <a:ext cx="3134191" cy="253916"/>
+          </a:xfrm>
+          <a:prstGeom prst="rect">
+            <a:avLst/>
+          </a:prstGeom>
+          <a:noFill/>
+        </p:spPr>
+        <p:txBody>
+          <a:bodyPr wrap="none" rtlCol="0">
+            <a:spAutoFit/>
+          </a:bodyPr>
+          <a:lstStyle/>
+          <a:p>
+            <a:r>
+              <a:rPr lang="en-US" sz="1050" smtClean="0">
+                <a:latin typeface="Consolas" panose="020B0609020204030204" pitchFamily="49" charset="0"/>
+              </a:rPr>
+              <a:t>count(data_frame_with_clusters, cluster)</a:t>
+            </a:r>
+            <a:endParaRPr lang="en-US" sz="1050" dirty="0">
+              <a:latin typeface="Consolas" panose="020B0609020204030204" pitchFamily="49" charset="0"/>
+            </a:endParaRPr>
+          </a:p>
+        </p:txBody>
+      </p:sp>
+      <p:sp>
+        <p:nvSpPr>
+          <p:cNvPr id="25" name="TextBox 24">
+            <a:extLst>
+              <a:ext uri="{FF2B5EF4-FFF2-40B4-BE49-F238E27FC236}">
+                <a16:creationId xmlns:a16="http://schemas.microsoft.com/office/drawing/2014/main" id="{8FA4E600-36BF-419F-B739-8B99F6702248}"/>
+              </a:ext>
+            </a:extLst>
+          </p:cNvPr>
+          <p:cNvSpPr txBox="1"/>
+          <p:nvPr/>
+        </p:nvSpPr>
+        <p:spPr>
+          <a:xfrm>
+            <a:off x="411871" y="2885583"/>
+            <a:ext cx="7042312" cy="253916"/>
+          </a:xfrm>
+          <a:prstGeom prst="rect">
+            <a:avLst/>
+          </a:prstGeom>
+          <a:noFill/>
+        </p:spPr>
+        <p:txBody>
+          <a:bodyPr wrap="none" rtlCol="0">
+            <a:spAutoFit/>
+          </a:bodyPr>
+          <a:lstStyle/>
+          <a:p>
+            <a:r>
+              <a:rPr lang="en-US" sz="1050" smtClean="0">
+                <a:latin typeface="Consolas" panose="020B0609020204030204" pitchFamily="49" charset="0"/>
+              </a:rPr>
+              <a:t>ggplot(data_frame_with_clusters, aes(x = x, y = y, color = factor(cluster)))  +  geom_point()</a:t>
+            </a:r>
+          </a:p>
+        </p:txBody>
+      </p:sp>
+      <p:sp>
+        <p:nvSpPr>
+          <p:cNvPr id="26" name="TextBox 25">
+            <a:extLst>
+              <a:ext uri="{FF2B5EF4-FFF2-40B4-BE49-F238E27FC236}">
+                <a16:creationId xmlns:a16="http://schemas.microsoft.com/office/drawing/2014/main" id="{8FA4E600-36BF-419F-B739-8B99F6702248}"/>
+              </a:ext>
+            </a:extLst>
+          </p:cNvPr>
+          <p:cNvSpPr txBox="1"/>
+          <p:nvPr/>
+        </p:nvSpPr>
+        <p:spPr>
+          <a:xfrm>
+            <a:off x="3933027" y="1719523"/>
+            <a:ext cx="2618024" cy="253916"/>
+          </a:xfrm>
+          <a:prstGeom prst="rect">
+            <a:avLst/>
+          </a:prstGeom>
+          <a:noFill/>
+        </p:spPr>
+        <p:txBody>
+          <a:bodyPr wrap="none" rtlCol="0">
+            <a:spAutoFit/>
+          </a:bodyPr>
+          <a:lstStyle/>
+          <a:p>
+            <a:r>
+              <a:rPr lang="en-US" sz="1050" smtClean="0">
+                <a:solidFill>
+                  <a:srgbClr val="C00000"/>
+                </a:solidFill>
+                <a:latin typeface="Consolas" panose="020B0609020204030204" pitchFamily="49" charset="0"/>
+              </a:rPr>
+              <a:t>{“complete”, “single”, “average”}</a:t>
+            </a:r>
+            <a:endParaRPr lang="en-US" sz="1050" dirty="0">
+              <a:solidFill>
+                <a:srgbClr val="C00000"/>
+              </a:solidFill>
+              <a:latin typeface="Consolas" panose="020B0609020204030204" pitchFamily="49" charset="0"/>
+            </a:endParaRPr>
+          </a:p>
+        </p:txBody>
+      </p:sp>
+      <p:sp>
+        <p:nvSpPr>
+          <p:cNvPr id="3" name="Bent Arrow 2"/>
+          <p:cNvSpPr/>
+          <p:nvPr/>
+        </p:nvSpPr>
+        <p:spPr>
+          <a:xfrm rot="16200000">
+            <a:off x="3662704" y="1563067"/>
+            <a:ext cx="316753" cy="320514"/>
+          </a:xfrm>
+          <a:prstGeom prst="bentArrow">
+            <a:avLst>
+              <a:gd name="adj1" fmla="val 21226"/>
+              <a:gd name="adj2" fmla="val 24057"/>
+              <a:gd name="adj3" fmla="val 34434"/>
+              <a:gd name="adj4" fmla="val 26769"/>
+            </a:avLst>
+          </a:prstGeom>
+        </p:spPr>
+        <p:style>
+          <a:lnRef idx="2">
+            <a:schemeClr val="accent1">
+              <a:shade val="50000"/>
+            </a:schemeClr>
+          </a:lnRef>
+          <a:fillRef idx="1">
+            <a:schemeClr val="accent1"/>
+          </a:fillRef>
+          <a:effectRef idx="0">
+            <a:schemeClr val="accent1"/>
+          </a:effectRef>
+          <a:fontRef idx="minor">
+            <a:schemeClr val="lt1"/>
+          </a:fontRef>
+        </p:style>
+        <p:txBody>
+          <a:bodyPr rtlCol="0" anchor="ctr"/>
+          <a:lstStyle/>
+          <a:p>
+            <a:pPr algn="ctr"/>
+            <a:endParaRPr lang="en-US">
+              <a:solidFill>
+                <a:schemeClr val="tx1"/>
+              </a:solidFill>
+            </a:endParaRPr>
+          </a:p>
+        </p:txBody>
+      </p:sp>
+      <p:sp>
+        <p:nvSpPr>
+          <p:cNvPr id="27" name="TextBox 26">
+            <a:extLst>
+              <a:ext uri="{FF2B5EF4-FFF2-40B4-BE49-F238E27FC236}">
+                <a16:creationId xmlns:a16="http://schemas.microsoft.com/office/drawing/2014/main" id="{8FA4E600-36BF-419F-B739-8B99F6702248}"/>
+              </a:ext>
+            </a:extLst>
+          </p:cNvPr>
+          <p:cNvSpPr txBox="1"/>
+          <p:nvPr/>
+        </p:nvSpPr>
+        <p:spPr>
+          <a:xfrm>
+            <a:off x="411871" y="3258842"/>
+            <a:ext cx="2396810" cy="253916"/>
+          </a:xfrm>
+          <a:prstGeom prst="rect">
+            <a:avLst/>
+          </a:prstGeom>
+          <a:noFill/>
+        </p:spPr>
+        <p:txBody>
+          <a:bodyPr wrap="none" rtlCol="0">
+            <a:spAutoFit/>
+          </a:bodyPr>
+          <a:lstStyle/>
+          <a:p>
+            <a:r>
+              <a:rPr lang="en-US" sz="1050" smtClean="0">
+                <a:latin typeface="Consolas" panose="020B0609020204030204" pitchFamily="49" charset="0"/>
+              </a:rPr>
+              <a:t>plot(data_frame_with_clusters)</a:t>
+            </a:r>
+          </a:p>
+        </p:txBody>
+      </p:sp>
+      <p:sp>
+        <p:nvSpPr>
+          <p:cNvPr id="28" name="TextBox 27">
+            <a:extLst>
+              <a:ext uri="{FF2B5EF4-FFF2-40B4-BE49-F238E27FC236}">
+                <a16:creationId xmlns:a16="http://schemas.microsoft.com/office/drawing/2014/main" id="{8FA4E600-36BF-419F-B739-8B99F6702248}"/>
+              </a:ext>
+            </a:extLst>
+          </p:cNvPr>
+          <p:cNvSpPr txBox="1"/>
+          <p:nvPr/>
+        </p:nvSpPr>
+        <p:spPr>
+          <a:xfrm>
+            <a:off x="3085041" y="3257435"/>
+            <a:ext cx="1880643" cy="253916"/>
+          </a:xfrm>
+          <a:prstGeom prst="rect">
+            <a:avLst/>
+          </a:prstGeom>
+          <a:noFill/>
+        </p:spPr>
+        <p:txBody>
+          <a:bodyPr wrap="none" rtlCol="0">
+            <a:spAutoFit/>
+          </a:bodyPr>
+          <a:lstStyle/>
+          <a:p>
+            <a:r>
+              <a:rPr lang="en-US" sz="1050" smtClean="0">
+                <a:solidFill>
+                  <a:srgbClr val="C00000"/>
+                </a:solidFill>
+                <a:latin typeface="Consolas" panose="020B0609020204030204" pitchFamily="49" charset="0"/>
+              </a:rPr>
+              <a:t>this plots a dendrogram</a:t>
+            </a:r>
+          </a:p>
+        </p:txBody>
+      </p:sp>
+      <p:sp>
+        <p:nvSpPr>
+          <p:cNvPr id="29" name="TextBox 28">
+            <a:extLst>
+              <a:ext uri="{FF2B5EF4-FFF2-40B4-BE49-F238E27FC236}">
+                <a16:creationId xmlns:a16="http://schemas.microsoft.com/office/drawing/2014/main" id="{8FA4E600-36BF-419F-B739-8B99F6702248}"/>
+              </a:ext>
+            </a:extLst>
+          </p:cNvPr>
+          <p:cNvSpPr txBox="1"/>
+          <p:nvPr/>
+        </p:nvSpPr>
+        <p:spPr>
+          <a:xfrm>
+            <a:off x="3085041" y="3468573"/>
+            <a:ext cx="4608954" cy="253916"/>
+          </a:xfrm>
+          <a:prstGeom prst="rect">
+            <a:avLst/>
+          </a:prstGeom>
+          <a:noFill/>
+        </p:spPr>
+        <p:txBody>
+          <a:bodyPr wrap="none" rtlCol="0">
+            <a:spAutoFit/>
+          </a:bodyPr>
+          <a:lstStyle/>
+          <a:p>
+            <a:r>
+              <a:rPr lang="en-US" sz="1050" smtClean="0">
+                <a:solidFill>
+                  <a:srgbClr val="C00000"/>
+                </a:solidFill>
+                <a:latin typeface="Consolas" panose="020B0609020204030204" pitchFamily="49" charset="0"/>
+              </a:rPr>
+              <a:t>if you have multiple plots, you can use par(mfrow = c(1, n))</a:t>
+            </a:r>
+          </a:p>
+        </p:txBody>
+      </p:sp>
+      <p:cxnSp>
+        <p:nvCxnSpPr>
+          <p:cNvPr id="30" name="Straight Connector 29"/>
+          <p:cNvCxnSpPr/>
+          <p:nvPr/>
+        </p:nvCxnSpPr>
+        <p:spPr>
+          <a:xfrm>
+            <a:off x="1063812" y="4022165"/>
+            <a:ext cx="7016376" cy="0"/>
+          </a:xfrm>
+          <a:prstGeom prst="line">
+            <a:avLst/>
+          </a:prstGeom>
+        </p:spPr>
+        <p:style>
+          <a:lnRef idx="1">
+            <a:schemeClr val="accent1"/>
+          </a:lnRef>
+          <a:fillRef idx="0">
+            <a:schemeClr val="accent1"/>
+          </a:fillRef>
+          <a:effectRef idx="0">
+            <a:schemeClr val="accent1"/>
+          </a:effectRef>
+          <a:fontRef idx="minor">
+            <a:schemeClr val="tx1"/>
+          </a:fontRef>
+        </p:style>
+      </p:cxnSp>
+      <p:sp>
+        <p:nvSpPr>
+          <p:cNvPr id="31" name="TextBox 30">
+            <a:extLst>
+              <a:ext uri="{FF2B5EF4-FFF2-40B4-BE49-F238E27FC236}">
+                <a16:creationId xmlns:a16="http://schemas.microsoft.com/office/drawing/2014/main" id="{8FA4E600-36BF-419F-B739-8B99F6702248}"/>
+              </a:ext>
+            </a:extLst>
+          </p:cNvPr>
+          <p:cNvSpPr txBox="1"/>
+          <p:nvPr/>
+        </p:nvSpPr>
+        <p:spPr>
+          <a:xfrm>
+            <a:off x="411873" y="4270259"/>
+            <a:ext cx="1585690" cy="253916"/>
+          </a:xfrm>
+          <a:prstGeom prst="rect">
+            <a:avLst/>
+          </a:prstGeom>
+          <a:noFill/>
+        </p:spPr>
+        <p:txBody>
+          <a:bodyPr wrap="none" rtlCol="0">
+            <a:spAutoFit/>
+          </a:bodyPr>
+          <a:lstStyle/>
+          <a:p>
+            <a:r>
+              <a:rPr lang="en-US" sz="1050" smtClean="0">
+                <a:latin typeface="Consolas" panose="020B0609020204030204" pitchFamily="49" charset="0"/>
+              </a:rPr>
+              <a:t>library(dendextend)</a:t>
+            </a:r>
+            <a:endParaRPr lang="en-US" sz="1050" dirty="0">
+              <a:latin typeface="Consolas" panose="020B0609020204030204" pitchFamily="49" charset="0"/>
+            </a:endParaRPr>
+          </a:p>
+        </p:txBody>
+      </p:sp>
+      <p:sp>
+        <p:nvSpPr>
+          <p:cNvPr id="32" name="TextBox 31">
+            <a:extLst>
+              <a:ext uri="{FF2B5EF4-FFF2-40B4-BE49-F238E27FC236}">
+                <a16:creationId xmlns:a16="http://schemas.microsoft.com/office/drawing/2014/main" id="{8FA4E600-36BF-419F-B739-8B99F6702248}"/>
+              </a:ext>
+            </a:extLst>
+          </p:cNvPr>
+          <p:cNvSpPr txBox="1"/>
+          <p:nvPr/>
+        </p:nvSpPr>
+        <p:spPr>
+          <a:xfrm>
+            <a:off x="411873" y="4574690"/>
+            <a:ext cx="2249334" cy="253916"/>
+          </a:xfrm>
+          <a:prstGeom prst="rect">
+            <a:avLst/>
+          </a:prstGeom>
+          <a:noFill/>
+        </p:spPr>
+        <p:txBody>
+          <a:bodyPr wrap="none" rtlCol="0">
+            <a:spAutoFit/>
+          </a:bodyPr>
+          <a:lstStyle/>
+          <a:p>
+            <a:r>
+              <a:rPr lang="en-US" sz="1050" smtClean="0">
+                <a:latin typeface="Consolas" panose="020B0609020204030204" pitchFamily="49" charset="0"/>
+              </a:rPr>
+              <a:t>dend_hc &lt;- as.dendrogram(hc)</a:t>
+            </a:r>
+            <a:endParaRPr lang="en-US" sz="1050" dirty="0">
+              <a:latin typeface="Consolas" panose="020B0609020204030204" pitchFamily="49" charset="0"/>
+            </a:endParaRPr>
+          </a:p>
+        </p:txBody>
+      </p:sp>
+      <p:sp>
+        <p:nvSpPr>
+          <p:cNvPr id="33" name="TextBox 32">
+            <a:extLst>
+              <a:ext uri="{FF2B5EF4-FFF2-40B4-BE49-F238E27FC236}">
+                <a16:creationId xmlns:a16="http://schemas.microsoft.com/office/drawing/2014/main" id="{8FA4E600-36BF-419F-B739-8B99F6702248}"/>
+              </a:ext>
+            </a:extLst>
+          </p:cNvPr>
+          <p:cNvSpPr txBox="1"/>
+          <p:nvPr/>
+        </p:nvSpPr>
+        <p:spPr>
+          <a:xfrm>
+            <a:off x="393278" y="4904450"/>
+            <a:ext cx="3502882" cy="253916"/>
+          </a:xfrm>
+          <a:prstGeom prst="rect">
+            <a:avLst/>
+          </a:prstGeom>
+          <a:noFill/>
+        </p:spPr>
+        <p:txBody>
+          <a:bodyPr wrap="none" rtlCol="0">
+            <a:spAutoFit/>
+          </a:bodyPr>
+          <a:lstStyle/>
+          <a:p>
+            <a:r>
+              <a:rPr lang="en-US" sz="1050" smtClean="0">
+                <a:latin typeface="Consolas" panose="020B0609020204030204" pitchFamily="49" charset="0"/>
+              </a:rPr>
+              <a:t>dend_hc_20 &lt;- color_branches(dend_hc, h = 20)</a:t>
+            </a:r>
+            <a:endParaRPr lang="en-US" sz="1050" dirty="0">
+              <a:latin typeface="Consolas" panose="020B0609020204030204" pitchFamily="49" charset="0"/>
+            </a:endParaRPr>
+          </a:p>
+        </p:txBody>
+      </p:sp>
+      <p:sp>
+        <p:nvSpPr>
+          <p:cNvPr id="34" name="TextBox 33">
+            <a:extLst>
+              <a:ext uri="{FF2B5EF4-FFF2-40B4-BE49-F238E27FC236}">
+                <a16:creationId xmlns:a16="http://schemas.microsoft.com/office/drawing/2014/main" id="{8FA4E600-36BF-419F-B739-8B99F6702248}"/>
+              </a:ext>
+            </a:extLst>
+          </p:cNvPr>
+          <p:cNvSpPr txBox="1"/>
+          <p:nvPr/>
+        </p:nvSpPr>
+        <p:spPr>
+          <a:xfrm>
+            <a:off x="1142947" y="5208881"/>
+            <a:ext cx="1942093" cy="415498"/>
+          </a:xfrm>
+          <a:prstGeom prst="rect">
+            <a:avLst/>
+          </a:prstGeom>
+          <a:noFill/>
+        </p:spPr>
+        <p:txBody>
+          <a:bodyPr wrap="square" rtlCol="0">
+            <a:spAutoFit/>
+          </a:bodyPr>
+          <a:lstStyle/>
+          <a:p>
+            <a:pPr algn="ctr"/>
+            <a:r>
+              <a:rPr lang="en-US" sz="1050" smtClean="0">
+                <a:solidFill>
+                  <a:srgbClr val="C00000"/>
+                </a:solidFill>
+                <a:latin typeface="Consolas" panose="020B0609020204030204" pitchFamily="49" charset="0"/>
+              </a:rPr>
+              <a:t>splitting the tree based on euclidean distance</a:t>
+            </a:r>
+            <a:endParaRPr lang="en-US" sz="1050" dirty="0">
+              <a:solidFill>
+                <a:srgbClr val="C00000"/>
+              </a:solidFill>
+              <a:latin typeface="Consolas" panose="020B0609020204030204" pitchFamily="49" charset="0"/>
+            </a:endParaRPr>
+          </a:p>
+        </p:txBody>
+      </p:sp>
+      <p:sp>
+        <p:nvSpPr>
+          <p:cNvPr id="35" name="Bent Arrow 34"/>
+          <p:cNvSpPr/>
+          <p:nvPr/>
+        </p:nvSpPr>
+        <p:spPr>
+          <a:xfrm rot="16200000" flipV="1">
+            <a:off x="3138558" y="5093858"/>
+            <a:ext cx="316753" cy="423788"/>
+          </a:xfrm>
+          <a:prstGeom prst="bentArrow">
+            <a:avLst>
+              <a:gd name="adj1" fmla="val 21226"/>
+              <a:gd name="adj2" fmla="val 24057"/>
+              <a:gd name="adj3" fmla="val 34434"/>
+              <a:gd name="adj4" fmla="val 26769"/>
+            </a:avLst>
+          </a:prstGeom>
+        </p:spPr>
+        <p:style>
+          <a:lnRef idx="2">
+            <a:schemeClr val="accent1">
+              <a:shade val="50000"/>
+            </a:schemeClr>
+          </a:lnRef>
+          <a:fillRef idx="1">
+            <a:schemeClr val="accent1"/>
+          </a:fillRef>
+          <a:effectRef idx="0">
+            <a:schemeClr val="accent1"/>
+          </a:effectRef>
+          <a:fontRef idx="minor">
+            <a:schemeClr val="lt1"/>
+          </a:fontRef>
+        </p:style>
+        <p:txBody>
+          <a:bodyPr rtlCol="0" anchor="ctr"/>
+          <a:lstStyle/>
+          <a:p>
+            <a:pPr algn="ctr"/>
+            <a:endParaRPr lang="en-US">
+              <a:solidFill>
+                <a:schemeClr val="tx1"/>
+              </a:solidFill>
+            </a:endParaRPr>
+          </a:p>
+        </p:txBody>
+      </p:sp>
+      <p:sp>
+        <p:nvSpPr>
+          <p:cNvPr id="36" name="TextBox 35">
+            <a:extLst>
+              <a:ext uri="{FF2B5EF4-FFF2-40B4-BE49-F238E27FC236}">
+                <a16:creationId xmlns:a16="http://schemas.microsoft.com/office/drawing/2014/main" id="{8FA4E600-36BF-419F-B739-8B99F6702248}"/>
+              </a:ext>
+            </a:extLst>
+          </p:cNvPr>
+          <p:cNvSpPr txBox="1"/>
+          <p:nvPr/>
+        </p:nvSpPr>
+        <p:spPr>
+          <a:xfrm>
+            <a:off x="4283446" y="4273318"/>
+            <a:ext cx="3871573" cy="253916"/>
+          </a:xfrm>
+          <a:prstGeom prst="rect">
+            <a:avLst/>
+          </a:prstGeom>
+          <a:noFill/>
+        </p:spPr>
+        <p:txBody>
+          <a:bodyPr wrap="none" rtlCol="0">
+            <a:spAutoFit/>
+          </a:bodyPr>
+          <a:lstStyle/>
+          <a:p>
+            <a:r>
+              <a:rPr lang="en-US" sz="1050" smtClean="0">
+                <a:latin typeface="Consolas" panose="020B0609020204030204" pitchFamily="49" charset="0"/>
+              </a:rPr>
+              <a:t>dist_players &lt;- dist(lineup, method = “euclidean”)</a:t>
+            </a:r>
+            <a:endParaRPr lang="en-US" sz="1050" dirty="0">
+              <a:latin typeface="Consolas" panose="020B0609020204030204" pitchFamily="49" charset="0"/>
+            </a:endParaRPr>
+          </a:p>
+        </p:txBody>
+      </p:sp>
+      <p:sp>
+        <p:nvSpPr>
+          <p:cNvPr id="37" name="TextBox 36">
+            <a:extLst>
+              <a:ext uri="{FF2B5EF4-FFF2-40B4-BE49-F238E27FC236}">
+                <a16:creationId xmlns:a16="http://schemas.microsoft.com/office/drawing/2014/main" id="{8FA4E600-36BF-419F-B739-8B99F6702248}"/>
+              </a:ext>
+            </a:extLst>
+          </p:cNvPr>
+          <p:cNvSpPr txBox="1"/>
+          <p:nvPr/>
+        </p:nvSpPr>
+        <p:spPr>
+          <a:xfrm>
+            <a:off x="4283446" y="4544871"/>
+            <a:ext cx="4240263" cy="253916"/>
+          </a:xfrm>
+          <a:prstGeom prst="rect">
+            <a:avLst/>
+          </a:prstGeom>
+          <a:noFill/>
+        </p:spPr>
+        <p:txBody>
+          <a:bodyPr wrap="none" rtlCol="0">
+            <a:spAutoFit/>
+          </a:bodyPr>
+          <a:lstStyle/>
+          <a:p>
+            <a:r>
+              <a:rPr lang="en-US" sz="1050" smtClean="0">
+                <a:latin typeface="Consolas" panose="020B0609020204030204" pitchFamily="49" charset="0"/>
+              </a:rPr>
+              <a:t>hc_players &lt;- hclust(dist_players, method = “complete”)</a:t>
+            </a:r>
+            <a:endParaRPr lang="en-US" sz="1050" dirty="0">
+              <a:latin typeface="Consolas" panose="020B0609020204030204" pitchFamily="49" charset="0"/>
+            </a:endParaRPr>
+          </a:p>
+        </p:txBody>
+      </p:sp>
+      <p:sp>
+        <p:nvSpPr>
+          <p:cNvPr id="38" name="TextBox 37">
+            <a:extLst>
+              <a:ext uri="{FF2B5EF4-FFF2-40B4-BE49-F238E27FC236}">
+                <a16:creationId xmlns:a16="http://schemas.microsoft.com/office/drawing/2014/main" id="{8FA4E600-36BF-419F-B739-8B99F6702248}"/>
+              </a:ext>
+            </a:extLst>
+          </p:cNvPr>
+          <p:cNvSpPr txBox="1"/>
+          <p:nvPr/>
+        </p:nvSpPr>
+        <p:spPr>
+          <a:xfrm>
+            <a:off x="4283446" y="5088182"/>
+            <a:ext cx="3281668" cy="253916"/>
+          </a:xfrm>
+          <a:prstGeom prst="rect">
+            <a:avLst/>
+          </a:prstGeom>
+          <a:noFill/>
+        </p:spPr>
+        <p:txBody>
+          <a:bodyPr wrap="none" rtlCol="0">
+            <a:spAutoFit/>
+          </a:bodyPr>
+          <a:lstStyle/>
+          <a:p>
+            <a:r>
+              <a:rPr lang="en-US" sz="1050" smtClean="0">
+                <a:latin typeface="Consolas" panose="020B0609020204030204" pitchFamily="49" charset="0"/>
+              </a:rPr>
+              <a:t>clusters_h20 &lt;- cutree(hc_players, h = 20)</a:t>
+            </a:r>
+            <a:endParaRPr lang="en-US" sz="1050" dirty="0">
+              <a:latin typeface="Consolas" panose="020B0609020204030204" pitchFamily="49" charset="0"/>
+            </a:endParaRPr>
+          </a:p>
+        </p:txBody>
+      </p:sp>
+      <p:sp>
+        <p:nvSpPr>
+          <p:cNvPr id="40" name="TextBox 39">
+            <a:extLst>
+              <a:ext uri="{FF2B5EF4-FFF2-40B4-BE49-F238E27FC236}">
+                <a16:creationId xmlns:a16="http://schemas.microsoft.com/office/drawing/2014/main" id="{8FA4E600-36BF-419F-B739-8B99F6702248}"/>
+              </a:ext>
+            </a:extLst>
+          </p:cNvPr>
+          <p:cNvSpPr txBox="1"/>
+          <p:nvPr/>
+        </p:nvSpPr>
+        <p:spPr>
+          <a:xfrm>
+            <a:off x="4283446" y="5376722"/>
+            <a:ext cx="4682692" cy="253916"/>
+          </a:xfrm>
+          <a:prstGeom prst="rect">
+            <a:avLst/>
+          </a:prstGeom>
+          <a:noFill/>
+        </p:spPr>
+        <p:txBody>
+          <a:bodyPr wrap="none" rtlCol="0">
+            <a:spAutoFit/>
+          </a:bodyPr>
+          <a:lstStyle/>
+          <a:p>
+            <a:r>
+              <a:rPr lang="en-US" sz="1050" smtClean="0">
+                <a:latin typeface="Consolas" panose="020B0609020204030204" pitchFamily="49" charset="0"/>
+              </a:rPr>
+              <a:t>lineup_h20_complete &lt;- mutate(lineup, cluster = clusters_h20)</a:t>
+            </a:r>
+            <a:endParaRPr lang="en-US" sz="1050" dirty="0">
+              <a:latin typeface="Consolas" panose="020B0609020204030204" pitchFamily="49" charset="0"/>
+            </a:endParaRPr>
+          </a:p>
+        </p:txBody>
+      </p:sp>
+      <p:sp>
+        <p:nvSpPr>
+          <p:cNvPr id="42" name="TextBox 41">
+            <a:extLst>
+              <a:ext uri="{FF2B5EF4-FFF2-40B4-BE49-F238E27FC236}">
+                <a16:creationId xmlns:a16="http://schemas.microsoft.com/office/drawing/2014/main" id="{8FA4E600-36BF-419F-B739-8B99F6702248}"/>
+              </a:ext>
+            </a:extLst>
+          </p:cNvPr>
+          <p:cNvSpPr txBox="1"/>
+          <p:nvPr/>
+        </p:nvSpPr>
+        <p:spPr>
+          <a:xfrm>
+            <a:off x="4283446" y="5919124"/>
+            <a:ext cx="4480714" cy="577081"/>
+          </a:xfrm>
+          <a:prstGeom prst="rect">
+            <a:avLst/>
+          </a:prstGeom>
+          <a:noFill/>
+        </p:spPr>
+        <p:txBody>
+          <a:bodyPr wrap="none" rtlCol="0">
+            <a:spAutoFit/>
+          </a:bodyPr>
+          <a:lstStyle/>
+          <a:p>
+            <a:r>
+              <a:rPr lang="en-US" sz="1050" smtClean="0">
+                <a:latin typeface="Consolas" panose="020B0609020204030204" pitchFamily="49" charset="0"/>
+              </a:rPr>
+              <a:t>lineup_h20_complete %&gt;%</a:t>
+            </a:r>
+          </a:p>
+          <a:p>
+            <a:r>
+              <a:rPr lang="en-US" sz="1050" smtClean="0">
+                <a:latin typeface="Consolas" panose="020B0609020204030204" pitchFamily="49" charset="0"/>
+              </a:rPr>
+              <a:t>	ggplot(aes(x = x, y = y, color = factor(cluster))) +</a:t>
+            </a:r>
+          </a:p>
+          <a:p>
+            <a:r>
+              <a:rPr lang="en-US" sz="1050" smtClean="0">
+                <a:latin typeface="Consolas" panose="020B0609020204030204" pitchFamily="49" charset="0"/>
+              </a:rPr>
+              <a:t>	geom_point()</a:t>
+            </a:r>
+          </a:p>
+        </p:txBody>
+      </p:sp>
+      <p:sp>
+        <p:nvSpPr>
+          <p:cNvPr id="43" name="Arrow: Right 14">
+            <a:extLst>
+              <a:ext uri="{FF2B5EF4-FFF2-40B4-BE49-F238E27FC236}">
+                <a16:creationId xmlns:a16="http://schemas.microsoft.com/office/drawing/2014/main" id="{C0A28B34-C7A4-4DFC-8CC1-6D32ABEAF1B5}"/>
+              </a:ext>
+            </a:extLst>
+          </p:cNvPr>
+          <p:cNvSpPr/>
+          <p:nvPr/>
+        </p:nvSpPr>
+        <p:spPr>
+          <a:xfrm rot="5400000">
+            <a:off x="6142736" y="4839491"/>
+            <a:ext cx="201951" cy="226184"/>
+          </a:xfrm>
+          <a:prstGeom prst="rightArrow">
+            <a:avLst/>
+          </a:prstGeom>
+        </p:spPr>
+        <p:style>
+          <a:lnRef idx="2">
+            <a:schemeClr val="accent1">
+              <a:shade val="50000"/>
+            </a:schemeClr>
+          </a:lnRef>
+          <a:fillRef idx="1">
+            <a:schemeClr val="accent1"/>
+          </a:fillRef>
+          <a:effectRef idx="0">
+            <a:schemeClr val="accent1"/>
+          </a:effectRef>
+          <a:fontRef idx="minor">
+            <a:schemeClr val="lt1"/>
+          </a:fontRef>
+        </p:style>
+        <p:txBody>
+          <a:bodyPr rtlCol="0" anchor="ctr"/>
+          <a:lstStyle/>
+          <a:p>
+            <a:pPr algn="ctr"/>
+            <a:endParaRPr lang="en-US" sz="1350"/>
+          </a:p>
+        </p:txBody>
+      </p:sp>
+      <p:sp>
+        <p:nvSpPr>
+          <p:cNvPr id="44" name="Arrow: Right 14">
+            <a:extLst>
+              <a:ext uri="{FF2B5EF4-FFF2-40B4-BE49-F238E27FC236}">
+                <a16:creationId xmlns:a16="http://schemas.microsoft.com/office/drawing/2014/main" id="{C0A28B34-C7A4-4DFC-8CC1-6D32ABEAF1B5}"/>
+              </a:ext>
+            </a:extLst>
+          </p:cNvPr>
+          <p:cNvSpPr/>
+          <p:nvPr/>
+        </p:nvSpPr>
+        <p:spPr>
+          <a:xfrm rot="5400000">
+            <a:off x="6118256" y="5651416"/>
+            <a:ext cx="201951" cy="226184"/>
+          </a:xfrm>
+          <a:prstGeom prst="rightArrow">
+            <a:avLst/>
+          </a:prstGeom>
+        </p:spPr>
+        <p:style>
+          <a:lnRef idx="2">
+            <a:schemeClr val="accent1">
+              <a:shade val="50000"/>
+            </a:schemeClr>
+          </a:lnRef>
+          <a:fillRef idx="1">
+            <a:schemeClr val="accent1"/>
+          </a:fillRef>
+          <a:effectRef idx="0">
+            <a:schemeClr val="accent1"/>
+          </a:effectRef>
+          <a:fontRef idx="minor">
+            <a:schemeClr val="lt1"/>
+          </a:fontRef>
+        </p:style>
+        <p:txBody>
+          <a:bodyPr rtlCol="0" anchor="ctr"/>
+          <a:lstStyle/>
+          <a:p>
+            <a:pPr algn="ctr"/>
+            <a:endParaRPr lang="en-US" sz="1350"/>
+          </a:p>
+        </p:txBody>
+      </p:sp>
+      <p:cxnSp>
+        <p:nvCxnSpPr>
+          <p:cNvPr id="45" name="Straight Connector 44"/>
+          <p:cNvCxnSpPr/>
+          <p:nvPr/>
+        </p:nvCxnSpPr>
+        <p:spPr>
+          <a:xfrm>
+            <a:off x="3975167" y="4261681"/>
+            <a:ext cx="6171" cy="2290593"/>
+          </a:xfrm>
+          <a:prstGeom prst="line">
+            <a:avLst/>
+          </a:prstGeom>
+        </p:spPr>
+        <p:style>
+          <a:lnRef idx="1">
+            <a:schemeClr val="accent1"/>
+          </a:lnRef>
+          <a:fillRef idx="0">
+            <a:schemeClr val="accent1"/>
+          </a:fillRef>
+          <a:effectRef idx="0">
+            <a:schemeClr val="accent1"/>
+          </a:effectRef>
+          <a:fontRef idx="minor">
+            <a:schemeClr val="tx1"/>
+          </a:fontRef>
+        </p:style>
+      </p:cxnSp>
+    </p:spTree>
+    <p:extLst>
+      <p:ext uri="{BB962C8B-B14F-4D97-AF65-F5344CB8AC3E}">
+        <p14:creationId xmlns:p14="http://schemas.microsoft.com/office/powerpoint/2010/main" val="128767857"/>
+      </p:ext>
+    </p:extLst>
+  </p:cSld>
+  <p:clrMapOvr>
+    <a:masterClrMapping/>
+  </p:clrMapOvr>
+</p:sld>
+</file>
+
+<file path=ppt/slides/slide6.xml><?xml version="1.0" encoding="utf-8"?>
+<p:sld xmlns:a="http://schemas.openxmlformats.org/drawingml/2006/main" xmlns:r="http://schemas.openxmlformats.org/officeDocument/2006/relationships" xmlns:p="http://schemas.openxmlformats.org/presentationml/2006/main">
+  <p:cSld>
+    <p:spTree>
+      <p:nvGrpSpPr>
+        <p:cNvPr id="1" name=""/>
+        <p:cNvGrpSpPr/>
+        <p:nvPr/>
+      </p:nvGrpSpPr>
+      <p:grpSpPr>
+        <a:xfrm>
+          <a:off x="0" y="0"/>
+          <a:ext cx="0" cy="0"/>
+          <a:chOff x="0" y="0"/>
+          <a:chExt cx="0" cy="0"/>
+        </a:xfrm>
+      </p:grpSpPr>
+      <p:sp>
+        <p:nvSpPr>
+          <p:cNvPr id="4" name="Content Placeholder 3"/>
+          <p:cNvSpPr>
+            <a:spLocks noGrp="1"/>
+          </p:cNvSpPr>
+          <p:nvPr>
+            <p:ph sz="half" idx="1"/>
+          </p:nvPr>
+        </p:nvSpPr>
+        <p:spPr>
+          <a:xfrm>
+            <a:off x="411874" y="510466"/>
+            <a:ext cx="8196099" cy="661287"/>
+          </a:xfrm>
+        </p:spPr>
+        <p:txBody>
+          <a:bodyPr>
+            <a:normAutofit/>
+          </a:bodyPr>
+          <a:lstStyle/>
+          <a:p>
+            <a:pPr marL="0" indent="0">
+              <a:buNone/>
+            </a:pPr>
+            <a:r>
+              <a:rPr lang="en-US" sz="1350" smtClean="0"/>
+              <a:t>Hierarchical Clustering – Example of wholesale customer segmentation...</a:t>
+            </a:r>
+            <a:endParaRPr lang="en-US" sz="1350" dirty="0"/>
+          </a:p>
+        </p:txBody>
+      </p:sp>
+      <p:sp>
+        <p:nvSpPr>
+          <p:cNvPr id="5" name="Title 1">
+            <a:extLst>
+              <a:ext uri="{FF2B5EF4-FFF2-40B4-BE49-F238E27FC236}">
+                <a16:creationId xmlns:a16="http://schemas.microsoft.com/office/drawing/2014/main" id="{7930AA84-178B-4321-8849-123A7F350396}"/>
+              </a:ext>
+            </a:extLst>
+          </p:cNvPr>
+          <p:cNvSpPr txBox="1">
+            <a:spLocks/>
+          </p:cNvSpPr>
+          <p:nvPr/>
+        </p:nvSpPr>
+        <p:spPr>
+          <a:xfrm>
+            <a:off x="6130620" y="6677409"/>
+            <a:ext cx="2966806" cy="145676"/>
+          </a:xfrm>
+          <a:prstGeom prst="rect">
+            <a:avLst/>
+          </a:prstGeom>
+        </p:spPr>
+        <p:txBody>
+          <a:bodyPr vert="horz" lIns="68580" tIns="34290" rIns="68580" bIns="34290" rtlCol="0" anchor="ctr">
+            <a:normAutofit fontScale="82500" lnSpcReduction="20000"/>
+          </a:bodyPr>
+          <a:lstStyle>
+            <a:lvl1pPr algn="l" defTabSz="914400" rtl="0" eaLnBrk="1" latinLnBrk="0" hangingPunct="1">
+              <a:lnSpc>
+                <a:spcPct val="90000"/>
+              </a:lnSpc>
+              <a:spcBef>
+                <a:spcPct val="0"/>
+              </a:spcBef>
+              <a:buNone/>
+              <a:defRPr sz="4400" kern="1200">
+                <a:solidFill>
+                  <a:schemeClr val="tx1"/>
+                </a:solidFill>
+                <a:latin typeface="+mj-lt"/>
+                <a:ea typeface="+mj-ea"/>
+                <a:cs typeface="+mj-cs"/>
+              </a:defRPr>
+            </a:lvl1pPr>
+          </a:lstStyle>
+          <a:p>
+            <a:pPr algn="r"/>
+            <a:r>
+              <a:rPr lang="en-US" sz="900" smtClean="0">
+                <a:solidFill>
+                  <a:schemeClr val="bg1">
+                    <a:lumMod val="65000"/>
+                  </a:schemeClr>
+                </a:solidFill>
+                <a:latin typeface="+mn-lt"/>
+              </a:rPr>
+              <a:t>Hierarchical Clustering</a:t>
+            </a:r>
+            <a:endParaRPr lang="en-US" sz="900" dirty="0">
+              <a:solidFill>
+                <a:schemeClr val="bg1">
+                  <a:lumMod val="65000"/>
+                </a:schemeClr>
+              </a:solidFill>
+              <a:latin typeface="+mn-lt"/>
+            </a:endParaRPr>
+          </a:p>
+        </p:txBody>
+      </p:sp>
+      <p:sp>
+        <p:nvSpPr>
+          <p:cNvPr id="11" name="TextBox 10">
+            <a:extLst>
+              <a:ext uri="{FF2B5EF4-FFF2-40B4-BE49-F238E27FC236}">
+                <a16:creationId xmlns:a16="http://schemas.microsoft.com/office/drawing/2014/main" id="{8FA4E600-36BF-419F-B739-8B99F6702248}"/>
+              </a:ext>
+            </a:extLst>
+          </p:cNvPr>
+          <p:cNvSpPr txBox="1"/>
+          <p:nvPr/>
+        </p:nvSpPr>
+        <p:spPr>
+          <a:xfrm>
+            <a:off x="411873" y="966367"/>
+            <a:ext cx="3060453" cy="253916"/>
+          </a:xfrm>
+          <a:prstGeom prst="rect">
+            <a:avLst/>
+          </a:prstGeom>
+          <a:noFill/>
+        </p:spPr>
+        <p:txBody>
+          <a:bodyPr wrap="none" rtlCol="0">
+            <a:spAutoFit/>
+          </a:bodyPr>
+          <a:lstStyle/>
+          <a:p>
+            <a:r>
+              <a:rPr lang="en-US" sz="1050" smtClean="0">
+                <a:latin typeface="Consolas" panose="020B0609020204030204" pitchFamily="49" charset="0"/>
+              </a:rPr>
+              <a:t>dist_customers &lt;- dist(customers_spend)</a:t>
+            </a:r>
+            <a:endParaRPr lang="en-US" sz="1050" dirty="0">
+              <a:latin typeface="Consolas" panose="020B0609020204030204" pitchFamily="49" charset="0"/>
+            </a:endParaRPr>
+          </a:p>
+        </p:txBody>
+      </p:sp>
+      <p:sp>
+        <p:nvSpPr>
+          <p:cNvPr id="21" name="TextBox 20">
+            <a:extLst>
+              <a:ext uri="{FF2B5EF4-FFF2-40B4-BE49-F238E27FC236}">
+                <a16:creationId xmlns:a16="http://schemas.microsoft.com/office/drawing/2014/main" id="{8FA4E600-36BF-419F-B739-8B99F6702248}"/>
+              </a:ext>
+            </a:extLst>
+          </p:cNvPr>
+          <p:cNvSpPr txBox="1"/>
+          <p:nvPr/>
+        </p:nvSpPr>
+        <p:spPr>
+          <a:xfrm>
+            <a:off x="411873" y="1345323"/>
+            <a:ext cx="4535216" cy="253916"/>
+          </a:xfrm>
+          <a:prstGeom prst="rect">
+            <a:avLst/>
+          </a:prstGeom>
+          <a:noFill/>
+        </p:spPr>
+        <p:txBody>
+          <a:bodyPr wrap="none" rtlCol="0">
+            <a:spAutoFit/>
+          </a:bodyPr>
+          <a:lstStyle/>
+          <a:p>
+            <a:r>
+              <a:rPr lang="en-US" sz="1050" smtClean="0">
+                <a:latin typeface="Consolas" panose="020B0609020204030204" pitchFamily="49" charset="0"/>
+              </a:rPr>
+              <a:t>hc_customers &lt;- hclust(dist_customers, </a:t>
+            </a:r>
+            <a:r>
+              <a:rPr lang="en-US" sz="1050" dirty="0">
+                <a:latin typeface="Consolas" panose="020B0609020204030204" pitchFamily="49" charset="0"/>
+              </a:rPr>
+              <a:t>method </a:t>
+            </a:r>
+            <a:r>
+              <a:rPr lang="en-US" sz="1050">
+                <a:latin typeface="Consolas" panose="020B0609020204030204" pitchFamily="49" charset="0"/>
+              </a:rPr>
+              <a:t>= </a:t>
+            </a:r>
+            <a:r>
+              <a:rPr lang="en-US" sz="1050" smtClean="0">
+                <a:latin typeface="Consolas" panose="020B0609020204030204" pitchFamily="49" charset="0"/>
+              </a:rPr>
+              <a:t>“complete”)</a:t>
+            </a:r>
+            <a:endParaRPr lang="en-US" sz="1050" dirty="0">
+              <a:latin typeface="Consolas" panose="020B0609020204030204" pitchFamily="49" charset="0"/>
+            </a:endParaRPr>
+          </a:p>
+        </p:txBody>
+      </p:sp>
+      <p:sp>
+        <p:nvSpPr>
+          <p:cNvPr id="22" name="TextBox 21">
+            <a:extLst>
+              <a:ext uri="{FF2B5EF4-FFF2-40B4-BE49-F238E27FC236}">
+                <a16:creationId xmlns:a16="http://schemas.microsoft.com/office/drawing/2014/main" id="{8FA4E600-36BF-419F-B739-8B99F6702248}"/>
+              </a:ext>
+            </a:extLst>
+          </p:cNvPr>
+          <p:cNvSpPr txBox="1"/>
+          <p:nvPr/>
+        </p:nvSpPr>
+        <p:spPr>
+          <a:xfrm>
+            <a:off x="411873" y="1724278"/>
+            <a:ext cx="3945311" cy="253916"/>
+          </a:xfrm>
+          <a:prstGeom prst="rect">
+            <a:avLst/>
+          </a:prstGeom>
+          <a:noFill/>
+        </p:spPr>
+        <p:txBody>
+          <a:bodyPr wrap="none" rtlCol="0">
+            <a:spAutoFit/>
+          </a:bodyPr>
+          <a:lstStyle/>
+          <a:p>
+            <a:r>
+              <a:rPr lang="en-US" sz="1050" smtClean="0">
+                <a:latin typeface="Consolas" panose="020B0609020204030204" pitchFamily="49" charset="0"/>
+              </a:rPr>
+              <a:t>clust_customers &lt;- cutree(hc_customers, h = 15000)</a:t>
+            </a:r>
+            <a:endParaRPr lang="en-US" sz="1050" dirty="0">
+              <a:latin typeface="Consolas" panose="020B0609020204030204" pitchFamily="49" charset="0"/>
+            </a:endParaRPr>
+          </a:p>
+        </p:txBody>
+      </p:sp>
+      <p:sp>
+        <p:nvSpPr>
+          <p:cNvPr id="23" name="TextBox 22">
+            <a:extLst>
+              <a:ext uri="{FF2B5EF4-FFF2-40B4-BE49-F238E27FC236}">
+                <a16:creationId xmlns:a16="http://schemas.microsoft.com/office/drawing/2014/main" id="{8FA4E600-36BF-419F-B739-8B99F6702248}"/>
+              </a:ext>
+            </a:extLst>
+          </p:cNvPr>
+          <p:cNvSpPr txBox="1"/>
+          <p:nvPr/>
+        </p:nvSpPr>
+        <p:spPr>
+          <a:xfrm>
+            <a:off x="411873" y="2107415"/>
+            <a:ext cx="5567550" cy="253916"/>
+          </a:xfrm>
+          <a:prstGeom prst="rect">
+            <a:avLst/>
+          </a:prstGeom>
+          <a:noFill/>
+        </p:spPr>
+        <p:txBody>
+          <a:bodyPr wrap="none" rtlCol="0">
+            <a:spAutoFit/>
+          </a:bodyPr>
+          <a:lstStyle/>
+          <a:p>
+            <a:r>
+              <a:rPr lang="en-US" sz="1050" smtClean="0">
+                <a:latin typeface="Consolas" panose="020B0609020204030204" pitchFamily="49" charset="0"/>
+              </a:rPr>
+              <a:t>segment_customers &lt;- customer_spend %&gt;% mutate(cluster = clust_customers)</a:t>
+            </a:r>
+            <a:endParaRPr lang="en-US" sz="1050" dirty="0">
+              <a:latin typeface="Consolas" panose="020B0609020204030204" pitchFamily="49" charset="0"/>
+            </a:endParaRPr>
+          </a:p>
+        </p:txBody>
+      </p:sp>
+      <p:sp>
+        <p:nvSpPr>
+          <p:cNvPr id="24" name="TextBox 23">
+            <a:extLst>
+              <a:ext uri="{FF2B5EF4-FFF2-40B4-BE49-F238E27FC236}">
+                <a16:creationId xmlns:a16="http://schemas.microsoft.com/office/drawing/2014/main" id="{8FA4E600-36BF-419F-B739-8B99F6702248}"/>
+              </a:ext>
+            </a:extLst>
+          </p:cNvPr>
+          <p:cNvSpPr txBox="1"/>
+          <p:nvPr/>
+        </p:nvSpPr>
+        <p:spPr>
+          <a:xfrm>
+            <a:off x="411872" y="2571549"/>
+            <a:ext cx="2396810" cy="253916"/>
+          </a:xfrm>
+          <a:prstGeom prst="rect">
+            <a:avLst/>
+          </a:prstGeom>
+          <a:noFill/>
+        </p:spPr>
+        <p:txBody>
+          <a:bodyPr wrap="none" rtlCol="0">
+            <a:spAutoFit/>
+          </a:bodyPr>
+          <a:lstStyle/>
+          <a:p>
+            <a:r>
+              <a:rPr lang="en-US" sz="1050" smtClean="0">
+                <a:latin typeface="Consolas" panose="020B0609020204030204" pitchFamily="49" charset="0"/>
+              </a:rPr>
+              <a:t>count(</a:t>
+            </a:r>
+            <a:r>
+              <a:rPr lang="en-US" sz="1050">
+                <a:latin typeface="Consolas" panose="020B0609020204030204" pitchFamily="49" charset="0"/>
+              </a:rPr>
+              <a:t>customer_spend</a:t>
+            </a:r>
+            <a:r>
+              <a:rPr lang="en-US" sz="1050" smtClean="0">
+                <a:latin typeface="Consolas" panose="020B0609020204030204" pitchFamily="49" charset="0"/>
+              </a:rPr>
+              <a:t>, cluster)</a:t>
+            </a:r>
+            <a:endParaRPr lang="en-US" sz="1050" dirty="0">
+              <a:latin typeface="Consolas" panose="020B0609020204030204" pitchFamily="49" charset="0"/>
+            </a:endParaRPr>
+          </a:p>
+        </p:txBody>
+      </p:sp>
+      <p:sp>
+        <p:nvSpPr>
+          <p:cNvPr id="29" name="TextBox 28">
+            <a:extLst>
+              <a:ext uri="{FF2B5EF4-FFF2-40B4-BE49-F238E27FC236}">
+                <a16:creationId xmlns:a16="http://schemas.microsoft.com/office/drawing/2014/main" id="{8FA4E600-36BF-419F-B739-8B99F6702248}"/>
+              </a:ext>
+            </a:extLst>
+          </p:cNvPr>
+          <p:cNvSpPr txBox="1"/>
+          <p:nvPr/>
+        </p:nvSpPr>
+        <p:spPr>
+          <a:xfrm>
+            <a:off x="5979423" y="2938495"/>
+            <a:ext cx="2784737" cy="253916"/>
+          </a:xfrm>
+          <a:prstGeom prst="rect">
+            <a:avLst/>
+          </a:prstGeom>
+          <a:noFill/>
+        </p:spPr>
+        <p:txBody>
+          <a:bodyPr wrap="square" rtlCol="0">
+            <a:spAutoFit/>
+          </a:bodyPr>
+          <a:lstStyle/>
+          <a:p>
+            <a:r>
+              <a:rPr lang="en-US" sz="1050" smtClean="0">
+                <a:solidFill>
+                  <a:srgbClr val="C00000"/>
+                </a:solidFill>
+                <a:latin typeface="Consolas" panose="020B0609020204030204" pitchFamily="49" charset="0"/>
+              </a:rPr>
+              <a:t>cluster stats</a:t>
+            </a:r>
+          </a:p>
+        </p:txBody>
+      </p:sp>
+      <p:cxnSp>
+        <p:nvCxnSpPr>
+          <p:cNvPr id="30" name="Straight Connector 29"/>
+          <p:cNvCxnSpPr/>
+          <p:nvPr/>
+        </p:nvCxnSpPr>
+        <p:spPr>
+          <a:xfrm>
+            <a:off x="1090096" y="2459607"/>
+            <a:ext cx="7016376" cy="0"/>
+          </a:xfrm>
+          <a:prstGeom prst="line">
+            <a:avLst/>
+          </a:prstGeom>
+        </p:spPr>
+        <p:style>
+          <a:lnRef idx="1">
+            <a:schemeClr val="accent1"/>
+          </a:lnRef>
+          <a:fillRef idx="0">
+            <a:schemeClr val="accent1"/>
+          </a:fillRef>
+          <a:effectRef idx="0">
+            <a:schemeClr val="accent1"/>
+          </a:effectRef>
+          <a:fontRef idx="minor">
+            <a:schemeClr val="tx1"/>
+          </a:fontRef>
+        </p:style>
+      </p:cxnSp>
+      <p:sp>
+        <p:nvSpPr>
+          <p:cNvPr id="39" name="TextBox 38">
+            <a:extLst>
+              <a:ext uri="{FF2B5EF4-FFF2-40B4-BE49-F238E27FC236}">
+                <a16:creationId xmlns:a16="http://schemas.microsoft.com/office/drawing/2014/main" id="{8FA4E600-36BF-419F-B739-8B99F6702248}"/>
+              </a:ext>
+            </a:extLst>
+          </p:cNvPr>
+          <p:cNvSpPr txBox="1"/>
+          <p:nvPr/>
+        </p:nvSpPr>
+        <p:spPr>
+          <a:xfrm>
+            <a:off x="411873" y="2941432"/>
+            <a:ext cx="5493812" cy="253916"/>
+          </a:xfrm>
+          <a:prstGeom prst="rect">
+            <a:avLst/>
+          </a:prstGeom>
+          <a:noFill/>
+        </p:spPr>
+        <p:txBody>
+          <a:bodyPr wrap="none" rtlCol="0">
+            <a:spAutoFit/>
+          </a:bodyPr>
+          <a:lstStyle/>
+          <a:p>
+            <a:r>
+              <a:rPr lang="en-US" sz="1050" smtClean="0">
+                <a:latin typeface="Consolas" panose="020B0609020204030204" pitchFamily="49" charset="0"/>
+              </a:rPr>
+              <a:t>segment_customers %&gt;% group_by(cluster) %&gt;% summarise_all(funs(mean(.)))</a:t>
+            </a:r>
+            <a:endParaRPr lang="en-US" sz="1050" dirty="0">
+              <a:latin typeface="Consolas" panose="020B0609020204030204" pitchFamily="49" charset="0"/>
+            </a:endParaRPr>
+          </a:p>
+        </p:txBody>
+      </p:sp>
+    </p:spTree>
+    <p:extLst>
+      <p:ext uri="{BB962C8B-B14F-4D97-AF65-F5344CB8AC3E}">
+        <p14:creationId xmlns:p14="http://schemas.microsoft.com/office/powerpoint/2010/main" val="133680720"/>
+      </p:ext>
+    </p:extLst>
+  </p:cSld>
+  <p:clrMapOvr>
+    <a:masterClrMapping/>
+  </p:clrMapOvr>
+</p:sld>
+</file>
+
+<file path=ppt/slides/slide7.xml><?xml version="1.0" encoding="utf-8"?>
+<p:sld xmlns:a="http://schemas.openxmlformats.org/drawingml/2006/main" xmlns:r="http://schemas.openxmlformats.org/officeDocument/2006/relationships" xmlns:p="http://schemas.openxmlformats.org/presentationml/2006/main">
+  <p:cSld>
+    <p:spTree>
+      <p:nvGrpSpPr>
+        <p:cNvPr id="1" name=""/>
+        <p:cNvGrpSpPr/>
+        <p:nvPr/>
+      </p:nvGrpSpPr>
+      <p:grpSpPr>
+        <a:xfrm>
+          <a:off x="0" y="0"/>
+          <a:ext cx="0" cy="0"/>
+          <a:chOff x="0" y="0"/>
+          <a:chExt cx="0" cy="0"/>
+        </a:xfrm>
+      </p:grpSpPr>
+      <p:sp>
+        <p:nvSpPr>
+          <p:cNvPr id="4" name="Content Placeholder 3"/>
+          <p:cNvSpPr>
+            <a:spLocks noGrp="1"/>
+          </p:cNvSpPr>
+          <p:nvPr>
+            <p:ph sz="half" idx="1"/>
+          </p:nvPr>
+        </p:nvSpPr>
+        <p:spPr>
+          <a:xfrm>
+            <a:off x="411874" y="510466"/>
+            <a:ext cx="8196099" cy="661287"/>
+          </a:xfrm>
+        </p:spPr>
+        <p:txBody>
+          <a:bodyPr>
+            <a:normAutofit/>
+          </a:bodyPr>
+          <a:lstStyle/>
+          <a:p>
+            <a:pPr marL="0" indent="0">
+              <a:buNone/>
+            </a:pPr>
+            <a:r>
+              <a:rPr lang="en-US" sz="1350" smtClean="0"/>
+              <a:t>K-Means Clustering</a:t>
+            </a:r>
+            <a:endParaRPr lang="en-US" sz="1350" dirty="0"/>
+          </a:p>
+        </p:txBody>
+      </p:sp>
+      <p:sp>
+        <p:nvSpPr>
+          <p:cNvPr id="5" name="Title 1">
+            <a:extLst>
+              <a:ext uri="{FF2B5EF4-FFF2-40B4-BE49-F238E27FC236}">
+                <a16:creationId xmlns:a16="http://schemas.microsoft.com/office/drawing/2014/main" id="{7930AA84-178B-4321-8849-123A7F350396}"/>
+              </a:ext>
+            </a:extLst>
+          </p:cNvPr>
+          <p:cNvSpPr txBox="1">
+            <a:spLocks/>
+          </p:cNvSpPr>
+          <p:nvPr/>
+        </p:nvSpPr>
+        <p:spPr>
+          <a:xfrm>
+            <a:off x="6130620" y="6677409"/>
+            <a:ext cx="2966806" cy="145676"/>
+          </a:xfrm>
+          <a:prstGeom prst="rect">
+            <a:avLst/>
+          </a:prstGeom>
+        </p:spPr>
+        <p:txBody>
+          <a:bodyPr vert="horz" lIns="68580" tIns="34290" rIns="68580" bIns="34290" rtlCol="0" anchor="ctr">
+            <a:normAutofit fontScale="82500" lnSpcReduction="20000"/>
+          </a:bodyPr>
+          <a:lstStyle>
+            <a:lvl1pPr algn="l" defTabSz="914400" rtl="0" eaLnBrk="1" latinLnBrk="0" hangingPunct="1">
+              <a:lnSpc>
+                <a:spcPct val="90000"/>
+              </a:lnSpc>
+              <a:spcBef>
+                <a:spcPct val="0"/>
+              </a:spcBef>
+              <a:buNone/>
+              <a:defRPr sz="4400" kern="1200">
+                <a:solidFill>
+                  <a:schemeClr val="tx1"/>
+                </a:solidFill>
+                <a:latin typeface="+mj-lt"/>
+                <a:ea typeface="+mj-ea"/>
+                <a:cs typeface="+mj-cs"/>
+              </a:defRPr>
+            </a:lvl1pPr>
+          </a:lstStyle>
+          <a:p>
+            <a:pPr algn="r"/>
+            <a:r>
+              <a:rPr lang="en-US" sz="900" smtClean="0">
+                <a:solidFill>
+                  <a:schemeClr val="bg1">
+                    <a:lumMod val="65000"/>
+                  </a:schemeClr>
+                </a:solidFill>
+                <a:latin typeface="+mn-lt"/>
+              </a:rPr>
+              <a:t>K-Means </a:t>
+            </a:r>
+            <a:r>
+              <a:rPr lang="en-US" sz="900" smtClean="0">
+                <a:solidFill>
+                  <a:schemeClr val="bg1">
+                    <a:lumMod val="65000"/>
+                  </a:schemeClr>
+                </a:solidFill>
+                <a:latin typeface="+mn-lt"/>
+              </a:rPr>
+              <a:t>Clustering</a:t>
+            </a:r>
+            <a:endParaRPr lang="en-US" sz="900" dirty="0">
+              <a:solidFill>
+                <a:schemeClr val="bg1">
+                  <a:lumMod val="65000"/>
+                </a:schemeClr>
+              </a:solidFill>
+              <a:latin typeface="+mn-lt"/>
+            </a:endParaRPr>
+          </a:p>
+        </p:txBody>
+      </p:sp>
+      <p:sp>
+        <p:nvSpPr>
+          <p:cNvPr id="11" name="TextBox 10">
+            <a:extLst>
+              <a:ext uri="{FF2B5EF4-FFF2-40B4-BE49-F238E27FC236}">
+                <a16:creationId xmlns:a16="http://schemas.microsoft.com/office/drawing/2014/main" id="{8FA4E600-36BF-419F-B739-8B99F6702248}"/>
+              </a:ext>
+            </a:extLst>
+          </p:cNvPr>
+          <p:cNvSpPr txBox="1"/>
+          <p:nvPr/>
+        </p:nvSpPr>
+        <p:spPr>
+          <a:xfrm>
+            <a:off x="411873" y="966367"/>
+            <a:ext cx="3134191" cy="253916"/>
+          </a:xfrm>
+          <a:prstGeom prst="rect">
+            <a:avLst/>
+          </a:prstGeom>
+          <a:noFill/>
+        </p:spPr>
+        <p:txBody>
+          <a:bodyPr wrap="none" rtlCol="0">
+            <a:spAutoFit/>
+          </a:bodyPr>
+          <a:lstStyle/>
+          <a:p>
+            <a:r>
+              <a:rPr lang="en-US" sz="1050" smtClean="0">
+                <a:latin typeface="Consolas" panose="020B0609020204030204" pitchFamily="49" charset="0"/>
+              </a:rPr>
+              <a:t>model_km2 &lt;- kmeans(lineup, centers = 2)</a:t>
+            </a:r>
+            <a:endParaRPr lang="en-US" sz="1050" dirty="0">
+              <a:latin typeface="Consolas" panose="020B0609020204030204" pitchFamily="49" charset="0"/>
+            </a:endParaRPr>
+          </a:p>
+        </p:txBody>
+      </p:sp>
+      <p:sp>
+        <p:nvSpPr>
+          <p:cNvPr id="21" name="TextBox 20">
+            <a:extLst>
+              <a:ext uri="{FF2B5EF4-FFF2-40B4-BE49-F238E27FC236}">
+                <a16:creationId xmlns:a16="http://schemas.microsoft.com/office/drawing/2014/main" id="{8FA4E600-36BF-419F-B739-8B99F6702248}"/>
+              </a:ext>
+            </a:extLst>
+          </p:cNvPr>
+          <p:cNvSpPr txBox="1"/>
+          <p:nvPr/>
+        </p:nvSpPr>
+        <p:spPr>
+          <a:xfrm>
+            <a:off x="411873" y="1691955"/>
+            <a:ext cx="2396810" cy="253916"/>
+          </a:xfrm>
+          <a:prstGeom prst="rect">
+            <a:avLst/>
+          </a:prstGeom>
+          <a:noFill/>
+        </p:spPr>
+        <p:txBody>
+          <a:bodyPr wrap="none" rtlCol="0">
+            <a:spAutoFit/>
+          </a:bodyPr>
+          <a:lstStyle/>
+          <a:p>
+            <a:r>
+              <a:rPr lang="en-US" sz="1050" smtClean="0">
+                <a:latin typeface="Consolas" panose="020B0609020204030204" pitchFamily="49" charset="0"/>
+              </a:rPr>
+              <a:t>clust_km2 </a:t>
+            </a:r>
+            <a:r>
+              <a:rPr lang="en-US" sz="1050" smtClean="0">
+                <a:latin typeface="Consolas" panose="020B0609020204030204" pitchFamily="49" charset="0"/>
+              </a:rPr>
+              <a:t>&lt;- </a:t>
+            </a:r>
+            <a:r>
+              <a:rPr lang="en-US" sz="1050" smtClean="0">
+                <a:latin typeface="Consolas" panose="020B0609020204030204" pitchFamily="49" charset="0"/>
+              </a:rPr>
+              <a:t>model_km2$clsuter</a:t>
+            </a:r>
+            <a:endParaRPr lang="en-US" sz="1050" dirty="0">
+              <a:latin typeface="Consolas" panose="020B0609020204030204" pitchFamily="49" charset="0"/>
+            </a:endParaRPr>
+          </a:p>
+        </p:txBody>
+      </p:sp>
+      <p:sp>
+        <p:nvSpPr>
+          <p:cNvPr id="22" name="TextBox 21">
+            <a:extLst>
+              <a:ext uri="{FF2B5EF4-FFF2-40B4-BE49-F238E27FC236}">
+                <a16:creationId xmlns:a16="http://schemas.microsoft.com/office/drawing/2014/main" id="{8FA4E600-36BF-419F-B739-8B99F6702248}"/>
+              </a:ext>
+            </a:extLst>
+          </p:cNvPr>
+          <p:cNvSpPr txBox="1"/>
+          <p:nvPr/>
+        </p:nvSpPr>
+        <p:spPr>
+          <a:xfrm>
+            <a:off x="411873" y="2070910"/>
+            <a:ext cx="3797835" cy="253916"/>
+          </a:xfrm>
+          <a:prstGeom prst="rect">
+            <a:avLst/>
+          </a:prstGeom>
+          <a:noFill/>
+        </p:spPr>
+        <p:txBody>
+          <a:bodyPr wrap="none" rtlCol="0">
+            <a:spAutoFit/>
+          </a:bodyPr>
+          <a:lstStyle/>
+          <a:p>
+            <a:r>
+              <a:rPr lang="en-US" sz="1050" smtClean="0">
+                <a:latin typeface="Consolas" panose="020B0609020204030204" pitchFamily="49" charset="0"/>
+              </a:rPr>
+              <a:t>lineup_km2 </a:t>
+            </a:r>
+            <a:r>
+              <a:rPr lang="en-US" sz="1050" smtClean="0">
+                <a:latin typeface="Consolas" panose="020B0609020204030204" pitchFamily="49" charset="0"/>
+              </a:rPr>
+              <a:t>&lt;- </a:t>
+            </a:r>
+            <a:r>
+              <a:rPr lang="en-US" sz="1050" smtClean="0">
+                <a:latin typeface="Consolas" panose="020B0609020204030204" pitchFamily="49" charset="0"/>
+              </a:rPr>
+              <a:t>mutate(lineup, cluster = clust_km2)</a:t>
+            </a:r>
+            <a:endParaRPr lang="en-US" sz="1050" dirty="0">
+              <a:latin typeface="Consolas" panose="020B0609020204030204" pitchFamily="49" charset="0"/>
+            </a:endParaRPr>
+          </a:p>
+        </p:txBody>
+      </p:sp>
+      <p:sp>
+        <p:nvSpPr>
+          <p:cNvPr id="23" name="TextBox 22">
+            <a:extLst>
+              <a:ext uri="{FF2B5EF4-FFF2-40B4-BE49-F238E27FC236}">
+                <a16:creationId xmlns:a16="http://schemas.microsoft.com/office/drawing/2014/main" id="{8FA4E600-36BF-419F-B739-8B99F6702248}"/>
+              </a:ext>
+            </a:extLst>
+          </p:cNvPr>
+          <p:cNvSpPr txBox="1"/>
+          <p:nvPr/>
+        </p:nvSpPr>
+        <p:spPr>
+          <a:xfrm>
+            <a:off x="411873" y="2454047"/>
+            <a:ext cx="5862502" cy="253916"/>
+          </a:xfrm>
+          <a:prstGeom prst="rect">
+            <a:avLst/>
+          </a:prstGeom>
+          <a:noFill/>
+        </p:spPr>
+        <p:txBody>
+          <a:bodyPr wrap="none" rtlCol="0">
+            <a:spAutoFit/>
+          </a:bodyPr>
+          <a:lstStyle/>
+          <a:p>
+            <a:r>
+              <a:rPr lang="en-US" sz="1050" smtClean="0">
+                <a:latin typeface="Consolas" panose="020B0609020204030204" pitchFamily="49" charset="0"/>
+              </a:rPr>
+              <a:t>ggplot(lineup_km2, aes(x = x, y = y, color = factor(cluster))) + geom_point()</a:t>
+            </a:r>
+            <a:endParaRPr lang="en-US" sz="1050" dirty="0">
+              <a:latin typeface="Consolas" panose="020B0609020204030204" pitchFamily="49" charset="0"/>
+            </a:endParaRPr>
+          </a:p>
+        </p:txBody>
+      </p:sp>
+      <p:cxnSp>
+        <p:nvCxnSpPr>
+          <p:cNvPr id="30" name="Straight Connector 29"/>
+          <p:cNvCxnSpPr/>
+          <p:nvPr/>
+        </p:nvCxnSpPr>
+        <p:spPr>
+          <a:xfrm>
+            <a:off x="1090096" y="2901863"/>
+            <a:ext cx="7016376" cy="0"/>
+          </a:xfrm>
+          <a:prstGeom prst="line">
+            <a:avLst/>
+          </a:prstGeom>
+        </p:spPr>
+        <p:style>
+          <a:lnRef idx="1">
+            <a:schemeClr val="accent1"/>
+          </a:lnRef>
+          <a:fillRef idx="0">
+            <a:schemeClr val="accent1"/>
+          </a:fillRef>
+          <a:effectRef idx="0">
+            <a:schemeClr val="accent1"/>
+          </a:effectRef>
+          <a:fontRef idx="minor">
+            <a:schemeClr val="tx1"/>
+          </a:fontRef>
+        </p:style>
+      </p:cxnSp>
+      <p:sp>
+        <p:nvSpPr>
+          <p:cNvPr id="12" name="TextBox 11">
+            <a:extLst>
+              <a:ext uri="{FF2B5EF4-FFF2-40B4-BE49-F238E27FC236}">
+                <a16:creationId xmlns:a16="http://schemas.microsoft.com/office/drawing/2014/main" id="{8FA4E600-36BF-419F-B739-8B99F6702248}"/>
+              </a:ext>
+            </a:extLst>
+          </p:cNvPr>
+          <p:cNvSpPr txBox="1"/>
+          <p:nvPr/>
+        </p:nvSpPr>
+        <p:spPr>
+          <a:xfrm>
+            <a:off x="3080885" y="1354007"/>
+            <a:ext cx="4535216" cy="253916"/>
+          </a:xfrm>
+          <a:prstGeom prst="rect">
+            <a:avLst/>
+          </a:prstGeom>
+          <a:noFill/>
+        </p:spPr>
+        <p:txBody>
+          <a:bodyPr wrap="none" rtlCol="0">
+            <a:spAutoFit/>
+          </a:bodyPr>
+          <a:lstStyle/>
+          <a:p>
+            <a:r>
+              <a:rPr lang="en-US" sz="1050" smtClean="0">
+                <a:solidFill>
+                  <a:srgbClr val="C00000"/>
+                </a:solidFill>
+                <a:latin typeface="Consolas" panose="020B0609020204030204" pitchFamily="49" charset="0"/>
+              </a:rPr>
+              <a:t>knowing the number of clusters ahead of time can be helpful</a:t>
+            </a:r>
+            <a:endParaRPr lang="en-US" sz="1050" dirty="0">
+              <a:solidFill>
+                <a:srgbClr val="C00000"/>
+              </a:solidFill>
+              <a:latin typeface="Consolas" panose="020B0609020204030204" pitchFamily="49" charset="0"/>
+            </a:endParaRPr>
+          </a:p>
+        </p:txBody>
+      </p:sp>
+      <p:sp>
+        <p:nvSpPr>
+          <p:cNvPr id="13" name="Bent Arrow 12"/>
+          <p:cNvSpPr/>
+          <p:nvPr/>
+        </p:nvSpPr>
+        <p:spPr>
+          <a:xfrm rot="16200000">
+            <a:off x="2810562" y="1197551"/>
+            <a:ext cx="316753" cy="320514"/>
+          </a:xfrm>
+          <a:prstGeom prst="bentArrow">
+            <a:avLst>
+              <a:gd name="adj1" fmla="val 21226"/>
+              <a:gd name="adj2" fmla="val 24057"/>
+              <a:gd name="adj3" fmla="val 34434"/>
+              <a:gd name="adj4" fmla="val 26769"/>
+            </a:avLst>
+          </a:prstGeom>
+        </p:spPr>
+        <p:style>
+          <a:lnRef idx="2">
+            <a:schemeClr val="accent1">
+              <a:shade val="50000"/>
+            </a:schemeClr>
+          </a:lnRef>
+          <a:fillRef idx="1">
+            <a:schemeClr val="accent1"/>
+          </a:fillRef>
+          <a:effectRef idx="0">
+            <a:schemeClr val="accent1"/>
+          </a:effectRef>
+          <a:fontRef idx="minor">
+            <a:schemeClr val="lt1"/>
+          </a:fontRef>
+        </p:style>
+        <p:txBody>
+          <a:bodyPr rtlCol="0" anchor="ctr"/>
+          <a:lstStyle/>
+          <a:p>
+            <a:pPr algn="ctr"/>
+            <a:endParaRPr lang="en-US">
+              <a:solidFill>
+                <a:schemeClr val="tx1"/>
+              </a:solidFill>
+            </a:endParaRPr>
+          </a:p>
+        </p:txBody>
+      </p:sp>
+      <p:sp>
+        <p:nvSpPr>
+          <p:cNvPr id="14" name="Content Placeholder 3">
+            <a:extLst>
+              <a:ext uri="{FF2B5EF4-FFF2-40B4-BE49-F238E27FC236}">
+                <a16:creationId xmlns:a16="http://schemas.microsoft.com/office/drawing/2014/main" id="{1B8D1D68-1563-4617-ACA6-CFB795FB20C7}"/>
+              </a:ext>
+            </a:extLst>
+          </p:cNvPr>
+          <p:cNvSpPr txBox="1">
+            <a:spLocks/>
+          </p:cNvSpPr>
+          <p:nvPr/>
+        </p:nvSpPr>
+        <p:spPr>
+          <a:xfrm>
+            <a:off x="411874" y="3144187"/>
+            <a:ext cx="8196099" cy="304238"/>
+          </a:xfrm>
+          <a:prstGeom prst="rect">
+            <a:avLst/>
+          </a:prstGeom>
+        </p:spPr>
+        <p:txBody>
+          <a:bodyPr vert="horz" lIns="68580" tIns="34290" rIns="68580" bIns="34290" rtlCol="0">
+            <a:normAutofit/>
+          </a:bodyPr>
+          <a:lstStyle>
+            <a:lvl1pPr marL="228600" indent="-228600" algn="l" defTabSz="914400" rtl="0" eaLnBrk="1" latinLnBrk="0" hangingPunct="1">
+              <a:lnSpc>
+                <a:spcPct val="90000"/>
+              </a:lnSpc>
+              <a:spcBef>
+                <a:spcPts val="1000"/>
+              </a:spcBef>
+              <a:buFont typeface="Arial" panose="020B0604020202020204" pitchFamily="34" charset="0"/>
+              <a:buChar char="•"/>
+              <a:defRPr sz="2800" kern="1200">
+                <a:solidFill>
+                  <a:schemeClr val="tx1"/>
+                </a:solidFill>
+                <a:latin typeface="+mn-lt"/>
+                <a:ea typeface="+mn-ea"/>
+                <a:cs typeface="+mn-cs"/>
+              </a:defRPr>
+            </a:lvl1pPr>
+            <a:lvl2pPr marL="685800" indent="-228600" algn="l" defTabSz="914400" rtl="0" eaLnBrk="1" latinLnBrk="0" hangingPunct="1">
+              <a:lnSpc>
+                <a:spcPct val="90000"/>
+              </a:lnSpc>
+              <a:spcBef>
+                <a:spcPts val="500"/>
+              </a:spcBef>
+              <a:buFont typeface="Arial" panose="020B0604020202020204" pitchFamily="34" charset="0"/>
+              <a:buChar char="•"/>
+              <a:defRPr sz="2400" kern="1200">
+                <a:solidFill>
+                  <a:schemeClr val="tx1"/>
+                </a:solidFill>
+                <a:latin typeface="+mn-lt"/>
+                <a:ea typeface="+mn-ea"/>
+                <a:cs typeface="+mn-cs"/>
+              </a:defRPr>
+            </a:lvl2pPr>
+            <a:lvl3pPr marL="1143000" indent="-228600" algn="l" defTabSz="914400" rtl="0" eaLnBrk="1" latinLnBrk="0" hangingPunct="1">
+              <a:lnSpc>
+                <a:spcPct val="90000"/>
+              </a:lnSpc>
+              <a:spcBef>
+                <a:spcPts val="500"/>
+              </a:spcBef>
+              <a:buFont typeface="Arial" panose="020B0604020202020204" pitchFamily="34" charset="0"/>
+              <a:buChar char="•"/>
+              <a:defRPr sz="2000" kern="1200">
+                <a:solidFill>
+                  <a:schemeClr val="tx1"/>
+                </a:solidFill>
+                <a:latin typeface="+mn-lt"/>
+                <a:ea typeface="+mn-ea"/>
+                <a:cs typeface="+mn-cs"/>
+              </a:defRPr>
+            </a:lvl3pPr>
+            <a:lvl4pPr marL="1600200" indent="-228600" algn="l" defTabSz="914400" rtl="0" eaLnBrk="1" latinLnBrk="0" hangingPunct="1">
+              <a:lnSpc>
+                <a:spcPct val="90000"/>
+              </a:lnSpc>
+              <a:spcBef>
+                <a:spcPts val="500"/>
+              </a:spcBef>
+              <a:buFont typeface="Arial" panose="020B0604020202020204" pitchFamily="34" charset="0"/>
+              <a:buChar char="•"/>
+              <a:defRPr sz="1800" kern="1200">
+                <a:solidFill>
+                  <a:schemeClr val="tx1"/>
+                </a:solidFill>
+                <a:latin typeface="+mn-lt"/>
+                <a:ea typeface="+mn-ea"/>
+                <a:cs typeface="+mn-cs"/>
+              </a:defRPr>
+            </a:lvl4pPr>
+            <a:lvl5pPr marL="2057400" indent="-228600" algn="l" defTabSz="914400" rtl="0" eaLnBrk="1" latinLnBrk="0" hangingPunct="1">
+              <a:lnSpc>
+                <a:spcPct val="90000"/>
+              </a:lnSpc>
+              <a:spcBef>
+                <a:spcPts val="500"/>
+              </a:spcBef>
+              <a:buFont typeface="Arial" panose="020B0604020202020204" pitchFamily="34" charset="0"/>
+              <a:buChar char="•"/>
+              <a:defRPr sz="1800" kern="1200">
+                <a:solidFill>
+                  <a:schemeClr val="tx1"/>
+                </a:solidFill>
+                <a:latin typeface="+mn-lt"/>
+                <a:ea typeface="+mn-ea"/>
+                <a:cs typeface="+mn-cs"/>
+              </a:defRPr>
+            </a:lvl5pPr>
+            <a:lvl6pPr marL="2514600" indent="-228600" algn="l" defTabSz="914400" rtl="0" eaLnBrk="1" latinLnBrk="0" hangingPunct="1">
+              <a:lnSpc>
+                <a:spcPct val="90000"/>
+              </a:lnSpc>
+              <a:spcBef>
+                <a:spcPts val="500"/>
+              </a:spcBef>
+              <a:buFont typeface="Arial" panose="020B0604020202020204" pitchFamily="34" charset="0"/>
+              <a:buChar char="•"/>
+              <a:defRPr sz="1800" kern="1200">
+                <a:solidFill>
+                  <a:schemeClr val="tx1"/>
+                </a:solidFill>
+                <a:latin typeface="+mn-lt"/>
+                <a:ea typeface="+mn-ea"/>
+                <a:cs typeface="+mn-cs"/>
+              </a:defRPr>
+            </a:lvl6pPr>
+            <a:lvl7pPr marL="2971800" indent="-228600" algn="l" defTabSz="914400" rtl="0" eaLnBrk="1" latinLnBrk="0" hangingPunct="1">
+              <a:lnSpc>
+                <a:spcPct val="90000"/>
+              </a:lnSpc>
+              <a:spcBef>
+                <a:spcPts val="500"/>
+              </a:spcBef>
+              <a:buFont typeface="Arial" panose="020B0604020202020204" pitchFamily="34" charset="0"/>
+              <a:buChar char="•"/>
+              <a:defRPr sz="1800" kern="1200">
+                <a:solidFill>
+                  <a:schemeClr val="tx1"/>
+                </a:solidFill>
+                <a:latin typeface="+mn-lt"/>
+                <a:ea typeface="+mn-ea"/>
+                <a:cs typeface="+mn-cs"/>
+              </a:defRPr>
+            </a:lvl7pPr>
+            <a:lvl8pPr marL="3429000" indent="-228600" algn="l" defTabSz="914400" rtl="0" eaLnBrk="1" latinLnBrk="0" hangingPunct="1">
+              <a:lnSpc>
+                <a:spcPct val="90000"/>
+              </a:lnSpc>
+              <a:spcBef>
+                <a:spcPts val="500"/>
+              </a:spcBef>
+              <a:buFont typeface="Arial" panose="020B0604020202020204" pitchFamily="34" charset="0"/>
+              <a:buChar char="•"/>
+              <a:defRPr sz="1800" kern="1200">
+                <a:solidFill>
+                  <a:schemeClr val="tx1"/>
+                </a:solidFill>
+                <a:latin typeface="+mn-lt"/>
+                <a:ea typeface="+mn-ea"/>
+                <a:cs typeface="+mn-cs"/>
+              </a:defRPr>
+            </a:lvl8pPr>
+            <a:lvl9pPr marL="3886200" indent="-228600" algn="l" defTabSz="914400" rtl="0" eaLnBrk="1" latinLnBrk="0" hangingPunct="1">
+              <a:lnSpc>
+                <a:spcPct val="90000"/>
+              </a:lnSpc>
+              <a:spcBef>
+                <a:spcPts val="500"/>
+              </a:spcBef>
+              <a:buFont typeface="Arial" panose="020B0604020202020204" pitchFamily="34" charset="0"/>
+              <a:buChar char="•"/>
+              <a:defRPr sz="1800" kern="1200">
+                <a:solidFill>
+                  <a:schemeClr val="tx1"/>
+                </a:solidFill>
+                <a:latin typeface="+mn-lt"/>
+                <a:ea typeface="+mn-ea"/>
+                <a:cs typeface="+mn-cs"/>
+              </a:defRPr>
+            </a:lvl9pPr>
+          </a:lstStyle>
+          <a:p>
+            <a:pPr marL="0" indent="0">
+              <a:buNone/>
+            </a:pPr>
+            <a:r>
+              <a:rPr lang="en-US" sz="1350" smtClean="0"/>
+              <a:t>What do you do when you don’t know what the proper value of k is?</a:t>
+            </a:r>
+            <a:endParaRPr lang="en-US" sz="1350" dirty="0"/>
+          </a:p>
+        </p:txBody>
+      </p:sp>
+      <p:sp>
+        <p:nvSpPr>
+          <p:cNvPr id="15" name="TextBox 14">
+            <a:extLst>
+              <a:ext uri="{FF2B5EF4-FFF2-40B4-BE49-F238E27FC236}">
+                <a16:creationId xmlns:a16="http://schemas.microsoft.com/office/drawing/2014/main" id="{8FA4E600-36BF-419F-B739-8B99F6702248}"/>
+              </a:ext>
+            </a:extLst>
+          </p:cNvPr>
+          <p:cNvSpPr txBox="1"/>
+          <p:nvPr/>
+        </p:nvSpPr>
+        <p:spPr>
+          <a:xfrm>
+            <a:off x="861589" y="3422065"/>
+            <a:ext cx="5269032" cy="415498"/>
+          </a:xfrm>
+          <a:prstGeom prst="rect">
+            <a:avLst/>
+          </a:prstGeom>
+          <a:noFill/>
+        </p:spPr>
+        <p:txBody>
+          <a:bodyPr wrap="square" rtlCol="0">
+            <a:spAutoFit/>
+          </a:bodyPr>
+          <a:lstStyle/>
+          <a:p>
+            <a:r>
+              <a:rPr lang="en-US" sz="1050" smtClean="0">
+                <a:solidFill>
+                  <a:srgbClr val="C00000"/>
+                </a:solidFill>
+                <a:latin typeface="Consolas" panose="020B0609020204030204" pitchFamily="49" charset="0"/>
+              </a:rPr>
+              <a:t>You can calculate the total within-cluster sum of squares for a range of k’s </a:t>
+            </a:r>
+            <a:r>
+              <a:rPr lang="en-US" sz="1050" smtClean="0">
+                <a:solidFill>
+                  <a:srgbClr val="C00000"/>
+                </a:solidFill>
+                <a:latin typeface="Consolas" panose="020B0609020204030204" pitchFamily="49" charset="0"/>
+              </a:rPr>
+              <a:t>and select the k where the WCSS starts to level out</a:t>
+            </a:r>
+            <a:endParaRPr lang="en-US" sz="1050" dirty="0">
+              <a:solidFill>
+                <a:srgbClr val="C00000"/>
+              </a:solidFill>
+              <a:latin typeface="Consolas" panose="020B0609020204030204" pitchFamily="49" charset="0"/>
+            </a:endParaRPr>
+          </a:p>
+        </p:txBody>
+      </p:sp>
+      <p:sp>
+        <p:nvSpPr>
+          <p:cNvPr id="16" name="TextBox 15">
+            <a:extLst>
+              <a:ext uri="{FF2B5EF4-FFF2-40B4-BE49-F238E27FC236}">
+                <a16:creationId xmlns:a16="http://schemas.microsoft.com/office/drawing/2014/main" id="{8FA4E600-36BF-419F-B739-8B99F6702248}"/>
+              </a:ext>
+            </a:extLst>
+          </p:cNvPr>
+          <p:cNvSpPr txBox="1"/>
+          <p:nvPr/>
+        </p:nvSpPr>
+        <p:spPr>
+          <a:xfrm>
+            <a:off x="411873" y="4043344"/>
+            <a:ext cx="7263527" cy="1708160"/>
+          </a:xfrm>
+          <a:prstGeom prst="rect">
+            <a:avLst/>
+          </a:prstGeom>
+          <a:noFill/>
+        </p:spPr>
+        <p:txBody>
+          <a:bodyPr wrap="none" rtlCol="0">
+            <a:spAutoFit/>
+          </a:bodyPr>
+          <a:lstStyle/>
+          <a:p>
+            <a:r>
+              <a:rPr lang="en-US" sz="1050" smtClean="0">
+                <a:latin typeface="Consolas" panose="020B0609020204030204" pitchFamily="49" charset="0"/>
+              </a:rPr>
+              <a:t>library(purrr)</a:t>
+            </a:r>
+          </a:p>
+          <a:p>
+            <a:endParaRPr lang="en-US" sz="1050">
+              <a:latin typeface="Consolas" panose="020B0609020204030204" pitchFamily="49" charset="0"/>
+            </a:endParaRPr>
+          </a:p>
+          <a:p>
+            <a:r>
+              <a:rPr lang="en-US" sz="1050" smtClean="0">
+                <a:latin typeface="Consolas" panose="020B0609020204030204" pitchFamily="49" charset="0"/>
+              </a:rPr>
+              <a:t>total_withinss &lt;- map_db(1:10, function(k){</a:t>
+            </a:r>
+          </a:p>
+          <a:p>
+            <a:r>
+              <a:rPr lang="en-US" sz="1050">
+                <a:latin typeface="Consolas" panose="020B0609020204030204" pitchFamily="49" charset="0"/>
+              </a:rPr>
+              <a:t>	</a:t>
+            </a:r>
+            <a:r>
+              <a:rPr lang="en-US" sz="1050" smtClean="0">
+                <a:latin typeface="Consolas" panose="020B0609020204030204" pitchFamily="49" charset="0"/>
+              </a:rPr>
+              <a:t>					model &lt;- kmeans(x = lineup, centers = k)</a:t>
+            </a:r>
+          </a:p>
+          <a:p>
+            <a:r>
+              <a:rPr lang="en-US" sz="1050">
+                <a:latin typeface="Consolas" panose="020B0609020204030204" pitchFamily="49" charset="0"/>
+              </a:rPr>
+              <a:t>	</a:t>
+            </a:r>
+            <a:r>
+              <a:rPr lang="en-US" sz="1050" smtClean="0">
+                <a:latin typeface="Consolas" panose="020B0609020204030204" pitchFamily="49" charset="0"/>
+              </a:rPr>
+              <a:t>					model$tot.withinss</a:t>
+            </a:r>
+          </a:p>
+          <a:p>
+            <a:r>
+              <a:rPr lang="en-US" sz="1050" smtClean="0">
+                <a:latin typeface="Consolas" panose="020B0609020204030204" pitchFamily="49" charset="0"/>
+              </a:rPr>
+              <a:t>						     })</a:t>
+            </a:r>
+          </a:p>
+          <a:p>
+            <a:endParaRPr lang="en-US" sz="1050">
+              <a:latin typeface="Consolas" panose="020B0609020204030204" pitchFamily="49" charset="0"/>
+            </a:endParaRPr>
+          </a:p>
+          <a:p>
+            <a:r>
+              <a:rPr lang="en-US" sz="1050" smtClean="0">
+                <a:latin typeface="Consolas" panose="020B0609020204030204" pitchFamily="49" charset="0"/>
+              </a:rPr>
+              <a:t>elbow_df &lt;- data.frame(k = 1:10, tot_withinss = total_withinss)</a:t>
+            </a:r>
+          </a:p>
+          <a:p>
+            <a:endParaRPr lang="en-US" sz="1050">
+              <a:latin typeface="Consolas" panose="020B0609020204030204" pitchFamily="49" charset="0"/>
+            </a:endParaRPr>
+          </a:p>
+          <a:p>
+            <a:r>
+              <a:rPr lang="en-US" sz="1050" smtClean="0">
+                <a:latin typeface="Consolas" panose="020B0609020204030204" pitchFamily="49" charset="0"/>
+              </a:rPr>
+              <a:t>ggplot(elbow_df, aes(x = k, y = tot_withinss)) + geom_line() + scale_x_continuous(breaks = 1:10)</a:t>
+            </a:r>
+            <a:endParaRPr lang="en-US" sz="1050" dirty="0">
+              <a:latin typeface="Consolas" panose="020B0609020204030204" pitchFamily="49" charset="0"/>
+            </a:endParaRPr>
+          </a:p>
+        </p:txBody>
+      </p:sp>
+      <p:sp>
+        <p:nvSpPr>
+          <p:cNvPr id="17" name="TextBox 16">
+            <a:extLst>
+              <a:ext uri="{FF2B5EF4-FFF2-40B4-BE49-F238E27FC236}">
+                <a16:creationId xmlns:a16="http://schemas.microsoft.com/office/drawing/2014/main" id="{8FA4E600-36BF-419F-B739-8B99F6702248}"/>
+              </a:ext>
+            </a:extLst>
+          </p:cNvPr>
+          <p:cNvSpPr txBox="1"/>
+          <p:nvPr/>
+        </p:nvSpPr>
+        <p:spPr>
+          <a:xfrm>
+            <a:off x="1222202" y="5957285"/>
+            <a:ext cx="2101857" cy="253916"/>
+          </a:xfrm>
+          <a:prstGeom prst="rect">
+            <a:avLst/>
+          </a:prstGeom>
+          <a:noFill/>
+        </p:spPr>
+        <p:txBody>
+          <a:bodyPr wrap="none" rtlCol="0">
+            <a:spAutoFit/>
+          </a:bodyPr>
+          <a:lstStyle/>
+          <a:p>
+            <a:r>
+              <a:rPr lang="en-US" sz="1050" smtClean="0">
+                <a:solidFill>
+                  <a:srgbClr val="C00000"/>
+                </a:solidFill>
+                <a:latin typeface="Consolas" panose="020B0609020204030204" pitchFamily="49" charset="0"/>
+              </a:rPr>
+              <a:t>also known as a scree plot</a:t>
+            </a:r>
+            <a:endParaRPr lang="en-US" sz="1050" dirty="0">
+              <a:solidFill>
+                <a:srgbClr val="C00000"/>
+              </a:solidFill>
+              <a:latin typeface="Consolas" panose="020B0609020204030204" pitchFamily="49" charset="0"/>
+            </a:endParaRPr>
+          </a:p>
+        </p:txBody>
+      </p:sp>
+      <p:sp>
+        <p:nvSpPr>
+          <p:cNvPr id="18" name="Bent Arrow 17"/>
+          <p:cNvSpPr/>
+          <p:nvPr/>
+        </p:nvSpPr>
+        <p:spPr>
+          <a:xfrm rot="16200000">
+            <a:off x="951879" y="5800829"/>
+            <a:ext cx="316753" cy="320514"/>
+          </a:xfrm>
+          <a:prstGeom prst="bentArrow">
+            <a:avLst>
+              <a:gd name="adj1" fmla="val 21226"/>
+              <a:gd name="adj2" fmla="val 24057"/>
+              <a:gd name="adj3" fmla="val 34434"/>
+              <a:gd name="adj4" fmla="val 26769"/>
+            </a:avLst>
+          </a:prstGeom>
+        </p:spPr>
+        <p:style>
+          <a:lnRef idx="2">
+            <a:schemeClr val="accent1">
+              <a:shade val="50000"/>
+            </a:schemeClr>
+          </a:lnRef>
+          <a:fillRef idx="1">
+            <a:schemeClr val="accent1"/>
+          </a:fillRef>
+          <a:effectRef idx="0">
+            <a:schemeClr val="accent1"/>
+          </a:effectRef>
+          <a:fontRef idx="minor">
+            <a:schemeClr val="lt1"/>
+          </a:fontRef>
+        </p:style>
+        <p:txBody>
+          <a:bodyPr rtlCol="0" anchor="ctr"/>
+          <a:lstStyle/>
+          <a:p>
+            <a:pPr algn="ctr"/>
+            <a:endParaRPr lang="en-US">
+              <a:solidFill>
+                <a:schemeClr val="tx1"/>
+              </a:solidFill>
+            </a:endParaRPr>
+          </a:p>
+        </p:txBody>
+      </p:sp>
+    </p:spTree>
+    <p:extLst>
+      <p:ext uri="{BB962C8B-B14F-4D97-AF65-F5344CB8AC3E}">
+        <p14:creationId xmlns:p14="http://schemas.microsoft.com/office/powerpoint/2010/main" val="1750378434"/>
+      </p:ext>
+    </p:extLst>
+  </p:cSld>
+  <p:clrMapOvr>
+    <a:masterClrMapping/>
+  </p:clrMapOvr>
+</p:sld>
+</file>
+
+<file path=ppt/slides/slide8.xml><?xml version="1.0" encoding="utf-8"?>
+<p:sld xmlns:a="http://schemas.openxmlformats.org/drawingml/2006/main" xmlns:r="http://schemas.openxmlformats.org/officeDocument/2006/relationships" xmlns:p="http://schemas.openxmlformats.org/presentationml/2006/main">
+  <p:cSld>
+    <p:spTree>
+      <p:nvGrpSpPr>
+        <p:cNvPr id="1" name=""/>
+        <p:cNvGrpSpPr/>
+        <p:nvPr/>
+      </p:nvGrpSpPr>
+      <p:grpSpPr>
+        <a:xfrm>
+          <a:off x="0" y="0"/>
+          <a:ext cx="0" cy="0"/>
+          <a:chOff x="0" y="0"/>
+          <a:chExt cx="0" cy="0"/>
+        </a:xfrm>
+      </p:grpSpPr>
+      <p:sp>
+        <p:nvSpPr>
+          <p:cNvPr id="4" name="Content Placeholder 3"/>
+          <p:cNvSpPr>
+            <a:spLocks noGrp="1"/>
+          </p:cNvSpPr>
+          <p:nvPr>
+            <p:ph sz="half" idx="1"/>
+          </p:nvPr>
+        </p:nvSpPr>
+        <p:spPr>
+          <a:xfrm>
+            <a:off x="411874" y="510466"/>
+            <a:ext cx="8196099" cy="661287"/>
+          </a:xfrm>
+        </p:spPr>
+        <p:txBody>
+          <a:bodyPr>
+            <a:normAutofit/>
+          </a:bodyPr>
+          <a:lstStyle/>
+          <a:p>
+            <a:pPr marL="0" indent="0">
+              <a:buNone/>
+            </a:pPr>
+            <a:r>
+              <a:rPr lang="en-US" sz="1350" smtClean="0"/>
+              <a:t>K-Means Clustering</a:t>
+            </a:r>
+            <a:endParaRPr lang="en-US" sz="1350" dirty="0"/>
+          </a:p>
+        </p:txBody>
+      </p:sp>
+      <p:sp>
+        <p:nvSpPr>
+          <p:cNvPr id="14" name="Content Placeholder 3">
+            <a:extLst>
+              <a:ext uri="{FF2B5EF4-FFF2-40B4-BE49-F238E27FC236}">
+                <a16:creationId xmlns:a16="http://schemas.microsoft.com/office/drawing/2014/main" id="{1B8D1D68-1563-4617-ACA6-CFB795FB20C7}"/>
+              </a:ext>
+            </a:extLst>
+          </p:cNvPr>
+          <p:cNvSpPr txBox="1">
+            <a:spLocks/>
+          </p:cNvSpPr>
+          <p:nvPr/>
+        </p:nvSpPr>
+        <p:spPr>
+          <a:xfrm>
+            <a:off x="411873" y="992553"/>
+            <a:ext cx="8008973" cy="558155"/>
+          </a:xfrm>
+          <a:prstGeom prst="rect">
+            <a:avLst/>
+          </a:prstGeom>
+        </p:spPr>
+        <p:txBody>
+          <a:bodyPr vert="horz" lIns="68580" tIns="34290" rIns="68580" bIns="34290" rtlCol="0">
+            <a:normAutofit fontScale="92500" lnSpcReduction="10000"/>
+          </a:bodyPr>
+          <a:lstStyle>
+            <a:lvl1pPr marL="228600" indent="-228600" algn="l" defTabSz="914400" rtl="0" eaLnBrk="1" latinLnBrk="0" hangingPunct="1">
+              <a:lnSpc>
+                <a:spcPct val="90000"/>
+              </a:lnSpc>
+              <a:spcBef>
+                <a:spcPts val="1000"/>
+              </a:spcBef>
+              <a:buFont typeface="Arial" panose="020B0604020202020204" pitchFamily="34" charset="0"/>
+              <a:buChar char="•"/>
+              <a:defRPr sz="2800" kern="1200">
+                <a:solidFill>
+                  <a:schemeClr val="tx1"/>
+                </a:solidFill>
+                <a:latin typeface="+mn-lt"/>
+                <a:ea typeface="+mn-ea"/>
+                <a:cs typeface="+mn-cs"/>
+              </a:defRPr>
+            </a:lvl1pPr>
+            <a:lvl2pPr marL="685800" indent="-228600" algn="l" defTabSz="914400" rtl="0" eaLnBrk="1" latinLnBrk="0" hangingPunct="1">
+              <a:lnSpc>
+                <a:spcPct val="90000"/>
+              </a:lnSpc>
+              <a:spcBef>
+                <a:spcPts val="500"/>
+              </a:spcBef>
+              <a:buFont typeface="Arial" panose="020B0604020202020204" pitchFamily="34" charset="0"/>
+              <a:buChar char="•"/>
+              <a:defRPr sz="2400" kern="1200">
+                <a:solidFill>
+                  <a:schemeClr val="tx1"/>
+                </a:solidFill>
+                <a:latin typeface="+mn-lt"/>
+                <a:ea typeface="+mn-ea"/>
+                <a:cs typeface="+mn-cs"/>
+              </a:defRPr>
+            </a:lvl2pPr>
+            <a:lvl3pPr marL="1143000" indent="-228600" algn="l" defTabSz="914400" rtl="0" eaLnBrk="1" latinLnBrk="0" hangingPunct="1">
+              <a:lnSpc>
+                <a:spcPct val="90000"/>
+              </a:lnSpc>
+              <a:spcBef>
+                <a:spcPts val="500"/>
+              </a:spcBef>
+              <a:buFont typeface="Arial" panose="020B0604020202020204" pitchFamily="34" charset="0"/>
+              <a:buChar char="•"/>
+              <a:defRPr sz="2000" kern="1200">
+                <a:solidFill>
+                  <a:schemeClr val="tx1"/>
+                </a:solidFill>
+                <a:latin typeface="+mn-lt"/>
+                <a:ea typeface="+mn-ea"/>
+                <a:cs typeface="+mn-cs"/>
+              </a:defRPr>
+            </a:lvl3pPr>
+            <a:lvl4pPr marL="1600200" indent="-228600" algn="l" defTabSz="914400" rtl="0" eaLnBrk="1" latinLnBrk="0" hangingPunct="1">
+              <a:lnSpc>
+                <a:spcPct val="90000"/>
+              </a:lnSpc>
+              <a:spcBef>
+                <a:spcPts val="500"/>
+              </a:spcBef>
+              <a:buFont typeface="Arial" panose="020B0604020202020204" pitchFamily="34" charset="0"/>
+              <a:buChar char="•"/>
+              <a:defRPr sz="1800" kern="1200">
+                <a:solidFill>
+                  <a:schemeClr val="tx1"/>
+                </a:solidFill>
+                <a:latin typeface="+mn-lt"/>
+                <a:ea typeface="+mn-ea"/>
+                <a:cs typeface="+mn-cs"/>
+              </a:defRPr>
+            </a:lvl4pPr>
+            <a:lvl5pPr marL="2057400" indent="-228600" algn="l" defTabSz="914400" rtl="0" eaLnBrk="1" latinLnBrk="0" hangingPunct="1">
+              <a:lnSpc>
+                <a:spcPct val="90000"/>
+              </a:lnSpc>
+              <a:spcBef>
+                <a:spcPts val="500"/>
+              </a:spcBef>
+              <a:buFont typeface="Arial" panose="020B0604020202020204" pitchFamily="34" charset="0"/>
+              <a:buChar char="•"/>
+              <a:defRPr sz="1800" kern="1200">
+                <a:solidFill>
+                  <a:schemeClr val="tx1"/>
+                </a:solidFill>
+                <a:latin typeface="+mn-lt"/>
+                <a:ea typeface="+mn-ea"/>
+                <a:cs typeface="+mn-cs"/>
+              </a:defRPr>
+            </a:lvl5pPr>
+            <a:lvl6pPr marL="2514600" indent="-228600" algn="l" defTabSz="914400" rtl="0" eaLnBrk="1" latinLnBrk="0" hangingPunct="1">
+              <a:lnSpc>
+                <a:spcPct val="90000"/>
+              </a:lnSpc>
+              <a:spcBef>
+                <a:spcPts val="500"/>
+              </a:spcBef>
+              <a:buFont typeface="Arial" panose="020B0604020202020204" pitchFamily="34" charset="0"/>
+              <a:buChar char="•"/>
+              <a:defRPr sz="1800" kern="1200">
+                <a:solidFill>
+                  <a:schemeClr val="tx1"/>
+                </a:solidFill>
+                <a:latin typeface="+mn-lt"/>
+                <a:ea typeface="+mn-ea"/>
+                <a:cs typeface="+mn-cs"/>
+              </a:defRPr>
+            </a:lvl6pPr>
+            <a:lvl7pPr marL="2971800" indent="-228600" algn="l" defTabSz="914400" rtl="0" eaLnBrk="1" latinLnBrk="0" hangingPunct="1">
+              <a:lnSpc>
+                <a:spcPct val="90000"/>
+              </a:lnSpc>
+              <a:spcBef>
+                <a:spcPts val="500"/>
+              </a:spcBef>
+              <a:buFont typeface="Arial" panose="020B0604020202020204" pitchFamily="34" charset="0"/>
+              <a:buChar char="•"/>
+              <a:defRPr sz="1800" kern="1200">
+                <a:solidFill>
+                  <a:schemeClr val="tx1"/>
+                </a:solidFill>
+                <a:latin typeface="+mn-lt"/>
+                <a:ea typeface="+mn-ea"/>
+                <a:cs typeface="+mn-cs"/>
+              </a:defRPr>
+            </a:lvl7pPr>
+            <a:lvl8pPr marL="3429000" indent="-228600" algn="l" defTabSz="914400" rtl="0" eaLnBrk="1" latinLnBrk="0" hangingPunct="1">
+              <a:lnSpc>
+                <a:spcPct val="90000"/>
+              </a:lnSpc>
+              <a:spcBef>
+                <a:spcPts val="500"/>
+              </a:spcBef>
+              <a:buFont typeface="Arial" panose="020B0604020202020204" pitchFamily="34" charset="0"/>
+              <a:buChar char="•"/>
+              <a:defRPr sz="1800" kern="1200">
+                <a:solidFill>
+                  <a:schemeClr val="tx1"/>
+                </a:solidFill>
+                <a:latin typeface="+mn-lt"/>
+                <a:ea typeface="+mn-ea"/>
+                <a:cs typeface="+mn-cs"/>
+              </a:defRPr>
+            </a:lvl8pPr>
+            <a:lvl9pPr marL="3886200" indent="-228600" algn="l" defTabSz="914400" rtl="0" eaLnBrk="1" latinLnBrk="0" hangingPunct="1">
+              <a:lnSpc>
+                <a:spcPct val="90000"/>
+              </a:lnSpc>
+              <a:spcBef>
+                <a:spcPts val="500"/>
+              </a:spcBef>
+              <a:buFont typeface="Arial" panose="020B0604020202020204" pitchFamily="34" charset="0"/>
+              <a:buChar char="•"/>
+              <a:defRPr sz="1800" kern="1200">
+                <a:solidFill>
+                  <a:schemeClr val="tx1"/>
+                </a:solidFill>
+                <a:latin typeface="+mn-lt"/>
+                <a:ea typeface="+mn-ea"/>
+                <a:cs typeface="+mn-cs"/>
+              </a:defRPr>
+            </a:lvl9pPr>
+          </a:lstStyle>
+          <a:p>
+            <a:pPr marL="0" indent="0">
+              <a:buNone/>
+            </a:pPr>
+            <a:r>
+              <a:rPr lang="en-US" sz="1350" smtClean="0"/>
+              <a:t>Silhouette analysis allows you to calculate how similar each observation is with the cluster it is assigned to relative to other clusters. Silouette width ranges from -1 to 1 for each observation where -1 suggests an observation that is assigned to the wrong cluster while +1 suggests a well matched observation.</a:t>
+            </a:r>
+            <a:endParaRPr lang="en-US" sz="1350" dirty="0"/>
+          </a:p>
+        </p:txBody>
+      </p:sp>
+      <p:sp>
+        <p:nvSpPr>
+          <p:cNvPr id="19" name="TextBox 18">
+            <a:extLst>
+              <a:ext uri="{FF2B5EF4-FFF2-40B4-BE49-F238E27FC236}">
+                <a16:creationId xmlns:a16="http://schemas.microsoft.com/office/drawing/2014/main" id="{8FA4E600-36BF-419F-B739-8B99F6702248}"/>
+              </a:ext>
+            </a:extLst>
+          </p:cNvPr>
+          <p:cNvSpPr txBox="1"/>
+          <p:nvPr/>
+        </p:nvSpPr>
+        <p:spPr>
+          <a:xfrm>
+            <a:off x="411873" y="1653840"/>
+            <a:ext cx="6894836" cy="3000821"/>
+          </a:xfrm>
+          <a:prstGeom prst="rect">
+            <a:avLst/>
+          </a:prstGeom>
+          <a:noFill/>
+        </p:spPr>
+        <p:txBody>
+          <a:bodyPr wrap="none" rtlCol="0">
+            <a:spAutoFit/>
+          </a:bodyPr>
+          <a:lstStyle/>
+          <a:p>
+            <a:r>
+              <a:rPr lang="en-US" sz="1050" smtClean="0">
+                <a:latin typeface="Consolas" panose="020B0609020204030204" pitchFamily="49" charset="0"/>
+              </a:rPr>
+              <a:t>library(purrr)</a:t>
+            </a:r>
+          </a:p>
+          <a:p>
+            <a:r>
+              <a:rPr lang="en-US" sz="1050" smtClean="0">
+                <a:latin typeface="Consolas" panose="020B0609020204030204" pitchFamily="49" charset="0"/>
+              </a:rPr>
+              <a:t>library(cluster)</a:t>
+            </a:r>
+            <a:endParaRPr lang="en-US" sz="1050" smtClean="0">
+              <a:latin typeface="Consolas" panose="020B0609020204030204" pitchFamily="49" charset="0"/>
+            </a:endParaRPr>
+          </a:p>
+          <a:p>
+            <a:endParaRPr lang="en-US" sz="1050">
+              <a:latin typeface="Consolas" panose="020B0609020204030204" pitchFamily="49" charset="0"/>
+            </a:endParaRPr>
+          </a:p>
+          <a:p>
+            <a:r>
+              <a:rPr lang="en-US" sz="1050" smtClean="0">
+                <a:latin typeface="Consolas" panose="020B0609020204030204" pitchFamily="49" charset="0"/>
+              </a:rPr>
+              <a:t>pam_k2 &lt;- pam(lineup, k = 2)</a:t>
+            </a:r>
+          </a:p>
+          <a:p>
+            <a:endParaRPr lang="en-US" sz="1050" smtClean="0">
+              <a:latin typeface="Consolas" panose="020B0609020204030204" pitchFamily="49" charset="0"/>
+            </a:endParaRPr>
+          </a:p>
+          <a:p>
+            <a:r>
+              <a:rPr lang="en-US" sz="1050" smtClean="0">
+                <a:latin typeface="Consolas" panose="020B0609020204030204" pitchFamily="49" charset="0"/>
+              </a:rPr>
+              <a:t>plot(silhouette(pam_k2))</a:t>
+            </a:r>
+          </a:p>
+          <a:p>
+            <a:endParaRPr lang="en-US" sz="1050">
+              <a:latin typeface="Consolas" panose="020B0609020204030204" pitchFamily="49" charset="0"/>
+            </a:endParaRPr>
+          </a:p>
+          <a:p>
+            <a:endParaRPr lang="en-US" sz="1050">
+              <a:latin typeface="Consolas" panose="020B0609020204030204" pitchFamily="49" charset="0"/>
+            </a:endParaRPr>
+          </a:p>
+          <a:p>
+            <a:endParaRPr lang="en-US" sz="1050" smtClean="0">
+              <a:latin typeface="Consolas" panose="020B0609020204030204" pitchFamily="49" charset="0"/>
+            </a:endParaRPr>
+          </a:p>
+          <a:p>
+            <a:endParaRPr lang="en-US" sz="1050">
+              <a:latin typeface="Consolas" panose="020B0609020204030204" pitchFamily="49" charset="0"/>
+            </a:endParaRPr>
+          </a:p>
+          <a:p>
+            <a:r>
+              <a:rPr lang="en-US" sz="1050" smtClean="0">
+                <a:latin typeface="Consolas" panose="020B0609020204030204" pitchFamily="49" charset="0"/>
+              </a:rPr>
+              <a:t>sil_width &lt;- map_db(2:10, function(k){</a:t>
+            </a:r>
+          </a:p>
+          <a:p>
+            <a:r>
+              <a:rPr lang="en-US" sz="1050">
+                <a:latin typeface="Consolas" panose="020B0609020204030204" pitchFamily="49" charset="0"/>
+              </a:rPr>
+              <a:t>	</a:t>
+            </a:r>
+            <a:r>
+              <a:rPr lang="en-US" sz="1050" smtClean="0">
+                <a:latin typeface="Consolas" panose="020B0609020204030204" pitchFamily="49" charset="0"/>
+              </a:rPr>
+              <a:t>				model &lt;- pam(x = lineup, k = k)</a:t>
+            </a:r>
+          </a:p>
+          <a:p>
+            <a:r>
+              <a:rPr lang="en-US" sz="1050">
+                <a:latin typeface="Consolas" panose="020B0609020204030204" pitchFamily="49" charset="0"/>
+              </a:rPr>
+              <a:t>	</a:t>
+            </a:r>
+            <a:r>
+              <a:rPr lang="en-US" sz="1050" smtClean="0">
+                <a:latin typeface="Consolas" panose="020B0609020204030204" pitchFamily="49" charset="0"/>
+              </a:rPr>
+              <a:t>				model$silinfo$avg.width</a:t>
+            </a:r>
+          </a:p>
+          <a:p>
+            <a:r>
+              <a:rPr lang="en-US" sz="1050" smtClean="0">
+                <a:latin typeface="Consolas" panose="020B0609020204030204" pitchFamily="49" charset="0"/>
+              </a:rPr>
+              <a:t>					      })</a:t>
+            </a:r>
+          </a:p>
+          <a:p>
+            <a:endParaRPr lang="en-US" sz="1050">
+              <a:latin typeface="Consolas" panose="020B0609020204030204" pitchFamily="49" charset="0"/>
+            </a:endParaRPr>
+          </a:p>
+          <a:p>
+            <a:r>
+              <a:rPr lang="en-US" sz="1050" smtClean="0">
+                <a:latin typeface="Consolas" panose="020B0609020204030204" pitchFamily="49" charset="0"/>
+              </a:rPr>
+              <a:t>sil_df &lt;- data.frame(k = 2:10, sil_width = sil_width)</a:t>
+            </a:r>
+          </a:p>
+          <a:p>
+            <a:endParaRPr lang="en-US" sz="1050">
+              <a:latin typeface="Consolas" panose="020B0609020204030204" pitchFamily="49" charset="0"/>
+            </a:endParaRPr>
+          </a:p>
+          <a:p>
+            <a:r>
+              <a:rPr lang="en-US" sz="1050" smtClean="0">
+                <a:latin typeface="Consolas" panose="020B0609020204030204" pitchFamily="49" charset="0"/>
+              </a:rPr>
+              <a:t>ggplot(sil_df, aes(x = k, y = sil_width)) + geom_line() + scale_x_continuous(breaks = 2:10)</a:t>
+            </a:r>
+            <a:endParaRPr lang="en-US" sz="1050" dirty="0">
+              <a:latin typeface="Consolas" panose="020B0609020204030204" pitchFamily="49" charset="0"/>
+            </a:endParaRPr>
+          </a:p>
+        </p:txBody>
+      </p:sp>
+      <p:sp>
+        <p:nvSpPr>
+          <p:cNvPr id="20" name="TextBox 19">
+            <a:extLst>
+              <a:ext uri="{FF2B5EF4-FFF2-40B4-BE49-F238E27FC236}">
+                <a16:creationId xmlns:a16="http://schemas.microsoft.com/office/drawing/2014/main" id="{8FA4E600-36BF-419F-B739-8B99F6702248}"/>
+              </a:ext>
+            </a:extLst>
+          </p:cNvPr>
+          <p:cNvSpPr txBox="1"/>
+          <p:nvPr/>
+        </p:nvSpPr>
+        <p:spPr>
+          <a:xfrm>
+            <a:off x="1509073" y="2824219"/>
+            <a:ext cx="4535216" cy="253916"/>
+          </a:xfrm>
+          <a:prstGeom prst="rect">
+            <a:avLst/>
+          </a:prstGeom>
+          <a:noFill/>
+        </p:spPr>
+        <p:txBody>
+          <a:bodyPr wrap="none" rtlCol="0">
+            <a:spAutoFit/>
+          </a:bodyPr>
+          <a:lstStyle/>
+          <a:p>
+            <a:r>
+              <a:rPr lang="en-US" sz="1050" smtClean="0">
+                <a:solidFill>
+                  <a:srgbClr val="C00000"/>
+                </a:solidFill>
+                <a:latin typeface="Consolas" panose="020B0609020204030204" pitchFamily="49" charset="0"/>
+              </a:rPr>
+              <a:t>notice the average silhouette width across all observations</a:t>
+            </a:r>
+            <a:endParaRPr lang="en-US" sz="1050" dirty="0">
+              <a:solidFill>
+                <a:srgbClr val="C00000"/>
+              </a:solidFill>
+              <a:latin typeface="Consolas" panose="020B0609020204030204" pitchFamily="49" charset="0"/>
+            </a:endParaRPr>
+          </a:p>
+        </p:txBody>
+      </p:sp>
+      <p:sp>
+        <p:nvSpPr>
+          <p:cNvPr id="24" name="Bent Arrow 23"/>
+          <p:cNvSpPr/>
+          <p:nvPr/>
+        </p:nvSpPr>
+        <p:spPr>
+          <a:xfrm rot="16200000">
+            <a:off x="1238750" y="2667763"/>
+            <a:ext cx="316753" cy="320514"/>
+          </a:xfrm>
+          <a:prstGeom prst="bentArrow">
+            <a:avLst>
+              <a:gd name="adj1" fmla="val 21226"/>
+              <a:gd name="adj2" fmla="val 24057"/>
+              <a:gd name="adj3" fmla="val 34434"/>
+              <a:gd name="adj4" fmla="val 26769"/>
+            </a:avLst>
+          </a:prstGeom>
+        </p:spPr>
+        <p:style>
+          <a:lnRef idx="2">
+            <a:schemeClr val="accent1">
+              <a:shade val="50000"/>
+            </a:schemeClr>
+          </a:lnRef>
+          <a:fillRef idx="1">
+            <a:schemeClr val="accent1"/>
+          </a:fillRef>
+          <a:effectRef idx="0">
+            <a:schemeClr val="accent1"/>
+          </a:effectRef>
+          <a:fontRef idx="minor">
+            <a:schemeClr val="lt1"/>
+          </a:fontRef>
+        </p:style>
+        <p:txBody>
+          <a:bodyPr rtlCol="0" anchor="ctr"/>
+          <a:lstStyle/>
+          <a:p>
+            <a:pPr algn="ctr"/>
+            <a:endParaRPr lang="en-US">
+              <a:solidFill>
+                <a:schemeClr val="tx1"/>
+              </a:solidFill>
+            </a:endParaRPr>
+          </a:p>
+        </p:txBody>
+      </p:sp>
+      <p:sp>
+        <p:nvSpPr>
+          <p:cNvPr id="25" name="Content Placeholder 3">
+            <a:extLst>
+              <a:ext uri="{FF2B5EF4-FFF2-40B4-BE49-F238E27FC236}">
+                <a16:creationId xmlns:a16="http://schemas.microsoft.com/office/drawing/2014/main" id="{1B8D1D68-1563-4617-ACA6-CFB795FB20C7}"/>
+              </a:ext>
+            </a:extLst>
+          </p:cNvPr>
+          <p:cNvSpPr txBox="1">
+            <a:spLocks/>
+          </p:cNvSpPr>
+          <p:nvPr/>
+        </p:nvSpPr>
+        <p:spPr>
+          <a:xfrm>
+            <a:off x="411873" y="4930637"/>
+            <a:ext cx="8008973" cy="558155"/>
+          </a:xfrm>
+          <a:prstGeom prst="rect">
+            <a:avLst/>
+          </a:prstGeom>
+        </p:spPr>
+        <p:txBody>
+          <a:bodyPr vert="horz" lIns="68580" tIns="34290" rIns="68580" bIns="34290" rtlCol="0">
+            <a:normAutofit lnSpcReduction="10000"/>
+          </a:bodyPr>
+          <a:lstStyle>
+            <a:lvl1pPr marL="228600" indent="-228600" algn="l" defTabSz="914400" rtl="0" eaLnBrk="1" latinLnBrk="0" hangingPunct="1">
+              <a:lnSpc>
+                <a:spcPct val="90000"/>
+              </a:lnSpc>
+              <a:spcBef>
+                <a:spcPts val="1000"/>
+              </a:spcBef>
+              <a:buFont typeface="Arial" panose="020B0604020202020204" pitchFamily="34" charset="0"/>
+              <a:buChar char="•"/>
+              <a:defRPr sz="2800" kern="1200">
+                <a:solidFill>
+                  <a:schemeClr val="tx1"/>
+                </a:solidFill>
+                <a:latin typeface="+mn-lt"/>
+                <a:ea typeface="+mn-ea"/>
+                <a:cs typeface="+mn-cs"/>
+              </a:defRPr>
+            </a:lvl1pPr>
+            <a:lvl2pPr marL="685800" indent="-228600" algn="l" defTabSz="914400" rtl="0" eaLnBrk="1" latinLnBrk="0" hangingPunct="1">
+              <a:lnSpc>
+                <a:spcPct val="90000"/>
+              </a:lnSpc>
+              <a:spcBef>
+                <a:spcPts val="500"/>
+              </a:spcBef>
+              <a:buFont typeface="Arial" panose="020B0604020202020204" pitchFamily="34" charset="0"/>
+              <a:buChar char="•"/>
+              <a:defRPr sz="2400" kern="1200">
+                <a:solidFill>
+                  <a:schemeClr val="tx1"/>
+                </a:solidFill>
+                <a:latin typeface="+mn-lt"/>
+                <a:ea typeface="+mn-ea"/>
+                <a:cs typeface="+mn-cs"/>
+              </a:defRPr>
+            </a:lvl2pPr>
+            <a:lvl3pPr marL="1143000" indent="-228600" algn="l" defTabSz="914400" rtl="0" eaLnBrk="1" latinLnBrk="0" hangingPunct="1">
+              <a:lnSpc>
+                <a:spcPct val="90000"/>
+              </a:lnSpc>
+              <a:spcBef>
+                <a:spcPts val="500"/>
+              </a:spcBef>
+              <a:buFont typeface="Arial" panose="020B0604020202020204" pitchFamily="34" charset="0"/>
+              <a:buChar char="•"/>
+              <a:defRPr sz="2000" kern="1200">
+                <a:solidFill>
+                  <a:schemeClr val="tx1"/>
+                </a:solidFill>
+                <a:latin typeface="+mn-lt"/>
+                <a:ea typeface="+mn-ea"/>
+                <a:cs typeface="+mn-cs"/>
+              </a:defRPr>
+            </a:lvl3pPr>
+            <a:lvl4pPr marL="1600200" indent="-228600" algn="l" defTabSz="914400" rtl="0" eaLnBrk="1" latinLnBrk="0" hangingPunct="1">
+              <a:lnSpc>
+                <a:spcPct val="90000"/>
+              </a:lnSpc>
+              <a:spcBef>
+                <a:spcPts val="500"/>
+              </a:spcBef>
+              <a:buFont typeface="Arial" panose="020B0604020202020204" pitchFamily="34" charset="0"/>
+              <a:buChar char="•"/>
+              <a:defRPr sz="1800" kern="1200">
+                <a:solidFill>
+                  <a:schemeClr val="tx1"/>
+                </a:solidFill>
+                <a:latin typeface="+mn-lt"/>
+                <a:ea typeface="+mn-ea"/>
+                <a:cs typeface="+mn-cs"/>
+              </a:defRPr>
+            </a:lvl4pPr>
+            <a:lvl5pPr marL="2057400" indent="-228600" algn="l" defTabSz="914400" rtl="0" eaLnBrk="1" latinLnBrk="0" hangingPunct="1">
+              <a:lnSpc>
+                <a:spcPct val="90000"/>
+              </a:lnSpc>
+              <a:spcBef>
+                <a:spcPts val="500"/>
+              </a:spcBef>
+              <a:buFont typeface="Arial" panose="020B0604020202020204" pitchFamily="34" charset="0"/>
+              <a:buChar char="•"/>
+              <a:defRPr sz="1800" kern="1200">
+                <a:solidFill>
+                  <a:schemeClr val="tx1"/>
+                </a:solidFill>
+                <a:latin typeface="+mn-lt"/>
+                <a:ea typeface="+mn-ea"/>
+                <a:cs typeface="+mn-cs"/>
+              </a:defRPr>
+            </a:lvl5pPr>
+            <a:lvl6pPr marL="2514600" indent="-228600" algn="l" defTabSz="914400" rtl="0" eaLnBrk="1" latinLnBrk="0" hangingPunct="1">
+              <a:lnSpc>
+                <a:spcPct val="90000"/>
+              </a:lnSpc>
+              <a:spcBef>
+                <a:spcPts val="500"/>
+              </a:spcBef>
+              <a:buFont typeface="Arial" panose="020B0604020202020204" pitchFamily="34" charset="0"/>
+              <a:buChar char="•"/>
+              <a:defRPr sz="1800" kern="1200">
+                <a:solidFill>
+                  <a:schemeClr val="tx1"/>
+                </a:solidFill>
+                <a:latin typeface="+mn-lt"/>
+                <a:ea typeface="+mn-ea"/>
+                <a:cs typeface="+mn-cs"/>
+              </a:defRPr>
+            </a:lvl6pPr>
+            <a:lvl7pPr marL="2971800" indent="-228600" algn="l" defTabSz="914400" rtl="0" eaLnBrk="1" latinLnBrk="0" hangingPunct="1">
+              <a:lnSpc>
+                <a:spcPct val="90000"/>
+              </a:lnSpc>
+              <a:spcBef>
+                <a:spcPts val="500"/>
+              </a:spcBef>
+              <a:buFont typeface="Arial" panose="020B0604020202020204" pitchFamily="34" charset="0"/>
+              <a:buChar char="•"/>
+              <a:defRPr sz="1800" kern="1200">
+                <a:solidFill>
+                  <a:schemeClr val="tx1"/>
+                </a:solidFill>
+                <a:latin typeface="+mn-lt"/>
+                <a:ea typeface="+mn-ea"/>
+                <a:cs typeface="+mn-cs"/>
+              </a:defRPr>
+            </a:lvl7pPr>
+            <a:lvl8pPr marL="3429000" indent="-228600" algn="l" defTabSz="914400" rtl="0" eaLnBrk="1" latinLnBrk="0" hangingPunct="1">
+              <a:lnSpc>
+                <a:spcPct val="90000"/>
+              </a:lnSpc>
+              <a:spcBef>
+                <a:spcPts val="500"/>
+              </a:spcBef>
+              <a:buFont typeface="Arial" panose="020B0604020202020204" pitchFamily="34" charset="0"/>
+              <a:buChar char="•"/>
+              <a:defRPr sz="1800" kern="1200">
+                <a:solidFill>
+                  <a:schemeClr val="tx1"/>
+                </a:solidFill>
+                <a:latin typeface="+mn-lt"/>
+                <a:ea typeface="+mn-ea"/>
+                <a:cs typeface="+mn-cs"/>
+              </a:defRPr>
+            </a:lvl8pPr>
+            <a:lvl9pPr marL="3886200" indent="-228600" algn="l" defTabSz="914400" rtl="0" eaLnBrk="1" latinLnBrk="0" hangingPunct="1">
+              <a:lnSpc>
+                <a:spcPct val="90000"/>
+              </a:lnSpc>
+              <a:spcBef>
+                <a:spcPts val="500"/>
+              </a:spcBef>
+              <a:buFont typeface="Arial" panose="020B0604020202020204" pitchFamily="34" charset="0"/>
+              <a:buChar char="•"/>
+              <a:defRPr sz="1800" kern="1200">
+                <a:solidFill>
+                  <a:schemeClr val="tx1"/>
+                </a:solidFill>
+                <a:latin typeface="+mn-lt"/>
+                <a:ea typeface="+mn-ea"/>
+                <a:cs typeface="+mn-cs"/>
+              </a:defRPr>
+            </a:lvl9pPr>
+          </a:lstStyle>
+          <a:p>
+            <a:pPr marL="0" indent="0">
+              <a:buNone/>
+            </a:pPr>
+            <a:r>
+              <a:rPr lang="en-US" sz="1350" smtClean="0"/>
+              <a:t>Generating clusters is a science.</a:t>
+            </a:r>
+          </a:p>
+          <a:p>
+            <a:pPr marL="0" indent="0">
+              <a:buNone/>
+            </a:pPr>
+            <a:r>
+              <a:rPr lang="en-US" sz="1350" smtClean="0"/>
+              <a:t>Interpreting clusters is an art.d</a:t>
+            </a:r>
+            <a:endParaRPr lang="en-US" sz="1350" dirty="0"/>
+          </a:p>
+        </p:txBody>
+      </p:sp>
+    </p:spTree>
+    <p:extLst>
+      <p:ext uri="{BB962C8B-B14F-4D97-AF65-F5344CB8AC3E}">
+        <p14:creationId xmlns:p14="http://schemas.microsoft.com/office/powerpoint/2010/main" val="3779695320"/>
+      </p:ext>
+    </p:extLst>
+  </p:cSld>
+  <p:clrMapOvr>
+    <a:masterClrMapping/>
+  </p:clrMapOvr>
+</p:sld>
+</file>
+
 <file path=ppt/theme/theme1.xml><?xml version="1.0" encoding="utf-8"?>
 <a:theme xmlns:a="http://schemas.openxmlformats.org/drawingml/2006/main" name="Office Theme">
   <a:themeElements>
-    <a:clrScheme name="Office">
+    <a:clrScheme name="Office Theme">
       <a:dk1>
         <a:sysClr val="windowText" lastClr="000000"/>
       </a:dk1>
@@ -6971,7 +11328,7 @@
         <a:srgbClr val="954F72"/>
       </a:folHlink>
     </a:clrScheme>
-    <a:fontScheme name="Office">
+    <a:fontScheme name="Office Theme">
       <a:majorFont>
         <a:latin typeface="Calibri Light" panose="020F0302020204030204"/>
         <a:ea typeface=""/>
@@ -7043,7 +11400,7 @@
         <a:font script="Geor" typeface="Sylfaen"/>
       </a:minorFont>
     </a:fontScheme>
-    <a:fmtScheme name="Office">
+    <a:fmtScheme name="Office Theme">
       <a:fillStyleLst>
         <a:solidFill>
           <a:schemeClr val="phClr"/>

--- a/Track - Machine Learning/Cluster-Analysis-In-R/Cluster Analysis in R.pptx
+++ b/Track - Machine Learning/Cluster-Analysis-In-R/Cluster Analysis in R.pptx
@@ -13,6 +13,7 @@
     <p:sldId id="260" r:id="rId7"/>
     <p:sldId id="262" r:id="rId8"/>
     <p:sldId id="263" r:id="rId9"/>
+    <p:sldId id="264" r:id="rId10"/>
   </p:sldIdLst>
   <p:sldSz cx="9144000" cy="6858000" type="screen4x3"/>
   <p:notesSz cx="7010400" cy="9296400"/>
@@ -1047,13 +1048,6 @@
         </dgm:presLayoutVars>
       </dgm:prSet>
       <dgm:spPr/>
-      <dgm:t>
-        <a:bodyPr/>
-        <a:lstStyle/>
-        <a:p>
-          <a:endParaRPr lang="en-US"/>
-        </a:p>
-      </dgm:t>
     </dgm:pt>
     <dgm:pt modelId="{F709DB4C-4926-4E59-80DF-1068583026EE}" type="pres">
       <dgm:prSet presAssocID="{F025FAA8-A49E-431C-9287-48075BE4BB9F}" presName="parTxOnlySpace" presStyleCnt="0"/>
@@ -1068,13 +1062,6 @@
         </dgm:presLayoutVars>
       </dgm:prSet>
       <dgm:spPr/>
-      <dgm:t>
-        <a:bodyPr/>
-        <a:lstStyle/>
-        <a:p>
-          <a:endParaRPr lang="en-US"/>
-        </a:p>
-      </dgm:t>
     </dgm:pt>
     <dgm:pt modelId="{06F9C3E1-CAD3-4AE4-BE77-E758113F3690}" type="pres">
       <dgm:prSet presAssocID="{192869E4-33D6-4AFD-B306-E6E3A79F2987}" presName="parTxOnlySpace" presStyleCnt="0"/>
@@ -1089,13 +1076,6 @@
         </dgm:presLayoutVars>
       </dgm:prSet>
       <dgm:spPr/>
-      <dgm:t>
-        <a:bodyPr/>
-        <a:lstStyle/>
-        <a:p>
-          <a:endParaRPr lang="en-US"/>
-        </a:p>
-      </dgm:t>
     </dgm:pt>
     <dgm:pt modelId="{7252E518-27D9-4CA0-9C3B-9E0897C503DB}" type="pres">
       <dgm:prSet presAssocID="{01C00FF1-B908-4DEC-B1AF-EA39A92B8E4C}" presName="parTxOnlySpace" presStyleCnt="0"/>
@@ -1110,25 +1090,18 @@
         </dgm:presLayoutVars>
       </dgm:prSet>
       <dgm:spPr/>
-      <dgm:t>
-        <a:bodyPr/>
-        <a:lstStyle/>
-        <a:p>
-          <a:endParaRPr lang="en-US"/>
-        </a:p>
-      </dgm:t>
     </dgm:pt>
   </dgm:ptLst>
   <dgm:cxnLst>
+    <dgm:cxn modelId="{6AECF40E-5785-453B-86A4-B14DB9928F4A}" srcId="{BAC9EB2A-9CFD-41A5-9DAF-524B44E80436}" destId="{AE536757-2C3D-4967-BD33-206E595A2E68}" srcOrd="1" destOrd="0" parTransId="{431D87F6-77E9-4489-B51E-B44FFA02284B}" sibTransId="{192869E4-33D6-4AFD-B306-E6E3A79F2987}"/>
     <dgm:cxn modelId="{61DA802B-0861-4A0F-971F-D22EE58D7A07}" type="presOf" srcId="{5E5AB7FE-2548-4EEF-B3EA-3D256CD50D16}" destId="{FC72D65A-81D5-4A6C-81AC-77E3659CCA6E}" srcOrd="0" destOrd="0" presId="urn:microsoft.com/office/officeart/2005/8/layout/chevron1"/>
     <dgm:cxn modelId="{E7802E2D-6499-4A36-8ED2-A14E8F1547B1}" srcId="{BAC9EB2A-9CFD-41A5-9DAF-524B44E80436}" destId="{DFC28BEC-56AF-4598-9EF6-99D142DAB189}" srcOrd="0" destOrd="0" parTransId="{B0B2F544-457B-439C-A690-5E281EB91046}" sibTransId="{F025FAA8-A49E-431C-9287-48075BE4BB9F}"/>
+    <dgm:cxn modelId="{613D0E62-6AE7-43D8-B9AB-8AA7D4E07CC8}" type="presOf" srcId="{AE536757-2C3D-4967-BD33-206E595A2E68}" destId="{C55128A5-DA94-4B56-8E74-61B895E69433}" srcOrd="0" destOrd="0" presId="urn:microsoft.com/office/officeart/2005/8/layout/chevron1"/>
+    <dgm:cxn modelId="{43BA9442-310C-4F13-A637-6921412B6F84}" srcId="{BAC9EB2A-9CFD-41A5-9DAF-524B44E80436}" destId="{5E5AB7FE-2548-4EEF-B3EA-3D256CD50D16}" srcOrd="2" destOrd="0" parTransId="{49568E4C-D5A7-45BD-967D-A0E167FFE80F}" sibTransId="{01C00FF1-B908-4DEC-B1AF-EA39A92B8E4C}"/>
+    <dgm:cxn modelId="{91EDC886-4EE2-48C7-BCBF-2CC53EB7F0E7}" type="presOf" srcId="{DFC28BEC-56AF-4598-9EF6-99D142DAB189}" destId="{9A1CA8BB-80DA-42A7-918C-0BCC29197429}" srcOrd="0" destOrd="0" presId="urn:microsoft.com/office/officeart/2005/8/layout/chevron1"/>
+    <dgm:cxn modelId="{F18A72B8-FCFC-44C8-B34B-7BEC1DE1C19D}" type="presOf" srcId="{BAC9EB2A-9CFD-41A5-9DAF-524B44E80436}" destId="{2861A9E9-FAA2-4121-9760-400E7D53BD38}" srcOrd="0" destOrd="0" presId="urn:microsoft.com/office/officeart/2005/8/layout/chevron1"/>
     <dgm:cxn modelId="{B5FBA7C7-3AA1-42B7-B87C-F7450B126AF4}" srcId="{BAC9EB2A-9CFD-41A5-9DAF-524B44E80436}" destId="{CE32BDC5-8E22-4423-9E41-73E50B6BA8EA}" srcOrd="3" destOrd="0" parTransId="{7EAE575C-2E9B-477D-A01D-E1DC7A3FF0A3}" sibTransId="{97D7C953-45C1-444E-8136-727DFB383E53}"/>
-    <dgm:cxn modelId="{43BA9442-310C-4F13-A637-6921412B6F84}" srcId="{BAC9EB2A-9CFD-41A5-9DAF-524B44E80436}" destId="{5E5AB7FE-2548-4EEF-B3EA-3D256CD50D16}" srcOrd="2" destOrd="0" parTransId="{49568E4C-D5A7-45BD-967D-A0E167FFE80F}" sibTransId="{01C00FF1-B908-4DEC-B1AF-EA39A92B8E4C}"/>
-    <dgm:cxn modelId="{613D0E62-6AE7-43D8-B9AB-8AA7D4E07CC8}" type="presOf" srcId="{AE536757-2C3D-4967-BD33-206E595A2E68}" destId="{C55128A5-DA94-4B56-8E74-61B895E69433}" srcOrd="0" destOrd="0" presId="urn:microsoft.com/office/officeart/2005/8/layout/chevron1"/>
-    <dgm:cxn modelId="{91EDC886-4EE2-48C7-BCBF-2CC53EB7F0E7}" type="presOf" srcId="{DFC28BEC-56AF-4598-9EF6-99D142DAB189}" destId="{9A1CA8BB-80DA-42A7-918C-0BCC29197429}" srcOrd="0" destOrd="0" presId="urn:microsoft.com/office/officeart/2005/8/layout/chevron1"/>
     <dgm:cxn modelId="{F97FDBEC-536A-44B8-90AE-DB9BA602FE2A}" type="presOf" srcId="{CE32BDC5-8E22-4423-9E41-73E50B6BA8EA}" destId="{326E133B-EA0A-4C00-B4AF-BA4B29FF8447}" srcOrd="0" destOrd="0" presId="urn:microsoft.com/office/officeart/2005/8/layout/chevron1"/>
-    <dgm:cxn modelId="{F18A72B8-FCFC-44C8-B34B-7BEC1DE1C19D}" type="presOf" srcId="{BAC9EB2A-9CFD-41A5-9DAF-524B44E80436}" destId="{2861A9E9-FAA2-4121-9760-400E7D53BD38}" srcOrd="0" destOrd="0" presId="urn:microsoft.com/office/officeart/2005/8/layout/chevron1"/>
-    <dgm:cxn modelId="{6AECF40E-5785-453B-86A4-B14DB9928F4A}" srcId="{BAC9EB2A-9CFD-41A5-9DAF-524B44E80436}" destId="{AE536757-2C3D-4967-BD33-206E595A2E68}" srcOrd="1" destOrd="0" parTransId="{431D87F6-77E9-4489-B51E-B44FFA02284B}" sibTransId="{192869E4-33D6-4AFD-B306-E6E3A79F2987}"/>
     <dgm:cxn modelId="{326C59E2-628C-4BFB-9B4E-72AF05BEB369}" type="presParOf" srcId="{2861A9E9-FAA2-4121-9760-400E7D53BD38}" destId="{9A1CA8BB-80DA-42A7-918C-0BCC29197429}" srcOrd="0" destOrd="0" presId="urn:microsoft.com/office/officeart/2005/8/layout/chevron1"/>
     <dgm:cxn modelId="{77D05D5B-9548-4D44-93CD-6EACD0E39634}" type="presParOf" srcId="{2861A9E9-FAA2-4121-9760-400E7D53BD38}" destId="{F709DB4C-4926-4E59-80DF-1068583026EE}" srcOrd="1" destOrd="0" presId="urn:microsoft.com/office/officeart/2005/8/layout/chevron1"/>
     <dgm:cxn modelId="{79E3C0A6-D24A-4FC2-BC76-D5636B8C80ED}" type="presParOf" srcId="{2861A9E9-FAA2-4121-9760-400E7D53BD38}" destId="{C55128A5-DA94-4B56-8E74-61B895E69433}" srcOrd="2" destOrd="0" presId="urn:microsoft.com/office/officeart/2005/8/layout/chevron1"/>
@@ -1210,7 +1183,7 @@
         </a:bodyPr>
         <a:lstStyle/>
         <a:p>
-          <a:pPr lvl="0" algn="ctr" defTabSz="533400">
+          <a:pPr marL="0" lvl="0" indent="0" algn="ctr" defTabSz="533400">
             <a:lnSpc>
               <a:spcPct val="90000"/>
             </a:lnSpc>
@@ -1220,6 +1193,7 @@
             <a:spcAft>
               <a:spcPct val="35000"/>
             </a:spcAft>
+            <a:buNone/>
           </a:pPr>
           <a:r>
             <a:rPr lang="en-US" sz="1200" b="1" kern="1200" dirty="0"/>
@@ -1287,7 +1261,7 @@
         </a:bodyPr>
         <a:lstStyle/>
         <a:p>
-          <a:pPr lvl="0" algn="ctr" defTabSz="533400">
+          <a:pPr marL="0" lvl="0" indent="0" algn="ctr" defTabSz="533400">
             <a:lnSpc>
               <a:spcPct val="90000"/>
             </a:lnSpc>
@@ -1297,6 +1271,7 @@
             <a:spcAft>
               <a:spcPct val="35000"/>
             </a:spcAft>
+            <a:buNone/>
           </a:pPr>
           <a:r>
             <a:rPr lang="en-US" sz="1200" b="1" kern="1200" dirty="0"/>
@@ -1364,7 +1339,7 @@
         </a:bodyPr>
         <a:lstStyle/>
         <a:p>
-          <a:pPr lvl="0" algn="ctr" defTabSz="533400">
+          <a:pPr marL="0" lvl="0" indent="0" algn="ctr" defTabSz="533400">
             <a:lnSpc>
               <a:spcPct val="90000"/>
             </a:lnSpc>
@@ -1374,6 +1349,7 @@
             <a:spcAft>
               <a:spcPct val="35000"/>
             </a:spcAft>
+            <a:buNone/>
           </a:pPr>
           <a:r>
             <a:rPr lang="en-US" sz="1200" b="1" kern="1200" dirty="0"/>
@@ -1441,7 +1417,7 @@
         </a:bodyPr>
         <a:lstStyle/>
         <a:p>
-          <a:pPr lvl="0" algn="ctr" defTabSz="533400">
+          <a:pPr marL="0" lvl="0" indent="0" algn="ctr" defTabSz="533400">
             <a:lnSpc>
               <a:spcPct val="90000"/>
             </a:lnSpc>
@@ -1451,6 +1427,7 @@
             <a:spcAft>
               <a:spcPct val="35000"/>
             </a:spcAft>
+            <a:buNone/>
           </a:pPr>
           <a:r>
             <a:rPr lang="en-US" sz="1200" b="1" kern="1200" dirty="0"/>
@@ -2826,7 +2803,7 @@
           </a:lstStyle>
           <a:p>
             <a:r>
-              <a:rPr lang="en-US" smtClean="0"/>
+              <a:rPr lang="en-US"/>
               <a:t>Click to edit Master title style</a:t>
             </a:r>
             <a:endParaRPr lang="en-US" dirty="0"/>
@@ -2891,7 +2868,7 @@
           </a:lstStyle>
           <a:p>
             <a:r>
-              <a:rPr lang="en-US" smtClean="0"/>
+              <a:rPr lang="en-US"/>
               <a:t>Click to edit Master subtitle style</a:t>
             </a:r>
             <a:endParaRPr lang="en-US" dirty="0"/>
@@ -2916,7 +2893,7 @@
             <a:fld id="{B61BEF0D-F0BB-DE4B-95CE-6DB70DBA9567}" type="datetimeFigureOut">
               <a:rPr lang="en-US" smtClean="0"/>
               <a:pPr/>
-              <a:t>5/31/2019</a:t>
+              <a:t>6/2/2019</a:t>
             </a:fld>
             <a:endParaRPr lang="en-US" dirty="0"/>
           </a:p>
@@ -3011,7 +2988,7 @@
           <a:lstStyle/>
           <a:p>
             <a:r>
-              <a:rPr lang="en-US" smtClean="0"/>
+              <a:rPr lang="en-US"/>
               <a:t>Click to edit Master title style</a:t>
             </a:r>
             <a:endParaRPr lang="en-US" dirty="0"/>
@@ -3035,35 +3012,35 @@
           <a:p>
             <a:pPr lvl="0"/>
             <a:r>
-              <a:rPr lang="en-US" smtClean="0"/>
+              <a:rPr lang="en-US"/>
               <a:t>Edit Master text styles</a:t>
             </a:r>
           </a:p>
           <a:p>
             <a:pPr lvl="1"/>
             <a:r>
-              <a:rPr lang="en-US" smtClean="0"/>
+              <a:rPr lang="en-US"/>
               <a:t>Second level</a:t>
             </a:r>
           </a:p>
           <a:p>
             <a:pPr lvl="2"/>
             <a:r>
-              <a:rPr lang="en-US" smtClean="0"/>
+              <a:rPr lang="en-US"/>
               <a:t>Third level</a:t>
             </a:r>
           </a:p>
           <a:p>
             <a:pPr lvl="3"/>
             <a:r>
-              <a:rPr lang="en-US" smtClean="0"/>
+              <a:rPr lang="en-US"/>
               <a:t>Fourth level</a:t>
             </a:r>
           </a:p>
           <a:p>
             <a:pPr lvl="4"/>
             <a:r>
-              <a:rPr lang="en-US" smtClean="0"/>
+              <a:rPr lang="en-US"/>
               <a:t>Fifth level</a:t>
             </a:r>
             <a:endParaRPr lang="en-US" dirty="0"/>
@@ -3088,7 +3065,7 @@
             <a:fld id="{B61BEF0D-F0BB-DE4B-95CE-6DB70DBA9567}" type="datetimeFigureOut">
               <a:rPr lang="en-US" smtClean="0"/>
               <a:pPr/>
-              <a:t>5/31/2019</a:t>
+              <a:t>6/2/2019</a:t>
             </a:fld>
             <a:endParaRPr lang="en-US" dirty="0"/>
           </a:p>
@@ -3188,7 +3165,7 @@
           <a:lstStyle/>
           <a:p>
             <a:r>
-              <a:rPr lang="en-US" smtClean="0"/>
+              <a:rPr lang="en-US"/>
               <a:t>Click to edit Master title style</a:t>
             </a:r>
             <a:endParaRPr lang="en-US" dirty="0"/>
@@ -3217,35 +3194,35 @@
           <a:p>
             <a:pPr lvl="0"/>
             <a:r>
-              <a:rPr lang="en-US" smtClean="0"/>
+              <a:rPr lang="en-US"/>
               <a:t>Edit Master text styles</a:t>
             </a:r>
           </a:p>
           <a:p>
             <a:pPr lvl="1"/>
             <a:r>
-              <a:rPr lang="en-US" smtClean="0"/>
+              <a:rPr lang="en-US"/>
               <a:t>Second level</a:t>
             </a:r>
           </a:p>
           <a:p>
             <a:pPr lvl="2"/>
             <a:r>
-              <a:rPr lang="en-US" smtClean="0"/>
+              <a:rPr lang="en-US"/>
               <a:t>Third level</a:t>
             </a:r>
           </a:p>
           <a:p>
             <a:pPr lvl="3"/>
             <a:r>
-              <a:rPr lang="en-US" smtClean="0"/>
+              <a:rPr lang="en-US"/>
               <a:t>Fourth level</a:t>
             </a:r>
           </a:p>
           <a:p>
             <a:pPr lvl="4"/>
             <a:r>
-              <a:rPr lang="en-US" smtClean="0"/>
+              <a:rPr lang="en-US"/>
               <a:t>Fifth level</a:t>
             </a:r>
             <a:endParaRPr lang="en-US" dirty="0"/>
@@ -3270,7 +3247,7 @@
             <a:fld id="{B61BEF0D-F0BB-DE4B-95CE-6DB70DBA9567}" type="datetimeFigureOut">
               <a:rPr lang="en-US" smtClean="0"/>
               <a:pPr/>
-              <a:t>5/31/2019</a:t>
+              <a:t>6/2/2019</a:t>
             </a:fld>
             <a:endParaRPr lang="en-US" dirty="0"/>
           </a:p>
@@ -3365,7 +3342,7 @@
           <a:lstStyle/>
           <a:p>
             <a:r>
-              <a:rPr lang="en-US" smtClean="0"/>
+              <a:rPr lang="en-US"/>
               <a:t>Click to edit Master title style</a:t>
             </a:r>
             <a:endParaRPr lang="en-US" dirty="0"/>
@@ -3389,35 +3366,35 @@
           <a:p>
             <a:pPr lvl="0"/>
             <a:r>
-              <a:rPr lang="en-US" smtClean="0"/>
+              <a:rPr lang="en-US"/>
               <a:t>Edit Master text styles</a:t>
             </a:r>
           </a:p>
           <a:p>
             <a:pPr lvl="1"/>
             <a:r>
-              <a:rPr lang="en-US" smtClean="0"/>
+              <a:rPr lang="en-US"/>
               <a:t>Second level</a:t>
             </a:r>
           </a:p>
           <a:p>
             <a:pPr lvl="2"/>
             <a:r>
-              <a:rPr lang="en-US" smtClean="0"/>
+              <a:rPr lang="en-US"/>
               <a:t>Third level</a:t>
             </a:r>
           </a:p>
           <a:p>
             <a:pPr lvl="3"/>
             <a:r>
-              <a:rPr lang="en-US" smtClean="0"/>
+              <a:rPr lang="en-US"/>
               <a:t>Fourth level</a:t>
             </a:r>
           </a:p>
           <a:p>
             <a:pPr lvl="4"/>
             <a:r>
-              <a:rPr lang="en-US" smtClean="0"/>
+              <a:rPr lang="en-US"/>
               <a:t>Fifth level</a:t>
             </a:r>
             <a:endParaRPr lang="en-US" dirty="0"/>
@@ -3442,7 +3419,7 @@
             <a:fld id="{B61BEF0D-F0BB-DE4B-95CE-6DB70DBA9567}" type="datetimeFigureOut">
               <a:rPr lang="en-US" smtClean="0"/>
               <a:pPr/>
-              <a:t>5/31/2019</a:t>
+              <a:t>6/2/2019</a:t>
             </a:fld>
             <a:endParaRPr lang="en-US" dirty="0"/>
           </a:p>
@@ -3546,7 +3523,7 @@
           </a:lstStyle>
           <a:p>
             <a:r>
-              <a:rPr lang="en-US" smtClean="0"/>
+              <a:rPr lang="en-US"/>
               <a:t>Click to edit Master title style</a:t>
             </a:r>
             <a:endParaRPr lang="en-US" dirty="0"/>
@@ -3664,7 +3641,7 @@
           <a:p>
             <a:pPr lvl="0"/>
             <a:r>
-              <a:rPr lang="en-US" smtClean="0"/>
+              <a:rPr lang="en-US"/>
               <a:t>Edit Master text styles</a:t>
             </a:r>
           </a:p>
@@ -3688,7 +3665,7 @@
             <a:fld id="{B61BEF0D-F0BB-DE4B-95CE-6DB70DBA9567}" type="datetimeFigureOut">
               <a:rPr lang="en-US" smtClean="0"/>
               <a:pPr/>
-              <a:t>5/31/2019</a:t>
+              <a:t>6/2/2019</a:t>
             </a:fld>
             <a:endParaRPr lang="en-US" dirty="0"/>
           </a:p>
@@ -3783,7 +3760,7 @@
           <a:lstStyle/>
           <a:p>
             <a:r>
-              <a:rPr lang="en-US" smtClean="0"/>
+              <a:rPr lang="en-US"/>
               <a:t>Click to edit Master title style</a:t>
             </a:r>
             <a:endParaRPr lang="en-US" dirty="0"/>
@@ -3812,35 +3789,35 @@
           <a:p>
             <a:pPr lvl="0"/>
             <a:r>
-              <a:rPr lang="en-US" smtClean="0"/>
+              <a:rPr lang="en-US"/>
               <a:t>Edit Master text styles</a:t>
             </a:r>
           </a:p>
           <a:p>
             <a:pPr lvl="1"/>
             <a:r>
-              <a:rPr lang="en-US" smtClean="0"/>
+              <a:rPr lang="en-US"/>
               <a:t>Second level</a:t>
             </a:r>
           </a:p>
           <a:p>
             <a:pPr lvl="2"/>
             <a:r>
-              <a:rPr lang="en-US" smtClean="0"/>
+              <a:rPr lang="en-US"/>
               <a:t>Third level</a:t>
             </a:r>
           </a:p>
           <a:p>
             <a:pPr lvl="3"/>
             <a:r>
-              <a:rPr lang="en-US" smtClean="0"/>
+              <a:rPr lang="en-US"/>
               <a:t>Fourth level</a:t>
             </a:r>
           </a:p>
           <a:p>
             <a:pPr lvl="4"/>
             <a:r>
-              <a:rPr lang="en-US" smtClean="0"/>
+              <a:rPr lang="en-US"/>
               <a:t>Fifth level</a:t>
             </a:r>
             <a:endParaRPr lang="en-US" dirty="0"/>
@@ -3869,35 +3846,35 @@
           <a:p>
             <a:pPr lvl="0"/>
             <a:r>
-              <a:rPr lang="en-US" smtClean="0"/>
+              <a:rPr lang="en-US"/>
               <a:t>Edit Master text styles</a:t>
             </a:r>
           </a:p>
           <a:p>
             <a:pPr lvl="1"/>
             <a:r>
-              <a:rPr lang="en-US" smtClean="0"/>
+              <a:rPr lang="en-US"/>
               <a:t>Second level</a:t>
             </a:r>
           </a:p>
           <a:p>
             <a:pPr lvl="2"/>
             <a:r>
-              <a:rPr lang="en-US" smtClean="0"/>
+              <a:rPr lang="en-US"/>
               <a:t>Third level</a:t>
             </a:r>
           </a:p>
           <a:p>
             <a:pPr lvl="3"/>
             <a:r>
-              <a:rPr lang="en-US" smtClean="0"/>
+              <a:rPr lang="en-US"/>
               <a:t>Fourth level</a:t>
             </a:r>
           </a:p>
           <a:p>
             <a:pPr lvl="4"/>
             <a:r>
-              <a:rPr lang="en-US" smtClean="0"/>
+              <a:rPr lang="en-US"/>
               <a:t>Fifth level</a:t>
             </a:r>
             <a:endParaRPr lang="en-US" dirty="0"/>
@@ -3922,7 +3899,7 @@
             <a:fld id="{B61BEF0D-F0BB-DE4B-95CE-6DB70DBA9567}" type="datetimeFigureOut">
               <a:rPr lang="en-US" smtClean="0"/>
               <a:pPr/>
-              <a:t>5/31/2019</a:t>
+              <a:t>6/2/2019</a:t>
             </a:fld>
             <a:endParaRPr lang="en-US" dirty="0"/>
           </a:p>
@@ -4022,7 +3999,7 @@
           <a:lstStyle/>
           <a:p>
             <a:r>
-              <a:rPr lang="en-US" smtClean="0"/>
+              <a:rPr lang="en-US"/>
               <a:t>Click to edit Master title style</a:t>
             </a:r>
             <a:endParaRPr lang="en-US" dirty="0"/>
@@ -4088,7 +4065,7 @@
           <a:p>
             <a:pPr lvl="0"/>
             <a:r>
-              <a:rPr lang="en-US" smtClean="0"/>
+              <a:rPr lang="en-US"/>
               <a:t>Edit Master text styles</a:t>
             </a:r>
           </a:p>
@@ -4116,35 +4093,35 @@
           <a:p>
             <a:pPr lvl="0"/>
             <a:r>
-              <a:rPr lang="en-US" smtClean="0"/>
+              <a:rPr lang="en-US"/>
               <a:t>Edit Master text styles</a:t>
             </a:r>
           </a:p>
           <a:p>
             <a:pPr lvl="1"/>
             <a:r>
-              <a:rPr lang="en-US" smtClean="0"/>
+              <a:rPr lang="en-US"/>
               <a:t>Second level</a:t>
             </a:r>
           </a:p>
           <a:p>
             <a:pPr lvl="2"/>
             <a:r>
-              <a:rPr lang="en-US" smtClean="0"/>
+              <a:rPr lang="en-US"/>
               <a:t>Third level</a:t>
             </a:r>
           </a:p>
           <a:p>
             <a:pPr lvl="3"/>
             <a:r>
-              <a:rPr lang="en-US" smtClean="0"/>
+              <a:rPr lang="en-US"/>
               <a:t>Fourth level</a:t>
             </a:r>
           </a:p>
           <a:p>
             <a:pPr lvl="4"/>
             <a:r>
-              <a:rPr lang="en-US" smtClean="0"/>
+              <a:rPr lang="en-US"/>
               <a:t>Fifth level</a:t>
             </a:r>
             <a:endParaRPr lang="en-US" dirty="0"/>
@@ -4210,7 +4187,7 @@
           <a:p>
             <a:pPr lvl="0"/>
             <a:r>
-              <a:rPr lang="en-US" smtClean="0"/>
+              <a:rPr lang="en-US"/>
               <a:t>Edit Master text styles</a:t>
             </a:r>
           </a:p>
@@ -4238,35 +4215,35 @@
           <a:p>
             <a:pPr lvl="0"/>
             <a:r>
-              <a:rPr lang="en-US" smtClean="0"/>
+              <a:rPr lang="en-US"/>
               <a:t>Edit Master text styles</a:t>
             </a:r>
           </a:p>
           <a:p>
             <a:pPr lvl="1"/>
             <a:r>
-              <a:rPr lang="en-US" smtClean="0"/>
+              <a:rPr lang="en-US"/>
               <a:t>Second level</a:t>
             </a:r>
           </a:p>
           <a:p>
             <a:pPr lvl="2"/>
             <a:r>
-              <a:rPr lang="en-US" smtClean="0"/>
+              <a:rPr lang="en-US"/>
               <a:t>Third level</a:t>
             </a:r>
           </a:p>
           <a:p>
             <a:pPr lvl="3"/>
             <a:r>
-              <a:rPr lang="en-US" smtClean="0"/>
+              <a:rPr lang="en-US"/>
               <a:t>Fourth level</a:t>
             </a:r>
           </a:p>
           <a:p>
             <a:pPr lvl="4"/>
             <a:r>
-              <a:rPr lang="en-US" smtClean="0"/>
+              <a:rPr lang="en-US"/>
               <a:t>Fifth level</a:t>
             </a:r>
             <a:endParaRPr lang="en-US" dirty="0"/>
@@ -4291,7 +4268,7 @@
             <a:fld id="{B61BEF0D-F0BB-DE4B-95CE-6DB70DBA9567}" type="datetimeFigureOut">
               <a:rPr lang="en-US" smtClean="0"/>
               <a:pPr/>
-              <a:t>5/31/2019</a:t>
+              <a:t>6/2/2019</a:t>
             </a:fld>
             <a:endParaRPr lang="en-US" dirty="0"/>
           </a:p>
@@ -4386,7 +4363,7 @@
           <a:lstStyle/>
           <a:p>
             <a:r>
-              <a:rPr lang="en-US" smtClean="0"/>
+              <a:rPr lang="en-US"/>
               <a:t>Click to edit Master title style</a:t>
             </a:r>
             <a:endParaRPr lang="en-US" dirty="0"/>
@@ -4411,7 +4388,7 @@
             <a:fld id="{B61BEF0D-F0BB-DE4B-95CE-6DB70DBA9567}" type="datetimeFigureOut">
               <a:rPr lang="en-US" smtClean="0"/>
               <a:pPr/>
-              <a:t>5/31/2019</a:t>
+              <a:t>6/2/2019</a:t>
             </a:fld>
             <a:endParaRPr lang="en-US" dirty="0"/>
           </a:p>
@@ -4508,7 +4485,7 @@
             <a:fld id="{B61BEF0D-F0BB-DE4B-95CE-6DB70DBA9567}" type="datetimeFigureOut">
               <a:rPr lang="en-US" smtClean="0"/>
               <a:pPr/>
-              <a:t>5/31/2019</a:t>
+              <a:t>6/2/2019</a:t>
             </a:fld>
             <a:endParaRPr lang="en-US" dirty="0"/>
           </a:p>
@@ -4612,7 +4589,7 @@
           </a:lstStyle>
           <a:p>
             <a:r>
-              <a:rPr lang="en-US" smtClean="0"/>
+              <a:rPr lang="en-US"/>
               <a:t>Click to edit Master title style</a:t>
             </a:r>
             <a:endParaRPr lang="en-US" dirty="0"/>
@@ -4669,35 +4646,35 @@
           <a:p>
             <a:pPr lvl="0"/>
             <a:r>
-              <a:rPr lang="en-US" smtClean="0"/>
+              <a:rPr lang="en-US"/>
               <a:t>Edit Master text styles</a:t>
             </a:r>
           </a:p>
           <a:p>
             <a:pPr lvl="1"/>
             <a:r>
-              <a:rPr lang="en-US" smtClean="0"/>
+              <a:rPr lang="en-US"/>
               <a:t>Second level</a:t>
             </a:r>
           </a:p>
           <a:p>
             <a:pPr lvl="2"/>
             <a:r>
-              <a:rPr lang="en-US" smtClean="0"/>
+              <a:rPr lang="en-US"/>
               <a:t>Third level</a:t>
             </a:r>
           </a:p>
           <a:p>
             <a:pPr lvl="3"/>
             <a:r>
-              <a:rPr lang="en-US" smtClean="0"/>
+              <a:rPr lang="en-US"/>
               <a:t>Fourth level</a:t>
             </a:r>
           </a:p>
           <a:p>
             <a:pPr lvl="4"/>
             <a:r>
-              <a:rPr lang="en-US" smtClean="0"/>
+              <a:rPr lang="en-US"/>
               <a:t>Fifth level</a:t>
             </a:r>
             <a:endParaRPr lang="en-US" dirty="0"/>
@@ -4763,7 +4740,7 @@
           <a:p>
             <a:pPr lvl="0"/>
             <a:r>
-              <a:rPr lang="en-US" smtClean="0"/>
+              <a:rPr lang="en-US"/>
               <a:t>Edit Master text styles</a:t>
             </a:r>
           </a:p>
@@ -4787,7 +4764,7 @@
             <a:fld id="{B61BEF0D-F0BB-DE4B-95CE-6DB70DBA9567}" type="datetimeFigureOut">
               <a:rPr lang="en-US" smtClean="0"/>
               <a:pPr/>
-              <a:t>5/31/2019</a:t>
+              <a:t>6/2/2019</a:t>
             </a:fld>
             <a:endParaRPr lang="en-US" dirty="0"/>
           </a:p>
@@ -4891,7 +4868,7 @@
           </a:lstStyle>
           <a:p>
             <a:r>
-              <a:rPr lang="en-US" smtClean="0"/>
+              <a:rPr lang="en-US"/>
               <a:t>Click to edit Master title style</a:t>
             </a:r>
             <a:endParaRPr lang="en-US" dirty="0"/>
@@ -4956,7 +4933,7 @@
           </a:lstStyle>
           <a:p>
             <a:r>
-              <a:rPr lang="en-US" smtClean="0"/>
+              <a:rPr lang="en-US"/>
               <a:t>Click icon to add picture</a:t>
             </a:r>
             <a:endParaRPr lang="en-US" dirty="0"/>
@@ -5022,7 +4999,7 @@
           <a:p>
             <a:pPr lvl="0"/>
             <a:r>
-              <a:rPr lang="en-US" smtClean="0"/>
+              <a:rPr lang="en-US"/>
               <a:t>Edit Master text styles</a:t>
             </a:r>
           </a:p>
@@ -5046,7 +5023,7 @@
             <a:fld id="{B61BEF0D-F0BB-DE4B-95CE-6DB70DBA9567}" type="datetimeFigureOut">
               <a:rPr lang="en-US" smtClean="0"/>
               <a:pPr/>
-              <a:t>5/31/2019</a:t>
+              <a:t>6/2/2019</a:t>
             </a:fld>
             <a:endParaRPr lang="en-US" dirty="0"/>
           </a:p>
@@ -5156,7 +5133,7 @@
           <a:lstStyle/>
           <a:p>
             <a:r>
-              <a:rPr lang="en-US" smtClean="0"/>
+              <a:rPr lang="en-US"/>
               <a:t>Click to edit Master title style</a:t>
             </a:r>
             <a:endParaRPr lang="en-US" dirty="0"/>
@@ -5190,35 +5167,35 @@
           <a:p>
             <a:pPr lvl="0"/>
             <a:r>
-              <a:rPr lang="en-US" smtClean="0"/>
+              <a:rPr lang="en-US"/>
               <a:t>Edit Master text styles</a:t>
             </a:r>
           </a:p>
           <a:p>
             <a:pPr lvl="1"/>
             <a:r>
-              <a:rPr lang="en-US" smtClean="0"/>
+              <a:rPr lang="en-US"/>
               <a:t>Second level</a:t>
             </a:r>
           </a:p>
           <a:p>
             <a:pPr lvl="2"/>
             <a:r>
-              <a:rPr lang="en-US" smtClean="0"/>
+              <a:rPr lang="en-US"/>
               <a:t>Third level</a:t>
             </a:r>
           </a:p>
           <a:p>
             <a:pPr lvl="3"/>
             <a:r>
-              <a:rPr lang="en-US" smtClean="0"/>
+              <a:rPr lang="en-US"/>
               <a:t>Fourth level</a:t>
             </a:r>
           </a:p>
           <a:p>
             <a:pPr lvl="4"/>
             <a:r>
-              <a:rPr lang="en-US" smtClean="0"/>
+              <a:rPr lang="en-US"/>
               <a:t>Fifth level</a:t>
             </a:r>
             <a:endParaRPr lang="en-US" dirty="0"/>
@@ -5261,7 +5238,7 @@
             <a:fld id="{B61BEF0D-F0BB-DE4B-95CE-6DB70DBA9567}" type="datetimeFigureOut">
               <a:rPr lang="en-US" smtClean="0"/>
               <a:pPr/>
-              <a:t>5/31/2019</a:t>
+              <a:t>6/2/2019</a:t>
             </a:fld>
             <a:endParaRPr lang="en-US" dirty="0"/>
           </a:p>
@@ -5972,7 +5949,7 @@
         </p:nvSpPr>
         <p:spPr>
           <a:xfrm>
-            <a:off x="4926199" y="1073010"/>
+            <a:off x="4572000" y="1063980"/>
             <a:ext cx="3757612" cy="4017962"/>
           </a:xfrm>
         </p:spPr>
@@ -5987,10 +5964,9 @@
               <a:buAutoNum type="arabicPeriod" startAt="2"/>
             </a:pPr>
             <a:r>
-              <a:rPr lang="en-US" sz="1350"/>
+              <a:rPr lang="en-US" sz="1350" dirty="0"/>
               <a:t>Hierarchical Clustering</a:t>
             </a:r>
-            <a:endParaRPr lang="en-US" sz="1350" dirty="0"/>
           </a:p>
           <a:p>
             <a:pPr lvl="1">
@@ -5998,10 +5974,9 @@
               <a:buChar char="Ø"/>
             </a:pPr>
             <a:r>
-              <a:rPr lang="en-US" sz="1050"/>
+              <a:rPr lang="en-US" sz="1050" dirty="0"/>
               <a:t>Comparing more than two observations</a:t>
             </a:r>
-            <a:endParaRPr lang="en-US" sz="1050" dirty="0"/>
           </a:p>
           <a:p>
             <a:pPr lvl="1">
@@ -6009,10 +5984,9 @@
               <a:buChar char="Ø"/>
             </a:pPr>
             <a:r>
-              <a:rPr lang="en-US" sz="1050"/>
+              <a:rPr lang="en-US" sz="1050" dirty="0"/>
               <a:t>Calculating linkage</a:t>
             </a:r>
-            <a:endParaRPr lang="en-US" sz="1050" dirty="0"/>
           </a:p>
           <a:p>
             <a:pPr lvl="1">
@@ -6020,10 +5994,9 @@
               <a:buChar char="Ø"/>
             </a:pPr>
             <a:r>
-              <a:rPr lang="en-US" sz="1050"/>
+              <a:rPr lang="en-US" sz="1050" dirty="0"/>
               <a:t>Revisited: The closest observation to a pair</a:t>
             </a:r>
-            <a:endParaRPr lang="en-US" sz="1050" dirty="0"/>
           </a:p>
           <a:p>
             <a:pPr lvl="1">
@@ -6031,10 +6004,9 @@
               <a:buChar char="Ø"/>
             </a:pPr>
             <a:r>
-              <a:rPr lang="en-US" sz="1050"/>
+              <a:rPr lang="en-US" sz="1050" dirty="0"/>
               <a:t>Capturing K clusters</a:t>
             </a:r>
-            <a:endParaRPr lang="en-US" sz="1050" dirty="0"/>
           </a:p>
           <a:p>
             <a:pPr lvl="1">
@@ -6042,10 +6014,9 @@
               <a:buChar char="Ø"/>
             </a:pPr>
             <a:r>
-              <a:rPr lang="en-US" sz="1050"/>
+              <a:rPr lang="en-US" sz="1050" dirty="0"/>
               <a:t>Assign cluster membership</a:t>
             </a:r>
-            <a:endParaRPr lang="en-US" sz="1050" dirty="0"/>
           </a:p>
           <a:p>
             <a:pPr lvl="1">
@@ -6053,10 +6024,9 @@
               <a:buChar char="Ø"/>
             </a:pPr>
             <a:r>
-              <a:rPr lang="en-US" sz="1050"/>
+              <a:rPr lang="en-US" sz="1050" dirty="0"/>
               <a:t>Exploring the clusters</a:t>
             </a:r>
-            <a:endParaRPr lang="en-US" sz="1050" dirty="0"/>
           </a:p>
           <a:p>
             <a:pPr lvl="1">
@@ -6064,10 +6034,9 @@
               <a:buChar char="Ø"/>
             </a:pPr>
             <a:r>
-              <a:rPr lang="en-US" sz="1050"/>
+              <a:rPr lang="en-US" sz="1050" dirty="0"/>
               <a:t>Validating the clusters</a:t>
             </a:r>
-            <a:endParaRPr lang="en-US" sz="1050" dirty="0"/>
           </a:p>
           <a:p>
             <a:pPr lvl="1">
@@ -6075,10 +6044,9 @@
               <a:buChar char="Ø"/>
             </a:pPr>
             <a:r>
-              <a:rPr lang="en-US" sz="1050"/>
+              <a:rPr lang="en-US" sz="1050" dirty="0"/>
               <a:t>Visualizing the clusters</a:t>
             </a:r>
-            <a:endParaRPr lang="en-US" sz="1050" dirty="0"/>
           </a:p>
           <a:p>
             <a:pPr lvl="1">
@@ -6086,10 +6054,9 @@
               <a:buChar char="Ø"/>
             </a:pPr>
             <a:r>
-              <a:rPr lang="en-US" sz="1050"/>
+              <a:rPr lang="en-US" sz="1050" dirty="0"/>
               <a:t>Visualizing the dendrograms</a:t>
             </a:r>
-            <a:endParaRPr lang="en-US" sz="1050" dirty="0"/>
           </a:p>
           <a:p>
             <a:pPr lvl="1">
@@ -6097,10 +6064,9 @@
               <a:buChar char="Ø"/>
             </a:pPr>
             <a:r>
-              <a:rPr lang="en-US" sz="1050"/>
+              <a:rPr lang="en-US" sz="1050" dirty="0"/>
               <a:t>Comparing average, single, and complete linkage</a:t>
             </a:r>
-            <a:endParaRPr lang="en-US" sz="1050" dirty="0"/>
           </a:p>
           <a:p>
             <a:pPr lvl="1">
@@ -6108,10 +6074,9 @@
               <a:buChar char="Ø"/>
             </a:pPr>
             <a:r>
-              <a:rPr lang="en-US" sz="1050"/>
+              <a:rPr lang="en-US" sz="1050" dirty="0"/>
               <a:t>Height of the tree</a:t>
             </a:r>
-            <a:endParaRPr lang="en-US" sz="1050" dirty="0"/>
           </a:p>
           <a:p>
             <a:pPr lvl="1">
@@ -6119,7 +6084,7 @@
               <a:buChar char="Ø"/>
             </a:pPr>
             <a:r>
-              <a:rPr lang="en-US" sz="1050"/>
+              <a:rPr lang="en-US" sz="1050" dirty="0"/>
               <a:t>Cutting the tree</a:t>
             </a:r>
           </a:p>
@@ -6129,7 +6094,7 @@
               <a:buChar char="Ø"/>
             </a:pPr>
             <a:r>
-              <a:rPr lang="en-US" sz="1050"/>
+              <a:rPr lang="en-US" sz="1050" dirty="0"/>
               <a:t>Clusters based on height</a:t>
             </a:r>
           </a:p>
@@ -6139,7 +6104,7 @@
               <a:buChar char="Ø"/>
             </a:pPr>
             <a:r>
-              <a:rPr lang="en-US" sz="1050"/>
+              <a:rPr lang="en-US" sz="1050" dirty="0"/>
               <a:t>Exploring the branches cut from the tree</a:t>
             </a:r>
           </a:p>
@@ -6149,7 +6114,7 @@
               <a:buChar char="Ø"/>
             </a:pPr>
             <a:r>
-              <a:rPr lang="en-US" sz="1050"/>
+              <a:rPr lang="en-US" sz="1050" dirty="0"/>
               <a:t>What do we know about our clusters?</a:t>
             </a:r>
           </a:p>
@@ -6159,7 +6124,7 @@
               <a:buChar char="Ø"/>
             </a:pPr>
             <a:r>
-              <a:rPr lang="en-US" sz="1050"/>
+              <a:rPr lang="en-US" sz="1050" dirty="0"/>
               <a:t>Making sense of the clusters</a:t>
             </a:r>
           </a:p>
@@ -6169,7 +6134,7 @@
               <a:buChar char="Ø"/>
             </a:pPr>
             <a:r>
-              <a:rPr lang="en-US" sz="1050"/>
+              <a:rPr lang="en-US" sz="1050" dirty="0"/>
               <a:t>Segment wholesale clusters</a:t>
             </a:r>
           </a:p>
@@ -6179,7 +6144,7 @@
               <a:buChar char="Ø"/>
             </a:pPr>
             <a:r>
-              <a:rPr lang="en-US" sz="1050"/>
+              <a:rPr lang="en-US" sz="1050" dirty="0"/>
               <a:t>Explore wholesale customer clusters</a:t>
             </a:r>
           </a:p>
@@ -6189,10 +6154,9 @@
               <a:buChar char="Ø"/>
             </a:pPr>
             <a:r>
-              <a:rPr lang="en-US" sz="1050"/>
+              <a:rPr lang="en-US" sz="1050" dirty="0"/>
               <a:t>Interpreting the wholesale customer clusters</a:t>
             </a:r>
-            <a:endParaRPr lang="en-US" sz="1050" dirty="0"/>
           </a:p>
         </p:txBody>
       </p:sp>
@@ -6284,7 +6248,7 @@
               <a:buAutoNum type="arabicPeriod" startAt="3"/>
             </a:pPr>
             <a:r>
-              <a:rPr lang="en-US" sz="1350" smtClean="0"/>
+              <a:rPr lang="en-US" sz="1350"/>
               <a:t>K-Means Clustering</a:t>
             </a:r>
             <a:endParaRPr lang="en-US" sz="1350" dirty="0"/>
@@ -6295,7 +6259,7 @@
               <a:buChar char="Ø"/>
             </a:pPr>
             <a:r>
-              <a:rPr lang="en-US" sz="1050" smtClean="0"/>
+              <a:rPr lang="en-US" sz="1050"/>
               <a:t>Introduction to K-means</a:t>
             </a:r>
             <a:endParaRPr lang="en-US" sz="1050" dirty="0"/>
@@ -6306,7 +6270,7 @@
               <a:buChar char="Ø"/>
             </a:pPr>
             <a:r>
-              <a:rPr lang="en-US" sz="1050" smtClean="0"/>
+              <a:rPr lang="en-US" sz="1050"/>
               <a:t>K-means on a soccer field</a:t>
             </a:r>
             <a:endParaRPr lang="en-US" sz="1050" dirty="0"/>
@@ -6317,7 +6281,7 @@
               <a:buChar char="Ø"/>
             </a:pPr>
             <a:r>
-              <a:rPr lang="en-US" sz="1050" smtClean="0"/>
+              <a:rPr lang="en-US" sz="1050"/>
               <a:t>K-means on a soccer field (part 2)</a:t>
             </a:r>
             <a:endParaRPr lang="en-US" sz="1050" dirty="0"/>
@@ -6328,7 +6292,7 @@
               <a:buChar char="Ø"/>
             </a:pPr>
             <a:r>
-              <a:rPr lang="en-US" sz="1050" smtClean="0"/>
+              <a:rPr lang="en-US" sz="1050"/>
               <a:t>Evaluating different values of K by eye</a:t>
             </a:r>
             <a:endParaRPr lang="en-US" sz="1050" dirty="0"/>
@@ -6339,7 +6303,7 @@
               <a:buChar char="Ø"/>
             </a:pPr>
             <a:r>
-              <a:rPr lang="en-US" sz="1050" smtClean="0"/>
+              <a:rPr lang="en-US" sz="1050"/>
               <a:t>Many K’s many models</a:t>
             </a:r>
             <a:endParaRPr lang="en-US" sz="1050" dirty="0"/>
@@ -6350,7 +6314,7 @@
               <a:buChar char="Ø"/>
             </a:pPr>
             <a:r>
-              <a:rPr lang="en-US" sz="1050" smtClean="0"/>
+              <a:rPr lang="en-US" sz="1050"/>
               <a:t>Elbow (Scree) plot</a:t>
             </a:r>
             <a:endParaRPr lang="en-US" sz="1050" dirty="0"/>
@@ -6361,7 +6325,7 @@
               <a:buChar char="Ø"/>
             </a:pPr>
             <a:r>
-              <a:rPr lang="en-US" sz="1050" smtClean="0"/>
+              <a:rPr lang="en-US" sz="1050"/>
               <a:t>Interpreting the elbow plot</a:t>
             </a:r>
             <a:endParaRPr lang="en-US" sz="1050" dirty="0"/>
@@ -6372,7 +6336,7 @@
               <a:buChar char="Ø"/>
             </a:pPr>
             <a:r>
-              <a:rPr lang="en-US" sz="1050" smtClean="0"/>
+              <a:rPr lang="en-US" sz="1050"/>
               <a:t>Silhouette analysis: Observation level performance</a:t>
             </a:r>
             <a:endParaRPr lang="en-US" sz="1050" dirty="0"/>
@@ -6383,7 +6347,7 @@
               <a:buChar char="Ø"/>
             </a:pPr>
             <a:r>
-              <a:rPr lang="en-US" sz="1050" smtClean="0"/>
+              <a:rPr lang="en-US" sz="1050"/>
               <a:t>Silhouette analysis</a:t>
             </a:r>
             <a:endParaRPr lang="en-US" sz="1050" dirty="0"/>
@@ -6394,7 +6358,7 @@
               <a:buChar char="Ø"/>
             </a:pPr>
             <a:r>
-              <a:rPr lang="en-US" sz="1050" smtClean="0"/>
+              <a:rPr lang="en-US" sz="1050"/>
               <a:t>Making sense of the K-means custers</a:t>
             </a:r>
             <a:endParaRPr lang="en-US" sz="1050" dirty="0"/>
@@ -6405,7 +6369,7 @@
               <a:buChar char="Ø"/>
             </a:pPr>
             <a:r>
-              <a:rPr lang="en-US" sz="1050" smtClean="0"/>
+              <a:rPr lang="en-US" sz="1050"/>
               <a:t>Revisiting wholesale data: “Best” k</a:t>
             </a:r>
             <a:endParaRPr lang="en-US" sz="1050" dirty="0"/>
@@ -6416,7 +6380,7 @@
               <a:buChar char="Ø"/>
             </a:pPr>
             <a:r>
-              <a:rPr lang="en-US" sz="1050" smtClean="0"/>
+              <a:rPr lang="en-US" sz="1050"/>
               <a:t>Revisiting wholesale data: Exploration</a:t>
             </a:r>
             <a:endParaRPr lang="en-US" sz="1050" dirty="0"/>
@@ -6435,7 +6399,7 @@
         </p:nvSpPr>
         <p:spPr>
           <a:xfrm>
-            <a:off x="4926198" y="1073010"/>
+            <a:off x="4572000" y="1073010"/>
             <a:ext cx="3990696" cy="4017962"/>
           </a:xfrm>
         </p:spPr>
@@ -6450,7 +6414,7 @@
               <a:buAutoNum type="arabicPeriod" startAt="4"/>
             </a:pPr>
             <a:r>
-              <a:rPr lang="en-US" sz="1350" smtClean="0"/>
+              <a:rPr lang="en-US" sz="1350" dirty="0"/>
               <a:t>Case Study: National Occupational Mean Wage</a:t>
             </a:r>
           </a:p>
@@ -6460,7 +6424,7 @@
               <a:buChar char="Ø"/>
             </a:pPr>
             <a:r>
-              <a:rPr lang="en-US" sz="1050" smtClean="0"/>
+              <a:rPr lang="en-US" sz="1050" dirty="0"/>
               <a:t>Occupational wage data</a:t>
             </a:r>
           </a:p>
@@ -6470,7 +6434,7 @@
               <a:buChar char="Ø"/>
             </a:pPr>
             <a:r>
-              <a:rPr lang="en-US" sz="1050" smtClean="0"/>
+              <a:rPr lang="en-US" sz="1050" dirty="0"/>
               <a:t>Initial exploration of the data</a:t>
             </a:r>
           </a:p>
@@ -6480,7 +6444,7 @@
               <a:buChar char="Ø"/>
             </a:pPr>
             <a:r>
-              <a:rPr lang="en-US" sz="1050" smtClean="0"/>
+              <a:rPr lang="en-US" sz="1050" dirty="0"/>
               <a:t>Hierarchical clustering: Occupational trees</a:t>
             </a:r>
           </a:p>
@@ -6490,7 +6454,7 @@
               <a:buChar char="Ø"/>
             </a:pPr>
             <a:r>
-              <a:rPr lang="en-US" sz="1050" smtClean="0"/>
+              <a:rPr lang="en-US" sz="1050" dirty="0"/>
               <a:t>Hierarchical clustering: Preparing for exploration</a:t>
             </a:r>
           </a:p>
@@ -6500,7 +6464,7 @@
               <a:buChar char="Ø"/>
             </a:pPr>
             <a:r>
-              <a:rPr lang="en-US" sz="1050" smtClean="0"/>
+              <a:rPr lang="en-US" sz="1050" dirty="0"/>
               <a:t>Hierarchical clustering: Plotting occupational clusters</a:t>
             </a:r>
           </a:p>
@@ -6510,8 +6474,12 @@
               <a:buChar char="Ø"/>
             </a:pPr>
             <a:r>
-              <a:rPr lang="en-US" sz="1050" smtClean="0"/>
-              <a:t>Revieing the HC results</a:t>
+              <a:rPr lang="en-US" sz="1050" dirty="0" err="1"/>
+              <a:t>Revieing</a:t>
+            </a:r>
+            <a:r>
+              <a:rPr lang="en-US" sz="1050" dirty="0"/>
+              <a:t> the HC results</a:t>
             </a:r>
           </a:p>
           <a:p>
@@ -6520,7 +6488,7 @@
               <a:buChar char="Ø"/>
             </a:pPr>
             <a:r>
-              <a:rPr lang="en-US" sz="1050" smtClean="0"/>
+              <a:rPr lang="en-US" sz="1050" dirty="0"/>
               <a:t>K-means: Elbow analysis</a:t>
             </a:r>
           </a:p>
@@ -6530,7 +6498,7 @@
               <a:buChar char="Ø"/>
             </a:pPr>
             <a:r>
-              <a:rPr lang="en-US" sz="1050" smtClean="0"/>
+              <a:rPr lang="en-US" sz="1050" dirty="0"/>
               <a:t>K-means: Average silhouette widths</a:t>
             </a:r>
           </a:p>
@@ -6540,7 +6508,7 @@
               <a:buChar char="Ø"/>
             </a:pPr>
             <a:r>
-              <a:rPr lang="en-US" sz="1050" smtClean="0"/>
+              <a:rPr lang="en-US" sz="1050" dirty="0"/>
               <a:t>The “best” number of clusters</a:t>
             </a:r>
           </a:p>
@@ -6550,10 +6518,9 @@
               <a:buChar char="Ø"/>
             </a:pPr>
             <a:r>
-              <a:rPr lang="en-US" sz="1050" smtClean="0"/>
+              <a:rPr lang="en-US" sz="1050" dirty="0"/>
               <a:t>Review K-means results</a:t>
             </a:r>
-            <a:endParaRPr lang="en-US" sz="1050" dirty="0"/>
           </a:p>
         </p:txBody>
       </p:sp>
@@ -6644,7 +6611,7 @@
         </p:spPr>
         <p:txBody>
           <a:bodyPr vert="horz" lIns="68580" tIns="34290" rIns="68580" bIns="34290" rtlCol="0" anchor="ctr">
-            <a:normAutofit fontScale="82500" lnSpcReduction="20000"/>
+            <a:normAutofit fontScale="67500" lnSpcReduction="20000"/>
           </a:bodyPr>
           <a:lstStyle>
             <a:lvl1pPr algn="l" defTabSz="914400" rtl="0" eaLnBrk="1" latinLnBrk="0" hangingPunct="1">
@@ -7176,13 +7143,7 @@
               <a:rPr lang="en-US" sz="1050">
                 <a:latin typeface="Consolas" panose="020B0609020204030204" pitchFamily="49" charset="0"/>
               </a:rPr>
-              <a:t>“</a:t>
-            </a:r>
-            <a:r>
-              <a:rPr lang="en-US" sz="1050" smtClean="0">
-                <a:latin typeface="Consolas" panose="020B0609020204030204" pitchFamily="49" charset="0"/>
-              </a:rPr>
-              <a:t>euclidean”)</a:t>
+              <a:t>“euclidean”)</a:t>
             </a:r>
             <a:endParaRPr lang="en-US" sz="1050" dirty="0">
               <a:latin typeface="Consolas" panose="020B0609020204030204" pitchFamily="49" charset="0"/>
@@ -7997,7 +7958,7 @@
               <a:buNone/>
             </a:pPr>
             <a:r>
-              <a:rPr lang="en-US" sz="1350" smtClean="0"/>
+              <a:rPr lang="en-US" sz="1350"/>
               <a:t>Hierarchical Clustering uses linkage as a means for developing clusters...</a:t>
             </a:r>
             <a:endParaRPr lang="en-US" sz="1350" dirty="0"/>
@@ -8029,7 +7990,7 @@
         </p:spPr>
         <p:txBody>
           <a:bodyPr vert="horz" lIns="68580" tIns="34290" rIns="68580" bIns="34290" rtlCol="0" anchor="ctr">
-            <a:normAutofit fontScale="82500" lnSpcReduction="20000"/>
+            <a:normAutofit fontScale="67500" lnSpcReduction="20000"/>
           </a:bodyPr>
           <a:lstStyle>
             <a:lvl1pPr algn="l" defTabSz="914400" rtl="0" eaLnBrk="1" latinLnBrk="0" hangingPunct="1">
@@ -8053,7 +8014,7 @@
           <a:p>
             <a:pPr algn="r"/>
             <a:r>
-              <a:rPr lang="en-US" sz="900" smtClean="0">
+              <a:rPr lang="en-US" sz="900">
                 <a:solidFill>
                   <a:schemeClr val="bg1">
                     <a:lumMod val="65000"/>
@@ -8103,7 +8064,7 @@
           <a:lstStyle/>
           <a:p>
             <a:r>
-              <a:rPr lang="en-US" sz="1050" smtClean="0">
+              <a:rPr lang="en-US" sz="1050">
                 <a:latin typeface="Consolas" panose="020B0609020204030204" pitchFamily="49" charset="0"/>
               </a:rPr>
               <a:t>dist_data_frame &lt;- dist(data_frame</a:t>
@@ -8118,13 +8079,7 @@
               <a:rPr lang="en-US" sz="1050">
                 <a:latin typeface="Consolas" panose="020B0609020204030204" pitchFamily="49" charset="0"/>
               </a:rPr>
-              <a:t>“</a:t>
-            </a:r>
-            <a:r>
-              <a:rPr lang="en-US" sz="1050" smtClean="0">
-                <a:latin typeface="Consolas" panose="020B0609020204030204" pitchFamily="49" charset="0"/>
-              </a:rPr>
-              <a:t>euclidean”)</a:t>
+              <a:t>“euclidean”)</a:t>
             </a:r>
             <a:endParaRPr lang="en-US" sz="1050" dirty="0">
               <a:latin typeface="Consolas" panose="020B0609020204030204" pitchFamily="49" charset="0"/>
@@ -8161,7 +8116,7 @@
           <a:lstStyle/>
           <a:p>
             <a:r>
-              <a:rPr lang="en-US" sz="1050" smtClean="0">
+              <a:rPr lang="en-US" sz="1050">
                 <a:latin typeface="Consolas" panose="020B0609020204030204" pitchFamily="49" charset="0"/>
               </a:rPr>
               <a:t>hc &lt;- hclust(dist_data_frame</a:t>
@@ -8176,13 +8131,7 @@
               <a:rPr lang="en-US" sz="1050">
                 <a:latin typeface="Consolas" panose="020B0609020204030204" pitchFamily="49" charset="0"/>
               </a:rPr>
-              <a:t>= </a:t>
-            </a:r>
-            <a:r>
-              <a:rPr lang="en-US" sz="1050" smtClean="0">
-                <a:latin typeface="Consolas" panose="020B0609020204030204" pitchFamily="49" charset="0"/>
-              </a:rPr>
-              <a:t>“complete”)</a:t>
+              <a:t>= “complete”)</a:t>
             </a:r>
             <a:endParaRPr lang="en-US" sz="1050" dirty="0">
               <a:latin typeface="Consolas" panose="020B0609020204030204" pitchFamily="49" charset="0"/>
@@ -8219,7 +8168,7 @@
           <a:lstStyle/>
           <a:p>
             <a:r>
-              <a:rPr lang="en-US" sz="1050" smtClean="0">
+              <a:rPr lang="en-US" sz="1050">
                 <a:latin typeface="Consolas" panose="020B0609020204030204" pitchFamily="49" charset="0"/>
               </a:rPr>
               <a:t>clst &lt;- cutree(hc, k = 2)</a:t>
@@ -8259,7 +8208,7 @@
           <a:lstStyle/>
           <a:p>
             <a:r>
-              <a:rPr lang="en-US" sz="1050" smtClean="0">
+              <a:rPr lang="en-US" sz="1050">
                 <a:latin typeface="Consolas" panose="020B0609020204030204" pitchFamily="49" charset="0"/>
               </a:rPr>
               <a:t>data_frame_with_clusters &lt;- data_frame %&gt;% mutate(cluster = clst)</a:t>
@@ -8299,7 +8248,7 @@
           <a:lstStyle/>
           <a:p>
             <a:r>
-              <a:rPr lang="en-US" sz="1050" smtClean="0">
+              <a:rPr lang="en-US" sz="1050">
                 <a:latin typeface="Consolas" panose="020B0609020204030204" pitchFamily="49" charset="0"/>
               </a:rPr>
               <a:t>count(data_frame_with_clusters, cluster)</a:t>
@@ -8339,7 +8288,7 @@
           <a:lstStyle/>
           <a:p>
             <a:r>
-              <a:rPr lang="en-US" sz="1050" smtClean="0">
+              <a:rPr lang="en-US" sz="1050">
                 <a:latin typeface="Consolas" panose="020B0609020204030204" pitchFamily="49" charset="0"/>
               </a:rPr>
               <a:t>ggplot(data_frame_with_clusters, aes(x = x, y = y, color = factor(cluster)))  +  geom_point()</a:t>
@@ -8376,7 +8325,7 @@
           <a:lstStyle/>
           <a:p>
             <a:r>
-              <a:rPr lang="en-US" sz="1050" smtClean="0">
+              <a:rPr lang="en-US" sz="1050">
                 <a:solidFill>
                   <a:srgbClr val="C00000"/>
                 </a:solidFill>
@@ -8471,7 +8420,7 @@
           <a:lstStyle/>
           <a:p>
             <a:r>
-              <a:rPr lang="en-US" sz="1050" smtClean="0">
+              <a:rPr lang="en-US" sz="1050">
                 <a:latin typeface="Consolas" panose="020B0609020204030204" pitchFamily="49" charset="0"/>
               </a:rPr>
               <a:t>plot(data_frame_with_clusters)</a:t>
@@ -8508,7 +8457,7 @@
           <a:lstStyle/>
           <a:p>
             <a:r>
-              <a:rPr lang="en-US" sz="1050" smtClean="0">
+              <a:rPr lang="en-US" sz="1050">
                 <a:solidFill>
                   <a:srgbClr val="C00000"/>
                 </a:solidFill>
@@ -8548,7 +8497,7 @@
           <a:lstStyle/>
           <a:p>
             <a:r>
-              <a:rPr lang="en-US" sz="1050" smtClean="0">
+              <a:rPr lang="en-US" sz="1050">
                 <a:solidFill>
                   <a:srgbClr val="C00000"/>
                 </a:solidFill>
@@ -8618,7 +8567,7 @@
           <a:lstStyle/>
           <a:p>
             <a:r>
-              <a:rPr lang="en-US" sz="1050" smtClean="0">
+              <a:rPr lang="en-US" sz="1050">
                 <a:latin typeface="Consolas" panose="020B0609020204030204" pitchFamily="49" charset="0"/>
               </a:rPr>
               <a:t>library(dendextend)</a:t>
@@ -8658,7 +8607,7 @@
           <a:lstStyle/>
           <a:p>
             <a:r>
-              <a:rPr lang="en-US" sz="1050" smtClean="0">
+              <a:rPr lang="en-US" sz="1050">
                 <a:latin typeface="Consolas" panose="020B0609020204030204" pitchFamily="49" charset="0"/>
               </a:rPr>
               <a:t>dend_hc &lt;- as.dendrogram(hc)</a:t>
@@ -8698,7 +8647,7 @@
           <a:lstStyle/>
           <a:p>
             <a:r>
-              <a:rPr lang="en-US" sz="1050" smtClean="0">
+              <a:rPr lang="en-US" sz="1050">
                 <a:latin typeface="Consolas" panose="020B0609020204030204" pitchFamily="49" charset="0"/>
               </a:rPr>
               <a:t>dend_hc_20 &lt;- color_branches(dend_hc, h = 20)</a:t>
@@ -8739,7 +8688,7 @@
           <a:p>
             <a:pPr algn="ctr"/>
             <a:r>
-              <a:rPr lang="en-US" sz="1050" smtClean="0">
+              <a:rPr lang="en-US" sz="1050">
                 <a:solidFill>
                   <a:srgbClr val="C00000"/>
                 </a:solidFill>
@@ -8834,7 +8783,7 @@
           <a:lstStyle/>
           <a:p>
             <a:r>
-              <a:rPr lang="en-US" sz="1050" smtClean="0">
+              <a:rPr lang="en-US" sz="1050">
                 <a:latin typeface="Consolas" panose="020B0609020204030204" pitchFamily="49" charset="0"/>
               </a:rPr>
               <a:t>dist_players &lt;- dist(lineup, method = “euclidean”)</a:t>
@@ -8874,7 +8823,7 @@
           <a:lstStyle/>
           <a:p>
             <a:r>
-              <a:rPr lang="en-US" sz="1050" smtClean="0">
+              <a:rPr lang="en-US" sz="1050">
                 <a:latin typeface="Consolas" panose="020B0609020204030204" pitchFamily="49" charset="0"/>
               </a:rPr>
               <a:t>hc_players &lt;- hclust(dist_players, method = “complete”)</a:t>
@@ -8914,7 +8863,7 @@
           <a:lstStyle/>
           <a:p>
             <a:r>
-              <a:rPr lang="en-US" sz="1050" smtClean="0">
+              <a:rPr lang="en-US" sz="1050">
                 <a:latin typeface="Consolas" panose="020B0609020204030204" pitchFamily="49" charset="0"/>
               </a:rPr>
               <a:t>clusters_h20 &lt;- cutree(hc_players, h = 20)</a:t>
@@ -8954,7 +8903,7 @@
           <a:lstStyle/>
           <a:p>
             <a:r>
-              <a:rPr lang="en-US" sz="1050" smtClean="0">
+              <a:rPr lang="en-US" sz="1050">
                 <a:latin typeface="Consolas" panose="020B0609020204030204" pitchFamily="49" charset="0"/>
               </a:rPr>
               <a:t>lineup_h20_complete &lt;- mutate(lineup, cluster = clusters_h20)</a:t>
@@ -8994,7 +8943,7 @@
           <a:lstStyle/>
           <a:p>
             <a:r>
-              <a:rPr lang="en-US" sz="1050" smtClean="0">
+              <a:rPr lang="en-US" sz="1050">
                 <a:latin typeface="Consolas" panose="020B0609020204030204" pitchFamily="49" charset="0"/>
               </a:rPr>
               <a:t>lineup_h20_complete %&gt;%</a:t>
@@ -9002,7 +8951,7 @@
           </a:p>
           <a:p>
             <a:r>
-              <a:rPr lang="en-US" sz="1050" smtClean="0">
+              <a:rPr lang="en-US" sz="1050">
                 <a:latin typeface="Consolas" panose="020B0609020204030204" pitchFamily="49" charset="0"/>
               </a:rPr>
               <a:t>	ggplot(aes(x = x, y = y, color = factor(cluster))) +</a:t>
@@ -9010,7 +8959,7 @@
           </a:p>
           <a:p>
             <a:r>
-              <a:rPr lang="en-US" sz="1050" smtClean="0">
+              <a:rPr lang="en-US" sz="1050">
                 <a:latin typeface="Consolas" panose="020B0609020204030204" pitchFamily="49" charset="0"/>
               </a:rPr>
               <a:t>	geom_point()</a:t>
@@ -9196,7 +9145,7 @@
               <a:buNone/>
             </a:pPr>
             <a:r>
-              <a:rPr lang="en-US" sz="1350" smtClean="0"/>
+              <a:rPr lang="en-US" sz="1350"/>
               <a:t>Hierarchical Clustering – Example of wholesale customer segmentation...</a:t>
             </a:r>
             <a:endParaRPr lang="en-US" sz="1350" dirty="0"/>
@@ -9228,7 +9177,7 @@
         </p:spPr>
         <p:txBody>
           <a:bodyPr vert="horz" lIns="68580" tIns="34290" rIns="68580" bIns="34290" rtlCol="0" anchor="ctr">
-            <a:normAutofit fontScale="82500" lnSpcReduction="20000"/>
+            <a:normAutofit fontScale="67500" lnSpcReduction="20000"/>
           </a:bodyPr>
           <a:lstStyle>
             <a:lvl1pPr algn="l" defTabSz="914400" rtl="0" eaLnBrk="1" latinLnBrk="0" hangingPunct="1">
@@ -9252,7 +9201,7 @@
           <a:p>
             <a:pPr algn="r"/>
             <a:r>
-              <a:rPr lang="en-US" sz="900" smtClean="0">
+              <a:rPr lang="en-US" sz="900">
                 <a:solidFill>
                   <a:schemeClr val="bg1">
                     <a:lumMod val="65000"/>
@@ -9302,7 +9251,7 @@
           <a:lstStyle/>
           <a:p>
             <a:r>
-              <a:rPr lang="en-US" sz="1050" smtClean="0">
+              <a:rPr lang="en-US" sz="1050">
                 <a:latin typeface="Consolas" panose="020B0609020204030204" pitchFamily="49" charset="0"/>
               </a:rPr>
               <a:t>dist_customers &lt;- dist(customers_spend)</a:t>
@@ -9342,7 +9291,7 @@
           <a:lstStyle/>
           <a:p>
             <a:r>
-              <a:rPr lang="en-US" sz="1050" smtClean="0">
+              <a:rPr lang="en-US" sz="1050">
                 <a:latin typeface="Consolas" panose="020B0609020204030204" pitchFamily="49" charset="0"/>
               </a:rPr>
               <a:t>hc_customers &lt;- hclust(dist_customers, </a:t>
@@ -9357,13 +9306,7 @@
               <a:rPr lang="en-US" sz="1050">
                 <a:latin typeface="Consolas" panose="020B0609020204030204" pitchFamily="49" charset="0"/>
               </a:rPr>
-              <a:t>= </a:t>
-            </a:r>
-            <a:r>
-              <a:rPr lang="en-US" sz="1050" smtClean="0">
-                <a:latin typeface="Consolas" panose="020B0609020204030204" pitchFamily="49" charset="0"/>
-              </a:rPr>
-              <a:t>“complete”)</a:t>
+              <a:t>= “complete”)</a:t>
             </a:r>
             <a:endParaRPr lang="en-US" sz="1050" dirty="0">
               <a:latin typeface="Consolas" panose="020B0609020204030204" pitchFamily="49" charset="0"/>
@@ -9400,7 +9343,7 @@
           <a:lstStyle/>
           <a:p>
             <a:r>
-              <a:rPr lang="en-US" sz="1050" smtClean="0">
+              <a:rPr lang="en-US" sz="1050">
                 <a:latin typeface="Consolas" panose="020B0609020204030204" pitchFamily="49" charset="0"/>
               </a:rPr>
               <a:t>clust_customers &lt;- cutree(hc_customers, h = 15000)</a:t>
@@ -9440,7 +9383,7 @@
           <a:lstStyle/>
           <a:p>
             <a:r>
-              <a:rPr lang="en-US" sz="1050" smtClean="0">
+              <a:rPr lang="en-US" sz="1050">
                 <a:latin typeface="Consolas" panose="020B0609020204030204" pitchFamily="49" charset="0"/>
               </a:rPr>
               <a:t>segment_customers &lt;- customer_spend %&gt;% mutate(cluster = clust_customers)</a:t>
@@ -9480,22 +9423,10 @@
           <a:lstStyle/>
           <a:p>
             <a:r>
-              <a:rPr lang="en-US" sz="1050" smtClean="0">
-                <a:latin typeface="Consolas" panose="020B0609020204030204" pitchFamily="49" charset="0"/>
-              </a:rPr>
-              <a:t>count(</a:t>
-            </a:r>
-            <a:r>
               <a:rPr lang="en-US" sz="1050">
                 <a:latin typeface="Consolas" panose="020B0609020204030204" pitchFamily="49" charset="0"/>
               </a:rPr>
-              <a:t>customer_spend</a:t>
-            </a:r>
-            <a:r>
-              <a:rPr lang="en-US" sz="1050" smtClean="0">
-                <a:latin typeface="Consolas" panose="020B0609020204030204" pitchFamily="49" charset="0"/>
-              </a:rPr>
-              <a:t>, cluster)</a:t>
+              <a:t>count(customer_spend, cluster)</a:t>
             </a:r>
             <a:endParaRPr lang="en-US" sz="1050" dirty="0">
               <a:latin typeface="Consolas" panose="020B0609020204030204" pitchFamily="49" charset="0"/>
@@ -9532,7 +9463,7 @@
           <a:lstStyle/>
           <a:p>
             <a:r>
-              <a:rPr lang="en-US" sz="1050" smtClean="0">
+              <a:rPr lang="en-US" sz="1050">
                 <a:solidFill>
                   <a:srgbClr val="C00000"/>
                 </a:solidFill>
@@ -9602,7 +9533,7 @@
           <a:lstStyle/>
           <a:p>
             <a:r>
-              <a:rPr lang="en-US" sz="1050" smtClean="0">
+              <a:rPr lang="en-US" sz="1050">
                 <a:latin typeface="Consolas" panose="020B0609020204030204" pitchFamily="49" charset="0"/>
               </a:rPr>
               <a:t>segment_customers %&gt;% group_by(cluster) %&gt;% summarise_all(funs(mean(.)))</a:t>
@@ -9669,7 +9600,7 @@
               <a:buNone/>
             </a:pPr>
             <a:r>
-              <a:rPr lang="en-US" sz="1350" smtClean="0"/>
+              <a:rPr lang="en-US" sz="1350"/>
               <a:t>K-Means Clustering</a:t>
             </a:r>
             <a:endParaRPr lang="en-US" sz="1350" dirty="0"/>
@@ -9701,7 +9632,7 @@
         </p:spPr>
         <p:txBody>
           <a:bodyPr vert="horz" lIns="68580" tIns="34290" rIns="68580" bIns="34290" rtlCol="0" anchor="ctr">
-            <a:normAutofit fontScale="82500" lnSpcReduction="20000"/>
+            <a:normAutofit fontScale="67500" lnSpcReduction="20000"/>
           </a:bodyPr>
           <a:lstStyle>
             <a:lvl1pPr algn="l" defTabSz="914400" rtl="0" eaLnBrk="1" latinLnBrk="0" hangingPunct="1">
@@ -9725,7 +9656,7 @@
           <a:p>
             <a:pPr algn="r"/>
             <a:r>
-              <a:rPr lang="en-US" sz="900" smtClean="0">
+              <a:rPr lang="en-US" sz="900">
                 <a:solidFill>
                   <a:schemeClr val="bg1">
                     <a:lumMod val="65000"/>
@@ -9733,18 +9664,7 @@
                 </a:solidFill>
                 <a:latin typeface="+mn-lt"/>
               </a:rPr>
-              <a:t>K-Means </a:t>
-            </a:r>
-            <a:r>
-              <a:rPr lang="en-US" sz="900" smtClean="0">
-                <a:solidFill>
-                  <a:schemeClr val="bg1">
-                    <a:lumMod val="65000"/>
-                  </a:schemeClr>
-                </a:solidFill>
-                <a:latin typeface="+mn-lt"/>
-              </a:rPr>
-              <a:t>Clustering</a:t>
+              <a:t>K-Means Clustering</a:t>
             </a:r>
             <a:endParaRPr lang="en-US" sz="900" dirty="0">
               <a:solidFill>
@@ -9786,7 +9706,7 @@
           <a:lstStyle/>
           <a:p>
             <a:r>
-              <a:rPr lang="en-US" sz="1050" smtClean="0">
+              <a:rPr lang="en-US" sz="1050">
                 <a:latin typeface="Consolas" panose="020B0609020204030204" pitchFamily="49" charset="0"/>
               </a:rPr>
               <a:t>model_km2 &lt;- kmeans(lineup, centers = 2)</a:t>
@@ -9826,22 +9746,10 @@
           <a:lstStyle/>
           <a:p>
             <a:r>
-              <a:rPr lang="en-US" sz="1050" smtClean="0">
+              <a:rPr lang="en-US" sz="1050">
                 <a:latin typeface="Consolas" panose="020B0609020204030204" pitchFamily="49" charset="0"/>
               </a:rPr>
-              <a:t>clust_km2 </a:t>
-            </a:r>
-            <a:r>
-              <a:rPr lang="en-US" sz="1050" smtClean="0">
-                <a:latin typeface="Consolas" panose="020B0609020204030204" pitchFamily="49" charset="0"/>
-              </a:rPr>
-              <a:t>&lt;- </a:t>
-            </a:r>
-            <a:r>
-              <a:rPr lang="en-US" sz="1050" smtClean="0">
-                <a:latin typeface="Consolas" panose="020B0609020204030204" pitchFamily="49" charset="0"/>
-              </a:rPr>
-              <a:t>model_km2$clsuter</a:t>
+              <a:t>clust_km2 &lt;- model_km2$clsuter</a:t>
             </a:r>
             <a:endParaRPr lang="en-US" sz="1050" dirty="0">
               <a:latin typeface="Consolas" panose="020B0609020204030204" pitchFamily="49" charset="0"/>
@@ -9878,22 +9786,10 @@
           <a:lstStyle/>
           <a:p>
             <a:r>
-              <a:rPr lang="en-US" sz="1050" smtClean="0">
+              <a:rPr lang="en-US" sz="1050">
                 <a:latin typeface="Consolas" panose="020B0609020204030204" pitchFamily="49" charset="0"/>
               </a:rPr>
-              <a:t>lineup_km2 </a:t>
-            </a:r>
-            <a:r>
-              <a:rPr lang="en-US" sz="1050" smtClean="0">
-                <a:latin typeface="Consolas" panose="020B0609020204030204" pitchFamily="49" charset="0"/>
-              </a:rPr>
-              <a:t>&lt;- </a:t>
-            </a:r>
-            <a:r>
-              <a:rPr lang="en-US" sz="1050" smtClean="0">
-                <a:latin typeface="Consolas" panose="020B0609020204030204" pitchFamily="49" charset="0"/>
-              </a:rPr>
-              <a:t>mutate(lineup, cluster = clust_km2)</a:t>
+              <a:t>lineup_km2 &lt;- mutate(lineup, cluster = clust_km2)</a:t>
             </a:r>
             <a:endParaRPr lang="en-US" sz="1050" dirty="0">
               <a:latin typeface="Consolas" panose="020B0609020204030204" pitchFamily="49" charset="0"/>
@@ -9930,7 +9826,7 @@
           <a:lstStyle/>
           <a:p>
             <a:r>
-              <a:rPr lang="en-US" sz="1050" smtClean="0">
+              <a:rPr lang="en-US" sz="1050">
                 <a:latin typeface="Consolas" panose="020B0609020204030204" pitchFamily="49" charset="0"/>
               </a:rPr>
               <a:t>ggplot(lineup_km2, aes(x = x, y = y, color = factor(cluster))) + geom_point()</a:t>
@@ -10000,7 +9896,7 @@
           <a:lstStyle/>
           <a:p>
             <a:r>
-              <a:rPr lang="en-US" sz="1050" smtClean="0">
+              <a:rPr lang="en-US" sz="1050">
                 <a:solidFill>
                   <a:srgbClr val="C00000"/>
                 </a:solidFill>
@@ -10262,7 +10158,7 @@
               <a:buNone/>
             </a:pPr>
             <a:r>
-              <a:rPr lang="en-US" sz="1350" smtClean="0"/>
+              <a:rPr lang="en-US" sz="1350"/>
               <a:t>What do you do when you don’t know what the proper value of k is?</a:t>
             </a:r>
             <a:endParaRPr lang="en-US" sz="1350" dirty="0"/>
@@ -10298,22 +10194,13 @@
           <a:lstStyle/>
           <a:p>
             <a:r>
-              <a:rPr lang="en-US" sz="1050" smtClean="0">
+              <a:rPr lang="en-US" sz="1050">
                 <a:solidFill>
                   <a:srgbClr val="C00000"/>
                 </a:solidFill>
                 <a:latin typeface="Consolas" panose="020B0609020204030204" pitchFamily="49" charset="0"/>
               </a:rPr>
-              <a:t>You can calculate the total within-cluster sum of squares for a range of k’s </a:t>
-            </a:r>
-            <a:r>
-              <a:rPr lang="en-US" sz="1050" smtClean="0">
-                <a:solidFill>
-                  <a:srgbClr val="C00000"/>
-                </a:solidFill>
-                <a:latin typeface="Consolas" panose="020B0609020204030204" pitchFamily="49" charset="0"/>
-              </a:rPr>
-              <a:t>and select the k where the WCSS starts to level out</a:t>
+              <a:t>You can calculate the total within-cluster sum of squares for a range of k’s and select the k where the WCSS starts to level out</a:t>
             </a:r>
             <a:endParaRPr lang="en-US" sz="1050" dirty="0">
               <a:solidFill>
@@ -10353,7 +10240,7 @@
           <a:lstStyle/>
           <a:p>
             <a:r>
-              <a:rPr lang="en-US" sz="1050" smtClean="0">
+              <a:rPr lang="en-US" sz="1050">
                 <a:latin typeface="Consolas" panose="020B0609020204030204" pitchFamily="49" charset="0"/>
               </a:rPr>
               <a:t>library(purrr)</a:t>
@@ -10366,24 +10253,10 @@
           </a:p>
           <a:p>
             <a:r>
-              <a:rPr lang="en-US" sz="1050" smtClean="0">
-                <a:latin typeface="Consolas" panose="020B0609020204030204" pitchFamily="49" charset="0"/>
-              </a:rPr>
-              <a:t>total_withinss &lt;- map_db(1:10, function(k){</a:t>
-            </a:r>
-          </a:p>
-          <a:p>
-            <a:r>
               <a:rPr lang="en-US" sz="1050">
                 <a:latin typeface="Consolas" panose="020B0609020204030204" pitchFamily="49" charset="0"/>
               </a:rPr>
-              <a:t>	</a:t>
-            </a:r>
-            <a:r>
-              <a:rPr lang="en-US" sz="1050" smtClean="0">
-                <a:latin typeface="Consolas" panose="020B0609020204030204" pitchFamily="49" charset="0"/>
-              </a:rPr>
-              <a:t>					model &lt;- kmeans(x = lineup, centers = k)</a:t>
+              <a:t>total_withinss &lt;- map_db(1:10, function(k){</a:t>
             </a:r>
           </a:p>
           <a:p>
@@ -10391,18 +10264,20 @@
               <a:rPr lang="en-US" sz="1050">
                 <a:latin typeface="Consolas" panose="020B0609020204030204" pitchFamily="49" charset="0"/>
               </a:rPr>
-              <a:t>	</a:t>
-            </a:r>
-            <a:r>
-              <a:rPr lang="en-US" sz="1050" smtClean="0">
+              <a:t>						model &lt;- kmeans(x = lineup, centers = k)</a:t>
+            </a:r>
+          </a:p>
+          <a:p>
+            <a:r>
+              <a:rPr lang="en-US" sz="1050">
                 <a:latin typeface="Consolas" panose="020B0609020204030204" pitchFamily="49" charset="0"/>
               </a:rPr>
-              <a:t>					model$tot.withinss</a:t>
-            </a:r>
-          </a:p>
-          <a:p>
-            <a:r>
-              <a:rPr lang="en-US" sz="1050" smtClean="0">
+              <a:t>						model$tot.withinss</a:t>
+            </a:r>
+          </a:p>
+          <a:p>
+            <a:r>
+              <a:rPr lang="en-US" sz="1050">
                 <a:latin typeface="Consolas" panose="020B0609020204030204" pitchFamily="49" charset="0"/>
               </a:rPr>
               <a:t>						     })</a:t>
@@ -10415,7 +10290,7 @@
           </a:p>
           <a:p>
             <a:r>
-              <a:rPr lang="en-US" sz="1050" smtClean="0">
+              <a:rPr lang="en-US" sz="1050">
                 <a:latin typeface="Consolas" panose="020B0609020204030204" pitchFamily="49" charset="0"/>
               </a:rPr>
               <a:t>elbow_df &lt;- data.frame(k = 1:10, tot_withinss = total_withinss)</a:t>
@@ -10428,7 +10303,7 @@
           </a:p>
           <a:p>
             <a:r>
-              <a:rPr lang="en-US" sz="1050" smtClean="0">
+              <a:rPr lang="en-US" sz="1050">
                 <a:latin typeface="Consolas" panose="020B0609020204030204" pitchFamily="49" charset="0"/>
               </a:rPr>
               <a:t>ggplot(elbow_df, aes(x = k, y = tot_withinss)) + geom_line() + scale_x_continuous(breaks = 1:10)</a:t>
@@ -10468,7 +10343,7 @@
           <a:lstStyle/>
           <a:p>
             <a:r>
-              <a:rPr lang="en-US" sz="1050" smtClean="0">
+              <a:rPr lang="en-US" sz="1050">
                 <a:solidFill>
                   <a:srgbClr val="C00000"/>
                 </a:solidFill>
@@ -10590,7 +10465,7 @@
               <a:buNone/>
             </a:pPr>
             <a:r>
-              <a:rPr lang="en-US" sz="1350" smtClean="0"/>
+              <a:rPr lang="en-US" sz="1350"/>
               <a:t>K-Means Clustering</a:t>
             </a:r>
             <a:endParaRPr lang="en-US" sz="1350" dirty="0"/>
@@ -10793,7 +10668,7 @@
               <a:buNone/>
             </a:pPr>
             <a:r>
-              <a:rPr lang="en-US" sz="1350" smtClean="0"/>
+              <a:rPr lang="en-US" sz="1350"/>
               <a:t>Silhouette analysis allows you to calculate how similar each observation is with the cluster it is assigned to relative to other clusters. Silouette width ranges from -1 to 1 for each observation where -1 suggests an observation that is assigned to the wrong cluster while +1 suggests a well matched observation.</a:t>
             </a:r>
             <a:endParaRPr lang="en-US" sz="1350" dirty="0"/>
@@ -10829,7 +10704,7 @@
           <a:lstStyle/>
           <a:p>
             <a:r>
-              <a:rPr lang="en-US" sz="1050" smtClean="0">
+              <a:rPr lang="en-US" sz="1050">
                 <a:latin typeface="Consolas" panose="020B0609020204030204" pitchFamily="49" charset="0"/>
               </a:rPr>
               <a:t>library(purrr)</a:t>
@@ -10837,14 +10712,11 @@
           </a:p>
           <a:p>
             <a:r>
-              <a:rPr lang="en-US" sz="1050" smtClean="0">
+              <a:rPr lang="en-US" sz="1050">
                 <a:latin typeface="Consolas" panose="020B0609020204030204" pitchFamily="49" charset="0"/>
               </a:rPr>
               <a:t>library(cluster)</a:t>
             </a:r>
-            <a:endParaRPr lang="en-US" sz="1050" smtClean="0">
-              <a:latin typeface="Consolas" panose="020B0609020204030204" pitchFamily="49" charset="0"/>
-            </a:endParaRPr>
           </a:p>
           <a:p>
             <a:endParaRPr lang="en-US" sz="1050">
@@ -10853,23 +10725,10 @@
           </a:p>
           <a:p>
             <a:r>
-              <a:rPr lang="en-US" sz="1050" smtClean="0">
+              <a:rPr lang="en-US" sz="1050">
                 <a:latin typeface="Consolas" panose="020B0609020204030204" pitchFamily="49" charset="0"/>
               </a:rPr>
               <a:t>pam_k2 &lt;- pam(lineup, k = 2)</a:t>
-            </a:r>
-          </a:p>
-          <a:p>
-            <a:endParaRPr lang="en-US" sz="1050" smtClean="0">
-              <a:latin typeface="Consolas" panose="020B0609020204030204" pitchFamily="49" charset="0"/>
-            </a:endParaRPr>
-          </a:p>
-          <a:p>
-            <a:r>
-              <a:rPr lang="en-US" sz="1050" smtClean="0">
-                <a:latin typeface="Consolas" panose="020B0609020204030204" pitchFamily="49" charset="0"/>
-              </a:rPr>
-              <a:t>plot(silhouette(pam_k2))</a:t>
             </a:r>
           </a:p>
           <a:p>
@@ -10878,85 +10737,86 @@
             </a:endParaRPr>
           </a:p>
           <a:p>
+            <a:r>
+              <a:rPr lang="en-US" sz="1050">
+                <a:latin typeface="Consolas" panose="020B0609020204030204" pitchFamily="49" charset="0"/>
+              </a:rPr>
+              <a:t>plot(silhouette(pam_k2))</a:t>
+            </a:r>
+          </a:p>
+          <a:p>
             <a:endParaRPr lang="en-US" sz="1050">
               <a:latin typeface="Consolas" panose="020B0609020204030204" pitchFamily="49" charset="0"/>
             </a:endParaRPr>
           </a:p>
           <a:p>
-            <a:endParaRPr lang="en-US" sz="1050" smtClean="0">
-              <a:latin typeface="Consolas" panose="020B0609020204030204" pitchFamily="49" charset="0"/>
-            </a:endParaRPr>
-          </a:p>
-          <a:p>
             <a:endParaRPr lang="en-US" sz="1050">
               <a:latin typeface="Consolas" panose="020B0609020204030204" pitchFamily="49" charset="0"/>
             </a:endParaRPr>
           </a:p>
           <a:p>
-            <a:r>
-              <a:rPr lang="en-US" sz="1050" smtClean="0">
-                <a:latin typeface="Consolas" panose="020B0609020204030204" pitchFamily="49" charset="0"/>
-              </a:rPr>
-              <a:t>sil_width &lt;- map_db(2:10, function(k){</a:t>
-            </a:r>
-          </a:p>
-          <a:p>
-            <a:r>
-              <a:rPr lang="en-US" sz="1050">
-                <a:latin typeface="Consolas" panose="020B0609020204030204" pitchFamily="49" charset="0"/>
-              </a:rPr>
-              <a:t>	</a:t>
-            </a:r>
-            <a:r>
-              <a:rPr lang="en-US" sz="1050" smtClean="0">
-                <a:latin typeface="Consolas" panose="020B0609020204030204" pitchFamily="49" charset="0"/>
-              </a:rPr>
-              <a:t>				model &lt;- pam(x = lineup, k = k)</a:t>
-            </a:r>
-          </a:p>
-          <a:p>
-            <a:r>
-              <a:rPr lang="en-US" sz="1050">
-                <a:latin typeface="Consolas" panose="020B0609020204030204" pitchFamily="49" charset="0"/>
-              </a:rPr>
-              <a:t>	</a:t>
-            </a:r>
-            <a:r>
-              <a:rPr lang="en-US" sz="1050" smtClean="0">
-                <a:latin typeface="Consolas" panose="020B0609020204030204" pitchFamily="49" charset="0"/>
-              </a:rPr>
-              <a:t>				model$silinfo$avg.width</a:t>
-            </a:r>
-          </a:p>
-          <a:p>
-            <a:r>
-              <a:rPr lang="en-US" sz="1050" smtClean="0">
-                <a:latin typeface="Consolas" panose="020B0609020204030204" pitchFamily="49" charset="0"/>
-              </a:rPr>
-              <a:t>					      })</a:t>
-            </a:r>
-          </a:p>
-          <a:p>
             <a:endParaRPr lang="en-US" sz="1050">
               <a:latin typeface="Consolas" panose="020B0609020204030204" pitchFamily="49" charset="0"/>
             </a:endParaRPr>
           </a:p>
           <a:p>
-            <a:r>
-              <a:rPr lang="en-US" sz="1050" smtClean="0">
-                <a:latin typeface="Consolas" panose="020B0609020204030204" pitchFamily="49" charset="0"/>
-              </a:rPr>
-              <a:t>sil_df &lt;- data.frame(k = 2:10, sil_width = sil_width)</a:t>
-            </a:r>
-          </a:p>
-          <a:p>
             <a:endParaRPr lang="en-US" sz="1050">
               <a:latin typeface="Consolas" panose="020B0609020204030204" pitchFamily="49" charset="0"/>
             </a:endParaRPr>
           </a:p>
           <a:p>
             <a:r>
-              <a:rPr lang="en-US" sz="1050" smtClean="0">
+              <a:rPr lang="en-US" sz="1050">
+                <a:latin typeface="Consolas" panose="020B0609020204030204" pitchFamily="49" charset="0"/>
+              </a:rPr>
+              <a:t>sil_width &lt;- map_db(2:10, function(k){</a:t>
+            </a:r>
+          </a:p>
+          <a:p>
+            <a:r>
+              <a:rPr lang="en-US" sz="1050">
+                <a:latin typeface="Consolas" panose="020B0609020204030204" pitchFamily="49" charset="0"/>
+              </a:rPr>
+              <a:t>					model &lt;- pam(x = lineup, k = k)</a:t>
+            </a:r>
+          </a:p>
+          <a:p>
+            <a:r>
+              <a:rPr lang="en-US" sz="1050">
+                <a:latin typeface="Consolas" panose="020B0609020204030204" pitchFamily="49" charset="0"/>
+              </a:rPr>
+              <a:t>					model$silinfo$avg.width</a:t>
+            </a:r>
+          </a:p>
+          <a:p>
+            <a:r>
+              <a:rPr lang="en-US" sz="1050">
+                <a:latin typeface="Consolas" panose="020B0609020204030204" pitchFamily="49" charset="0"/>
+              </a:rPr>
+              <a:t>					      })</a:t>
+            </a:r>
+          </a:p>
+          <a:p>
+            <a:endParaRPr lang="en-US" sz="1050">
+              <a:latin typeface="Consolas" panose="020B0609020204030204" pitchFamily="49" charset="0"/>
+            </a:endParaRPr>
+          </a:p>
+          <a:p>
+            <a:r>
+              <a:rPr lang="en-US" sz="1050">
+                <a:latin typeface="Consolas" panose="020B0609020204030204" pitchFamily="49" charset="0"/>
+              </a:rPr>
+              <a:t>sil_df &lt;- data.frame(k = 2:10, sil_width = sil_width)</a:t>
+            </a:r>
+          </a:p>
+          <a:p>
+            <a:endParaRPr lang="en-US" sz="1050">
+              <a:latin typeface="Consolas" panose="020B0609020204030204" pitchFamily="49" charset="0"/>
+            </a:endParaRPr>
+          </a:p>
+          <a:p>
+            <a:r>
+              <a:rPr lang="en-US" sz="1050">
                 <a:latin typeface="Consolas" panose="020B0609020204030204" pitchFamily="49" charset="0"/>
               </a:rPr>
               <a:t>ggplot(sil_df, aes(x = k, y = sil_width)) + geom_line() + scale_x_continuous(breaks = 2:10)</a:t>
@@ -10996,7 +10856,7 @@
           <a:lstStyle/>
           <a:p>
             <a:r>
-              <a:rPr lang="en-US" sz="1050" smtClean="0">
+              <a:rPr lang="en-US" sz="1050">
                 <a:solidFill>
                   <a:srgbClr val="C00000"/>
                 </a:solidFill>
@@ -11087,7 +10947,7 @@
         </p:spPr>
         <p:txBody>
           <a:bodyPr vert="horz" lIns="68580" tIns="34290" rIns="68580" bIns="34290" rtlCol="0">
-            <a:normAutofit lnSpcReduction="10000"/>
+            <a:normAutofit/>
           </a:bodyPr>
           <a:lstStyle>
             <a:lvl1pPr marL="228600" indent="-228600" algn="l" defTabSz="914400" rtl="0" eaLnBrk="1" latinLnBrk="0" hangingPunct="1">
@@ -11258,19 +11118,9 @@
               <a:buNone/>
             </a:pPr>
             <a:r>
-              <a:rPr lang="en-US" sz="1350" smtClean="0"/>
-              <a:t>Generating clusters is a science.</a:t>
-            </a:r>
-          </a:p>
-          <a:p>
-            <a:pPr marL="0" indent="0">
-              <a:buNone/>
-            </a:pPr>
-            <a:r>
-              <a:rPr lang="en-US" sz="1350" smtClean="0"/>
-              <a:t>Interpreting clusters is an art.d</a:t>
-            </a:r>
-            <a:endParaRPr lang="en-US" sz="1350" dirty="0"/>
+              <a:rPr lang="en-US" sz="1350" dirty="0"/>
+              <a:t>Generating clusters is a science. Interpreting clusters is an art.</a:t>
+            </a:r>
           </a:p>
         </p:txBody>
       </p:sp>
@@ -11278,6 +11128,672 @@
     <p:extLst>
       <p:ext uri="{BB962C8B-B14F-4D97-AF65-F5344CB8AC3E}">
         <p14:creationId xmlns:p14="http://schemas.microsoft.com/office/powerpoint/2010/main" val="3779695320"/>
+      </p:ext>
+    </p:extLst>
+  </p:cSld>
+  <p:clrMapOvr>
+    <a:masterClrMapping/>
+  </p:clrMapOvr>
+</p:sld>
+</file>
+
+<file path=ppt/slides/slide9.xml><?xml version="1.0" encoding="utf-8"?>
+<p:sld xmlns:a="http://schemas.openxmlformats.org/drawingml/2006/main" xmlns:r="http://schemas.openxmlformats.org/officeDocument/2006/relationships" xmlns:p="http://schemas.openxmlformats.org/presentationml/2006/main">
+  <p:cSld>
+    <p:spTree>
+      <p:nvGrpSpPr>
+        <p:cNvPr id="1" name=""/>
+        <p:cNvGrpSpPr/>
+        <p:nvPr/>
+      </p:nvGrpSpPr>
+      <p:grpSpPr>
+        <a:xfrm>
+          <a:off x="0" y="0"/>
+          <a:ext cx="0" cy="0"/>
+          <a:chOff x="0" y="0"/>
+          <a:chExt cx="0" cy="0"/>
+        </a:xfrm>
+      </p:grpSpPr>
+      <p:sp>
+        <p:nvSpPr>
+          <p:cNvPr id="4" name="Content Placeholder 3"/>
+          <p:cNvSpPr>
+            <a:spLocks noGrp="1"/>
+          </p:cNvSpPr>
+          <p:nvPr>
+            <p:ph sz="half" idx="1"/>
+          </p:nvPr>
+        </p:nvSpPr>
+        <p:spPr>
+          <a:xfrm>
+            <a:off x="411874" y="510466"/>
+            <a:ext cx="8196099" cy="661287"/>
+          </a:xfrm>
+        </p:spPr>
+        <p:txBody>
+          <a:bodyPr>
+            <a:normAutofit/>
+          </a:bodyPr>
+          <a:lstStyle/>
+          <a:p>
+            <a:pPr marL="0" indent="0">
+              <a:buNone/>
+            </a:pPr>
+            <a:r>
+              <a:rPr lang="en-US" sz="1350" dirty="0"/>
+              <a:t>K-Means Clustering – Hierarchical Cluster Analysis on Time-Series Data</a:t>
+            </a:r>
+          </a:p>
+        </p:txBody>
+      </p:sp>
+      <p:sp>
+        <p:nvSpPr>
+          <p:cNvPr id="14" name="Content Placeholder 3">
+            <a:extLst>
+              <a:ext uri="{FF2B5EF4-FFF2-40B4-BE49-F238E27FC236}">
+                <a16:creationId xmlns:a16="http://schemas.microsoft.com/office/drawing/2014/main" id="{1B8D1D68-1563-4617-ACA6-CFB795FB20C7}"/>
+              </a:ext>
+            </a:extLst>
+          </p:cNvPr>
+          <p:cNvSpPr txBox="1">
+            <a:spLocks/>
+          </p:cNvSpPr>
+          <p:nvPr/>
+        </p:nvSpPr>
+        <p:spPr>
+          <a:xfrm>
+            <a:off x="411873" y="992553"/>
+            <a:ext cx="8008973" cy="558155"/>
+          </a:xfrm>
+          <a:prstGeom prst="rect">
+            <a:avLst/>
+          </a:prstGeom>
+        </p:spPr>
+        <p:txBody>
+          <a:bodyPr vert="horz" lIns="68580" tIns="34290" rIns="68580" bIns="34290" rtlCol="0">
+            <a:normAutofit/>
+          </a:bodyPr>
+          <a:lstStyle>
+            <a:lvl1pPr marL="228600" indent="-228600" algn="l" defTabSz="914400" rtl="0" eaLnBrk="1" latinLnBrk="0" hangingPunct="1">
+              <a:lnSpc>
+                <a:spcPct val="90000"/>
+              </a:lnSpc>
+              <a:spcBef>
+                <a:spcPts val="1000"/>
+              </a:spcBef>
+              <a:buFont typeface="Arial" panose="020B0604020202020204" pitchFamily="34" charset="0"/>
+              <a:buChar char="•"/>
+              <a:defRPr sz="2800" kern="1200">
+                <a:solidFill>
+                  <a:schemeClr val="tx1"/>
+                </a:solidFill>
+                <a:latin typeface="+mn-lt"/>
+                <a:ea typeface="+mn-ea"/>
+                <a:cs typeface="+mn-cs"/>
+              </a:defRPr>
+            </a:lvl1pPr>
+            <a:lvl2pPr marL="685800" indent="-228600" algn="l" defTabSz="914400" rtl="0" eaLnBrk="1" latinLnBrk="0" hangingPunct="1">
+              <a:lnSpc>
+                <a:spcPct val="90000"/>
+              </a:lnSpc>
+              <a:spcBef>
+                <a:spcPts val="500"/>
+              </a:spcBef>
+              <a:buFont typeface="Arial" panose="020B0604020202020204" pitchFamily="34" charset="0"/>
+              <a:buChar char="•"/>
+              <a:defRPr sz="2400" kern="1200">
+                <a:solidFill>
+                  <a:schemeClr val="tx1"/>
+                </a:solidFill>
+                <a:latin typeface="+mn-lt"/>
+                <a:ea typeface="+mn-ea"/>
+                <a:cs typeface="+mn-cs"/>
+              </a:defRPr>
+            </a:lvl2pPr>
+            <a:lvl3pPr marL="1143000" indent="-228600" algn="l" defTabSz="914400" rtl="0" eaLnBrk="1" latinLnBrk="0" hangingPunct="1">
+              <a:lnSpc>
+                <a:spcPct val="90000"/>
+              </a:lnSpc>
+              <a:spcBef>
+                <a:spcPts val="500"/>
+              </a:spcBef>
+              <a:buFont typeface="Arial" panose="020B0604020202020204" pitchFamily="34" charset="0"/>
+              <a:buChar char="•"/>
+              <a:defRPr sz="2000" kern="1200">
+                <a:solidFill>
+                  <a:schemeClr val="tx1"/>
+                </a:solidFill>
+                <a:latin typeface="+mn-lt"/>
+                <a:ea typeface="+mn-ea"/>
+                <a:cs typeface="+mn-cs"/>
+              </a:defRPr>
+            </a:lvl3pPr>
+            <a:lvl4pPr marL="1600200" indent="-228600" algn="l" defTabSz="914400" rtl="0" eaLnBrk="1" latinLnBrk="0" hangingPunct="1">
+              <a:lnSpc>
+                <a:spcPct val="90000"/>
+              </a:lnSpc>
+              <a:spcBef>
+                <a:spcPts val="500"/>
+              </a:spcBef>
+              <a:buFont typeface="Arial" panose="020B0604020202020204" pitchFamily="34" charset="0"/>
+              <a:buChar char="•"/>
+              <a:defRPr sz="1800" kern="1200">
+                <a:solidFill>
+                  <a:schemeClr val="tx1"/>
+                </a:solidFill>
+                <a:latin typeface="+mn-lt"/>
+                <a:ea typeface="+mn-ea"/>
+                <a:cs typeface="+mn-cs"/>
+              </a:defRPr>
+            </a:lvl4pPr>
+            <a:lvl5pPr marL="2057400" indent="-228600" algn="l" defTabSz="914400" rtl="0" eaLnBrk="1" latinLnBrk="0" hangingPunct="1">
+              <a:lnSpc>
+                <a:spcPct val="90000"/>
+              </a:lnSpc>
+              <a:spcBef>
+                <a:spcPts val="500"/>
+              </a:spcBef>
+              <a:buFont typeface="Arial" panose="020B0604020202020204" pitchFamily="34" charset="0"/>
+              <a:buChar char="•"/>
+              <a:defRPr sz="1800" kern="1200">
+                <a:solidFill>
+                  <a:schemeClr val="tx1"/>
+                </a:solidFill>
+                <a:latin typeface="+mn-lt"/>
+                <a:ea typeface="+mn-ea"/>
+                <a:cs typeface="+mn-cs"/>
+              </a:defRPr>
+            </a:lvl5pPr>
+            <a:lvl6pPr marL="2514600" indent="-228600" algn="l" defTabSz="914400" rtl="0" eaLnBrk="1" latinLnBrk="0" hangingPunct="1">
+              <a:lnSpc>
+                <a:spcPct val="90000"/>
+              </a:lnSpc>
+              <a:spcBef>
+                <a:spcPts val="500"/>
+              </a:spcBef>
+              <a:buFont typeface="Arial" panose="020B0604020202020204" pitchFamily="34" charset="0"/>
+              <a:buChar char="•"/>
+              <a:defRPr sz="1800" kern="1200">
+                <a:solidFill>
+                  <a:schemeClr val="tx1"/>
+                </a:solidFill>
+                <a:latin typeface="+mn-lt"/>
+                <a:ea typeface="+mn-ea"/>
+                <a:cs typeface="+mn-cs"/>
+              </a:defRPr>
+            </a:lvl6pPr>
+            <a:lvl7pPr marL="2971800" indent="-228600" algn="l" defTabSz="914400" rtl="0" eaLnBrk="1" latinLnBrk="0" hangingPunct="1">
+              <a:lnSpc>
+                <a:spcPct val="90000"/>
+              </a:lnSpc>
+              <a:spcBef>
+                <a:spcPts val="500"/>
+              </a:spcBef>
+              <a:buFont typeface="Arial" panose="020B0604020202020204" pitchFamily="34" charset="0"/>
+              <a:buChar char="•"/>
+              <a:defRPr sz="1800" kern="1200">
+                <a:solidFill>
+                  <a:schemeClr val="tx1"/>
+                </a:solidFill>
+                <a:latin typeface="+mn-lt"/>
+                <a:ea typeface="+mn-ea"/>
+                <a:cs typeface="+mn-cs"/>
+              </a:defRPr>
+            </a:lvl7pPr>
+            <a:lvl8pPr marL="3429000" indent="-228600" algn="l" defTabSz="914400" rtl="0" eaLnBrk="1" latinLnBrk="0" hangingPunct="1">
+              <a:lnSpc>
+                <a:spcPct val="90000"/>
+              </a:lnSpc>
+              <a:spcBef>
+                <a:spcPts val="500"/>
+              </a:spcBef>
+              <a:buFont typeface="Arial" panose="020B0604020202020204" pitchFamily="34" charset="0"/>
+              <a:buChar char="•"/>
+              <a:defRPr sz="1800" kern="1200">
+                <a:solidFill>
+                  <a:schemeClr val="tx1"/>
+                </a:solidFill>
+                <a:latin typeface="+mn-lt"/>
+                <a:ea typeface="+mn-ea"/>
+                <a:cs typeface="+mn-cs"/>
+              </a:defRPr>
+            </a:lvl8pPr>
+            <a:lvl9pPr marL="3886200" indent="-228600" algn="l" defTabSz="914400" rtl="0" eaLnBrk="1" latinLnBrk="0" hangingPunct="1">
+              <a:lnSpc>
+                <a:spcPct val="90000"/>
+              </a:lnSpc>
+              <a:spcBef>
+                <a:spcPts val="500"/>
+              </a:spcBef>
+              <a:buFont typeface="Arial" panose="020B0604020202020204" pitchFamily="34" charset="0"/>
+              <a:buChar char="•"/>
+              <a:defRPr sz="1800" kern="1200">
+                <a:solidFill>
+                  <a:schemeClr val="tx1"/>
+                </a:solidFill>
+                <a:latin typeface="+mn-lt"/>
+                <a:ea typeface="+mn-ea"/>
+                <a:cs typeface="+mn-cs"/>
+              </a:defRPr>
+            </a:lvl9pPr>
+          </a:lstStyle>
+          <a:p>
+            <a:pPr marL="0" indent="0">
+              <a:buNone/>
+            </a:pPr>
+            <a:r>
+              <a:rPr lang="en-US" sz="1350" dirty="0"/>
+              <a:t>In a time-series, the growth rates of different observations are considered the features. Cluster analysis is used to observe how observations cluster with respect to their rates of growth.</a:t>
+            </a:r>
+          </a:p>
+        </p:txBody>
+      </p:sp>
+      <p:sp>
+        <p:nvSpPr>
+          <p:cNvPr id="19" name="TextBox 18">
+            <a:extLst>
+              <a:ext uri="{FF2B5EF4-FFF2-40B4-BE49-F238E27FC236}">
+                <a16:creationId xmlns:a16="http://schemas.microsoft.com/office/drawing/2014/main" id="{8FA4E600-36BF-419F-B739-8B99F6702248}"/>
+              </a:ext>
+            </a:extLst>
+          </p:cNvPr>
+          <p:cNvSpPr txBox="1"/>
+          <p:nvPr/>
+        </p:nvSpPr>
+        <p:spPr>
+          <a:xfrm>
+            <a:off x="411873" y="1653840"/>
+            <a:ext cx="6128601" cy="2192908"/>
+          </a:xfrm>
+          <a:prstGeom prst="rect">
+            <a:avLst/>
+          </a:prstGeom>
+          <a:noFill/>
+        </p:spPr>
+        <p:txBody>
+          <a:bodyPr wrap="none" rtlCol="0">
+            <a:spAutoFit/>
+          </a:bodyPr>
+          <a:lstStyle/>
+          <a:p>
+            <a:r>
+              <a:rPr lang="en-US" sz="1050" dirty="0">
+                <a:latin typeface="Consolas" panose="020B0609020204030204" pitchFamily="49" charset="0"/>
+              </a:rPr>
+              <a:t>library(</a:t>
+            </a:r>
+            <a:r>
+              <a:rPr lang="en-US" sz="1050" dirty="0" err="1">
+                <a:latin typeface="Consolas" panose="020B0609020204030204" pitchFamily="49" charset="0"/>
+              </a:rPr>
+              <a:t>purrr</a:t>
+            </a:r>
+            <a:r>
+              <a:rPr lang="en-US" sz="1050" dirty="0">
+                <a:latin typeface="Consolas" panose="020B0609020204030204" pitchFamily="49" charset="0"/>
+              </a:rPr>
+              <a:t>)</a:t>
+            </a:r>
+          </a:p>
+          <a:p>
+            <a:r>
+              <a:rPr lang="en-US" sz="1050" dirty="0">
+                <a:latin typeface="Consolas" panose="020B0609020204030204" pitchFamily="49" charset="0"/>
+              </a:rPr>
+              <a:t>library(cluster)</a:t>
+            </a:r>
+          </a:p>
+          <a:p>
+            <a:r>
+              <a:rPr lang="en-US" sz="1050" dirty="0">
+                <a:latin typeface="Consolas" panose="020B0609020204030204" pitchFamily="49" charset="0"/>
+              </a:rPr>
+              <a:t>library(</a:t>
+            </a:r>
+            <a:r>
+              <a:rPr lang="en-US" sz="1050" dirty="0" err="1">
+                <a:latin typeface="Consolas" panose="020B0609020204030204" pitchFamily="49" charset="0"/>
+              </a:rPr>
+              <a:t>tibble</a:t>
+            </a:r>
+            <a:r>
+              <a:rPr lang="en-US" sz="1050" dirty="0">
+                <a:latin typeface="Consolas" panose="020B0609020204030204" pitchFamily="49" charset="0"/>
+              </a:rPr>
+              <a:t>)</a:t>
+            </a:r>
+          </a:p>
+          <a:p>
+            <a:r>
+              <a:rPr lang="en-US" sz="1050" dirty="0">
+                <a:latin typeface="Consolas" panose="020B0609020204030204" pitchFamily="49" charset="0"/>
+              </a:rPr>
+              <a:t>library(</a:t>
+            </a:r>
+            <a:r>
+              <a:rPr lang="en-US" sz="1050" dirty="0" err="1">
+                <a:latin typeface="Consolas" panose="020B0609020204030204" pitchFamily="49" charset="0"/>
+              </a:rPr>
+              <a:t>tidyr</a:t>
+            </a:r>
+            <a:r>
+              <a:rPr lang="en-US" sz="1050" dirty="0">
+                <a:latin typeface="Consolas" panose="020B0609020204030204" pitchFamily="49" charset="0"/>
+              </a:rPr>
+              <a:t>)</a:t>
+            </a:r>
+          </a:p>
+          <a:p>
+            <a:endParaRPr lang="en-US" sz="1050" dirty="0">
+              <a:latin typeface="Consolas" panose="020B0609020204030204" pitchFamily="49" charset="0"/>
+            </a:endParaRPr>
+          </a:p>
+          <a:p>
+            <a:r>
+              <a:rPr lang="en-US" sz="1050" dirty="0" err="1">
+                <a:latin typeface="Consolas" panose="020B0609020204030204" pitchFamily="49" charset="0"/>
+              </a:rPr>
+              <a:t>dist_oes</a:t>
+            </a:r>
+            <a:r>
+              <a:rPr lang="en-US" sz="1050" dirty="0">
+                <a:latin typeface="Consolas" panose="020B0609020204030204" pitchFamily="49" charset="0"/>
+              </a:rPr>
+              <a:t> &lt;- </a:t>
+            </a:r>
+            <a:r>
+              <a:rPr lang="en-US" sz="1050" dirty="0" err="1">
+                <a:latin typeface="Consolas" panose="020B0609020204030204" pitchFamily="49" charset="0"/>
+              </a:rPr>
+              <a:t>dist</a:t>
+            </a:r>
+            <a:r>
+              <a:rPr lang="en-US" sz="1050" dirty="0">
+                <a:latin typeface="Consolas" panose="020B0609020204030204" pitchFamily="49" charset="0"/>
+              </a:rPr>
+              <a:t>(</a:t>
+            </a:r>
+            <a:r>
+              <a:rPr lang="en-US" sz="1050" dirty="0" err="1">
+                <a:latin typeface="Consolas" panose="020B0609020204030204" pitchFamily="49" charset="0"/>
+              </a:rPr>
+              <a:t>oes</a:t>
+            </a:r>
+            <a:r>
+              <a:rPr lang="en-US" sz="1050" dirty="0">
+                <a:latin typeface="Consolas" panose="020B0609020204030204" pitchFamily="49" charset="0"/>
+              </a:rPr>
+              <a:t>, method = “</a:t>
+            </a:r>
+            <a:r>
+              <a:rPr lang="en-US" sz="1050" dirty="0" err="1">
+                <a:latin typeface="Consolas" panose="020B0609020204030204" pitchFamily="49" charset="0"/>
+              </a:rPr>
+              <a:t>euclidean</a:t>
+            </a:r>
+            <a:r>
+              <a:rPr lang="en-US" sz="1050" dirty="0">
+                <a:latin typeface="Consolas" panose="020B0609020204030204" pitchFamily="49" charset="0"/>
+              </a:rPr>
+              <a:t>”)</a:t>
+            </a:r>
+          </a:p>
+          <a:p>
+            <a:endParaRPr lang="en-US" sz="1050" dirty="0">
+              <a:latin typeface="Consolas" panose="020B0609020204030204" pitchFamily="49" charset="0"/>
+            </a:endParaRPr>
+          </a:p>
+          <a:p>
+            <a:r>
+              <a:rPr lang="en-US" sz="1050" dirty="0" err="1">
+                <a:latin typeface="Consolas" panose="020B0609020204030204" pitchFamily="49" charset="0"/>
+              </a:rPr>
+              <a:t>hc_oes</a:t>
+            </a:r>
+            <a:r>
+              <a:rPr lang="en-US" sz="1050" dirty="0">
+                <a:latin typeface="Consolas" panose="020B0609020204030204" pitchFamily="49" charset="0"/>
+              </a:rPr>
+              <a:t> &lt;- </a:t>
+            </a:r>
+            <a:r>
+              <a:rPr lang="en-US" sz="1050" dirty="0" err="1">
+                <a:latin typeface="Consolas" panose="020B0609020204030204" pitchFamily="49" charset="0"/>
+              </a:rPr>
+              <a:t>hclust</a:t>
+            </a:r>
+            <a:r>
+              <a:rPr lang="en-US" sz="1050" dirty="0">
+                <a:latin typeface="Consolas" panose="020B0609020204030204" pitchFamily="49" charset="0"/>
+              </a:rPr>
+              <a:t>(</a:t>
+            </a:r>
+            <a:r>
+              <a:rPr lang="en-US" sz="1050" dirty="0" err="1">
+                <a:latin typeface="Consolas" panose="020B0609020204030204" pitchFamily="49" charset="0"/>
+              </a:rPr>
+              <a:t>dist_oes</a:t>
+            </a:r>
+            <a:r>
+              <a:rPr lang="en-US" sz="1050" dirty="0">
+                <a:latin typeface="Consolas" panose="020B0609020204030204" pitchFamily="49" charset="0"/>
+              </a:rPr>
+              <a:t>, method = “average”)</a:t>
+            </a:r>
+          </a:p>
+          <a:p>
+            <a:endParaRPr lang="en-US" sz="1050" dirty="0">
+              <a:latin typeface="Consolas" panose="020B0609020204030204" pitchFamily="49" charset="0"/>
+            </a:endParaRPr>
+          </a:p>
+          <a:p>
+            <a:r>
+              <a:rPr lang="en-US" sz="1050" dirty="0" err="1">
+                <a:latin typeface="Consolas" panose="020B0609020204030204" pitchFamily="49" charset="0"/>
+              </a:rPr>
+              <a:t>dend_oes</a:t>
+            </a:r>
+            <a:r>
+              <a:rPr lang="en-US" sz="1050" dirty="0">
+                <a:latin typeface="Consolas" panose="020B0609020204030204" pitchFamily="49" charset="0"/>
+              </a:rPr>
+              <a:t> &lt;- </a:t>
+            </a:r>
+            <a:r>
+              <a:rPr lang="en-US" sz="1050" dirty="0" err="1">
+                <a:latin typeface="Consolas" panose="020B0609020204030204" pitchFamily="49" charset="0"/>
+              </a:rPr>
+              <a:t>as.dendrogram</a:t>
+            </a:r>
+            <a:r>
+              <a:rPr lang="en-US" sz="1050" dirty="0">
+                <a:latin typeface="Consolas" panose="020B0609020204030204" pitchFamily="49" charset="0"/>
+              </a:rPr>
+              <a:t>(</a:t>
+            </a:r>
+            <a:r>
+              <a:rPr lang="en-US" sz="1050" dirty="0" err="1">
+                <a:latin typeface="Consolas" panose="020B0609020204030204" pitchFamily="49" charset="0"/>
+              </a:rPr>
+              <a:t>hc_oes</a:t>
+            </a:r>
+            <a:r>
+              <a:rPr lang="en-US" sz="1050" dirty="0">
+                <a:latin typeface="Consolas" panose="020B0609020204030204" pitchFamily="49" charset="0"/>
+              </a:rPr>
+              <a:t>)		plot(</a:t>
+            </a:r>
+            <a:r>
+              <a:rPr lang="en-US" sz="1050" dirty="0" err="1">
+                <a:latin typeface="Consolas" panose="020B0609020204030204" pitchFamily="49" charset="0"/>
+              </a:rPr>
+              <a:t>dend_oes</a:t>
+            </a:r>
+            <a:r>
+              <a:rPr lang="en-US" sz="1050" dirty="0">
+                <a:latin typeface="Consolas" panose="020B0609020204030204" pitchFamily="49" charset="0"/>
+              </a:rPr>
+              <a:t>)</a:t>
+            </a:r>
+          </a:p>
+          <a:p>
+            <a:endParaRPr lang="en-US" sz="1050" dirty="0">
+              <a:latin typeface="Consolas" panose="020B0609020204030204" pitchFamily="49" charset="0"/>
+            </a:endParaRPr>
+          </a:p>
+          <a:p>
+            <a:endParaRPr lang="en-US" sz="1050" dirty="0">
+              <a:latin typeface="Consolas" panose="020B0609020204030204" pitchFamily="49" charset="0"/>
+            </a:endParaRPr>
+          </a:p>
+          <a:p>
+            <a:r>
+              <a:rPr lang="en-US" sz="1050" dirty="0" err="1">
+                <a:latin typeface="Consolas" panose="020B0609020204030204" pitchFamily="49" charset="0"/>
+              </a:rPr>
+              <a:t>dend_colored</a:t>
+            </a:r>
+            <a:r>
+              <a:rPr lang="en-US" sz="1050" dirty="0">
+                <a:latin typeface="Consolas" panose="020B0609020204030204" pitchFamily="49" charset="0"/>
+              </a:rPr>
+              <a:t> &lt;- </a:t>
+            </a:r>
+            <a:r>
+              <a:rPr lang="en-US" sz="1050" dirty="0" err="1">
+                <a:latin typeface="Consolas" panose="020B0609020204030204" pitchFamily="49" charset="0"/>
+              </a:rPr>
+              <a:t>color_branches</a:t>
+            </a:r>
+            <a:r>
+              <a:rPr lang="en-US" sz="1050" dirty="0">
+                <a:latin typeface="Consolas" panose="020B0609020204030204" pitchFamily="49" charset="0"/>
+              </a:rPr>
+              <a:t>(</a:t>
+            </a:r>
+            <a:r>
+              <a:rPr lang="en-US" sz="1050" dirty="0" err="1">
+                <a:latin typeface="Consolas" panose="020B0609020204030204" pitchFamily="49" charset="0"/>
+              </a:rPr>
+              <a:t>dend_oes</a:t>
+            </a:r>
+            <a:r>
+              <a:rPr lang="en-US" sz="1050" dirty="0">
+                <a:latin typeface="Consolas" panose="020B0609020204030204" pitchFamily="49" charset="0"/>
+              </a:rPr>
+              <a:t>, h = 100000)		plot(</a:t>
+            </a:r>
+            <a:r>
+              <a:rPr lang="en-US" sz="1050" dirty="0" err="1">
+                <a:latin typeface="Consolas" panose="020B0609020204030204" pitchFamily="49" charset="0"/>
+              </a:rPr>
+              <a:t>dend_colored</a:t>
+            </a:r>
+            <a:r>
+              <a:rPr lang="en-US" sz="1050" dirty="0">
+                <a:latin typeface="Consolas" panose="020B0609020204030204" pitchFamily="49" charset="0"/>
+              </a:rPr>
+              <a:t>)</a:t>
+            </a:r>
+          </a:p>
+        </p:txBody>
+      </p:sp>
+      <p:sp>
+        <p:nvSpPr>
+          <p:cNvPr id="8" name="Arrow: Right 7">
+            <a:extLst>
+              <a:ext uri="{FF2B5EF4-FFF2-40B4-BE49-F238E27FC236}">
+                <a16:creationId xmlns:a16="http://schemas.microsoft.com/office/drawing/2014/main" id="{56B6CCF3-4351-4059-9064-F23816CB30CE}"/>
+              </a:ext>
+            </a:extLst>
+          </p:cNvPr>
+          <p:cNvSpPr/>
+          <p:nvPr/>
+        </p:nvSpPr>
+        <p:spPr>
+          <a:xfrm>
+            <a:off x="3107098" y="3120243"/>
+            <a:ext cx="457200" cy="226184"/>
+          </a:xfrm>
+          <a:prstGeom prst="rightArrow">
+            <a:avLst/>
+          </a:prstGeom>
+        </p:spPr>
+        <p:style>
+          <a:lnRef idx="2">
+            <a:schemeClr val="accent1">
+              <a:shade val="50000"/>
+            </a:schemeClr>
+          </a:lnRef>
+          <a:fillRef idx="1">
+            <a:schemeClr val="accent1"/>
+          </a:fillRef>
+          <a:effectRef idx="0">
+            <a:schemeClr val="accent1"/>
+          </a:effectRef>
+          <a:fontRef idx="minor">
+            <a:schemeClr val="lt1"/>
+          </a:fontRef>
+        </p:style>
+        <p:txBody>
+          <a:bodyPr rtlCol="0" anchor="ctr"/>
+          <a:lstStyle/>
+          <a:p>
+            <a:pPr algn="ctr"/>
+            <a:endParaRPr lang="en-US" sz="1350"/>
+          </a:p>
+        </p:txBody>
+      </p:sp>
+      <p:sp>
+        <p:nvSpPr>
+          <p:cNvPr id="9" name="Arrow: Right 8">
+            <a:extLst>
+              <a:ext uri="{FF2B5EF4-FFF2-40B4-BE49-F238E27FC236}">
+                <a16:creationId xmlns:a16="http://schemas.microsoft.com/office/drawing/2014/main" id="{2ACD7873-23A0-4671-A1A7-609CA47E9F58}"/>
+              </a:ext>
+            </a:extLst>
+          </p:cNvPr>
+          <p:cNvSpPr/>
+          <p:nvPr/>
+        </p:nvSpPr>
+        <p:spPr>
+          <a:xfrm>
+            <a:off x="4469102" y="3596072"/>
+            <a:ext cx="457200" cy="226184"/>
+          </a:xfrm>
+          <a:prstGeom prst="rightArrow">
+            <a:avLst/>
+          </a:prstGeom>
+        </p:spPr>
+        <p:style>
+          <a:lnRef idx="2">
+            <a:schemeClr val="accent1">
+              <a:shade val="50000"/>
+            </a:schemeClr>
+          </a:lnRef>
+          <a:fillRef idx="1">
+            <a:schemeClr val="accent1"/>
+          </a:fillRef>
+          <a:effectRef idx="0">
+            <a:schemeClr val="accent1"/>
+          </a:effectRef>
+          <a:fontRef idx="minor">
+            <a:schemeClr val="lt1"/>
+          </a:fontRef>
+        </p:style>
+        <p:txBody>
+          <a:bodyPr rtlCol="0" anchor="ctr"/>
+          <a:lstStyle/>
+          <a:p>
+            <a:pPr algn="ctr"/>
+            <a:endParaRPr lang="en-US" sz="1350"/>
+          </a:p>
+        </p:txBody>
+      </p:sp>
+    </p:spTree>
+    <p:extLst>
+      <p:ext uri="{BB962C8B-B14F-4D97-AF65-F5344CB8AC3E}">
+        <p14:creationId xmlns:p14="http://schemas.microsoft.com/office/powerpoint/2010/main" val="3681340079"/>
       </p:ext>
     </p:extLst>
   </p:cSld>

--- a/Track - Machine Learning/Cluster-Analysis-In-R/Cluster Analysis in R.pptx
+++ b/Track - Machine Learning/Cluster-Analysis-In-R/Cluster Analysis in R.pptx
@@ -14,6 +14,7 @@
     <p:sldId id="262" r:id="rId8"/>
     <p:sldId id="263" r:id="rId9"/>
     <p:sldId id="264" r:id="rId10"/>
+    <p:sldId id="265" r:id="rId11"/>
   </p:sldIdLst>
   <p:sldSz cx="9144000" cy="6858000" type="screen4x3"/>
   <p:notesSz cx="7010400" cy="9296400"/>
@@ -1048,6 +1049,13 @@
         </dgm:presLayoutVars>
       </dgm:prSet>
       <dgm:spPr/>
+      <dgm:t>
+        <a:bodyPr/>
+        <a:lstStyle/>
+        <a:p>
+          <a:endParaRPr lang="en-US"/>
+        </a:p>
+      </dgm:t>
     </dgm:pt>
     <dgm:pt modelId="{F709DB4C-4926-4E59-80DF-1068583026EE}" type="pres">
       <dgm:prSet presAssocID="{F025FAA8-A49E-431C-9287-48075BE4BB9F}" presName="parTxOnlySpace" presStyleCnt="0"/>
@@ -1062,6 +1070,13 @@
         </dgm:presLayoutVars>
       </dgm:prSet>
       <dgm:spPr/>
+      <dgm:t>
+        <a:bodyPr/>
+        <a:lstStyle/>
+        <a:p>
+          <a:endParaRPr lang="en-US"/>
+        </a:p>
+      </dgm:t>
     </dgm:pt>
     <dgm:pt modelId="{06F9C3E1-CAD3-4AE4-BE77-E758113F3690}" type="pres">
       <dgm:prSet presAssocID="{192869E4-33D6-4AFD-B306-E6E3A79F2987}" presName="parTxOnlySpace" presStyleCnt="0"/>
@@ -1076,6 +1091,13 @@
         </dgm:presLayoutVars>
       </dgm:prSet>
       <dgm:spPr/>
+      <dgm:t>
+        <a:bodyPr/>
+        <a:lstStyle/>
+        <a:p>
+          <a:endParaRPr lang="en-US"/>
+        </a:p>
+      </dgm:t>
     </dgm:pt>
     <dgm:pt modelId="{7252E518-27D9-4CA0-9C3B-9E0897C503DB}" type="pres">
       <dgm:prSet presAssocID="{01C00FF1-B908-4DEC-B1AF-EA39A92B8E4C}" presName="parTxOnlySpace" presStyleCnt="0"/>
@@ -1090,18 +1112,25 @@
         </dgm:presLayoutVars>
       </dgm:prSet>
       <dgm:spPr/>
+      <dgm:t>
+        <a:bodyPr/>
+        <a:lstStyle/>
+        <a:p>
+          <a:endParaRPr lang="en-US"/>
+        </a:p>
+      </dgm:t>
     </dgm:pt>
   </dgm:ptLst>
   <dgm:cxnLst>
-    <dgm:cxn modelId="{6AECF40E-5785-453B-86A4-B14DB9928F4A}" srcId="{BAC9EB2A-9CFD-41A5-9DAF-524B44E80436}" destId="{AE536757-2C3D-4967-BD33-206E595A2E68}" srcOrd="1" destOrd="0" parTransId="{431D87F6-77E9-4489-B51E-B44FFA02284B}" sibTransId="{192869E4-33D6-4AFD-B306-E6E3A79F2987}"/>
     <dgm:cxn modelId="{61DA802B-0861-4A0F-971F-D22EE58D7A07}" type="presOf" srcId="{5E5AB7FE-2548-4EEF-B3EA-3D256CD50D16}" destId="{FC72D65A-81D5-4A6C-81AC-77E3659CCA6E}" srcOrd="0" destOrd="0" presId="urn:microsoft.com/office/officeart/2005/8/layout/chevron1"/>
     <dgm:cxn modelId="{E7802E2D-6499-4A36-8ED2-A14E8F1547B1}" srcId="{BAC9EB2A-9CFD-41A5-9DAF-524B44E80436}" destId="{DFC28BEC-56AF-4598-9EF6-99D142DAB189}" srcOrd="0" destOrd="0" parTransId="{B0B2F544-457B-439C-A690-5E281EB91046}" sibTransId="{F025FAA8-A49E-431C-9287-48075BE4BB9F}"/>
+    <dgm:cxn modelId="{B5FBA7C7-3AA1-42B7-B87C-F7450B126AF4}" srcId="{BAC9EB2A-9CFD-41A5-9DAF-524B44E80436}" destId="{CE32BDC5-8E22-4423-9E41-73E50B6BA8EA}" srcOrd="3" destOrd="0" parTransId="{7EAE575C-2E9B-477D-A01D-E1DC7A3FF0A3}" sibTransId="{97D7C953-45C1-444E-8136-727DFB383E53}"/>
+    <dgm:cxn modelId="{43BA9442-310C-4F13-A637-6921412B6F84}" srcId="{BAC9EB2A-9CFD-41A5-9DAF-524B44E80436}" destId="{5E5AB7FE-2548-4EEF-B3EA-3D256CD50D16}" srcOrd="2" destOrd="0" parTransId="{49568E4C-D5A7-45BD-967D-A0E167FFE80F}" sibTransId="{01C00FF1-B908-4DEC-B1AF-EA39A92B8E4C}"/>
     <dgm:cxn modelId="{613D0E62-6AE7-43D8-B9AB-8AA7D4E07CC8}" type="presOf" srcId="{AE536757-2C3D-4967-BD33-206E595A2E68}" destId="{C55128A5-DA94-4B56-8E74-61B895E69433}" srcOrd="0" destOrd="0" presId="urn:microsoft.com/office/officeart/2005/8/layout/chevron1"/>
-    <dgm:cxn modelId="{43BA9442-310C-4F13-A637-6921412B6F84}" srcId="{BAC9EB2A-9CFD-41A5-9DAF-524B44E80436}" destId="{5E5AB7FE-2548-4EEF-B3EA-3D256CD50D16}" srcOrd="2" destOrd="0" parTransId="{49568E4C-D5A7-45BD-967D-A0E167FFE80F}" sibTransId="{01C00FF1-B908-4DEC-B1AF-EA39A92B8E4C}"/>
     <dgm:cxn modelId="{91EDC886-4EE2-48C7-BCBF-2CC53EB7F0E7}" type="presOf" srcId="{DFC28BEC-56AF-4598-9EF6-99D142DAB189}" destId="{9A1CA8BB-80DA-42A7-918C-0BCC29197429}" srcOrd="0" destOrd="0" presId="urn:microsoft.com/office/officeart/2005/8/layout/chevron1"/>
+    <dgm:cxn modelId="{F97FDBEC-536A-44B8-90AE-DB9BA602FE2A}" type="presOf" srcId="{CE32BDC5-8E22-4423-9E41-73E50B6BA8EA}" destId="{326E133B-EA0A-4C00-B4AF-BA4B29FF8447}" srcOrd="0" destOrd="0" presId="urn:microsoft.com/office/officeart/2005/8/layout/chevron1"/>
     <dgm:cxn modelId="{F18A72B8-FCFC-44C8-B34B-7BEC1DE1C19D}" type="presOf" srcId="{BAC9EB2A-9CFD-41A5-9DAF-524B44E80436}" destId="{2861A9E9-FAA2-4121-9760-400E7D53BD38}" srcOrd="0" destOrd="0" presId="urn:microsoft.com/office/officeart/2005/8/layout/chevron1"/>
-    <dgm:cxn modelId="{B5FBA7C7-3AA1-42B7-B87C-F7450B126AF4}" srcId="{BAC9EB2A-9CFD-41A5-9DAF-524B44E80436}" destId="{CE32BDC5-8E22-4423-9E41-73E50B6BA8EA}" srcOrd="3" destOrd="0" parTransId="{7EAE575C-2E9B-477D-A01D-E1DC7A3FF0A3}" sibTransId="{97D7C953-45C1-444E-8136-727DFB383E53}"/>
-    <dgm:cxn modelId="{F97FDBEC-536A-44B8-90AE-DB9BA602FE2A}" type="presOf" srcId="{CE32BDC5-8E22-4423-9E41-73E50B6BA8EA}" destId="{326E133B-EA0A-4C00-B4AF-BA4B29FF8447}" srcOrd="0" destOrd="0" presId="urn:microsoft.com/office/officeart/2005/8/layout/chevron1"/>
+    <dgm:cxn modelId="{6AECF40E-5785-453B-86A4-B14DB9928F4A}" srcId="{BAC9EB2A-9CFD-41A5-9DAF-524B44E80436}" destId="{AE536757-2C3D-4967-BD33-206E595A2E68}" srcOrd="1" destOrd="0" parTransId="{431D87F6-77E9-4489-B51E-B44FFA02284B}" sibTransId="{192869E4-33D6-4AFD-B306-E6E3A79F2987}"/>
     <dgm:cxn modelId="{326C59E2-628C-4BFB-9B4E-72AF05BEB369}" type="presParOf" srcId="{2861A9E9-FAA2-4121-9760-400E7D53BD38}" destId="{9A1CA8BB-80DA-42A7-918C-0BCC29197429}" srcOrd="0" destOrd="0" presId="urn:microsoft.com/office/officeart/2005/8/layout/chevron1"/>
     <dgm:cxn modelId="{77D05D5B-9548-4D44-93CD-6EACD0E39634}" type="presParOf" srcId="{2861A9E9-FAA2-4121-9760-400E7D53BD38}" destId="{F709DB4C-4926-4E59-80DF-1068583026EE}" srcOrd="1" destOrd="0" presId="urn:microsoft.com/office/officeart/2005/8/layout/chevron1"/>
     <dgm:cxn modelId="{79E3C0A6-D24A-4FC2-BC76-D5636B8C80ED}" type="presParOf" srcId="{2861A9E9-FAA2-4121-9760-400E7D53BD38}" destId="{C55128A5-DA94-4B56-8E74-61B895E69433}" srcOrd="2" destOrd="0" presId="urn:microsoft.com/office/officeart/2005/8/layout/chevron1"/>
@@ -1183,7 +1212,7 @@
         </a:bodyPr>
         <a:lstStyle/>
         <a:p>
-          <a:pPr marL="0" lvl="0" indent="0" algn="ctr" defTabSz="533400">
+          <a:pPr lvl="0" algn="ctr" defTabSz="533400">
             <a:lnSpc>
               <a:spcPct val="90000"/>
             </a:lnSpc>
@@ -1193,7 +1222,6 @@
             <a:spcAft>
               <a:spcPct val="35000"/>
             </a:spcAft>
-            <a:buNone/>
           </a:pPr>
           <a:r>
             <a:rPr lang="en-US" sz="1200" b="1" kern="1200" dirty="0"/>
@@ -1261,7 +1289,7 @@
         </a:bodyPr>
         <a:lstStyle/>
         <a:p>
-          <a:pPr marL="0" lvl="0" indent="0" algn="ctr" defTabSz="533400">
+          <a:pPr lvl="0" algn="ctr" defTabSz="533400">
             <a:lnSpc>
               <a:spcPct val="90000"/>
             </a:lnSpc>
@@ -1271,7 +1299,6 @@
             <a:spcAft>
               <a:spcPct val="35000"/>
             </a:spcAft>
-            <a:buNone/>
           </a:pPr>
           <a:r>
             <a:rPr lang="en-US" sz="1200" b="1" kern="1200" dirty="0"/>
@@ -1339,7 +1366,7 @@
         </a:bodyPr>
         <a:lstStyle/>
         <a:p>
-          <a:pPr marL="0" lvl="0" indent="0" algn="ctr" defTabSz="533400">
+          <a:pPr lvl="0" algn="ctr" defTabSz="533400">
             <a:lnSpc>
               <a:spcPct val="90000"/>
             </a:lnSpc>
@@ -1349,7 +1376,6 @@
             <a:spcAft>
               <a:spcPct val="35000"/>
             </a:spcAft>
-            <a:buNone/>
           </a:pPr>
           <a:r>
             <a:rPr lang="en-US" sz="1200" b="1" kern="1200" dirty="0"/>
@@ -1417,7 +1443,7 @@
         </a:bodyPr>
         <a:lstStyle/>
         <a:p>
-          <a:pPr marL="0" lvl="0" indent="0" algn="ctr" defTabSz="533400">
+          <a:pPr lvl="0" algn="ctr" defTabSz="533400">
             <a:lnSpc>
               <a:spcPct val="90000"/>
             </a:lnSpc>
@@ -1427,7 +1453,6 @@
             <a:spcAft>
               <a:spcPct val="35000"/>
             </a:spcAft>
-            <a:buNone/>
           </a:pPr>
           <a:r>
             <a:rPr lang="en-US" sz="1200" b="1" kern="1200" dirty="0"/>
@@ -2893,7 +2918,7 @@
             <a:fld id="{B61BEF0D-F0BB-DE4B-95CE-6DB70DBA9567}" type="datetimeFigureOut">
               <a:rPr lang="en-US" smtClean="0"/>
               <a:pPr/>
-              <a:t>6/2/2019</a:t>
+              <a:t>6/4/2019</a:t>
             </a:fld>
             <a:endParaRPr lang="en-US" dirty="0"/>
           </a:p>
@@ -3065,7 +3090,7 @@
             <a:fld id="{B61BEF0D-F0BB-DE4B-95CE-6DB70DBA9567}" type="datetimeFigureOut">
               <a:rPr lang="en-US" smtClean="0"/>
               <a:pPr/>
-              <a:t>6/2/2019</a:t>
+              <a:t>6/4/2019</a:t>
             </a:fld>
             <a:endParaRPr lang="en-US" dirty="0"/>
           </a:p>
@@ -3247,7 +3272,7 @@
             <a:fld id="{B61BEF0D-F0BB-DE4B-95CE-6DB70DBA9567}" type="datetimeFigureOut">
               <a:rPr lang="en-US" smtClean="0"/>
               <a:pPr/>
-              <a:t>6/2/2019</a:t>
+              <a:t>6/4/2019</a:t>
             </a:fld>
             <a:endParaRPr lang="en-US" dirty="0"/>
           </a:p>
@@ -3419,7 +3444,7 @@
             <a:fld id="{B61BEF0D-F0BB-DE4B-95CE-6DB70DBA9567}" type="datetimeFigureOut">
               <a:rPr lang="en-US" smtClean="0"/>
               <a:pPr/>
-              <a:t>6/2/2019</a:t>
+              <a:t>6/4/2019</a:t>
             </a:fld>
             <a:endParaRPr lang="en-US" dirty="0"/>
           </a:p>
@@ -3665,7 +3690,7 @@
             <a:fld id="{B61BEF0D-F0BB-DE4B-95CE-6DB70DBA9567}" type="datetimeFigureOut">
               <a:rPr lang="en-US" smtClean="0"/>
               <a:pPr/>
-              <a:t>6/2/2019</a:t>
+              <a:t>6/4/2019</a:t>
             </a:fld>
             <a:endParaRPr lang="en-US" dirty="0"/>
           </a:p>
@@ -3899,7 +3924,7 @@
             <a:fld id="{B61BEF0D-F0BB-DE4B-95CE-6DB70DBA9567}" type="datetimeFigureOut">
               <a:rPr lang="en-US" smtClean="0"/>
               <a:pPr/>
-              <a:t>6/2/2019</a:t>
+              <a:t>6/4/2019</a:t>
             </a:fld>
             <a:endParaRPr lang="en-US" dirty="0"/>
           </a:p>
@@ -4268,7 +4293,7 @@
             <a:fld id="{B61BEF0D-F0BB-DE4B-95CE-6DB70DBA9567}" type="datetimeFigureOut">
               <a:rPr lang="en-US" smtClean="0"/>
               <a:pPr/>
-              <a:t>6/2/2019</a:t>
+              <a:t>6/4/2019</a:t>
             </a:fld>
             <a:endParaRPr lang="en-US" dirty="0"/>
           </a:p>
@@ -4388,7 +4413,7 @@
             <a:fld id="{B61BEF0D-F0BB-DE4B-95CE-6DB70DBA9567}" type="datetimeFigureOut">
               <a:rPr lang="en-US" smtClean="0"/>
               <a:pPr/>
-              <a:t>6/2/2019</a:t>
+              <a:t>6/4/2019</a:t>
             </a:fld>
             <a:endParaRPr lang="en-US" dirty="0"/>
           </a:p>
@@ -4485,7 +4510,7 @@
             <a:fld id="{B61BEF0D-F0BB-DE4B-95CE-6DB70DBA9567}" type="datetimeFigureOut">
               <a:rPr lang="en-US" smtClean="0"/>
               <a:pPr/>
-              <a:t>6/2/2019</a:t>
+              <a:t>6/4/2019</a:t>
             </a:fld>
             <a:endParaRPr lang="en-US" dirty="0"/>
           </a:p>
@@ -4764,7 +4789,7 @@
             <a:fld id="{B61BEF0D-F0BB-DE4B-95CE-6DB70DBA9567}" type="datetimeFigureOut">
               <a:rPr lang="en-US" smtClean="0"/>
               <a:pPr/>
-              <a:t>6/2/2019</a:t>
+              <a:t>6/4/2019</a:t>
             </a:fld>
             <a:endParaRPr lang="en-US" dirty="0"/>
           </a:p>
@@ -5023,7 +5048,7 @@
             <a:fld id="{B61BEF0D-F0BB-DE4B-95CE-6DB70DBA9567}" type="datetimeFigureOut">
               <a:rPr lang="en-US" smtClean="0"/>
               <a:pPr/>
-              <a:t>6/2/2019</a:t>
+              <a:t>6/4/2019</a:t>
             </a:fld>
             <a:endParaRPr lang="en-US" dirty="0"/>
           </a:p>
@@ -5238,7 +5263,7 @@
             <a:fld id="{B61BEF0D-F0BB-DE4B-95CE-6DB70DBA9567}" type="datetimeFigureOut">
               <a:rPr lang="en-US" smtClean="0"/>
               <a:pPr/>
-              <a:t>6/2/2019</a:t>
+              <a:t>6/4/2019</a:t>
             </a:fld>
             <a:endParaRPr lang="en-US" dirty="0"/>
           </a:p>
@@ -5723,6 +5748,703 @@
 </p:sld>
 </file>
 
+<file path=ppt/slides/slide10.xml><?xml version="1.0" encoding="utf-8"?>
+<p:sld xmlns:a="http://schemas.openxmlformats.org/drawingml/2006/main" xmlns:r="http://schemas.openxmlformats.org/officeDocument/2006/relationships" xmlns:p="http://schemas.openxmlformats.org/presentationml/2006/main">
+  <p:cSld>
+    <p:spTree>
+      <p:nvGrpSpPr>
+        <p:cNvPr id="1" name=""/>
+        <p:cNvGrpSpPr/>
+        <p:nvPr/>
+      </p:nvGrpSpPr>
+      <p:grpSpPr>
+        <a:xfrm>
+          <a:off x="0" y="0"/>
+          <a:ext cx="0" cy="0"/>
+          <a:chOff x="0" y="0"/>
+          <a:chExt cx="0" cy="0"/>
+        </a:xfrm>
+      </p:grpSpPr>
+      <p:sp>
+        <p:nvSpPr>
+          <p:cNvPr id="4" name="Content Placeholder 3"/>
+          <p:cNvSpPr>
+            <a:spLocks noGrp="1"/>
+          </p:cNvSpPr>
+          <p:nvPr>
+            <p:ph sz="half" idx="1"/>
+          </p:nvPr>
+        </p:nvSpPr>
+        <p:spPr>
+          <a:xfrm>
+            <a:off x="411874" y="510467"/>
+            <a:ext cx="8196099" cy="256922"/>
+          </a:xfrm>
+        </p:spPr>
+        <p:txBody>
+          <a:bodyPr>
+            <a:normAutofit lnSpcReduction="10000"/>
+          </a:bodyPr>
+          <a:lstStyle/>
+          <a:p>
+            <a:pPr marL="0" indent="0">
+              <a:buNone/>
+            </a:pPr>
+            <a:r>
+              <a:rPr lang="en-US" sz="1350" smtClean="0"/>
+              <a:t>Cluster Analysis can also be used on time series data... Let’s move onto k-means clustering.</a:t>
+            </a:r>
+            <a:endParaRPr lang="en-US" sz="1350" dirty="0"/>
+          </a:p>
+        </p:txBody>
+      </p:sp>
+      <p:sp>
+        <p:nvSpPr>
+          <p:cNvPr id="5" name="Title 1">
+            <a:extLst>
+              <a:ext uri="{FF2B5EF4-FFF2-40B4-BE49-F238E27FC236}">
+                <a16:creationId xmlns:a16="http://schemas.microsoft.com/office/drawing/2014/main" id="{7930AA84-178B-4321-8849-123A7F350396}"/>
+              </a:ext>
+            </a:extLst>
+          </p:cNvPr>
+          <p:cNvSpPr txBox="1">
+            <a:spLocks/>
+          </p:cNvSpPr>
+          <p:nvPr/>
+        </p:nvSpPr>
+        <p:spPr>
+          <a:xfrm>
+            <a:off x="6130620" y="6677409"/>
+            <a:ext cx="2966806" cy="145676"/>
+          </a:xfrm>
+          <a:prstGeom prst="rect">
+            <a:avLst/>
+          </a:prstGeom>
+        </p:spPr>
+        <p:txBody>
+          <a:bodyPr vert="horz" lIns="68580" tIns="34290" rIns="68580" bIns="34290" rtlCol="0" anchor="ctr">
+            <a:normAutofit fontScale="82500" lnSpcReduction="20000"/>
+          </a:bodyPr>
+          <a:lstStyle>
+            <a:lvl1pPr algn="l" defTabSz="914400" rtl="0" eaLnBrk="1" latinLnBrk="0" hangingPunct="1">
+              <a:lnSpc>
+                <a:spcPct val="90000"/>
+              </a:lnSpc>
+              <a:spcBef>
+                <a:spcPct val="0"/>
+              </a:spcBef>
+              <a:buNone/>
+              <a:defRPr sz="4400" kern="1200">
+                <a:solidFill>
+                  <a:schemeClr val="tx1"/>
+                </a:solidFill>
+                <a:latin typeface="+mj-lt"/>
+                <a:ea typeface="+mj-ea"/>
+                <a:cs typeface="+mj-cs"/>
+              </a:defRPr>
+            </a:lvl1pPr>
+          </a:lstStyle>
+          <a:p>
+            <a:pPr algn="r"/>
+            <a:r>
+              <a:rPr lang="en-US" sz="900" smtClean="0">
+                <a:solidFill>
+                  <a:schemeClr val="bg1">
+                    <a:lumMod val="65000"/>
+                  </a:schemeClr>
+                </a:solidFill>
+                <a:latin typeface="+mn-lt"/>
+              </a:rPr>
+              <a:t>Hierarchical Clustering</a:t>
+            </a:r>
+            <a:endParaRPr lang="en-US" sz="900" dirty="0">
+              <a:solidFill>
+                <a:schemeClr val="bg1">
+                  <a:lumMod val="65000"/>
+                </a:schemeClr>
+              </a:solidFill>
+              <a:latin typeface="+mn-lt"/>
+            </a:endParaRPr>
+          </a:p>
+        </p:txBody>
+      </p:sp>
+      <p:sp>
+        <p:nvSpPr>
+          <p:cNvPr id="11" name="TextBox 10">
+            <a:extLst>
+              <a:ext uri="{FF2B5EF4-FFF2-40B4-BE49-F238E27FC236}">
+                <a16:creationId xmlns:a16="http://schemas.microsoft.com/office/drawing/2014/main" id="{8FA4E600-36BF-419F-B739-8B99F6702248}"/>
+              </a:ext>
+            </a:extLst>
+          </p:cNvPr>
+          <p:cNvSpPr txBox="1"/>
+          <p:nvPr/>
+        </p:nvSpPr>
+        <p:spPr>
+          <a:xfrm>
+            <a:off x="411873" y="966367"/>
+            <a:ext cx="4759636" cy="4131900"/>
+          </a:xfrm>
+          <a:prstGeom prst="rect">
+            <a:avLst/>
+          </a:prstGeom>
+          <a:noFill/>
+        </p:spPr>
+        <p:txBody>
+          <a:bodyPr wrap="none" rtlCol="0">
+            <a:spAutoFit/>
+          </a:bodyPr>
+          <a:lstStyle/>
+          <a:p>
+            <a:r>
+              <a:rPr lang="en-US" sz="1050" smtClean="0">
+                <a:latin typeface="Consolas" panose="020B0609020204030204" pitchFamily="49" charset="0"/>
+              </a:rPr>
+              <a:t>tot_withinss &lt;- map_dbl(1:10, function(k){</a:t>
+            </a:r>
+          </a:p>
+          <a:p>
+            <a:r>
+              <a:rPr lang="en-US" sz="1050">
+                <a:latin typeface="Consolas" panose="020B0609020204030204" pitchFamily="49" charset="0"/>
+              </a:rPr>
+              <a:t>	</a:t>
+            </a:r>
+            <a:r>
+              <a:rPr lang="en-US" sz="1050" smtClean="0">
+                <a:latin typeface="Consolas" panose="020B0609020204030204" pitchFamily="49" charset="0"/>
+              </a:rPr>
+              <a:t>			model &lt;- kmeans(x = oes, centers = k)</a:t>
+            </a:r>
+          </a:p>
+          <a:p>
+            <a:r>
+              <a:rPr lang="en-US" sz="1050">
+                <a:latin typeface="Consolas" panose="020B0609020204030204" pitchFamily="49" charset="0"/>
+              </a:rPr>
+              <a:t>	</a:t>
+            </a:r>
+            <a:r>
+              <a:rPr lang="en-US" sz="1050" smtClean="0">
+                <a:latin typeface="Consolas" panose="020B0609020204030204" pitchFamily="49" charset="0"/>
+              </a:rPr>
+              <a:t>			model$tot.withinss</a:t>
+            </a:r>
+          </a:p>
+          <a:p>
+            <a:r>
+              <a:rPr lang="en-US" sz="1050">
+                <a:latin typeface="Consolas" panose="020B0609020204030204" pitchFamily="49" charset="0"/>
+              </a:rPr>
+              <a:t>	</a:t>
+            </a:r>
+            <a:r>
+              <a:rPr lang="en-US" sz="1050" smtClean="0">
+                <a:latin typeface="Consolas" panose="020B0609020204030204" pitchFamily="49" charset="0"/>
+              </a:rPr>
+              <a:t>		})</a:t>
+            </a:r>
+          </a:p>
+          <a:p>
+            <a:endParaRPr lang="en-US" sz="1050">
+              <a:latin typeface="Consolas" panose="020B0609020204030204" pitchFamily="49" charset="0"/>
+            </a:endParaRPr>
+          </a:p>
+          <a:p>
+            <a:r>
+              <a:rPr lang="en-US" sz="1050" smtClean="0">
+                <a:latin typeface="Consolas" panose="020B0609020204030204" pitchFamily="49" charset="0"/>
+              </a:rPr>
+              <a:t>elbow_df &lt;- data.frame(k = 1:10, tot_withinss = tot_withinss)</a:t>
+            </a:r>
+          </a:p>
+          <a:p>
+            <a:endParaRPr lang="en-US" sz="1050">
+              <a:latin typeface="Consolas" panose="020B0609020204030204" pitchFamily="49" charset="0"/>
+            </a:endParaRPr>
+          </a:p>
+          <a:p>
+            <a:r>
+              <a:rPr lang="en-US" sz="1050" smtClean="0">
+                <a:latin typeface="Consolas" panose="020B0609020204030204" pitchFamily="49" charset="0"/>
+              </a:rPr>
+              <a:t>ggplot(elbow_df, aes(x = k, y = tot_withinss)) +</a:t>
+            </a:r>
+          </a:p>
+          <a:p>
+            <a:r>
+              <a:rPr lang="en-US" sz="1050">
+                <a:latin typeface="Consolas" panose="020B0609020204030204" pitchFamily="49" charset="0"/>
+              </a:rPr>
+              <a:t>	</a:t>
+            </a:r>
+            <a:r>
+              <a:rPr lang="en-US" sz="1050" smtClean="0">
+                <a:latin typeface="Consolas" panose="020B0609020204030204" pitchFamily="49" charset="0"/>
+              </a:rPr>
+              <a:t>geom_line() +</a:t>
+            </a:r>
+          </a:p>
+          <a:p>
+            <a:r>
+              <a:rPr lang="en-US" sz="1050">
+                <a:latin typeface="Consolas" panose="020B0609020204030204" pitchFamily="49" charset="0"/>
+              </a:rPr>
+              <a:t>	</a:t>
+            </a:r>
+            <a:r>
+              <a:rPr lang="en-US" sz="1050" smtClean="0">
+                <a:latin typeface="Consolas" panose="020B0609020204030204" pitchFamily="49" charset="0"/>
+              </a:rPr>
+              <a:t>scale_x_continuous(breaks = 1:10)</a:t>
+            </a:r>
+          </a:p>
+          <a:p>
+            <a:endParaRPr lang="en-US" sz="1050">
+              <a:latin typeface="Consolas" panose="020B0609020204030204" pitchFamily="49" charset="0"/>
+            </a:endParaRPr>
+          </a:p>
+          <a:p>
+            <a:endParaRPr lang="en-US" sz="1050" smtClean="0">
+              <a:latin typeface="Consolas" panose="020B0609020204030204" pitchFamily="49" charset="0"/>
+            </a:endParaRPr>
+          </a:p>
+          <a:p>
+            <a:endParaRPr lang="en-US" sz="1050">
+              <a:latin typeface="Consolas" panose="020B0609020204030204" pitchFamily="49" charset="0"/>
+            </a:endParaRPr>
+          </a:p>
+          <a:p>
+            <a:endParaRPr lang="en-US" sz="1050" smtClean="0">
+              <a:latin typeface="Consolas" panose="020B0609020204030204" pitchFamily="49" charset="0"/>
+            </a:endParaRPr>
+          </a:p>
+          <a:p>
+            <a:r>
+              <a:rPr lang="en-US" sz="1050" smtClean="0">
+                <a:latin typeface="Consolas" panose="020B0609020204030204" pitchFamily="49" charset="0"/>
+              </a:rPr>
+              <a:t>sil_width &lt;- map_dbl(2:10, function(k){</a:t>
+            </a:r>
+          </a:p>
+          <a:p>
+            <a:r>
+              <a:rPr lang="en-US" sz="1050">
+                <a:latin typeface="Consolas" panose="020B0609020204030204" pitchFamily="49" charset="0"/>
+              </a:rPr>
+              <a:t>	</a:t>
+            </a:r>
+            <a:r>
+              <a:rPr lang="en-US" sz="1050" smtClean="0">
+                <a:latin typeface="Consolas" panose="020B0609020204030204" pitchFamily="49" charset="0"/>
+              </a:rPr>
+              <a:t>			model &lt;- pam(oes, k = k)</a:t>
+            </a:r>
+          </a:p>
+          <a:p>
+            <a:r>
+              <a:rPr lang="en-US" sz="1050">
+                <a:latin typeface="Consolas" panose="020B0609020204030204" pitchFamily="49" charset="0"/>
+              </a:rPr>
+              <a:t>	</a:t>
+            </a:r>
+            <a:r>
+              <a:rPr lang="en-US" sz="1050" smtClean="0">
+                <a:latin typeface="Consolas" panose="020B0609020204030204" pitchFamily="49" charset="0"/>
+              </a:rPr>
+              <a:t>			model$silinfo$avg.width</a:t>
+            </a:r>
+          </a:p>
+          <a:p>
+            <a:r>
+              <a:rPr lang="en-US" sz="1050">
+                <a:latin typeface="Consolas" panose="020B0609020204030204" pitchFamily="49" charset="0"/>
+              </a:rPr>
+              <a:t>	</a:t>
+            </a:r>
+            <a:r>
+              <a:rPr lang="en-US" sz="1050" smtClean="0">
+                <a:latin typeface="Consolas" panose="020B0609020204030204" pitchFamily="49" charset="0"/>
+              </a:rPr>
+              <a:t>		})</a:t>
+            </a:r>
+          </a:p>
+          <a:p>
+            <a:endParaRPr lang="en-US" sz="1050">
+              <a:latin typeface="Consolas" panose="020B0609020204030204" pitchFamily="49" charset="0"/>
+            </a:endParaRPr>
+          </a:p>
+          <a:p>
+            <a:r>
+              <a:rPr lang="en-US" sz="1050" smtClean="0">
+                <a:latin typeface="Consolas" panose="020B0609020204030204" pitchFamily="49" charset="0"/>
+              </a:rPr>
+              <a:t>sil_df &lt;- data.frame(k = 2:10, sil_width = sil_width)</a:t>
+            </a:r>
+          </a:p>
+          <a:p>
+            <a:endParaRPr lang="en-US" sz="1050">
+              <a:latin typeface="Consolas" panose="020B0609020204030204" pitchFamily="49" charset="0"/>
+            </a:endParaRPr>
+          </a:p>
+          <a:p>
+            <a:r>
+              <a:rPr lang="en-US" sz="1050" smtClean="0">
+                <a:latin typeface="Consolas" panose="020B0609020204030204" pitchFamily="49" charset="0"/>
+              </a:rPr>
+              <a:t>ggplot(sil_df, aes(x = k, y = sil_width)) +</a:t>
+            </a:r>
+          </a:p>
+          <a:p>
+            <a:r>
+              <a:rPr lang="en-US" sz="1050">
+                <a:latin typeface="Consolas" panose="020B0609020204030204" pitchFamily="49" charset="0"/>
+              </a:rPr>
+              <a:t>	</a:t>
+            </a:r>
+            <a:r>
+              <a:rPr lang="en-US" sz="1050" smtClean="0">
+                <a:latin typeface="Consolas" panose="020B0609020204030204" pitchFamily="49" charset="0"/>
+              </a:rPr>
+              <a:t>geom_line() +</a:t>
+            </a:r>
+          </a:p>
+          <a:p>
+            <a:r>
+              <a:rPr lang="en-US" sz="1050">
+                <a:latin typeface="Consolas" panose="020B0609020204030204" pitchFamily="49" charset="0"/>
+              </a:rPr>
+              <a:t>	</a:t>
+            </a:r>
+            <a:r>
+              <a:rPr lang="en-US" sz="1050" smtClean="0">
+                <a:latin typeface="Consolas" panose="020B0609020204030204" pitchFamily="49" charset="0"/>
+              </a:rPr>
+              <a:t>scale_x_continuous(breaks = 1:10)</a:t>
+            </a:r>
+          </a:p>
+          <a:p>
+            <a:endParaRPr lang="en-US" sz="1050">
+              <a:latin typeface="Consolas" panose="020B0609020204030204" pitchFamily="49" charset="0"/>
+            </a:endParaRPr>
+          </a:p>
+        </p:txBody>
+      </p:sp>
+      <p:sp>
+        <p:nvSpPr>
+          <p:cNvPr id="39" name="Content Placeholder 3"/>
+          <p:cNvSpPr>
+            <a:spLocks noGrp="1"/>
+          </p:cNvSpPr>
+          <p:nvPr>
+            <p:ph sz="half" idx="1"/>
+          </p:nvPr>
+        </p:nvSpPr>
+        <p:spPr>
+          <a:xfrm>
+            <a:off x="5522260" y="1697477"/>
+            <a:ext cx="2205315" cy="274594"/>
+          </a:xfrm>
+        </p:spPr>
+        <p:txBody>
+          <a:bodyPr>
+            <a:normAutofit/>
+          </a:bodyPr>
+          <a:lstStyle/>
+          <a:p>
+            <a:pPr marL="0" indent="0">
+              <a:buNone/>
+            </a:pPr>
+            <a:r>
+              <a:rPr lang="en-US" sz="1000" b="1" smtClean="0">
+                <a:solidFill>
+                  <a:schemeClr val="accent2">
+                    <a:lumMod val="75000"/>
+                  </a:schemeClr>
+                </a:solidFill>
+              </a:rPr>
+              <a:t>elbow analysis using scree plot</a:t>
+            </a:r>
+          </a:p>
+        </p:txBody>
+      </p:sp>
+      <p:sp>
+        <p:nvSpPr>
+          <p:cNvPr id="2" name="Right Brace 1"/>
+          <p:cNvSpPr/>
+          <p:nvPr/>
+        </p:nvSpPr>
+        <p:spPr>
+          <a:xfrm>
+            <a:off x="5289176" y="992094"/>
+            <a:ext cx="256989" cy="1637553"/>
+          </a:xfrm>
+          <a:prstGeom prst="rightBrace">
+            <a:avLst>
+              <a:gd name="adj1" fmla="val 110658"/>
+              <a:gd name="adj2" fmla="val 50000"/>
+            </a:avLst>
+          </a:prstGeom>
+        </p:spPr>
+        <p:style>
+          <a:lnRef idx="1">
+            <a:schemeClr val="accent1"/>
+          </a:lnRef>
+          <a:fillRef idx="0">
+            <a:schemeClr val="accent1"/>
+          </a:fillRef>
+          <a:effectRef idx="0">
+            <a:schemeClr val="accent1"/>
+          </a:effectRef>
+          <a:fontRef idx="minor">
+            <a:schemeClr val="tx1"/>
+          </a:fontRef>
+        </p:style>
+        <p:txBody>
+          <a:bodyPr rtlCol="0" anchor="ctr"/>
+          <a:lstStyle/>
+          <a:p>
+            <a:pPr algn="ctr"/>
+            <a:endParaRPr lang="en-US"/>
+          </a:p>
+        </p:txBody>
+      </p:sp>
+      <p:sp>
+        <p:nvSpPr>
+          <p:cNvPr id="8" name="Content Placeholder 3"/>
+          <p:cNvSpPr>
+            <a:spLocks noGrp="1"/>
+          </p:cNvSpPr>
+          <p:nvPr>
+            <p:ph sz="half" idx="1"/>
+          </p:nvPr>
+        </p:nvSpPr>
+        <p:spPr>
+          <a:xfrm>
+            <a:off x="5522260" y="3929689"/>
+            <a:ext cx="2205315" cy="274594"/>
+          </a:xfrm>
+        </p:spPr>
+        <p:txBody>
+          <a:bodyPr>
+            <a:normAutofit/>
+          </a:bodyPr>
+          <a:lstStyle/>
+          <a:p>
+            <a:pPr marL="0" indent="0">
+              <a:buNone/>
+            </a:pPr>
+            <a:r>
+              <a:rPr lang="en-US" sz="1000" b="1" smtClean="0">
+                <a:solidFill>
+                  <a:schemeClr val="accent2">
+                    <a:lumMod val="75000"/>
+                  </a:schemeClr>
+                </a:solidFill>
+              </a:rPr>
+              <a:t>silhouette analysis to derive best k</a:t>
+            </a:r>
+          </a:p>
+        </p:txBody>
+      </p:sp>
+      <p:sp>
+        <p:nvSpPr>
+          <p:cNvPr id="9" name="Right Brace 8"/>
+          <p:cNvSpPr/>
+          <p:nvPr/>
+        </p:nvSpPr>
+        <p:spPr>
+          <a:xfrm>
+            <a:off x="5289176" y="3224306"/>
+            <a:ext cx="256989" cy="1637553"/>
+          </a:xfrm>
+          <a:prstGeom prst="rightBrace">
+            <a:avLst>
+              <a:gd name="adj1" fmla="val 110658"/>
+              <a:gd name="adj2" fmla="val 50000"/>
+            </a:avLst>
+          </a:prstGeom>
+        </p:spPr>
+        <p:style>
+          <a:lnRef idx="1">
+            <a:schemeClr val="accent1"/>
+          </a:lnRef>
+          <a:fillRef idx="0">
+            <a:schemeClr val="accent1"/>
+          </a:fillRef>
+          <a:effectRef idx="0">
+            <a:schemeClr val="accent1"/>
+          </a:effectRef>
+          <a:fontRef idx="minor">
+            <a:schemeClr val="tx1"/>
+          </a:fontRef>
+        </p:style>
+        <p:txBody>
+          <a:bodyPr rtlCol="0" anchor="ctr"/>
+          <a:lstStyle/>
+          <a:p>
+            <a:pPr algn="ctr"/>
+            <a:endParaRPr lang="en-US"/>
+          </a:p>
+        </p:txBody>
+      </p:sp>
+      <p:pic>
+        <p:nvPicPr>
+          <p:cNvPr id="3" name="Picture 2"/>
+          <p:cNvPicPr>
+            <a:picLocks noChangeAspect="1"/>
+          </p:cNvPicPr>
+          <p:nvPr/>
+        </p:nvPicPr>
+        <p:blipFill>
+          <a:blip r:embed="rId2"/>
+          <a:stretch>
+            <a:fillRect/>
+          </a:stretch>
+        </p:blipFill>
+        <p:spPr>
+          <a:xfrm>
+            <a:off x="2611718" y="5098267"/>
+            <a:ext cx="4569898" cy="1491599"/>
+          </a:xfrm>
+          <a:prstGeom prst="rect">
+            <a:avLst/>
+          </a:prstGeom>
+        </p:spPr>
+      </p:pic>
+      <p:sp>
+        <p:nvSpPr>
+          <p:cNvPr id="7" name="Oval 6"/>
+          <p:cNvSpPr/>
+          <p:nvPr/>
+        </p:nvSpPr>
+        <p:spPr>
+          <a:xfrm>
+            <a:off x="5994400" y="6336627"/>
+            <a:ext cx="1145381" cy="248831"/>
+          </a:xfrm>
+          <a:prstGeom prst="ellipse">
+            <a:avLst/>
+          </a:prstGeom>
+          <a:solidFill>
+            <a:schemeClr val="accent2">
+              <a:alpha val="20000"/>
+            </a:schemeClr>
+          </a:solidFill>
+        </p:spPr>
+        <p:style>
+          <a:lnRef idx="2">
+            <a:schemeClr val="accent1">
+              <a:shade val="50000"/>
+            </a:schemeClr>
+          </a:lnRef>
+          <a:fillRef idx="1">
+            <a:schemeClr val="accent1"/>
+          </a:fillRef>
+          <a:effectRef idx="0">
+            <a:schemeClr val="accent1"/>
+          </a:effectRef>
+          <a:fontRef idx="minor">
+            <a:schemeClr val="lt1"/>
+          </a:fontRef>
+        </p:style>
+        <p:txBody>
+          <a:bodyPr rtlCol="0" anchor="ctr"/>
+          <a:lstStyle/>
+          <a:p>
+            <a:pPr algn="ctr"/>
+            <a:endParaRPr lang="en-US"/>
+          </a:p>
+        </p:txBody>
+      </p:sp>
+      <p:sp>
+        <p:nvSpPr>
+          <p:cNvPr id="12" name="Content Placeholder 3"/>
+          <p:cNvSpPr>
+            <a:spLocks noGrp="1"/>
+          </p:cNvSpPr>
+          <p:nvPr>
+            <p:ph sz="half" idx="1"/>
+          </p:nvPr>
+        </p:nvSpPr>
+        <p:spPr>
+          <a:xfrm>
+            <a:off x="6482975" y="2420611"/>
+            <a:ext cx="1639049" cy="1062086"/>
+          </a:xfrm>
+        </p:spPr>
+        <p:txBody>
+          <a:bodyPr>
+            <a:normAutofit/>
+          </a:bodyPr>
+          <a:lstStyle/>
+          <a:p>
+            <a:pPr marL="0" indent="0">
+              <a:buNone/>
+            </a:pPr>
+            <a:r>
+              <a:rPr lang="en-US" sz="1000" b="1" smtClean="0">
+                <a:solidFill>
+                  <a:srgbClr val="C00000"/>
+                </a:solidFill>
+              </a:rPr>
+              <a:t>Things to explore further...</a:t>
+            </a:r>
+          </a:p>
+          <a:p>
+            <a:pPr>
+              <a:buAutoNum type="arabicParenBoth"/>
+            </a:pPr>
+            <a:r>
+              <a:rPr lang="en-US" sz="1000" b="1" smtClean="0">
+                <a:solidFill>
+                  <a:srgbClr val="C00000"/>
+                </a:solidFill>
+              </a:rPr>
+              <a:t>k-mediods</a:t>
+            </a:r>
+          </a:p>
+          <a:p>
+            <a:pPr>
+              <a:buAutoNum type="arabicParenBoth"/>
+            </a:pPr>
+            <a:r>
+              <a:rPr lang="en-US" sz="1000" b="1" smtClean="0">
+                <a:solidFill>
+                  <a:srgbClr val="C00000"/>
+                </a:solidFill>
+              </a:rPr>
+              <a:t>DBSCAN</a:t>
+            </a:r>
+          </a:p>
+          <a:p>
+            <a:pPr>
+              <a:buAutoNum type="arabicParenBoth"/>
+            </a:pPr>
+            <a:r>
+              <a:rPr lang="en-US" sz="1000" b="1" smtClean="0">
+                <a:solidFill>
+                  <a:srgbClr val="C00000"/>
+                </a:solidFill>
+              </a:rPr>
+              <a:t>Optics</a:t>
+            </a:r>
+          </a:p>
+        </p:txBody>
+      </p:sp>
+    </p:spTree>
+    <p:extLst>
+      <p:ext uri="{BB962C8B-B14F-4D97-AF65-F5344CB8AC3E}">
+        <p14:creationId xmlns:p14="http://schemas.microsoft.com/office/powerpoint/2010/main" val="3102189105"/>
+      </p:ext>
+    </p:extLst>
+  </p:cSld>
+  <p:clrMapOvr>
+    <a:masterClrMapping/>
+  </p:clrMapOvr>
+</p:sld>
+</file>
+
 <file path=ppt/slides/slide2.xml><?xml version="1.0" encoding="utf-8"?>
 <p:sld xmlns:a="http://schemas.openxmlformats.org/drawingml/2006/main" xmlns:r="http://schemas.openxmlformats.org/officeDocument/2006/relationships" xmlns:p="http://schemas.openxmlformats.org/presentationml/2006/main">
   <p:cSld>
@@ -6611,7 +7333,7 @@
         </p:spPr>
         <p:txBody>
           <a:bodyPr vert="horz" lIns="68580" tIns="34290" rIns="68580" bIns="34290" rtlCol="0" anchor="ctr">
-            <a:normAutofit fontScale="67500" lnSpcReduction="20000"/>
+            <a:normAutofit fontScale="82500" lnSpcReduction="20000"/>
           </a:bodyPr>
           <a:lstStyle>
             <a:lvl1pPr algn="l" defTabSz="914400" rtl="0" eaLnBrk="1" latinLnBrk="0" hangingPunct="1">
@@ -7990,7 +8712,7 @@
         </p:spPr>
         <p:txBody>
           <a:bodyPr vert="horz" lIns="68580" tIns="34290" rIns="68580" bIns="34290" rtlCol="0" anchor="ctr">
-            <a:normAutofit fontScale="67500" lnSpcReduction="20000"/>
+            <a:normAutofit fontScale="82500" lnSpcReduction="20000"/>
           </a:bodyPr>
           <a:lstStyle>
             <a:lvl1pPr algn="l" defTabSz="914400" rtl="0" eaLnBrk="1" latinLnBrk="0" hangingPunct="1">
@@ -9177,7 +9899,7 @@
         </p:spPr>
         <p:txBody>
           <a:bodyPr vert="horz" lIns="68580" tIns="34290" rIns="68580" bIns="34290" rtlCol="0" anchor="ctr">
-            <a:normAutofit fontScale="67500" lnSpcReduction="20000"/>
+            <a:normAutofit fontScale="82500" lnSpcReduction="20000"/>
           </a:bodyPr>
           <a:lstStyle>
             <a:lvl1pPr algn="l" defTabSz="914400" rtl="0" eaLnBrk="1" latinLnBrk="0" hangingPunct="1">
@@ -9632,7 +10354,7 @@
         </p:spPr>
         <p:txBody>
           <a:bodyPr vert="horz" lIns="68580" tIns="34290" rIns="68580" bIns="34290" rtlCol="0" anchor="ctr">
-            <a:normAutofit fontScale="67500" lnSpcReduction="20000"/>
+            <a:normAutofit fontScale="82500" lnSpcReduction="20000"/>
           </a:bodyPr>
           <a:lstStyle>
             <a:lvl1pPr algn="l" defTabSz="914400" rtl="0" eaLnBrk="1" latinLnBrk="0" hangingPunct="1">
@@ -11166,13 +11888,13 @@
         </p:nvSpPr>
         <p:spPr>
           <a:xfrm>
-            <a:off x="411874" y="510466"/>
-            <a:ext cx="8196099" cy="661287"/>
+            <a:off x="411874" y="510467"/>
+            <a:ext cx="8196099" cy="256922"/>
           </a:xfrm>
         </p:spPr>
         <p:txBody>
           <a:bodyPr>
-            <a:normAutofit/>
+            <a:normAutofit lnSpcReduction="10000"/>
           </a:bodyPr>
           <a:lstStyle/>
           <a:p>
@@ -11180,18 +11902,19 @@
               <a:buNone/>
             </a:pPr>
             <a:r>
-              <a:rPr lang="en-US" sz="1350" dirty="0"/>
-              <a:t>K-Means Clustering – Hierarchical Cluster Analysis on Time-Series Data</a:t>
-            </a:r>
-          </a:p>
-        </p:txBody>
-      </p:sp>
-      <p:sp>
-        <p:nvSpPr>
-          <p:cNvPr id="14" name="Content Placeholder 3">
+              <a:rPr lang="en-US" sz="1350" smtClean="0"/>
+              <a:t>Cluster Analysis can also be used on time series data... Let’s start with hierarchical clustering.</a:t>
+            </a:r>
+            <a:endParaRPr lang="en-US" sz="1350" dirty="0"/>
+          </a:p>
+        </p:txBody>
+      </p:sp>
+      <p:sp>
+        <p:nvSpPr>
+          <p:cNvPr id="5" name="Title 1">
             <a:extLst>
               <a:ext uri="{FF2B5EF4-FFF2-40B4-BE49-F238E27FC236}">
-                <a16:creationId xmlns:a16="http://schemas.microsoft.com/office/drawing/2014/main" id="{1B8D1D68-1563-4617-ACA6-CFB795FB20C7}"/>
+                <a16:creationId xmlns:a16="http://schemas.microsoft.com/office/drawing/2014/main" id="{7930AA84-178B-4321-8849-123A7F350396}"/>
               </a:ext>
             </a:extLst>
           </p:cNvPr>
@@ -11202,195 +11925,63 @@
         </p:nvSpPr>
         <p:spPr>
           <a:xfrm>
-            <a:off x="411873" y="992553"/>
-            <a:ext cx="8008973" cy="558155"/>
+            <a:off x="6130620" y="6677409"/>
+            <a:ext cx="2966806" cy="145676"/>
           </a:xfrm>
           <a:prstGeom prst="rect">
             <a:avLst/>
           </a:prstGeom>
         </p:spPr>
         <p:txBody>
-          <a:bodyPr vert="horz" lIns="68580" tIns="34290" rIns="68580" bIns="34290" rtlCol="0">
-            <a:normAutofit/>
+          <a:bodyPr vert="horz" lIns="68580" tIns="34290" rIns="68580" bIns="34290" rtlCol="0" anchor="ctr">
+            <a:normAutofit fontScale="82500" lnSpcReduction="20000"/>
           </a:bodyPr>
           <a:lstStyle>
-            <a:lvl1pPr marL="228600" indent="-228600" algn="l" defTabSz="914400" rtl="0" eaLnBrk="1" latinLnBrk="0" hangingPunct="1">
+            <a:lvl1pPr algn="l" defTabSz="914400" rtl="0" eaLnBrk="1" latinLnBrk="0" hangingPunct="1">
               <a:lnSpc>
                 <a:spcPct val="90000"/>
               </a:lnSpc>
               <a:spcBef>
-                <a:spcPts val="1000"/>
+                <a:spcPct val="0"/>
               </a:spcBef>
-              <a:buFont typeface="Arial" panose="020B0604020202020204" pitchFamily="34" charset="0"/>
-              <a:buChar char="•"/>
-              <a:defRPr sz="2800" kern="1200">
+              <a:buNone/>
+              <a:defRPr sz="4400" kern="1200">
                 <a:solidFill>
                   <a:schemeClr val="tx1"/>
                 </a:solidFill>
-                <a:latin typeface="+mn-lt"/>
-                <a:ea typeface="+mn-ea"/>
-                <a:cs typeface="+mn-cs"/>
+                <a:latin typeface="+mj-lt"/>
+                <a:ea typeface="+mj-ea"/>
+                <a:cs typeface="+mj-cs"/>
               </a:defRPr>
             </a:lvl1pPr>
-            <a:lvl2pPr marL="685800" indent="-228600" algn="l" defTabSz="914400" rtl="0" eaLnBrk="1" latinLnBrk="0" hangingPunct="1">
-              <a:lnSpc>
-                <a:spcPct val="90000"/>
-              </a:lnSpc>
-              <a:spcBef>
-                <a:spcPts val="500"/>
-              </a:spcBef>
-              <a:buFont typeface="Arial" panose="020B0604020202020204" pitchFamily="34" charset="0"/>
-              <a:buChar char="•"/>
-              <a:defRPr sz="2400" kern="1200">
+          </a:lstStyle>
+          <a:p>
+            <a:pPr algn="r"/>
+            <a:r>
+              <a:rPr lang="en-US" sz="900" smtClean="0">
                 <a:solidFill>
-                  <a:schemeClr val="tx1"/>
+                  <a:schemeClr val="bg1">
+                    <a:lumMod val="65000"/>
+                  </a:schemeClr>
                 </a:solidFill>
                 <a:latin typeface="+mn-lt"/>
-                <a:ea typeface="+mn-ea"/>
-                <a:cs typeface="+mn-cs"/>
-              </a:defRPr>
-            </a:lvl2pPr>
-            <a:lvl3pPr marL="1143000" indent="-228600" algn="l" defTabSz="914400" rtl="0" eaLnBrk="1" latinLnBrk="0" hangingPunct="1">
-              <a:lnSpc>
-                <a:spcPct val="90000"/>
-              </a:lnSpc>
-              <a:spcBef>
-                <a:spcPts val="500"/>
-              </a:spcBef>
-              <a:buFont typeface="Arial" panose="020B0604020202020204" pitchFamily="34" charset="0"/>
-              <a:buChar char="•"/>
-              <a:defRPr sz="2000" kern="1200">
-                <a:solidFill>
-                  <a:schemeClr val="tx1"/>
-                </a:solidFill>
-                <a:latin typeface="+mn-lt"/>
-                <a:ea typeface="+mn-ea"/>
-                <a:cs typeface="+mn-cs"/>
-              </a:defRPr>
-            </a:lvl3pPr>
-            <a:lvl4pPr marL="1600200" indent="-228600" algn="l" defTabSz="914400" rtl="0" eaLnBrk="1" latinLnBrk="0" hangingPunct="1">
-              <a:lnSpc>
-                <a:spcPct val="90000"/>
-              </a:lnSpc>
-              <a:spcBef>
-                <a:spcPts val="500"/>
-              </a:spcBef>
-              <a:buFont typeface="Arial" panose="020B0604020202020204" pitchFamily="34" charset="0"/>
-              <a:buChar char="•"/>
-              <a:defRPr sz="1800" kern="1200">
-                <a:solidFill>
-                  <a:schemeClr val="tx1"/>
-                </a:solidFill>
-                <a:latin typeface="+mn-lt"/>
-                <a:ea typeface="+mn-ea"/>
-                <a:cs typeface="+mn-cs"/>
-              </a:defRPr>
-            </a:lvl4pPr>
-            <a:lvl5pPr marL="2057400" indent="-228600" algn="l" defTabSz="914400" rtl="0" eaLnBrk="1" latinLnBrk="0" hangingPunct="1">
-              <a:lnSpc>
-                <a:spcPct val="90000"/>
-              </a:lnSpc>
-              <a:spcBef>
-                <a:spcPts val="500"/>
-              </a:spcBef>
-              <a:buFont typeface="Arial" panose="020B0604020202020204" pitchFamily="34" charset="0"/>
-              <a:buChar char="•"/>
-              <a:defRPr sz="1800" kern="1200">
-                <a:solidFill>
-                  <a:schemeClr val="tx1"/>
-                </a:solidFill>
-                <a:latin typeface="+mn-lt"/>
-                <a:ea typeface="+mn-ea"/>
-                <a:cs typeface="+mn-cs"/>
-              </a:defRPr>
-            </a:lvl5pPr>
-            <a:lvl6pPr marL="2514600" indent="-228600" algn="l" defTabSz="914400" rtl="0" eaLnBrk="1" latinLnBrk="0" hangingPunct="1">
-              <a:lnSpc>
-                <a:spcPct val="90000"/>
-              </a:lnSpc>
-              <a:spcBef>
-                <a:spcPts val="500"/>
-              </a:spcBef>
-              <a:buFont typeface="Arial" panose="020B0604020202020204" pitchFamily="34" charset="0"/>
-              <a:buChar char="•"/>
-              <a:defRPr sz="1800" kern="1200">
-                <a:solidFill>
-                  <a:schemeClr val="tx1"/>
-                </a:solidFill>
-                <a:latin typeface="+mn-lt"/>
-                <a:ea typeface="+mn-ea"/>
-                <a:cs typeface="+mn-cs"/>
-              </a:defRPr>
-            </a:lvl6pPr>
-            <a:lvl7pPr marL="2971800" indent="-228600" algn="l" defTabSz="914400" rtl="0" eaLnBrk="1" latinLnBrk="0" hangingPunct="1">
-              <a:lnSpc>
-                <a:spcPct val="90000"/>
-              </a:lnSpc>
-              <a:spcBef>
-                <a:spcPts val="500"/>
-              </a:spcBef>
-              <a:buFont typeface="Arial" panose="020B0604020202020204" pitchFamily="34" charset="0"/>
-              <a:buChar char="•"/>
-              <a:defRPr sz="1800" kern="1200">
-                <a:solidFill>
-                  <a:schemeClr val="tx1"/>
-                </a:solidFill>
-                <a:latin typeface="+mn-lt"/>
-                <a:ea typeface="+mn-ea"/>
-                <a:cs typeface="+mn-cs"/>
-              </a:defRPr>
-            </a:lvl7pPr>
-            <a:lvl8pPr marL="3429000" indent="-228600" algn="l" defTabSz="914400" rtl="0" eaLnBrk="1" latinLnBrk="0" hangingPunct="1">
-              <a:lnSpc>
-                <a:spcPct val="90000"/>
-              </a:lnSpc>
-              <a:spcBef>
-                <a:spcPts val="500"/>
-              </a:spcBef>
-              <a:buFont typeface="Arial" panose="020B0604020202020204" pitchFamily="34" charset="0"/>
-              <a:buChar char="•"/>
-              <a:defRPr sz="1800" kern="1200">
-                <a:solidFill>
-                  <a:schemeClr val="tx1"/>
-                </a:solidFill>
-                <a:latin typeface="+mn-lt"/>
-                <a:ea typeface="+mn-ea"/>
-                <a:cs typeface="+mn-cs"/>
-              </a:defRPr>
-            </a:lvl8pPr>
-            <a:lvl9pPr marL="3886200" indent="-228600" algn="l" defTabSz="914400" rtl="0" eaLnBrk="1" latinLnBrk="0" hangingPunct="1">
-              <a:lnSpc>
-                <a:spcPct val="90000"/>
-              </a:lnSpc>
-              <a:spcBef>
-                <a:spcPts val="500"/>
-              </a:spcBef>
-              <a:buFont typeface="Arial" panose="020B0604020202020204" pitchFamily="34" charset="0"/>
-              <a:buChar char="•"/>
-              <a:defRPr sz="1800" kern="1200">
-                <a:solidFill>
-                  <a:schemeClr val="tx1"/>
-                </a:solidFill>
-                <a:latin typeface="+mn-lt"/>
-                <a:ea typeface="+mn-ea"/>
-                <a:cs typeface="+mn-cs"/>
-              </a:defRPr>
-            </a:lvl9pPr>
-          </a:lstStyle>
-          <a:p>
-            <a:pPr marL="0" indent="0">
-              <a:buNone/>
-            </a:pPr>
-            <a:r>
-              <a:rPr lang="en-US" sz="1350" dirty="0"/>
-              <a:t>In a time-series, the growth rates of different observations are considered the features. Cluster analysis is used to observe how observations cluster with respect to their rates of growth.</a:t>
-            </a:r>
-          </a:p>
-        </p:txBody>
-      </p:sp>
-      <p:sp>
-        <p:nvSpPr>
-          <p:cNvPr id="19" name="TextBox 18">
+              </a:rPr>
+              <a:t>Hierarchical Clustering</a:t>
+            </a:r>
+            <a:endParaRPr lang="en-US" sz="900" dirty="0">
+              <a:solidFill>
+                <a:schemeClr val="bg1">
+                  <a:lumMod val="65000"/>
+                </a:schemeClr>
+              </a:solidFill>
+              <a:latin typeface="+mn-lt"/>
+            </a:endParaRPr>
+          </a:p>
+        </p:txBody>
+      </p:sp>
+      <p:sp>
+        <p:nvSpPr>
+          <p:cNvPr id="11" name="TextBox 10">
             <a:extLst>
               <a:ext uri="{FF2B5EF4-FFF2-40B4-BE49-F238E27FC236}">
                 <a16:creationId xmlns:a16="http://schemas.microsoft.com/office/drawing/2014/main" id="{8FA4E600-36BF-419F-B739-8B99F6702248}"/>
@@ -11402,8 +11993,8 @@
         </p:nvSpPr>
         <p:spPr>
           <a:xfrm>
-            <a:off x="411873" y="1653840"/>
-            <a:ext cx="6128601" cy="2192908"/>
+            <a:off x="411873" y="966367"/>
+            <a:ext cx="7116051" cy="3808735"/>
           </a:xfrm>
           <a:prstGeom prst="rect">
             <a:avLst/>
@@ -11417,383 +12008,279 @@
           <a:lstStyle/>
           <a:p>
             <a:r>
+              <a:rPr lang="en-US" sz="1050" smtClean="0">
+                <a:latin typeface="Consolas" panose="020B0609020204030204" pitchFamily="49" charset="0"/>
+              </a:rPr>
+              <a:t>dist_oes &lt;- dist(oes, </a:t>
+            </a:r>
+            <a:r>
               <a:rPr lang="en-US" sz="1050" dirty="0">
                 <a:latin typeface="Consolas" panose="020B0609020204030204" pitchFamily="49" charset="0"/>
               </a:rPr>
-              <a:t>library(</a:t>
-            </a:r>
-            <a:r>
-              <a:rPr lang="en-US" sz="1050" dirty="0" err="1">
+              <a:t>method = </a:t>
+            </a:r>
+            <a:r>
+              <a:rPr lang="en-US" sz="1050">
                 <a:latin typeface="Consolas" panose="020B0609020204030204" pitchFamily="49" charset="0"/>
               </a:rPr>
-              <a:t>purrr</a:t>
-            </a:r>
-            <a:r>
-              <a:rPr lang="en-US" sz="1050" dirty="0">
+              <a:t>“</a:t>
+            </a:r>
+            <a:r>
+              <a:rPr lang="en-US" sz="1050" smtClean="0">
                 <a:latin typeface="Consolas" panose="020B0609020204030204" pitchFamily="49" charset="0"/>
               </a:rPr>
-              <a:t>)</a:t>
-            </a:r>
-          </a:p>
-          <a:p>
-            <a:r>
-              <a:rPr lang="en-US" sz="1050" dirty="0">
+              <a:t>euclidean”)</a:t>
+            </a:r>
+          </a:p>
+          <a:p>
+            <a:endParaRPr lang="en-US" sz="1050">
+              <a:latin typeface="Consolas" panose="020B0609020204030204" pitchFamily="49" charset="0"/>
+            </a:endParaRPr>
+          </a:p>
+          <a:p>
+            <a:r>
+              <a:rPr lang="en-US" sz="1050" smtClean="0">
                 <a:latin typeface="Consolas" panose="020B0609020204030204" pitchFamily="49" charset="0"/>
               </a:rPr>
-              <a:t>library(cluster)</a:t>
-            </a:r>
-          </a:p>
-          <a:p>
-            <a:r>
-              <a:rPr lang="en-US" sz="1050" dirty="0">
+              <a:t>hc_oes &lt;- hclust(dist_oes, method = “average”)</a:t>
+            </a:r>
+          </a:p>
+          <a:p>
+            <a:endParaRPr lang="en-US" sz="1050">
+              <a:latin typeface="Consolas" panose="020B0609020204030204" pitchFamily="49" charset="0"/>
+            </a:endParaRPr>
+          </a:p>
+          <a:p>
+            <a:r>
+              <a:rPr lang="en-US" sz="1050" smtClean="0">
                 <a:latin typeface="Consolas" panose="020B0609020204030204" pitchFamily="49" charset="0"/>
               </a:rPr>
-              <a:t>library(</a:t>
-            </a:r>
-            <a:r>
-              <a:rPr lang="en-US" sz="1050" dirty="0" err="1">
+              <a:t>dend_oes &lt;- as.dendrogram(hc_oes)</a:t>
+            </a:r>
+          </a:p>
+          <a:p>
+            <a:endParaRPr lang="en-US" sz="1050">
+              <a:latin typeface="Consolas" panose="020B0609020204030204" pitchFamily="49" charset="0"/>
+            </a:endParaRPr>
+          </a:p>
+          <a:p>
+            <a:r>
+              <a:rPr lang="en-US" sz="1050" smtClean="0">
                 <a:latin typeface="Consolas" panose="020B0609020204030204" pitchFamily="49" charset="0"/>
               </a:rPr>
-              <a:t>tibble</a:t>
-            </a:r>
-            <a:r>
-              <a:rPr lang="en-US" sz="1050" dirty="0">
+              <a:t>plot(dend_oes)</a:t>
+            </a:r>
+          </a:p>
+          <a:p>
+            <a:endParaRPr lang="en-US" sz="1050">
+              <a:latin typeface="Consolas" panose="020B0609020204030204" pitchFamily="49" charset="0"/>
+            </a:endParaRPr>
+          </a:p>
+          <a:p>
+            <a:r>
+              <a:rPr lang="en-US" sz="1050" smtClean="0">
                 <a:latin typeface="Consolas" panose="020B0609020204030204" pitchFamily="49" charset="0"/>
               </a:rPr>
-              <a:t>)</a:t>
-            </a:r>
-          </a:p>
-          <a:p>
-            <a:r>
-              <a:rPr lang="en-US" sz="1050" dirty="0">
+              <a:t>dend_colored &lt;- color_branches(dend_oes, h = 100000)</a:t>
+            </a:r>
+          </a:p>
+          <a:p>
+            <a:endParaRPr lang="en-US" sz="1050">
+              <a:latin typeface="Consolas" panose="020B0609020204030204" pitchFamily="49" charset="0"/>
+            </a:endParaRPr>
+          </a:p>
+          <a:p>
+            <a:r>
+              <a:rPr lang="en-US" sz="1050" smtClean="0">
                 <a:latin typeface="Consolas" panose="020B0609020204030204" pitchFamily="49" charset="0"/>
               </a:rPr>
-              <a:t>library(</a:t>
-            </a:r>
-            <a:r>
-              <a:rPr lang="en-US" sz="1050" dirty="0" err="1">
+              <a:t>plot(dend_colored)</a:t>
+            </a:r>
+          </a:p>
+          <a:p>
+            <a:endParaRPr lang="en-US" sz="1050">
+              <a:latin typeface="Consolas" panose="020B0609020204030204" pitchFamily="49" charset="0"/>
+            </a:endParaRPr>
+          </a:p>
+          <a:p>
+            <a:endParaRPr lang="en-US" sz="1050" smtClean="0">
+              <a:latin typeface="Consolas" panose="020B0609020204030204" pitchFamily="49" charset="0"/>
+            </a:endParaRPr>
+          </a:p>
+          <a:p>
+            <a:r>
+              <a:rPr lang="en-US" sz="1050" smtClean="0">
                 <a:latin typeface="Consolas" panose="020B0609020204030204" pitchFamily="49" charset="0"/>
               </a:rPr>
-              <a:t>tidyr</a:t>
-            </a:r>
-            <a:r>
-              <a:rPr lang="en-US" sz="1050" dirty="0">
+              <a:t>df_oes &lt;- rownames_to_column(as.data.frame(oes), var = “occupation”)</a:t>
+            </a:r>
+          </a:p>
+          <a:p>
+            <a:endParaRPr lang="en-US" sz="1050">
+              <a:latin typeface="Consolas" panose="020B0609020204030204" pitchFamily="49" charset="0"/>
+            </a:endParaRPr>
+          </a:p>
+          <a:p>
+            <a:r>
+              <a:rPr lang="en-US" sz="1050" smtClean="0">
                 <a:latin typeface="Consolas" panose="020B0609020204030204" pitchFamily="49" charset="0"/>
               </a:rPr>
-              <a:t>)</a:t>
-            </a:r>
-          </a:p>
-          <a:p>
+              <a:t>cut_oes &lt;- cutree(hc_oes, h = 1000000)</a:t>
+            </a:r>
+          </a:p>
+          <a:p>
+            <a:endParaRPr lang="en-US" sz="1050">
+              <a:latin typeface="Consolas" panose="020B0609020204030204" pitchFamily="49" charset="0"/>
+            </a:endParaRPr>
+          </a:p>
+          <a:p>
+            <a:r>
+              <a:rPr lang="en-US" sz="1050" smtClean="0">
+                <a:latin typeface="Consolas" panose="020B0609020204030204" pitchFamily="49" charset="0"/>
+              </a:rPr>
+              <a:t>clust_oes &lt;- mutate(df_oes, cluster = cut_oes)</a:t>
+            </a:r>
+          </a:p>
+          <a:p>
+            <a:endParaRPr lang="en-US" sz="1050">
+              <a:latin typeface="Consolas" panose="020B0609020204030204" pitchFamily="49" charset="0"/>
+            </a:endParaRPr>
+          </a:p>
+          <a:p>
+            <a:r>
+              <a:rPr lang="en-US" sz="1050" smtClean="0">
+                <a:latin typeface="Consolas" panose="020B0609020204030204" pitchFamily="49" charset="0"/>
+              </a:rPr>
+              <a:t>gathered_oes &lt;- clust_oes %&gt;% gather(key = year, value = mean_salary, -c(occupation, cluster))</a:t>
+            </a:r>
+          </a:p>
+          <a:p>
+            <a:endParaRPr lang="en-US" sz="1050">
+              <a:latin typeface="Consolas" panose="020B0609020204030204" pitchFamily="49" charset="0"/>
+            </a:endParaRPr>
+          </a:p>
+          <a:p>
+            <a:r>
+              <a:rPr lang="en-US" sz="1050" smtClean="0">
+                <a:latin typeface="Consolas" panose="020B0609020204030204" pitchFamily="49" charset="0"/>
+              </a:rPr>
+              <a:t>ggplot(gathered_oes, aes(x = year, y = mean_salary, color = factor(cluster))) +</a:t>
+            </a:r>
+          </a:p>
+          <a:p>
+            <a:r>
+              <a:rPr lang="en-US" sz="1050">
+                <a:latin typeface="Consolas" panose="020B0609020204030204" pitchFamily="49" charset="0"/>
+              </a:rPr>
+              <a:t>	</a:t>
+            </a:r>
+            <a:r>
+              <a:rPr lang="en-US" sz="1050" smtClean="0">
+                <a:latin typeface="Consolas" panose="020B0609020204030204" pitchFamily="49" charset="0"/>
+              </a:rPr>
+              <a:t>geom_line(aes(group = occupation))</a:t>
+            </a:r>
             <a:endParaRPr lang="en-US" sz="1050" dirty="0">
               <a:latin typeface="Consolas" panose="020B0609020204030204" pitchFamily="49" charset="0"/>
             </a:endParaRPr>
           </a:p>
-          <a:p>
-            <a:r>
-              <a:rPr lang="en-US" sz="1050" dirty="0" err="1">
-                <a:latin typeface="Consolas" panose="020B0609020204030204" pitchFamily="49" charset="0"/>
-              </a:rPr>
-              <a:t>dist_oes</a:t>
-            </a:r>
-            <a:r>
-              <a:rPr lang="en-US" sz="1050" dirty="0">
-                <a:latin typeface="Consolas" panose="020B0609020204030204" pitchFamily="49" charset="0"/>
-              </a:rPr>
-              <a:t> &lt;- </a:t>
-            </a:r>
-            <a:r>
-              <a:rPr lang="en-US" sz="1050" dirty="0" err="1">
-                <a:latin typeface="Consolas" panose="020B0609020204030204" pitchFamily="49" charset="0"/>
-              </a:rPr>
-              <a:t>dist</a:t>
-            </a:r>
-            <a:r>
-              <a:rPr lang="en-US" sz="1050" dirty="0">
-                <a:latin typeface="Consolas" panose="020B0609020204030204" pitchFamily="49" charset="0"/>
-              </a:rPr>
-              <a:t>(</a:t>
-            </a:r>
-            <a:r>
-              <a:rPr lang="en-US" sz="1050" dirty="0" err="1">
-                <a:latin typeface="Consolas" panose="020B0609020204030204" pitchFamily="49" charset="0"/>
-              </a:rPr>
-              <a:t>oes</a:t>
-            </a:r>
-            <a:r>
-              <a:rPr lang="en-US" sz="1050" dirty="0">
-                <a:latin typeface="Consolas" panose="020B0609020204030204" pitchFamily="49" charset="0"/>
-              </a:rPr>
-              <a:t>, method = “</a:t>
-            </a:r>
-            <a:r>
-              <a:rPr lang="en-US" sz="1050" dirty="0" err="1">
-                <a:latin typeface="Consolas" panose="020B0609020204030204" pitchFamily="49" charset="0"/>
-              </a:rPr>
-              <a:t>euclidean</a:t>
-            </a:r>
-            <a:r>
-              <a:rPr lang="en-US" sz="1050" dirty="0">
-                <a:latin typeface="Consolas" panose="020B0609020204030204" pitchFamily="49" charset="0"/>
-              </a:rPr>
-              <a:t>”)</a:t>
-            </a:r>
-          </a:p>
-          <a:p>
-            <a:endParaRPr lang="en-US" sz="1050" dirty="0">
-              <a:latin typeface="Consolas" panose="020B0609020204030204" pitchFamily="49" charset="0"/>
-            </a:endParaRPr>
-          </a:p>
-          <a:p>
-            <a:r>
-              <a:rPr lang="en-US" sz="1050" dirty="0" err="1">
-                <a:latin typeface="Consolas" panose="020B0609020204030204" pitchFamily="49" charset="0"/>
-              </a:rPr>
-              <a:t>hc_oes</a:t>
-            </a:r>
-            <a:r>
-              <a:rPr lang="en-US" sz="1050" dirty="0">
-                <a:latin typeface="Consolas" panose="020B0609020204030204" pitchFamily="49" charset="0"/>
-              </a:rPr>
-              <a:t> &lt;- </a:t>
-            </a:r>
-            <a:r>
-              <a:rPr lang="en-US" sz="1050" dirty="0" err="1">
-                <a:latin typeface="Consolas" panose="020B0609020204030204" pitchFamily="49" charset="0"/>
-              </a:rPr>
-              <a:t>hclust</a:t>
-            </a:r>
-            <a:r>
-              <a:rPr lang="en-US" sz="1050" dirty="0">
-                <a:latin typeface="Consolas" panose="020B0609020204030204" pitchFamily="49" charset="0"/>
-              </a:rPr>
-              <a:t>(</a:t>
-            </a:r>
-            <a:r>
-              <a:rPr lang="en-US" sz="1050" dirty="0" err="1">
-                <a:latin typeface="Consolas" panose="020B0609020204030204" pitchFamily="49" charset="0"/>
-              </a:rPr>
-              <a:t>dist_oes</a:t>
-            </a:r>
-            <a:r>
-              <a:rPr lang="en-US" sz="1050" dirty="0">
-                <a:latin typeface="Consolas" panose="020B0609020204030204" pitchFamily="49" charset="0"/>
-              </a:rPr>
-              <a:t>, method = “average”)</a:t>
-            </a:r>
-          </a:p>
-          <a:p>
-            <a:endParaRPr lang="en-US" sz="1050" dirty="0">
-              <a:latin typeface="Consolas" panose="020B0609020204030204" pitchFamily="49" charset="0"/>
-            </a:endParaRPr>
-          </a:p>
-          <a:p>
-            <a:r>
-              <a:rPr lang="en-US" sz="1050" dirty="0" err="1">
-                <a:latin typeface="Consolas" panose="020B0609020204030204" pitchFamily="49" charset="0"/>
-              </a:rPr>
-              <a:t>dend_oes</a:t>
-            </a:r>
-            <a:r>
-              <a:rPr lang="en-US" sz="1050" dirty="0">
-                <a:latin typeface="Consolas" panose="020B0609020204030204" pitchFamily="49" charset="0"/>
-              </a:rPr>
-              <a:t> &lt;- </a:t>
-            </a:r>
-            <a:r>
-              <a:rPr lang="en-US" sz="1050" dirty="0" err="1">
-                <a:latin typeface="Consolas" panose="020B0609020204030204" pitchFamily="49" charset="0"/>
-              </a:rPr>
-              <a:t>as.dendrogram</a:t>
-            </a:r>
-            <a:r>
-              <a:rPr lang="en-US" sz="1050" dirty="0">
-                <a:latin typeface="Consolas" panose="020B0609020204030204" pitchFamily="49" charset="0"/>
-              </a:rPr>
-              <a:t>(</a:t>
-            </a:r>
-            <a:r>
-              <a:rPr lang="en-US" sz="1050" dirty="0" err="1">
-                <a:latin typeface="Consolas" panose="020B0609020204030204" pitchFamily="49" charset="0"/>
-              </a:rPr>
-              <a:t>hc_oes</a:t>
-            </a:r>
-            <a:r>
-              <a:rPr lang="en-US" sz="1050" dirty="0">
-                <a:latin typeface="Consolas" panose="020B0609020204030204" pitchFamily="49" charset="0"/>
-              </a:rPr>
-              <a:t>)		plot(</a:t>
-            </a:r>
-            <a:r>
-              <a:rPr lang="en-US" sz="1050" dirty="0" err="1">
-                <a:latin typeface="Consolas" panose="020B0609020204030204" pitchFamily="49" charset="0"/>
-              </a:rPr>
-              <a:t>dend_oes</a:t>
-            </a:r>
-            <a:r>
-              <a:rPr lang="en-US" sz="1050" dirty="0">
-                <a:latin typeface="Consolas" panose="020B0609020204030204" pitchFamily="49" charset="0"/>
-              </a:rPr>
-              <a:t>)</a:t>
-            </a:r>
-          </a:p>
-          <a:p>
-            <a:endParaRPr lang="en-US" sz="1050" dirty="0">
-              <a:latin typeface="Consolas" panose="020B0609020204030204" pitchFamily="49" charset="0"/>
-            </a:endParaRPr>
-          </a:p>
-          <a:p>
-            <a:endParaRPr lang="en-US" sz="1050" dirty="0">
-              <a:latin typeface="Consolas" panose="020B0609020204030204" pitchFamily="49" charset="0"/>
-            </a:endParaRPr>
-          </a:p>
-          <a:p>
-            <a:r>
-              <a:rPr lang="en-US" sz="1050" dirty="0" err="1">
-                <a:latin typeface="Consolas" panose="020B0609020204030204" pitchFamily="49" charset="0"/>
-              </a:rPr>
-              <a:t>dend_colored</a:t>
-            </a:r>
-            <a:r>
-              <a:rPr lang="en-US" sz="1050" dirty="0">
-                <a:latin typeface="Consolas" panose="020B0609020204030204" pitchFamily="49" charset="0"/>
-              </a:rPr>
-              <a:t> &lt;- </a:t>
-            </a:r>
-            <a:r>
-              <a:rPr lang="en-US" sz="1050" dirty="0" err="1">
-                <a:latin typeface="Consolas" panose="020B0609020204030204" pitchFamily="49" charset="0"/>
-              </a:rPr>
-              <a:t>color_branches</a:t>
-            </a:r>
-            <a:r>
-              <a:rPr lang="en-US" sz="1050" dirty="0">
-                <a:latin typeface="Consolas" panose="020B0609020204030204" pitchFamily="49" charset="0"/>
-              </a:rPr>
-              <a:t>(</a:t>
-            </a:r>
-            <a:r>
-              <a:rPr lang="en-US" sz="1050" dirty="0" err="1">
-                <a:latin typeface="Consolas" panose="020B0609020204030204" pitchFamily="49" charset="0"/>
-              </a:rPr>
-              <a:t>dend_oes</a:t>
-            </a:r>
-            <a:r>
-              <a:rPr lang="en-US" sz="1050" dirty="0">
-                <a:latin typeface="Consolas" panose="020B0609020204030204" pitchFamily="49" charset="0"/>
-              </a:rPr>
-              <a:t>, h = 100000)		plot(</a:t>
-            </a:r>
-            <a:r>
-              <a:rPr lang="en-US" sz="1050" dirty="0" err="1">
-                <a:latin typeface="Consolas" panose="020B0609020204030204" pitchFamily="49" charset="0"/>
-              </a:rPr>
-              <a:t>dend_colored</a:t>
-            </a:r>
-            <a:r>
-              <a:rPr lang="en-US" sz="1050" dirty="0">
-                <a:latin typeface="Consolas" panose="020B0609020204030204" pitchFamily="49" charset="0"/>
-              </a:rPr>
-              <a:t>)</a:t>
-            </a:r>
-          </a:p>
-        </p:txBody>
-      </p:sp>
-      <p:sp>
-        <p:nvSpPr>
-          <p:cNvPr id="8" name="Arrow: Right 7">
-            <a:extLst>
-              <a:ext uri="{FF2B5EF4-FFF2-40B4-BE49-F238E27FC236}">
-                <a16:creationId xmlns:a16="http://schemas.microsoft.com/office/drawing/2014/main" id="{56B6CCF3-4351-4059-9064-F23816CB30CE}"/>
-              </a:ext>
-            </a:extLst>
-          </p:cNvPr>
-          <p:cNvSpPr/>
-          <p:nvPr/>
+        </p:txBody>
+      </p:sp>
+      <p:sp>
+        <p:nvSpPr>
+          <p:cNvPr id="39" name="Content Placeholder 3"/>
+          <p:cNvSpPr>
+            <a:spLocks noGrp="1"/>
+          </p:cNvSpPr>
+          <p:nvPr>
+            <p:ph sz="half" idx="1"/>
+          </p:nvPr>
         </p:nvSpPr>
         <p:spPr>
           <a:xfrm>
-            <a:off x="3107098" y="3120243"/>
-            <a:ext cx="457200" cy="226184"/>
+            <a:off x="6645835" y="2790698"/>
+            <a:ext cx="1457126" cy="274594"/>
           </a:xfrm>
-          <a:prstGeom prst="rightArrow">
+        </p:spPr>
+        <p:txBody>
+          <a:bodyPr>
+            <a:normAutofit/>
+          </a:bodyPr>
+          <a:lstStyle/>
+          <a:p>
+            <a:pPr marL="0" indent="0">
+              <a:buNone/>
+            </a:pPr>
+            <a:r>
+              <a:rPr lang="en-US" sz="1000" b="1" smtClean="0">
+                <a:solidFill>
+                  <a:schemeClr val="accent2">
+                    <a:lumMod val="75000"/>
+                  </a:schemeClr>
+                </a:solidFill>
+              </a:rPr>
+              <a:t>libraries </a:t>
+            </a:r>
+            <a:r>
+              <a:rPr lang="en-US" sz="1000" b="1" smtClean="0">
+                <a:solidFill>
+                  <a:schemeClr val="accent2">
+                    <a:lumMod val="75000"/>
+                  </a:schemeClr>
+                </a:solidFill>
+                <a:sym typeface="Wingdings" panose="05000000000000000000" pitchFamily="2" charset="2"/>
+              </a:rPr>
+              <a:t> </a:t>
+            </a:r>
+            <a:r>
+              <a:rPr lang="en-US" sz="1000" b="1" smtClean="0">
+                <a:solidFill>
+                  <a:schemeClr val="accent2">
+                    <a:lumMod val="75000"/>
+                  </a:schemeClr>
+                </a:solidFill>
+              </a:rPr>
+              <a:t>tibble,  tidyr</a:t>
+            </a:r>
+          </a:p>
+        </p:txBody>
+      </p:sp>
+      <p:cxnSp>
+        <p:nvCxnSpPr>
+          <p:cNvPr id="6" name="Straight Connector 5"/>
+          <p:cNvCxnSpPr>
+            <a:endCxn id="39" idx="1"/>
+          </p:cNvCxnSpPr>
+          <p:nvPr/>
+        </p:nvCxnSpPr>
+        <p:spPr>
+          <a:xfrm flipV="1">
+            <a:off x="531906" y="2927995"/>
+            <a:ext cx="6113929" cy="12428"/>
+          </a:xfrm>
+          <a:prstGeom prst="line">
             <a:avLst/>
           </a:prstGeom>
         </p:spPr>
         <p:style>
-          <a:lnRef idx="2">
-            <a:schemeClr val="accent1">
-              <a:shade val="50000"/>
-            </a:schemeClr>
+          <a:lnRef idx="1">
+            <a:schemeClr val="accent1"/>
           </a:lnRef>
-          <a:fillRef idx="1">
+          <a:fillRef idx="0">
             <a:schemeClr val="accent1"/>
           </a:fillRef>
           <a:effectRef idx="0">
             <a:schemeClr val="accent1"/>
           </a:effectRef>
           <a:fontRef idx="minor">
-            <a:schemeClr val="lt1"/>
+            <a:schemeClr val="tx1"/>
           </a:fontRef>
         </p:style>
-        <p:txBody>
-          <a:bodyPr rtlCol="0" anchor="ctr"/>
-          <a:lstStyle/>
-          <a:p>
-            <a:pPr algn="ctr"/>
-            <a:endParaRPr lang="en-US" sz="1350"/>
-          </a:p>
-        </p:txBody>
-      </p:sp>
-      <p:sp>
-        <p:nvSpPr>
-          <p:cNvPr id="9" name="Arrow: Right 8">
-            <a:extLst>
-              <a:ext uri="{FF2B5EF4-FFF2-40B4-BE49-F238E27FC236}">
-                <a16:creationId xmlns:a16="http://schemas.microsoft.com/office/drawing/2014/main" id="{2ACD7873-23A0-4671-A1A7-609CA47E9F58}"/>
-              </a:ext>
-            </a:extLst>
-          </p:cNvPr>
-          <p:cNvSpPr/>
-          <p:nvPr/>
-        </p:nvSpPr>
-        <p:spPr>
-          <a:xfrm>
-            <a:off x="4469102" y="3596072"/>
-            <a:ext cx="457200" cy="226184"/>
-          </a:xfrm>
-          <a:prstGeom prst="rightArrow">
-            <a:avLst/>
-          </a:prstGeom>
-        </p:spPr>
-        <p:style>
-          <a:lnRef idx="2">
-            <a:schemeClr val="accent1">
-              <a:shade val="50000"/>
-            </a:schemeClr>
-          </a:lnRef>
-          <a:fillRef idx="1">
-            <a:schemeClr val="accent1"/>
-          </a:fillRef>
-          <a:effectRef idx="0">
-            <a:schemeClr val="accent1"/>
-          </a:effectRef>
-          <a:fontRef idx="minor">
-            <a:schemeClr val="lt1"/>
-          </a:fontRef>
-        </p:style>
-        <p:txBody>
-          <a:bodyPr rtlCol="0" anchor="ctr"/>
-          <a:lstStyle/>
-          <a:p>
-            <a:pPr algn="ctr"/>
-            <a:endParaRPr lang="en-US" sz="1350"/>
-          </a:p>
-        </p:txBody>
-      </p:sp>
+      </p:cxnSp>
     </p:spTree>
     <p:extLst>
       <p:ext uri="{BB962C8B-B14F-4D97-AF65-F5344CB8AC3E}">
-        <p14:creationId xmlns:p14="http://schemas.microsoft.com/office/powerpoint/2010/main" val="3681340079"/>
+        <p14:creationId xmlns:p14="http://schemas.microsoft.com/office/powerpoint/2010/main" val="2645151561"/>
       </p:ext>
     </p:extLst>
   </p:cSld>
